--- a/C++_and_OOP/NCTU/project1/HW1_609001002/pics.pptx
+++ b/C++_and_OOP/NCTU/project1/HW1_609001002/pics.pptx
@@ -6,6 +6,7 @@
   </p:sldMasterIdLst>
   <p:sldIdLst>
     <p:sldId id="256" r:id="rId2"/>
+    <p:sldId id="257" r:id="rId3"/>
   </p:sldIdLst>
   <p:sldSz cx="6858000" cy="9906000" type="A4"/>
   <p:notesSz cx="6858000" cy="9144000"/>
@@ -243,7 +244,7 @@
           <a:p>
             <a:fld id="{CFD73A00-8293-3E44-B8FC-1344C5A2E5D4}" type="datetimeFigureOut">
               <a:rPr kumimoji="1" lang="zh-TW" altLang="en-US" smtClean="0"/>
-              <a:t>2021/4/26</a:t>
+              <a:t>2021/4/27</a:t>
             </a:fld>
             <a:endParaRPr kumimoji="1" lang="zh-TW" altLang="en-US"/>
           </a:p>
@@ -413,7 +414,7 @@
           <a:p>
             <a:fld id="{CFD73A00-8293-3E44-B8FC-1344C5A2E5D4}" type="datetimeFigureOut">
               <a:rPr kumimoji="1" lang="zh-TW" altLang="en-US" smtClean="0"/>
-              <a:t>2021/4/26</a:t>
+              <a:t>2021/4/27</a:t>
             </a:fld>
             <a:endParaRPr kumimoji="1" lang="zh-TW" altLang="en-US"/>
           </a:p>
@@ -593,7 +594,7 @@
           <a:p>
             <a:fld id="{CFD73A00-8293-3E44-B8FC-1344C5A2E5D4}" type="datetimeFigureOut">
               <a:rPr kumimoji="1" lang="zh-TW" altLang="en-US" smtClean="0"/>
-              <a:t>2021/4/26</a:t>
+              <a:t>2021/4/27</a:t>
             </a:fld>
             <a:endParaRPr kumimoji="1" lang="zh-TW" altLang="en-US"/>
           </a:p>
@@ -763,7 +764,7 @@
           <a:p>
             <a:fld id="{CFD73A00-8293-3E44-B8FC-1344C5A2E5D4}" type="datetimeFigureOut">
               <a:rPr kumimoji="1" lang="zh-TW" altLang="en-US" smtClean="0"/>
-              <a:t>2021/4/26</a:t>
+              <a:t>2021/4/27</a:t>
             </a:fld>
             <a:endParaRPr kumimoji="1" lang="zh-TW" altLang="en-US"/>
           </a:p>
@@ -1007,7 +1008,7 @@
           <a:p>
             <a:fld id="{CFD73A00-8293-3E44-B8FC-1344C5A2E5D4}" type="datetimeFigureOut">
               <a:rPr kumimoji="1" lang="zh-TW" altLang="en-US" smtClean="0"/>
-              <a:t>2021/4/26</a:t>
+              <a:t>2021/4/27</a:t>
             </a:fld>
             <a:endParaRPr kumimoji="1" lang="zh-TW" altLang="en-US"/>
           </a:p>
@@ -1239,7 +1240,7 @@
           <a:p>
             <a:fld id="{CFD73A00-8293-3E44-B8FC-1344C5A2E5D4}" type="datetimeFigureOut">
               <a:rPr kumimoji="1" lang="zh-TW" altLang="en-US" smtClean="0"/>
-              <a:t>2021/4/26</a:t>
+              <a:t>2021/4/27</a:t>
             </a:fld>
             <a:endParaRPr kumimoji="1" lang="zh-TW" altLang="en-US"/>
           </a:p>
@@ -1606,7 +1607,7 @@
           <a:p>
             <a:fld id="{CFD73A00-8293-3E44-B8FC-1344C5A2E5D4}" type="datetimeFigureOut">
               <a:rPr kumimoji="1" lang="zh-TW" altLang="en-US" smtClean="0"/>
-              <a:t>2021/4/26</a:t>
+              <a:t>2021/4/27</a:t>
             </a:fld>
             <a:endParaRPr kumimoji="1" lang="zh-TW" altLang="en-US"/>
           </a:p>
@@ -1724,7 +1725,7 @@
           <a:p>
             <a:fld id="{CFD73A00-8293-3E44-B8FC-1344C5A2E5D4}" type="datetimeFigureOut">
               <a:rPr kumimoji="1" lang="zh-TW" altLang="en-US" smtClean="0"/>
-              <a:t>2021/4/26</a:t>
+              <a:t>2021/4/27</a:t>
             </a:fld>
             <a:endParaRPr kumimoji="1" lang="zh-TW" altLang="en-US"/>
           </a:p>
@@ -1819,7 +1820,7 @@
           <a:p>
             <a:fld id="{CFD73A00-8293-3E44-B8FC-1344C5A2E5D4}" type="datetimeFigureOut">
               <a:rPr kumimoji="1" lang="zh-TW" altLang="en-US" smtClean="0"/>
-              <a:t>2021/4/26</a:t>
+              <a:t>2021/4/27</a:t>
             </a:fld>
             <a:endParaRPr kumimoji="1" lang="zh-TW" altLang="en-US"/>
           </a:p>
@@ -2096,7 +2097,7 @@
           <a:p>
             <a:fld id="{CFD73A00-8293-3E44-B8FC-1344C5A2E5D4}" type="datetimeFigureOut">
               <a:rPr kumimoji="1" lang="zh-TW" altLang="en-US" smtClean="0"/>
-              <a:t>2021/4/26</a:t>
+              <a:t>2021/4/27</a:t>
             </a:fld>
             <a:endParaRPr kumimoji="1" lang="zh-TW" altLang="en-US"/>
           </a:p>
@@ -2353,7 +2354,7 @@
           <a:p>
             <a:fld id="{CFD73A00-8293-3E44-B8FC-1344C5A2E5D4}" type="datetimeFigureOut">
               <a:rPr kumimoji="1" lang="zh-TW" altLang="en-US" smtClean="0"/>
-              <a:t>2021/4/26</a:t>
+              <a:t>2021/4/27</a:t>
             </a:fld>
             <a:endParaRPr kumimoji="1" lang="zh-TW" altLang="en-US"/>
           </a:p>
@@ -2566,7 +2567,7 @@
           <a:p>
             <a:fld id="{CFD73A00-8293-3E44-B8FC-1344C5A2E5D4}" type="datetimeFigureOut">
               <a:rPr kumimoji="1" lang="zh-TW" altLang="en-US" smtClean="0"/>
-              <a:t>2021/4/26</a:t>
+              <a:t>2021/4/27</a:t>
             </a:fld>
             <a:endParaRPr kumimoji="1" lang="zh-TW" altLang="en-US"/>
           </a:p>
@@ -2985,7 +2986,7 @@
         </p:nvSpPr>
         <p:spPr>
           <a:xfrm>
-            <a:off x="172501" y="1853085"/>
+            <a:off x="172501" y="806950"/>
             <a:ext cx="752129" cy="461665"/>
           </a:xfrm>
           <a:prstGeom prst="rect">
@@ -3034,8 +3035,8 @@
         </p:nvSpPr>
         <p:spPr>
           <a:xfrm>
-            <a:off x="3032487" y="1945419"/>
-            <a:ext cx="1248932" cy="276999"/>
+            <a:off x="3036029" y="899284"/>
+            <a:ext cx="1027012" cy="276999"/>
           </a:xfrm>
           <a:prstGeom prst="rect">
             <a:avLst/>
@@ -3057,7 +3058,7 @@
           <a:p>
             <a:r>
               <a:rPr kumimoji="1" lang="en-US" altLang="zh-TW" sz="1200" dirty="0"/>
-              <a:t>Save file existed?</a:t>
+              <a:t>Has save file?</a:t>
             </a:r>
             <a:endParaRPr kumimoji="1" lang="zh-TW" altLang="en-US" sz="1200" dirty="0"/>
           </a:p>
@@ -3077,7 +3078,7 @@
         </p:nvGrpSpPr>
         <p:grpSpPr>
           <a:xfrm>
-            <a:off x="1769079" y="1520025"/>
+            <a:off x="1573035" y="473890"/>
             <a:ext cx="891591" cy="1127787"/>
             <a:chOff x="1769079" y="1520025"/>
             <a:chExt cx="891591" cy="1127787"/>
@@ -3227,7 +3228,7 @@
         </p:nvSpPr>
         <p:spPr>
           <a:xfrm>
-            <a:off x="5171498" y="1945419"/>
+            <a:off x="5171498" y="899284"/>
             <a:ext cx="1308500" cy="276999"/>
           </a:xfrm>
           <a:prstGeom prst="rect">
@@ -3270,7 +3271,7 @@
         </p:nvSpPr>
         <p:spPr>
           <a:xfrm>
-            <a:off x="5217184" y="1520024"/>
+            <a:off x="5217184" y="473889"/>
             <a:ext cx="1217128" cy="276999"/>
           </a:xfrm>
           <a:prstGeom prst="rect">
@@ -3313,7 +3314,7 @@
         </p:nvSpPr>
         <p:spPr>
           <a:xfrm>
-            <a:off x="3032487" y="2370813"/>
+            <a:off x="3032487" y="1324678"/>
             <a:ext cx="1448666" cy="276999"/>
           </a:xfrm>
           <a:prstGeom prst="rect">
@@ -3324,7 +3325,9 @@
           </a:solidFill>
           <a:ln w="12700">
             <a:solidFill>
-              <a:schemeClr val="accent1"/>
+              <a:schemeClr val="accent5">
+                <a:lumMod val="75000"/>
+              </a:schemeClr>
             </a:solidFill>
           </a:ln>
         </p:spPr>
@@ -3356,8 +3359,8 @@
         </p:nvSpPr>
         <p:spPr>
           <a:xfrm>
-            <a:off x="1664043" y="1416909"/>
-            <a:ext cx="1161535" cy="1334530"/>
+            <a:off x="1468000" y="172194"/>
+            <a:ext cx="1066822" cy="1533110"/>
           </a:xfrm>
           <a:prstGeom prst="rect">
             <a:avLst/>
@@ -3408,7 +3411,7 @@
         </p:nvSpPr>
         <p:spPr>
           <a:xfrm>
-            <a:off x="4975654" y="1416908"/>
+            <a:off x="4975654" y="370773"/>
             <a:ext cx="1702844" cy="1334531"/>
           </a:xfrm>
           <a:prstGeom prst="rect">
@@ -3458,14 +3461,13 @@
           <p:cNvCxnSpPr>
             <a:cxnSpLocks/>
             <a:stCxn id="4" idx="3"/>
-            <a:endCxn id="15" idx="1"/>
           </p:cNvCxnSpPr>
           <p:nvPr/>
         </p:nvCxnSpPr>
         <p:spPr>
           <a:xfrm>
-            <a:off x="924630" y="2083918"/>
-            <a:ext cx="739413" cy="256"/>
+            <a:off x="924630" y="1037783"/>
+            <a:ext cx="543369" cy="0"/>
           </a:xfrm>
           <a:prstGeom prst="straightConnector1">
             <a:avLst/>
@@ -3500,14 +3502,15 @@
           </p:cNvPr>
           <p:cNvCxnSpPr>
             <a:cxnSpLocks/>
+            <a:stCxn id="9" idx="3"/>
             <a:endCxn id="12" idx="1"/>
           </p:cNvCxnSpPr>
           <p:nvPr/>
         </p:nvCxnSpPr>
         <p:spPr>
           <a:xfrm>
-            <a:off x="2214874" y="2509312"/>
-            <a:ext cx="817613" cy="1"/>
+            <a:off x="2028609" y="1463178"/>
+            <a:ext cx="1003878" cy="0"/>
           </a:xfrm>
           <a:prstGeom prst="straightConnector1">
             <a:avLst/>
@@ -3542,14 +3545,15 @@
           </p:cNvPr>
           <p:cNvCxnSpPr>
             <a:cxnSpLocks/>
+            <a:stCxn id="8" idx="3"/>
             <a:endCxn id="11" idx="1"/>
           </p:cNvCxnSpPr>
           <p:nvPr/>
         </p:nvCxnSpPr>
         <p:spPr>
-          <a:xfrm>
-            <a:off x="2647076" y="1658523"/>
-            <a:ext cx="2570108" cy="1"/>
+          <a:xfrm flipV="1">
+            <a:off x="2451032" y="612389"/>
+            <a:ext cx="2766152" cy="1"/>
           </a:xfrm>
           <a:prstGeom prst="straightConnector1">
             <a:avLst/>
@@ -3587,7 +3591,7 @@
         </p:nvSpPr>
         <p:spPr>
           <a:xfrm>
-            <a:off x="4551461" y="1945419"/>
+            <a:off x="4237961" y="899284"/>
             <a:ext cx="386837" cy="276999"/>
           </a:xfrm>
           <a:prstGeom prst="rect">
@@ -3631,8 +3635,8 @@
         </p:nvCxnSpPr>
         <p:spPr>
           <a:xfrm>
-            <a:off x="4872394" y="2083919"/>
-            <a:ext cx="299104" cy="0"/>
+            <a:off x="4572000" y="1037784"/>
+            <a:ext cx="599498" cy="0"/>
           </a:xfrm>
           <a:prstGeom prst="straightConnector1">
             <a:avLst/>
@@ -3668,13 +3672,14 @@
           <p:cNvCxnSpPr>
             <a:cxnSpLocks/>
             <a:stCxn id="7" idx="3"/>
+            <a:endCxn id="27" idx="1"/>
           </p:cNvCxnSpPr>
           <p:nvPr/>
         </p:nvCxnSpPr>
         <p:spPr>
           <a:xfrm>
-            <a:off x="4281419" y="2083919"/>
-            <a:ext cx="311232" cy="2717"/>
+            <a:off x="4063041" y="1037784"/>
+            <a:ext cx="174920" cy="0"/>
           </a:xfrm>
           <a:prstGeom prst="straightConnector1">
             <a:avLst/>
@@ -3713,7 +3718,7 @@
         </p:nvSpPr>
         <p:spPr>
           <a:xfrm>
-            <a:off x="5142741" y="2273634"/>
+            <a:off x="5142741" y="1227499"/>
             <a:ext cx="1428533" cy="461665"/>
           </a:xfrm>
           <a:prstGeom prst="rect">
@@ -3732,17 +3737,29 @@
           <a:p>
             <a:pPr algn="ctr"/>
             <a:r>
-              <a:rPr kumimoji="1" lang="en-US" altLang="zh-TW" sz="1200" dirty="0"/>
+              <a:rPr kumimoji="1" lang="en-US" altLang="zh-TW" sz="1200" dirty="0">
+                <a:solidFill>
+                  <a:srgbClr val="00B050"/>
+                </a:solidFill>
+              </a:rPr>
               <a:t>Game environment </a:t>
             </a:r>
           </a:p>
           <a:p>
             <a:pPr algn="ctr"/>
             <a:r>
-              <a:rPr kumimoji="1" lang="en-US" altLang="zh-TW" sz="1200" dirty="0"/>
-              <a:t>generated</a:t>
-            </a:r>
-            <a:endParaRPr kumimoji="1" lang="zh-TW" altLang="en-US" sz="1200" dirty="0"/>
+              <a:rPr kumimoji="1" lang="en-US" altLang="zh-TW" sz="1200" dirty="0">
+                <a:solidFill>
+                  <a:srgbClr val="00B050"/>
+                </a:solidFill>
+              </a:rPr>
+              <a:t>setting</a:t>
+            </a:r>
+            <a:endParaRPr kumimoji="1" lang="zh-TW" altLang="en-US" sz="1200" dirty="0">
+              <a:solidFill>
+                <a:srgbClr val="00B050"/>
+              </a:solidFill>
+            </a:endParaRPr>
           </a:p>
         </p:txBody>
       </p:sp>
@@ -3760,7 +3777,7 @@
         </p:nvSpPr>
         <p:spPr>
           <a:xfrm>
-            <a:off x="3599480" y="1577675"/>
+            <a:off x="3599480" y="531540"/>
             <a:ext cx="157340" cy="157340"/>
           </a:xfrm>
           <a:prstGeom prst="arc">
@@ -3810,7 +3827,7 @@
         </p:nvCxnSpPr>
         <p:spPr>
           <a:xfrm>
-            <a:off x="3678150" y="1735017"/>
+            <a:off x="3678150" y="688882"/>
             <a:ext cx="0" cy="207612"/>
           </a:xfrm>
           <a:prstGeom prst="straightConnector1">
@@ -3847,14 +3864,143 @@
           </p:cNvPr>
           <p:cNvCxnSpPr>
             <a:cxnSpLocks/>
-            <a:stCxn id="33" idx="2"/>
           </p:cNvCxnSpPr>
           <p:nvPr/>
         </p:nvCxnSpPr>
         <p:spPr>
           <a:xfrm>
-            <a:off x="3677697" y="1295728"/>
-            <a:ext cx="453" cy="281947"/>
+            <a:off x="3678603" y="325494"/>
+            <a:ext cx="0" cy="206046"/>
+          </a:xfrm>
+          <a:prstGeom prst="straightConnector1">
+            <a:avLst/>
+          </a:prstGeom>
+          <a:ln w="12700">
+            <a:headEnd type="none" w="med" len="med"/>
+            <a:tailEnd type="none" w="med" len="med"/>
+          </a:ln>
+        </p:spPr>
+        <p:style>
+          <a:lnRef idx="1">
+            <a:schemeClr val="accent1"/>
+          </a:lnRef>
+          <a:fillRef idx="0">
+            <a:schemeClr val="accent1"/>
+          </a:fillRef>
+          <a:effectRef idx="0">
+            <a:schemeClr val="accent1"/>
+          </a:effectRef>
+          <a:fontRef idx="minor">
+            <a:schemeClr val="tx1"/>
+          </a:fontRef>
+        </p:style>
+      </p:cxnSp>
+      <p:sp>
+        <p:nvSpPr>
+          <p:cNvPr id="33" name="文字方塊 32">
+            <a:extLst>
+              <a:ext uri="{FF2B5EF4-FFF2-40B4-BE49-F238E27FC236}">
+                <a16:creationId xmlns:a16="http://schemas.microsoft.com/office/drawing/2014/main" id="{8486EA86-9346-A846-A9BB-69452B9C4D02}"/>
+              </a:ext>
+            </a:extLst>
+          </p:cNvPr>
+          <p:cNvSpPr txBox="1"/>
+          <p:nvPr/>
+        </p:nvSpPr>
+        <p:spPr>
+          <a:xfrm>
+            <a:off x="2911824" y="186995"/>
+            <a:ext cx="365806" cy="276999"/>
+          </a:xfrm>
+          <a:prstGeom prst="rect">
+            <a:avLst/>
+          </a:prstGeom>
+          <a:noFill/>
+          <a:ln w="12700">
+            <a:noFill/>
+          </a:ln>
+        </p:spPr>
+        <p:txBody>
+          <a:bodyPr wrap="none" rtlCol="0">
+            <a:spAutoFit/>
+          </a:bodyPr>
+          <a:lstStyle/>
+          <a:p>
+            <a:pPr algn="ctr"/>
+            <a:r>
+              <a:rPr kumimoji="1" lang="en-US" altLang="zh-TW" sz="1200" dirty="0"/>
+              <a:t>No</a:t>
+            </a:r>
+            <a:endParaRPr kumimoji="1" lang="zh-TW" altLang="en-US" sz="1200" dirty="0"/>
+          </a:p>
+        </p:txBody>
+      </p:sp>
+      <p:sp>
+        <p:nvSpPr>
+          <p:cNvPr id="34" name="文字方塊 33">
+            <a:extLst>
+              <a:ext uri="{FF2B5EF4-FFF2-40B4-BE49-F238E27FC236}">
+                <a16:creationId xmlns:a16="http://schemas.microsoft.com/office/drawing/2014/main" id="{5CFAE319-29BF-EB46-ABE7-E8749CE60BEA}"/>
+              </a:ext>
+            </a:extLst>
+          </p:cNvPr>
+          <p:cNvSpPr txBox="1"/>
+          <p:nvPr/>
+        </p:nvSpPr>
+        <p:spPr>
+          <a:xfrm>
+            <a:off x="1567692" y="172194"/>
+            <a:ext cx="878510" cy="276999"/>
+          </a:xfrm>
+          <a:prstGeom prst="rect">
+            <a:avLst/>
+          </a:prstGeom>
+          <a:noFill/>
+          <a:ln w="12700">
+            <a:noFill/>
+          </a:ln>
+        </p:spPr>
+        <p:txBody>
+          <a:bodyPr wrap="none" rtlCol="0">
+            <a:spAutoFit/>
+          </a:bodyPr>
+          <a:lstStyle/>
+          <a:p>
+            <a:pPr algn="ctr"/>
+            <a:r>
+              <a:rPr kumimoji="1" lang="en-US" altLang="zh-TW" sz="1200" dirty="0">
+                <a:solidFill>
+                  <a:srgbClr val="00B050"/>
+                </a:solidFill>
+              </a:rPr>
+              <a:t>Start menu</a:t>
+            </a:r>
+            <a:endParaRPr kumimoji="1" lang="zh-TW" altLang="en-US" sz="1200" dirty="0">
+              <a:solidFill>
+                <a:srgbClr val="00B050"/>
+              </a:solidFill>
+            </a:endParaRPr>
+          </a:p>
+        </p:txBody>
+      </p:sp>
+      <p:cxnSp>
+        <p:nvCxnSpPr>
+          <p:cNvPr id="35" name="直線箭頭接點 34">
+            <a:extLst>
+              <a:ext uri="{FF2B5EF4-FFF2-40B4-BE49-F238E27FC236}">
+                <a16:creationId xmlns:a16="http://schemas.microsoft.com/office/drawing/2014/main" id="{DE8B1FC1-FA67-1746-A3A5-FCC51C6AA0D1}"/>
+              </a:ext>
+            </a:extLst>
+          </p:cNvPr>
+          <p:cNvCxnSpPr>
+            <a:cxnSpLocks/>
+          </p:cNvCxnSpPr>
+          <p:nvPr/>
+        </p:nvCxnSpPr>
+        <p:spPr>
+          <a:xfrm>
+            <a:off x="3249003" y="325494"/>
+            <a:ext cx="429147" cy="0"/>
           </a:xfrm>
           <a:prstGeom prst="straightConnector1">
             <a:avLst/>
@@ -3881,28 +4027,1275 @@
       </p:cxnSp>
       <p:cxnSp>
         <p:nvCxnSpPr>
-          <p:cNvPr id="26" name="直線箭頭接點 25">
-            <a:extLst>
-              <a:ext uri="{FF2B5EF4-FFF2-40B4-BE49-F238E27FC236}">
-                <a16:creationId xmlns:a16="http://schemas.microsoft.com/office/drawing/2014/main" id="{236F9041-2E9C-FA45-AFB9-FE4967B5FBF7}"/>
+          <p:cNvPr id="38" name="直線箭頭接點 37">
+            <a:extLst>
+              <a:ext uri="{FF2B5EF4-FFF2-40B4-BE49-F238E27FC236}">
+                <a16:creationId xmlns:a16="http://schemas.microsoft.com/office/drawing/2014/main" id="{8D148250-1EC5-7046-A395-385CD5C77403}"/>
               </a:ext>
             </a:extLst>
           </p:cNvPr>
           <p:cNvCxnSpPr>
             <a:cxnSpLocks/>
-            <a:endCxn id="33" idx="1"/>
+            <a:stCxn id="33" idx="1"/>
           </p:cNvCxnSpPr>
           <p:nvPr/>
         </p:nvCxnSpPr>
         <p:spPr>
+          <a:xfrm flipH="1">
+            <a:off x="2530548" y="325495"/>
+            <a:ext cx="381276" cy="0"/>
+          </a:xfrm>
+          <a:prstGeom prst="straightConnector1">
+            <a:avLst/>
+          </a:prstGeom>
+          <a:ln w="12700">
+            <a:tailEnd type="triangle"/>
+          </a:ln>
+        </p:spPr>
+        <p:style>
+          <a:lnRef idx="1">
+            <a:schemeClr val="accent1"/>
+          </a:lnRef>
+          <a:fillRef idx="0">
+            <a:schemeClr val="accent1"/>
+          </a:fillRef>
+          <a:effectRef idx="0">
+            <a:schemeClr val="accent1"/>
+          </a:effectRef>
+          <a:fontRef idx="minor">
+            <a:schemeClr val="tx1"/>
+          </a:fontRef>
+        </p:style>
+      </p:cxnSp>
+      <p:sp>
+        <p:nvSpPr>
+          <p:cNvPr id="45" name="文字方塊 44">
+            <a:extLst>
+              <a:ext uri="{FF2B5EF4-FFF2-40B4-BE49-F238E27FC236}">
+                <a16:creationId xmlns:a16="http://schemas.microsoft.com/office/drawing/2014/main" id="{5CF3DBF6-D732-4148-A345-52569912A30C}"/>
+              </a:ext>
+            </a:extLst>
+          </p:cNvPr>
+          <p:cNvSpPr txBox="1"/>
+          <p:nvPr/>
+        </p:nvSpPr>
+        <p:spPr>
           <a:xfrm>
-            <a:off x="2244810" y="1154997"/>
-            <a:ext cx="1249984" cy="2232"/>
+            <a:off x="5602546" y="2345511"/>
+            <a:ext cx="1028886" cy="461665"/>
+          </a:xfrm>
+          <a:prstGeom prst="rect">
+            <a:avLst/>
+          </a:prstGeom>
+          <a:noFill/>
+          <a:ln w="12700">
+            <a:solidFill>
+              <a:schemeClr val="accent1"/>
+            </a:solidFill>
+          </a:ln>
+        </p:spPr>
+        <p:txBody>
+          <a:bodyPr wrap="square" rtlCol="0">
+            <a:spAutoFit/>
+          </a:bodyPr>
+          <a:lstStyle/>
+          <a:p>
+            <a:r>
+              <a:rPr kumimoji="1" lang="en-US" altLang="zh-TW" sz="1200" dirty="0"/>
+              <a:t>Current room has Object?</a:t>
+            </a:r>
+            <a:endParaRPr kumimoji="1" lang="zh-TW" altLang="en-US" sz="1200" dirty="0"/>
+          </a:p>
+        </p:txBody>
+      </p:sp>
+      <p:sp>
+        <p:nvSpPr>
+          <p:cNvPr id="46" name="文字方塊 45">
+            <a:extLst>
+              <a:ext uri="{FF2B5EF4-FFF2-40B4-BE49-F238E27FC236}">
+                <a16:creationId xmlns:a16="http://schemas.microsoft.com/office/drawing/2014/main" id="{6879A480-3BF2-5448-9976-89DDFC39EFCC}"/>
+              </a:ext>
+            </a:extLst>
+          </p:cNvPr>
+          <p:cNvSpPr txBox="1"/>
+          <p:nvPr/>
+        </p:nvSpPr>
+        <p:spPr>
+          <a:xfrm>
+            <a:off x="3056576" y="2345511"/>
+            <a:ext cx="1938036" cy="461665"/>
+          </a:xfrm>
+          <a:prstGeom prst="rect">
+            <a:avLst/>
+          </a:prstGeom>
+          <a:noFill/>
+          <a:ln w="12700">
+            <a:solidFill>
+              <a:schemeClr val="accent1"/>
+            </a:solidFill>
+          </a:ln>
+        </p:spPr>
+        <p:txBody>
+          <a:bodyPr wrap="square" rtlCol="0">
+            <a:spAutoFit/>
+          </a:bodyPr>
+          <a:lstStyle/>
+          <a:p>
+            <a:r>
+              <a:rPr kumimoji="1" lang="en-US" altLang="zh-TW" sz="1200" dirty="0"/>
+              <a:t>Player interacts with Object &amp; Update game status </a:t>
+            </a:r>
+            <a:endParaRPr kumimoji="1" lang="zh-TW" altLang="en-US" sz="1200" dirty="0"/>
+          </a:p>
+        </p:txBody>
+      </p:sp>
+      <p:grpSp>
+        <p:nvGrpSpPr>
+          <p:cNvPr id="50" name="群組 49">
+            <a:extLst>
+              <a:ext uri="{FF2B5EF4-FFF2-40B4-BE49-F238E27FC236}">
+                <a16:creationId xmlns:a16="http://schemas.microsoft.com/office/drawing/2014/main" id="{2FAF463B-A948-1542-90CD-0C016EB73A3E}"/>
+              </a:ext>
+            </a:extLst>
+          </p:cNvPr>
+          <p:cNvGrpSpPr/>
+          <p:nvPr/>
+        </p:nvGrpSpPr>
+        <p:grpSpPr>
+          <a:xfrm flipH="1">
+            <a:off x="4994612" y="2442682"/>
+            <a:ext cx="614761" cy="276999"/>
+            <a:chOff x="4381245" y="2108046"/>
+            <a:chExt cx="614760" cy="276999"/>
+          </a:xfrm>
+        </p:grpSpPr>
+        <p:sp>
+          <p:nvSpPr>
+            <p:cNvPr id="47" name="文字方塊 46">
+              <a:extLst>
+                <a:ext uri="{FF2B5EF4-FFF2-40B4-BE49-F238E27FC236}">
+                  <a16:creationId xmlns:a16="http://schemas.microsoft.com/office/drawing/2014/main" id="{1F5098D1-C409-7843-B065-77DD7567D8D9}"/>
+                </a:ext>
+              </a:extLst>
+            </p:cNvPr>
+            <p:cNvSpPr txBox="1"/>
+            <p:nvPr/>
+          </p:nvSpPr>
+          <p:spPr>
+            <a:xfrm>
+              <a:off x="4470042" y="2108046"/>
+              <a:ext cx="386836" cy="276999"/>
+            </a:xfrm>
+            <a:prstGeom prst="rect">
+              <a:avLst/>
+            </a:prstGeom>
+            <a:solidFill>
+              <a:schemeClr val="bg1"/>
+            </a:solidFill>
+            <a:ln w="12700">
+              <a:noFill/>
+            </a:ln>
+          </p:spPr>
+          <p:txBody>
+            <a:bodyPr wrap="none" rtlCol="0">
+              <a:spAutoFit/>
+            </a:bodyPr>
+            <a:lstStyle/>
+            <a:p>
+              <a:r>
+                <a:rPr kumimoji="1" lang="en-US" altLang="zh-TW" sz="1200" dirty="0"/>
+                <a:t>Yes</a:t>
+              </a:r>
+              <a:endParaRPr kumimoji="1" lang="zh-TW" altLang="en-US" sz="1200" dirty="0"/>
+            </a:p>
+          </p:txBody>
+        </p:sp>
+        <p:cxnSp>
+          <p:nvCxnSpPr>
+            <p:cNvPr id="48" name="直線箭頭接點 47">
+              <a:extLst>
+                <a:ext uri="{FF2B5EF4-FFF2-40B4-BE49-F238E27FC236}">
+                  <a16:creationId xmlns:a16="http://schemas.microsoft.com/office/drawing/2014/main" id="{4EDB1807-1C53-264A-A97A-16EA0BB17278}"/>
+                </a:ext>
+              </a:extLst>
+            </p:cNvPr>
+            <p:cNvCxnSpPr>
+              <a:cxnSpLocks/>
+            </p:cNvCxnSpPr>
+            <p:nvPr/>
+          </p:nvCxnSpPr>
+          <p:spPr>
+            <a:xfrm>
+              <a:off x="4809764" y="2246546"/>
+              <a:ext cx="186241" cy="0"/>
+            </a:xfrm>
+            <a:prstGeom prst="straightConnector1">
+              <a:avLst/>
+            </a:prstGeom>
+            <a:ln w="12700">
+              <a:tailEnd type="triangle"/>
+            </a:ln>
+          </p:spPr>
+          <p:style>
+            <a:lnRef idx="1">
+              <a:schemeClr val="accent1"/>
+            </a:lnRef>
+            <a:fillRef idx="0">
+              <a:schemeClr val="accent1"/>
+            </a:fillRef>
+            <a:effectRef idx="0">
+              <a:schemeClr val="accent1"/>
+            </a:effectRef>
+            <a:fontRef idx="minor">
+              <a:schemeClr val="tx1"/>
+            </a:fontRef>
+          </p:style>
+        </p:cxnSp>
+        <p:cxnSp>
+          <p:nvCxnSpPr>
+            <p:cNvPr id="49" name="直線箭頭接點 48">
+              <a:extLst>
+                <a:ext uri="{FF2B5EF4-FFF2-40B4-BE49-F238E27FC236}">
+                  <a16:creationId xmlns:a16="http://schemas.microsoft.com/office/drawing/2014/main" id="{03382350-7049-7F4E-85FE-282B58FBEC98}"/>
+                </a:ext>
+              </a:extLst>
+            </p:cNvPr>
+            <p:cNvCxnSpPr>
+              <a:cxnSpLocks/>
+            </p:cNvCxnSpPr>
+            <p:nvPr/>
+          </p:nvCxnSpPr>
+          <p:spPr>
+            <a:xfrm>
+              <a:off x="4381245" y="2249263"/>
+              <a:ext cx="151439" cy="0"/>
+            </a:xfrm>
+            <a:prstGeom prst="straightConnector1">
+              <a:avLst/>
+            </a:prstGeom>
+            <a:ln w="12700">
+              <a:headEnd type="none" w="med" len="med"/>
+              <a:tailEnd type="none" w="med" len="med"/>
+            </a:ln>
+          </p:spPr>
+          <p:style>
+            <a:lnRef idx="1">
+              <a:schemeClr val="accent1"/>
+            </a:lnRef>
+            <a:fillRef idx="0">
+              <a:schemeClr val="accent1"/>
+            </a:fillRef>
+            <a:effectRef idx="0">
+              <a:schemeClr val="accent1"/>
+            </a:effectRef>
+            <a:fontRef idx="minor">
+              <a:schemeClr val="tx1"/>
+            </a:fontRef>
+          </p:style>
+        </p:cxnSp>
+      </p:grpSp>
+      <p:sp>
+        <p:nvSpPr>
+          <p:cNvPr id="53" name="文字方塊 52">
+            <a:extLst>
+              <a:ext uri="{FF2B5EF4-FFF2-40B4-BE49-F238E27FC236}">
+                <a16:creationId xmlns:a16="http://schemas.microsoft.com/office/drawing/2014/main" id="{ECBBB626-D13C-A74B-89CA-2E3DE77B51A2}"/>
+              </a:ext>
+            </a:extLst>
+          </p:cNvPr>
+          <p:cNvSpPr txBox="1"/>
+          <p:nvPr/>
+        </p:nvSpPr>
+        <p:spPr>
+          <a:xfrm>
+            <a:off x="1019707" y="4306026"/>
+            <a:ext cx="1066823" cy="276999"/>
+          </a:xfrm>
+          <a:prstGeom prst="rect">
+            <a:avLst/>
+          </a:prstGeom>
+          <a:noFill/>
+          <a:ln w="12700">
+            <a:solidFill>
+              <a:srgbClr val="FF0000"/>
+            </a:solidFill>
+          </a:ln>
+        </p:spPr>
+        <p:txBody>
+          <a:bodyPr wrap="square" rtlCol="0">
+            <a:spAutoFit/>
+          </a:bodyPr>
+          <a:lstStyle/>
+          <a:p>
+            <a:r>
+              <a:rPr kumimoji="1" lang="en-US" altLang="zh-TW" sz="1200" dirty="0"/>
+              <a:t>Is Player dead?</a:t>
+            </a:r>
+            <a:endParaRPr kumimoji="1" lang="zh-TW" altLang="en-US" sz="1200" dirty="0"/>
+          </a:p>
+        </p:txBody>
+      </p:sp>
+      <p:sp>
+        <p:nvSpPr>
+          <p:cNvPr id="54" name="文字方塊 53">
+            <a:extLst>
+              <a:ext uri="{FF2B5EF4-FFF2-40B4-BE49-F238E27FC236}">
+                <a16:creationId xmlns:a16="http://schemas.microsoft.com/office/drawing/2014/main" id="{B3F5D821-0A59-C04E-9E6A-AA479349DA54}"/>
+              </a:ext>
+            </a:extLst>
+          </p:cNvPr>
+          <p:cNvSpPr txBox="1"/>
+          <p:nvPr/>
+        </p:nvSpPr>
+        <p:spPr>
+          <a:xfrm>
+            <a:off x="2601852" y="4306026"/>
+            <a:ext cx="1199161" cy="276999"/>
+          </a:xfrm>
+          <a:prstGeom prst="rect">
+            <a:avLst/>
+          </a:prstGeom>
+          <a:noFill/>
+          <a:ln w="12700">
+            <a:solidFill>
+              <a:srgbClr val="FF0000"/>
+            </a:solidFill>
+          </a:ln>
+        </p:spPr>
+        <p:txBody>
+          <a:bodyPr wrap="square" rtlCol="0">
+            <a:spAutoFit/>
+          </a:bodyPr>
+          <a:lstStyle/>
+          <a:p>
+            <a:r>
+              <a:rPr kumimoji="1" lang="en-US" altLang="zh-TW" sz="1200" dirty="0"/>
+              <a:t>Is Player at goal?</a:t>
+            </a:r>
+            <a:endParaRPr kumimoji="1" lang="zh-TW" altLang="en-US" sz="1200" dirty="0"/>
+          </a:p>
+        </p:txBody>
+      </p:sp>
+      <p:sp>
+        <p:nvSpPr>
+          <p:cNvPr id="55" name="文字方塊 54">
+            <a:extLst>
+              <a:ext uri="{FF2B5EF4-FFF2-40B4-BE49-F238E27FC236}">
+                <a16:creationId xmlns:a16="http://schemas.microsoft.com/office/drawing/2014/main" id="{3DA8E8B9-03CA-F641-8AFA-8BBC166D2C34}"/>
+              </a:ext>
+            </a:extLst>
+          </p:cNvPr>
+          <p:cNvSpPr txBox="1"/>
+          <p:nvPr/>
+        </p:nvSpPr>
+        <p:spPr>
+          <a:xfrm>
+            <a:off x="4301756" y="4306026"/>
+            <a:ext cx="947352" cy="276999"/>
+          </a:xfrm>
+          <a:prstGeom prst="rect">
+            <a:avLst/>
+          </a:prstGeom>
+          <a:noFill/>
+          <a:ln w="12700">
+            <a:solidFill>
+              <a:srgbClr val="FF0000"/>
+            </a:solidFill>
+          </a:ln>
+        </p:spPr>
+        <p:txBody>
+          <a:bodyPr wrap="square" rtlCol="0">
+            <a:spAutoFit/>
+          </a:bodyPr>
+          <a:lstStyle/>
+          <a:p>
+            <a:pPr algn="ctr"/>
+            <a:r>
+              <a:rPr kumimoji="1" lang="en-US" altLang="zh-TW" sz="1200" dirty="0"/>
+              <a:t>Is Boss dead?</a:t>
+            </a:r>
+            <a:endParaRPr kumimoji="1" lang="zh-TW" altLang="en-US" sz="1200" dirty="0"/>
+          </a:p>
+        </p:txBody>
+      </p:sp>
+      <p:cxnSp>
+        <p:nvCxnSpPr>
+          <p:cNvPr id="56" name="直線箭頭接點 55">
+            <a:extLst>
+              <a:ext uri="{FF2B5EF4-FFF2-40B4-BE49-F238E27FC236}">
+                <a16:creationId xmlns:a16="http://schemas.microsoft.com/office/drawing/2014/main" id="{6C44608D-F4BA-F64F-9856-1AEF184A97BD}"/>
+              </a:ext>
+            </a:extLst>
+          </p:cNvPr>
+          <p:cNvCxnSpPr>
+            <a:cxnSpLocks/>
+            <a:stCxn id="6" idx="3"/>
+          </p:cNvCxnSpPr>
+          <p:nvPr/>
+        </p:nvCxnSpPr>
+        <p:spPr>
+          <a:xfrm>
+            <a:off x="2464626" y="1037784"/>
+            <a:ext cx="567861" cy="0"/>
           </a:xfrm>
           <a:prstGeom prst="straightConnector1">
             <a:avLst/>
           </a:prstGeom>
           <a:ln w="12700">
+            <a:tailEnd type="triangle"/>
+          </a:ln>
+        </p:spPr>
+        <p:style>
+          <a:lnRef idx="1">
+            <a:schemeClr val="accent1"/>
+          </a:lnRef>
+          <a:fillRef idx="0">
+            <a:schemeClr val="accent1"/>
+          </a:fillRef>
+          <a:effectRef idx="0">
+            <a:schemeClr val="accent1"/>
+          </a:effectRef>
+          <a:fontRef idx="minor">
+            <a:schemeClr val="tx1"/>
+          </a:fontRef>
+        </p:style>
+      </p:cxnSp>
+      <p:sp>
+        <p:nvSpPr>
+          <p:cNvPr id="59" name="文字方塊 58">
+            <a:extLst>
+              <a:ext uri="{FF2B5EF4-FFF2-40B4-BE49-F238E27FC236}">
+                <a16:creationId xmlns:a16="http://schemas.microsoft.com/office/drawing/2014/main" id="{65972C50-617B-3C48-A03E-C203FEB67448}"/>
+              </a:ext>
+            </a:extLst>
+          </p:cNvPr>
+          <p:cNvSpPr txBox="1"/>
+          <p:nvPr/>
+        </p:nvSpPr>
+        <p:spPr>
+          <a:xfrm flipH="1">
+            <a:off x="5757071" y="4306026"/>
+            <a:ext cx="896399" cy="276999"/>
+          </a:xfrm>
+          <a:prstGeom prst="rect">
+            <a:avLst/>
+          </a:prstGeom>
+          <a:noFill/>
+          <a:ln w="12700">
+            <a:solidFill>
+              <a:srgbClr val="FF0000"/>
+            </a:solidFill>
+          </a:ln>
+        </p:spPr>
+        <p:txBody>
+          <a:bodyPr wrap="none" rtlCol="0">
+            <a:spAutoFit/>
+          </a:bodyPr>
+          <a:lstStyle/>
+          <a:p>
+            <a:r>
+              <a:rPr kumimoji="1" lang="en-US" altLang="zh-TW" sz="1200" dirty="0"/>
+              <a:t>Game clear</a:t>
+            </a:r>
+            <a:endParaRPr kumimoji="1" lang="zh-TW" altLang="en-US" sz="1200" dirty="0"/>
+          </a:p>
+        </p:txBody>
+      </p:sp>
+      <p:sp>
+        <p:nvSpPr>
+          <p:cNvPr id="60" name="文字方塊 59">
+            <a:extLst>
+              <a:ext uri="{FF2B5EF4-FFF2-40B4-BE49-F238E27FC236}">
+                <a16:creationId xmlns:a16="http://schemas.microsoft.com/office/drawing/2014/main" id="{4B32D64E-1FBA-F14C-8199-5F88B5A2F4D2}"/>
+              </a:ext>
+            </a:extLst>
+          </p:cNvPr>
+          <p:cNvSpPr txBox="1"/>
+          <p:nvPr/>
+        </p:nvSpPr>
+        <p:spPr>
+          <a:xfrm flipH="1">
+            <a:off x="4453855" y="5073554"/>
+            <a:ext cx="1483163" cy="276999"/>
+          </a:xfrm>
+          <a:prstGeom prst="rect">
+            <a:avLst/>
+          </a:prstGeom>
+          <a:noFill/>
+          <a:ln w="12700">
+            <a:solidFill>
+              <a:schemeClr val="accent5">
+                <a:lumMod val="75000"/>
+              </a:schemeClr>
+            </a:solidFill>
+          </a:ln>
+        </p:spPr>
+        <p:txBody>
+          <a:bodyPr wrap="square" rtlCol="0">
+            <a:spAutoFit/>
+          </a:bodyPr>
+          <a:lstStyle/>
+          <a:p>
+            <a:r>
+              <a:rPr kumimoji="1" lang="en-US" altLang="zh-TW" sz="1200" dirty="0"/>
+              <a:t>Program terminated</a:t>
+            </a:r>
+            <a:endParaRPr kumimoji="1" lang="zh-TW" altLang="en-US" sz="1200" dirty="0"/>
+          </a:p>
+        </p:txBody>
+      </p:sp>
+      <p:sp>
+        <p:nvSpPr>
+          <p:cNvPr id="66" name="文字方塊 65">
+            <a:extLst>
+              <a:ext uri="{FF2B5EF4-FFF2-40B4-BE49-F238E27FC236}">
+                <a16:creationId xmlns:a16="http://schemas.microsoft.com/office/drawing/2014/main" id="{BA350CBA-5A1F-3E4D-863A-93AE13DE70CB}"/>
+              </a:ext>
+            </a:extLst>
+          </p:cNvPr>
+          <p:cNvSpPr txBox="1"/>
+          <p:nvPr/>
+        </p:nvSpPr>
+        <p:spPr>
+          <a:xfrm>
+            <a:off x="3058324" y="3057416"/>
+            <a:ext cx="476821" cy="276999"/>
+          </a:xfrm>
+          <a:prstGeom prst="rect">
+            <a:avLst/>
+          </a:prstGeom>
+          <a:noFill/>
+          <a:ln w="12700">
+            <a:solidFill>
+              <a:schemeClr val="accent1"/>
+            </a:solidFill>
+          </a:ln>
+        </p:spPr>
+        <p:txBody>
+          <a:bodyPr wrap="square" rtlCol="0">
+            <a:spAutoFit/>
+          </a:bodyPr>
+          <a:lstStyle/>
+          <a:p>
+            <a:r>
+              <a:rPr kumimoji="1" lang="en-US" altLang="zh-TW" sz="1200" dirty="0"/>
+              <a:t>Map</a:t>
+            </a:r>
+            <a:endParaRPr kumimoji="1" lang="zh-TW" altLang="en-US" sz="1200" dirty="0"/>
+          </a:p>
+        </p:txBody>
+      </p:sp>
+      <p:sp>
+        <p:nvSpPr>
+          <p:cNvPr id="80" name="文字方塊 79">
+            <a:extLst>
+              <a:ext uri="{FF2B5EF4-FFF2-40B4-BE49-F238E27FC236}">
+                <a16:creationId xmlns:a16="http://schemas.microsoft.com/office/drawing/2014/main" id="{CF385F03-D92E-9D4F-9A45-48229DE45AA4}"/>
+              </a:ext>
+            </a:extLst>
+          </p:cNvPr>
+          <p:cNvSpPr txBox="1"/>
+          <p:nvPr/>
+        </p:nvSpPr>
+        <p:spPr>
+          <a:xfrm>
+            <a:off x="4165601" y="3057415"/>
+            <a:ext cx="1066823" cy="276999"/>
+          </a:xfrm>
+          <a:prstGeom prst="rect">
+            <a:avLst/>
+          </a:prstGeom>
+          <a:noFill/>
+          <a:ln w="12700">
+            <a:solidFill>
+              <a:schemeClr val="accent1"/>
+            </a:solidFill>
+          </a:ln>
+        </p:spPr>
+        <p:txBody>
+          <a:bodyPr wrap="square" rtlCol="0">
+            <a:spAutoFit/>
+          </a:bodyPr>
+          <a:lstStyle/>
+          <a:p>
+            <a:r>
+              <a:rPr kumimoji="1" lang="en-US" altLang="zh-TW" sz="1200" dirty="0"/>
+              <a:t>Is Player dead?</a:t>
+            </a:r>
+            <a:endParaRPr kumimoji="1" lang="zh-TW" altLang="en-US" sz="1200" dirty="0"/>
+          </a:p>
+        </p:txBody>
+      </p:sp>
+      <p:grpSp>
+        <p:nvGrpSpPr>
+          <p:cNvPr id="83" name="群組 82">
+            <a:extLst>
+              <a:ext uri="{FF2B5EF4-FFF2-40B4-BE49-F238E27FC236}">
+                <a16:creationId xmlns:a16="http://schemas.microsoft.com/office/drawing/2014/main" id="{50D9DABB-7F16-264E-AEE0-3DE582BF11CD}"/>
+              </a:ext>
+            </a:extLst>
+          </p:cNvPr>
+          <p:cNvGrpSpPr/>
+          <p:nvPr/>
+        </p:nvGrpSpPr>
+        <p:grpSpPr>
+          <a:xfrm>
+            <a:off x="1520627" y="2250740"/>
+            <a:ext cx="1312122" cy="1533110"/>
+            <a:chOff x="752369" y="1903373"/>
+            <a:chExt cx="1312122" cy="1533110"/>
+          </a:xfrm>
+        </p:grpSpPr>
+        <p:sp>
+          <p:nvSpPr>
+            <p:cNvPr id="64" name="矩形 63">
+              <a:extLst>
+                <a:ext uri="{FF2B5EF4-FFF2-40B4-BE49-F238E27FC236}">
+                  <a16:creationId xmlns:a16="http://schemas.microsoft.com/office/drawing/2014/main" id="{AF8F7E1F-C3DD-A344-948E-6AD06FCC1872}"/>
+                </a:ext>
+              </a:extLst>
+            </p:cNvPr>
+            <p:cNvSpPr/>
+            <p:nvPr/>
+          </p:nvSpPr>
+          <p:spPr>
+            <a:xfrm>
+              <a:off x="752369" y="1903373"/>
+              <a:ext cx="1312122" cy="1533110"/>
+            </a:xfrm>
+            <a:prstGeom prst="rect">
+              <a:avLst/>
+            </a:prstGeom>
+            <a:noFill/>
+            <a:ln>
+              <a:solidFill>
+                <a:srgbClr val="002060"/>
+              </a:solidFill>
+            </a:ln>
+          </p:spPr>
+          <p:style>
+            <a:lnRef idx="2">
+              <a:schemeClr val="accent1">
+                <a:shade val="50000"/>
+              </a:schemeClr>
+            </a:lnRef>
+            <a:fillRef idx="1">
+              <a:schemeClr val="accent1"/>
+            </a:fillRef>
+            <a:effectRef idx="0">
+              <a:schemeClr val="accent1"/>
+            </a:effectRef>
+            <a:fontRef idx="minor">
+              <a:schemeClr val="lt1"/>
+            </a:fontRef>
+          </p:style>
+          <p:txBody>
+            <a:bodyPr rtlCol="0" anchor="ctr"/>
+            <a:lstStyle/>
+            <a:p>
+              <a:pPr algn="ctr"/>
+              <a:endParaRPr kumimoji="1" lang="zh-TW" altLang="en-US"/>
+            </a:p>
+          </p:txBody>
+        </p:sp>
+        <p:sp>
+          <p:nvSpPr>
+            <p:cNvPr id="63" name="文字方塊 62">
+              <a:extLst>
+                <a:ext uri="{FF2B5EF4-FFF2-40B4-BE49-F238E27FC236}">
+                  <a16:creationId xmlns:a16="http://schemas.microsoft.com/office/drawing/2014/main" id="{E0A59A68-9DE4-844D-8FB1-46E2FE96F9BF}"/>
+                </a:ext>
+              </a:extLst>
+            </p:cNvPr>
+            <p:cNvSpPr txBox="1"/>
+            <p:nvPr/>
+          </p:nvSpPr>
+          <p:spPr>
+            <a:xfrm>
+              <a:off x="874481" y="1995571"/>
+              <a:ext cx="1067898" cy="276999"/>
+            </a:xfrm>
+            <a:prstGeom prst="rect">
+              <a:avLst/>
+            </a:prstGeom>
+            <a:noFill/>
+            <a:ln w="12700">
+              <a:solidFill>
+                <a:schemeClr val="accent1"/>
+              </a:solidFill>
+            </a:ln>
+          </p:spPr>
+          <p:txBody>
+            <a:bodyPr wrap="square" rtlCol="0">
+              <a:spAutoFit/>
+            </a:bodyPr>
+            <a:lstStyle/>
+            <a:p>
+              <a:r>
+                <a:rPr kumimoji="1" lang="en-US" altLang="zh-TW" sz="1200" dirty="0"/>
+                <a:t>Move</a:t>
+              </a:r>
+              <a:endParaRPr kumimoji="1" lang="zh-TW" altLang="en-US" sz="1200" dirty="0"/>
+            </a:p>
+          </p:txBody>
+        </p:sp>
+        <p:sp>
+          <p:nvSpPr>
+            <p:cNvPr id="78" name="文字方塊 77">
+              <a:extLst>
+                <a:ext uri="{FF2B5EF4-FFF2-40B4-BE49-F238E27FC236}">
+                  <a16:creationId xmlns:a16="http://schemas.microsoft.com/office/drawing/2014/main" id="{410A1D40-3F7B-9D49-83AF-1D41537EE10A}"/>
+                </a:ext>
+              </a:extLst>
+            </p:cNvPr>
+            <p:cNvSpPr txBox="1"/>
+            <p:nvPr/>
+          </p:nvSpPr>
+          <p:spPr>
+            <a:xfrm>
+              <a:off x="874480" y="2352810"/>
+              <a:ext cx="1067899" cy="276999"/>
+            </a:xfrm>
+            <a:prstGeom prst="rect">
+              <a:avLst/>
+            </a:prstGeom>
+            <a:noFill/>
+            <a:ln w="12700">
+              <a:solidFill>
+                <a:schemeClr val="accent1"/>
+              </a:solidFill>
+            </a:ln>
+          </p:spPr>
+          <p:txBody>
+            <a:bodyPr wrap="square" rtlCol="0">
+              <a:spAutoFit/>
+            </a:bodyPr>
+            <a:lstStyle/>
+            <a:p>
+              <a:r>
+                <a:rPr kumimoji="1" lang="en-US" altLang="zh-TW" sz="1200" dirty="0"/>
+                <a:t>Player’s status</a:t>
+              </a:r>
+              <a:endParaRPr kumimoji="1" lang="zh-TW" altLang="en-US" sz="1200" dirty="0"/>
+            </a:p>
+          </p:txBody>
+        </p:sp>
+        <p:sp>
+          <p:nvSpPr>
+            <p:cNvPr id="79" name="文字方塊 78">
+              <a:extLst>
+                <a:ext uri="{FF2B5EF4-FFF2-40B4-BE49-F238E27FC236}">
+                  <a16:creationId xmlns:a16="http://schemas.microsoft.com/office/drawing/2014/main" id="{ECE91B50-A443-6D46-B6E9-0FEB2209C8D6}"/>
+                </a:ext>
+              </a:extLst>
+            </p:cNvPr>
+            <p:cNvSpPr txBox="1"/>
+            <p:nvPr/>
+          </p:nvSpPr>
+          <p:spPr>
+            <a:xfrm>
+              <a:off x="874481" y="2710049"/>
+              <a:ext cx="1067898" cy="276999"/>
+            </a:xfrm>
+            <a:prstGeom prst="rect">
+              <a:avLst/>
+            </a:prstGeom>
+            <a:noFill/>
+            <a:ln w="12700">
+              <a:solidFill>
+                <a:schemeClr val="accent1"/>
+              </a:solidFill>
+            </a:ln>
+          </p:spPr>
+          <p:txBody>
+            <a:bodyPr wrap="square" rtlCol="0">
+              <a:spAutoFit/>
+            </a:bodyPr>
+            <a:lstStyle/>
+            <a:p>
+              <a:r>
+                <a:rPr kumimoji="1" lang="en-US" altLang="zh-TW" sz="1200" dirty="0"/>
+                <a:t>Use backpack</a:t>
+              </a:r>
+              <a:endParaRPr kumimoji="1" lang="zh-TW" altLang="en-US" sz="1200" dirty="0"/>
+            </a:p>
+          </p:txBody>
+        </p:sp>
+        <p:sp>
+          <p:nvSpPr>
+            <p:cNvPr id="81" name="文字方塊 80">
+              <a:extLst>
+                <a:ext uri="{FF2B5EF4-FFF2-40B4-BE49-F238E27FC236}">
+                  <a16:creationId xmlns:a16="http://schemas.microsoft.com/office/drawing/2014/main" id="{95FAA631-08EE-034A-9777-D12DD0A4FDCD}"/>
+                </a:ext>
+              </a:extLst>
+            </p:cNvPr>
+            <p:cNvSpPr txBox="1"/>
+            <p:nvPr/>
+          </p:nvSpPr>
+          <p:spPr>
+            <a:xfrm>
+              <a:off x="874481" y="3067287"/>
+              <a:ext cx="1067898" cy="276999"/>
+            </a:xfrm>
+            <a:prstGeom prst="rect">
+              <a:avLst/>
+            </a:prstGeom>
+            <a:noFill/>
+            <a:ln w="12700">
+              <a:solidFill>
+                <a:schemeClr val="accent1"/>
+              </a:solidFill>
+            </a:ln>
+          </p:spPr>
+          <p:txBody>
+            <a:bodyPr wrap="square" rtlCol="0">
+              <a:spAutoFit/>
+            </a:bodyPr>
+            <a:lstStyle/>
+            <a:p>
+              <a:r>
+                <a:rPr kumimoji="1" lang="en-US" altLang="zh-TW" sz="1200" dirty="0"/>
+                <a:t>Game options</a:t>
+              </a:r>
+              <a:endParaRPr kumimoji="1" lang="zh-TW" altLang="en-US" sz="1200" dirty="0"/>
+            </a:p>
+          </p:txBody>
+        </p:sp>
+      </p:grpSp>
+      <p:sp>
+        <p:nvSpPr>
+          <p:cNvPr id="84" name="文字方塊 83">
+            <a:extLst>
+              <a:ext uri="{FF2B5EF4-FFF2-40B4-BE49-F238E27FC236}">
+                <a16:creationId xmlns:a16="http://schemas.microsoft.com/office/drawing/2014/main" id="{888DF03D-8710-534E-B351-17AF2FEF8273}"/>
+              </a:ext>
+            </a:extLst>
+          </p:cNvPr>
+          <p:cNvSpPr txBox="1"/>
+          <p:nvPr/>
+        </p:nvSpPr>
+        <p:spPr>
+          <a:xfrm>
+            <a:off x="368628" y="3059459"/>
+            <a:ext cx="899725" cy="276999"/>
+          </a:xfrm>
+          <a:prstGeom prst="rect">
+            <a:avLst/>
+          </a:prstGeom>
+          <a:noFill/>
+          <a:ln w="12700">
+            <a:solidFill>
+              <a:schemeClr val="accent1"/>
+            </a:solidFill>
+          </a:ln>
+        </p:spPr>
+        <p:txBody>
+          <a:bodyPr wrap="square" rtlCol="0">
+            <a:spAutoFit/>
+          </a:bodyPr>
+          <a:lstStyle/>
+          <a:p>
+            <a:r>
+              <a:rPr kumimoji="1" lang="en-US" altLang="zh-TW" sz="1200" dirty="0"/>
+              <a:t>Save Game</a:t>
+            </a:r>
+            <a:endParaRPr kumimoji="1" lang="zh-TW" altLang="en-US" sz="1200" dirty="0"/>
+          </a:p>
+        </p:txBody>
+      </p:sp>
+      <p:sp>
+        <p:nvSpPr>
+          <p:cNvPr id="85" name="文字方塊 84">
+            <a:extLst>
+              <a:ext uri="{FF2B5EF4-FFF2-40B4-BE49-F238E27FC236}">
+                <a16:creationId xmlns:a16="http://schemas.microsoft.com/office/drawing/2014/main" id="{89D8E99A-CFC7-8F4A-88B2-4B4ED9969647}"/>
+              </a:ext>
+            </a:extLst>
+          </p:cNvPr>
+          <p:cNvSpPr txBox="1"/>
+          <p:nvPr/>
+        </p:nvSpPr>
+        <p:spPr>
+          <a:xfrm>
+            <a:off x="368628" y="2700176"/>
+            <a:ext cx="899725" cy="276999"/>
+          </a:xfrm>
+          <a:prstGeom prst="rect">
+            <a:avLst/>
+          </a:prstGeom>
+          <a:noFill/>
+          <a:ln w="12700">
+            <a:solidFill>
+              <a:schemeClr val="accent1"/>
+            </a:solidFill>
+          </a:ln>
+        </p:spPr>
+        <p:txBody>
+          <a:bodyPr wrap="square" rtlCol="0">
+            <a:spAutoFit/>
+          </a:bodyPr>
+          <a:lstStyle/>
+          <a:p>
+            <a:r>
+              <a:rPr kumimoji="1" lang="en-US" altLang="zh-TW" sz="1200" dirty="0"/>
+              <a:t>Load Game</a:t>
+            </a:r>
+            <a:endParaRPr kumimoji="1" lang="zh-TW" altLang="en-US" sz="1200" dirty="0"/>
+          </a:p>
+        </p:txBody>
+      </p:sp>
+      <p:sp>
+        <p:nvSpPr>
+          <p:cNvPr id="86" name="文字方塊 85">
+            <a:extLst>
+              <a:ext uri="{FF2B5EF4-FFF2-40B4-BE49-F238E27FC236}">
+                <a16:creationId xmlns:a16="http://schemas.microsoft.com/office/drawing/2014/main" id="{64CB51AC-D261-BC40-BBB2-43624D78488A}"/>
+              </a:ext>
+            </a:extLst>
+          </p:cNvPr>
+          <p:cNvSpPr txBox="1"/>
+          <p:nvPr/>
+        </p:nvSpPr>
+        <p:spPr>
+          <a:xfrm>
+            <a:off x="368628" y="3425269"/>
+            <a:ext cx="899725" cy="276999"/>
+          </a:xfrm>
+          <a:prstGeom prst="rect">
+            <a:avLst/>
+          </a:prstGeom>
+          <a:noFill/>
+          <a:ln w="12700">
+            <a:solidFill>
+              <a:schemeClr val="accent1"/>
+            </a:solidFill>
+          </a:ln>
+        </p:spPr>
+        <p:txBody>
+          <a:bodyPr wrap="square" rtlCol="0">
+            <a:spAutoFit/>
+          </a:bodyPr>
+          <a:lstStyle/>
+          <a:p>
+            <a:r>
+              <a:rPr kumimoji="1" lang="en-US" altLang="zh-TW" sz="1200" dirty="0"/>
+              <a:t>Quit</a:t>
+            </a:r>
+            <a:endParaRPr kumimoji="1" lang="zh-TW" altLang="en-US" sz="1200" dirty="0"/>
+          </a:p>
+        </p:txBody>
+      </p:sp>
+      <p:sp>
+        <p:nvSpPr>
+          <p:cNvPr id="90" name="文字方塊 89">
+            <a:extLst>
+              <a:ext uri="{FF2B5EF4-FFF2-40B4-BE49-F238E27FC236}">
+                <a16:creationId xmlns:a16="http://schemas.microsoft.com/office/drawing/2014/main" id="{8C15C7DD-981D-4442-A7B3-664FD5515730}"/>
+              </a:ext>
+            </a:extLst>
+          </p:cNvPr>
+          <p:cNvSpPr txBox="1"/>
+          <p:nvPr/>
+        </p:nvSpPr>
+        <p:spPr>
+          <a:xfrm>
+            <a:off x="698750" y="1767848"/>
+            <a:ext cx="1027012" cy="276999"/>
+          </a:xfrm>
+          <a:prstGeom prst="rect">
+            <a:avLst/>
+          </a:prstGeom>
+          <a:solidFill>
+            <a:schemeClr val="bg1"/>
+          </a:solidFill>
+          <a:ln w="12700">
+            <a:solidFill>
+              <a:schemeClr val="accent1"/>
+            </a:solidFill>
+          </a:ln>
+        </p:spPr>
+        <p:txBody>
+          <a:bodyPr wrap="none" rtlCol="0">
+            <a:spAutoFit/>
+          </a:bodyPr>
+          <a:lstStyle/>
+          <a:p>
+            <a:r>
+              <a:rPr kumimoji="1" lang="en-US" altLang="zh-TW" sz="1200" dirty="0"/>
+              <a:t>Has save file?</a:t>
+            </a:r>
+            <a:endParaRPr kumimoji="1" lang="zh-TW" altLang="en-US" sz="1200" dirty="0"/>
+          </a:p>
+        </p:txBody>
+      </p:sp>
+      <p:sp>
+        <p:nvSpPr>
+          <p:cNvPr id="97" name="矩形 96">
+            <a:extLst>
+              <a:ext uri="{FF2B5EF4-FFF2-40B4-BE49-F238E27FC236}">
+                <a16:creationId xmlns:a16="http://schemas.microsoft.com/office/drawing/2014/main" id="{C7AE03CE-98BA-3C4A-A601-B61BFA90F641}"/>
+              </a:ext>
+            </a:extLst>
+          </p:cNvPr>
+          <p:cNvSpPr/>
+          <p:nvPr/>
+        </p:nvSpPr>
+        <p:spPr>
+          <a:xfrm>
+            <a:off x="296853" y="2619937"/>
+            <a:ext cx="1036631" cy="1163914"/>
+          </a:xfrm>
+          <a:prstGeom prst="rect">
+            <a:avLst/>
+          </a:prstGeom>
+          <a:noFill/>
+          <a:ln>
+            <a:solidFill>
+              <a:srgbClr val="002060"/>
+            </a:solidFill>
+          </a:ln>
+        </p:spPr>
+        <p:style>
+          <a:lnRef idx="2">
+            <a:schemeClr val="accent1">
+              <a:shade val="50000"/>
+            </a:schemeClr>
+          </a:lnRef>
+          <a:fillRef idx="1">
+            <a:schemeClr val="accent1"/>
+          </a:fillRef>
+          <a:effectRef idx="0">
+            <a:schemeClr val="accent1"/>
+          </a:effectRef>
+          <a:fontRef idx="minor">
+            <a:schemeClr val="lt1"/>
+          </a:fontRef>
+        </p:style>
+        <p:txBody>
+          <a:bodyPr rtlCol="0" anchor="ctr"/>
+          <a:lstStyle/>
+          <a:p>
+            <a:pPr algn="ctr"/>
+            <a:endParaRPr kumimoji="1" lang="zh-TW" altLang="en-US"/>
+          </a:p>
+        </p:txBody>
+      </p:sp>
+      <p:sp>
+        <p:nvSpPr>
+          <p:cNvPr id="98" name="矩形 97">
+            <a:extLst>
+              <a:ext uri="{FF2B5EF4-FFF2-40B4-BE49-F238E27FC236}">
+                <a16:creationId xmlns:a16="http://schemas.microsoft.com/office/drawing/2014/main" id="{B64D252C-02CC-144A-A58B-1A049F6C4832}"/>
+              </a:ext>
+            </a:extLst>
+          </p:cNvPr>
+          <p:cNvSpPr/>
+          <p:nvPr/>
+        </p:nvSpPr>
+        <p:spPr>
+          <a:xfrm>
+            <a:off x="800099" y="4015733"/>
+            <a:ext cx="5904301" cy="875046"/>
+          </a:xfrm>
+          <a:prstGeom prst="rect">
+            <a:avLst/>
+          </a:prstGeom>
+          <a:noFill/>
+          <a:ln>
+            <a:solidFill>
+              <a:srgbClr val="00B050"/>
+            </a:solidFill>
+          </a:ln>
+        </p:spPr>
+        <p:style>
+          <a:lnRef idx="2">
+            <a:schemeClr val="accent1">
+              <a:shade val="50000"/>
+            </a:schemeClr>
+          </a:lnRef>
+          <a:fillRef idx="1">
+            <a:schemeClr val="accent1"/>
+          </a:fillRef>
+          <a:effectRef idx="0">
+            <a:schemeClr val="accent1"/>
+          </a:effectRef>
+          <a:fontRef idx="minor">
+            <a:schemeClr val="lt1"/>
+          </a:fontRef>
+        </p:style>
+        <p:txBody>
+          <a:bodyPr rtlCol="0" anchor="ctr"/>
+          <a:lstStyle/>
+          <a:p>
+            <a:pPr algn="ctr"/>
+            <a:endParaRPr kumimoji="1" lang="zh-TW" altLang="en-US"/>
+          </a:p>
+        </p:txBody>
+      </p:sp>
+      <p:sp>
+        <p:nvSpPr>
+          <p:cNvPr id="99" name="文字方塊 98">
+            <a:extLst>
+              <a:ext uri="{FF2B5EF4-FFF2-40B4-BE49-F238E27FC236}">
+                <a16:creationId xmlns:a16="http://schemas.microsoft.com/office/drawing/2014/main" id="{5553EED2-0ADF-EB43-B617-FDFAC3839B08}"/>
+              </a:ext>
+            </a:extLst>
+          </p:cNvPr>
+          <p:cNvSpPr txBox="1"/>
+          <p:nvPr/>
+        </p:nvSpPr>
+        <p:spPr>
+          <a:xfrm>
+            <a:off x="1984504" y="4023306"/>
+            <a:ext cx="1359476" cy="276999"/>
+          </a:xfrm>
+          <a:prstGeom prst="rect">
+            <a:avLst/>
+          </a:prstGeom>
+          <a:noFill/>
+          <a:ln w="12700">
+            <a:noFill/>
+          </a:ln>
+        </p:spPr>
+        <p:txBody>
+          <a:bodyPr wrap="none" rtlCol="0">
+            <a:spAutoFit/>
+          </a:bodyPr>
+          <a:lstStyle/>
+          <a:p>
+            <a:pPr algn="ctr"/>
+            <a:r>
+              <a:rPr kumimoji="1" lang="en-US" altLang="zh-TW" sz="1200" dirty="0">
+                <a:solidFill>
+                  <a:srgbClr val="00B050"/>
+                </a:solidFill>
+              </a:rPr>
+              <a:t>Game status check</a:t>
+            </a:r>
+            <a:endParaRPr kumimoji="1" lang="zh-TW" altLang="en-US" sz="1200" dirty="0">
+              <a:solidFill>
+                <a:srgbClr val="00B050"/>
+              </a:solidFill>
+            </a:endParaRPr>
+          </a:p>
+        </p:txBody>
+      </p:sp>
+      <p:cxnSp>
+        <p:nvCxnSpPr>
+          <p:cNvPr id="105" name="直線接點 104">
+            <a:extLst>
+              <a:ext uri="{FF2B5EF4-FFF2-40B4-BE49-F238E27FC236}">
+                <a16:creationId xmlns:a16="http://schemas.microsoft.com/office/drawing/2014/main" id="{113D5A58-FD28-C648-BFCB-A0EFF4D2F40C}"/>
+              </a:ext>
+            </a:extLst>
+          </p:cNvPr>
+          <p:cNvCxnSpPr>
+            <a:cxnSpLocks/>
+            <a:endCxn id="45" idx="0"/>
+          </p:cNvCxnSpPr>
+          <p:nvPr/>
+        </p:nvCxnSpPr>
+        <p:spPr>
+          <a:xfrm>
+            <a:off x="6116989" y="1705170"/>
+            <a:ext cx="0" cy="640341"/>
+          </a:xfrm>
+          <a:prstGeom prst="line">
+            <a:avLst/>
+          </a:prstGeom>
+          <a:ln w="12700">
+            <a:solidFill>
+              <a:schemeClr val="accent5">
+                <a:lumMod val="75000"/>
+              </a:schemeClr>
+            </a:solidFill>
+            <a:headEnd type="none" w="med" len="med"/>
+            <a:tailEnd type="triangle" w="med" len="med"/>
+          </a:ln>
+        </p:spPr>
+        <p:style>
+          <a:lnRef idx="1">
+            <a:schemeClr val="accent1"/>
+          </a:lnRef>
+          <a:fillRef idx="0">
+            <a:schemeClr val="accent1"/>
+          </a:fillRef>
+          <a:effectRef idx="0">
+            <a:schemeClr val="accent1"/>
+          </a:effectRef>
+          <a:fontRef idx="minor">
+            <a:schemeClr val="tx1"/>
+          </a:fontRef>
+        </p:style>
+      </p:cxnSp>
+      <p:sp>
+        <p:nvSpPr>
+          <p:cNvPr id="106" name="文字方塊 105">
+            <a:extLst>
+              <a:ext uri="{FF2B5EF4-FFF2-40B4-BE49-F238E27FC236}">
+                <a16:creationId xmlns:a16="http://schemas.microsoft.com/office/drawing/2014/main" id="{D005A3B7-842E-2B44-8DEC-C9DC2C34E168}"/>
+              </a:ext>
+            </a:extLst>
+          </p:cNvPr>
+          <p:cNvSpPr txBox="1"/>
+          <p:nvPr/>
+        </p:nvSpPr>
+        <p:spPr>
+          <a:xfrm flipH="1">
+            <a:off x="5937018" y="3011455"/>
+            <a:ext cx="365806" cy="276999"/>
+          </a:xfrm>
+          <a:prstGeom prst="rect">
+            <a:avLst/>
+          </a:prstGeom>
+          <a:noFill/>
+          <a:ln w="12700">
+            <a:noFill/>
+          </a:ln>
+        </p:spPr>
+        <p:txBody>
+          <a:bodyPr wrap="none" rtlCol="0">
+            <a:spAutoFit/>
+          </a:bodyPr>
+          <a:lstStyle/>
+          <a:p>
+            <a:r>
+              <a:rPr kumimoji="1" lang="en-US" altLang="zh-TW" sz="1200" dirty="0"/>
+              <a:t>No</a:t>
+            </a:r>
+            <a:endParaRPr kumimoji="1" lang="zh-TW" altLang="en-US" sz="1200" dirty="0"/>
+          </a:p>
+        </p:txBody>
+      </p:sp>
+      <p:cxnSp>
+        <p:nvCxnSpPr>
+          <p:cNvPr id="109" name="直線接點 108">
+            <a:extLst>
+              <a:ext uri="{FF2B5EF4-FFF2-40B4-BE49-F238E27FC236}">
+                <a16:creationId xmlns:a16="http://schemas.microsoft.com/office/drawing/2014/main" id="{CA516114-4631-7048-B875-FEC6069BAB10}"/>
+              </a:ext>
+            </a:extLst>
+          </p:cNvPr>
+          <p:cNvCxnSpPr>
+            <a:cxnSpLocks/>
+          </p:cNvCxnSpPr>
+          <p:nvPr/>
+        </p:nvCxnSpPr>
+        <p:spPr>
+          <a:xfrm flipH="1">
+            <a:off x="6116988" y="3310365"/>
+            <a:ext cx="2" cy="232406"/>
+          </a:xfrm>
+          <a:prstGeom prst="line">
+            <a:avLst/>
+          </a:prstGeom>
+          <a:ln w="12700">
+            <a:solidFill>
+              <a:schemeClr val="accent5">
+                <a:lumMod val="75000"/>
+              </a:schemeClr>
+            </a:solidFill>
             <a:headEnd type="none" w="med" len="med"/>
             <a:tailEnd type="none" w="med" len="med"/>
           </a:ln>
@@ -3924,30 +5317,34 @@
       </p:cxnSp>
       <p:cxnSp>
         <p:nvCxnSpPr>
-          <p:cNvPr id="29" name="直線箭頭接點 28">
-            <a:extLst>
-              <a:ext uri="{FF2B5EF4-FFF2-40B4-BE49-F238E27FC236}">
-                <a16:creationId xmlns:a16="http://schemas.microsoft.com/office/drawing/2014/main" id="{75FDF8B9-2E49-B845-A368-74B13275E091}"/>
+          <p:cNvPr id="110" name="直線接點 109">
+            <a:extLst>
+              <a:ext uri="{FF2B5EF4-FFF2-40B4-BE49-F238E27FC236}">
+                <a16:creationId xmlns:a16="http://schemas.microsoft.com/office/drawing/2014/main" id="{ECCC264D-49F0-9A40-B755-D5EA493F9713}"/>
               </a:ext>
             </a:extLst>
           </p:cNvPr>
           <p:cNvCxnSpPr>
             <a:cxnSpLocks/>
-            <a:endCxn id="15" idx="0"/>
           </p:cNvCxnSpPr>
           <p:nvPr/>
         </p:nvCxnSpPr>
         <p:spPr>
-          <a:xfrm>
-            <a:off x="2244811" y="1152280"/>
-            <a:ext cx="0" cy="264629"/>
-          </a:xfrm>
-          <a:prstGeom prst="straightConnector1">
+          <a:xfrm flipH="1">
+            <a:off x="6116988" y="2816467"/>
+            <a:ext cx="2" cy="232406"/>
+          </a:xfrm>
+          <a:prstGeom prst="line">
             <a:avLst/>
           </a:prstGeom>
           <a:ln w="12700">
+            <a:solidFill>
+              <a:schemeClr val="accent5">
+                <a:lumMod val="75000"/>
+              </a:schemeClr>
+            </a:solidFill>
             <a:headEnd type="none" w="med" len="med"/>
-            <a:tailEnd type="arrow" w="med" len="med"/>
+            <a:tailEnd type="none" w="med" len="med"/>
           </a:ln>
         </p:spPr>
         <p:style>
@@ -3965,12 +5362,225 @@
           </a:fontRef>
         </p:style>
       </p:cxnSp>
-      <p:sp>
-        <p:nvSpPr>
-          <p:cNvPr id="33" name="文字方塊 32">
-            <a:extLst>
-              <a:ext uri="{FF2B5EF4-FFF2-40B4-BE49-F238E27FC236}">
-                <a16:creationId xmlns:a16="http://schemas.microsoft.com/office/drawing/2014/main" id="{8486EA86-9346-A846-A9BB-69452B9C4D02}"/>
+      <p:cxnSp>
+        <p:nvCxnSpPr>
+          <p:cNvPr id="111" name="直線箭頭接點 110">
+            <a:extLst>
+              <a:ext uri="{FF2B5EF4-FFF2-40B4-BE49-F238E27FC236}">
+                <a16:creationId xmlns:a16="http://schemas.microsoft.com/office/drawing/2014/main" id="{21D77ABB-C1C2-5F43-9AF3-27250A34D2FA}"/>
+              </a:ext>
+            </a:extLst>
+          </p:cNvPr>
+          <p:cNvCxnSpPr>
+            <a:cxnSpLocks/>
+          </p:cNvCxnSpPr>
+          <p:nvPr/>
+        </p:nvCxnSpPr>
+        <p:spPr>
+          <a:xfrm flipH="1">
+            <a:off x="3296734" y="3542535"/>
+            <a:ext cx="2820255" cy="0"/>
+          </a:xfrm>
+          <a:prstGeom prst="straightConnector1">
+            <a:avLst/>
+          </a:prstGeom>
+          <a:ln w="12700">
+            <a:headEnd type="none" w="med" len="med"/>
+            <a:tailEnd type="none" w="med" len="med"/>
+          </a:ln>
+        </p:spPr>
+        <p:style>
+          <a:lnRef idx="1">
+            <a:schemeClr val="accent1"/>
+          </a:lnRef>
+          <a:fillRef idx="0">
+            <a:schemeClr val="accent1"/>
+          </a:fillRef>
+          <a:effectRef idx="0">
+            <a:schemeClr val="accent1"/>
+          </a:effectRef>
+          <a:fontRef idx="minor">
+            <a:schemeClr val="tx1"/>
+          </a:fontRef>
+        </p:style>
+      </p:cxnSp>
+      <p:cxnSp>
+        <p:nvCxnSpPr>
+          <p:cNvPr id="113" name="直線箭頭接點 112">
+            <a:extLst>
+              <a:ext uri="{FF2B5EF4-FFF2-40B4-BE49-F238E27FC236}">
+                <a16:creationId xmlns:a16="http://schemas.microsoft.com/office/drawing/2014/main" id="{E9FCC615-E631-3447-BE64-AB8D94438313}"/>
+              </a:ext>
+            </a:extLst>
+          </p:cNvPr>
+          <p:cNvCxnSpPr>
+            <a:cxnSpLocks/>
+          </p:cNvCxnSpPr>
+          <p:nvPr/>
+        </p:nvCxnSpPr>
+        <p:spPr>
+          <a:xfrm flipH="1">
+            <a:off x="2832749" y="3195914"/>
+            <a:ext cx="223827" cy="0"/>
+          </a:xfrm>
+          <a:prstGeom prst="straightConnector1">
+            <a:avLst/>
+          </a:prstGeom>
+          <a:ln w="12700">
+            <a:tailEnd type="triangle"/>
+          </a:ln>
+        </p:spPr>
+        <p:style>
+          <a:lnRef idx="1">
+            <a:schemeClr val="accent1"/>
+          </a:lnRef>
+          <a:fillRef idx="0">
+            <a:schemeClr val="accent1"/>
+          </a:fillRef>
+          <a:effectRef idx="0">
+            <a:schemeClr val="accent1"/>
+          </a:effectRef>
+          <a:fontRef idx="minor">
+            <a:schemeClr val="tx1"/>
+          </a:fontRef>
+        </p:style>
+      </p:cxnSp>
+      <p:cxnSp>
+        <p:nvCxnSpPr>
+          <p:cNvPr id="115" name="直線箭頭接點 114">
+            <a:extLst>
+              <a:ext uri="{FF2B5EF4-FFF2-40B4-BE49-F238E27FC236}">
+                <a16:creationId xmlns:a16="http://schemas.microsoft.com/office/drawing/2014/main" id="{2B9E25DE-E17A-9A49-9628-92B0225E235C}"/>
+              </a:ext>
+            </a:extLst>
+          </p:cNvPr>
+          <p:cNvCxnSpPr>
+            <a:cxnSpLocks/>
+          </p:cNvCxnSpPr>
+          <p:nvPr/>
+        </p:nvCxnSpPr>
+        <p:spPr>
+          <a:xfrm flipH="1">
+            <a:off x="3535145" y="3195914"/>
+            <a:ext cx="174610" cy="0"/>
+          </a:xfrm>
+          <a:prstGeom prst="straightConnector1">
+            <a:avLst/>
+          </a:prstGeom>
+          <a:ln w="12700">
+            <a:tailEnd type="triangle"/>
+          </a:ln>
+        </p:spPr>
+        <p:style>
+          <a:lnRef idx="1">
+            <a:schemeClr val="accent1"/>
+          </a:lnRef>
+          <a:fillRef idx="0">
+            <a:schemeClr val="accent1"/>
+          </a:fillRef>
+          <a:effectRef idx="0">
+            <a:schemeClr val="accent1"/>
+          </a:effectRef>
+          <a:fontRef idx="minor">
+            <a:schemeClr val="tx1"/>
+          </a:fontRef>
+        </p:style>
+      </p:cxnSp>
+      <p:cxnSp>
+        <p:nvCxnSpPr>
+          <p:cNvPr id="116" name="直線箭頭接點 115">
+            <a:extLst>
+              <a:ext uri="{FF2B5EF4-FFF2-40B4-BE49-F238E27FC236}">
+                <a16:creationId xmlns:a16="http://schemas.microsoft.com/office/drawing/2014/main" id="{B26BFEEE-81B9-1C46-8193-2CDDE1E0526A}"/>
+              </a:ext>
+            </a:extLst>
+          </p:cNvPr>
+          <p:cNvCxnSpPr>
+            <a:cxnSpLocks/>
+          </p:cNvCxnSpPr>
+          <p:nvPr/>
+        </p:nvCxnSpPr>
+        <p:spPr>
+          <a:xfrm>
+            <a:off x="4671900" y="2807176"/>
+            <a:ext cx="0" cy="250239"/>
+          </a:xfrm>
+          <a:prstGeom prst="straightConnector1">
+            <a:avLst/>
+          </a:prstGeom>
+          <a:ln w="12700">
+            <a:tailEnd type="triangle"/>
+          </a:ln>
+        </p:spPr>
+        <p:style>
+          <a:lnRef idx="1">
+            <a:schemeClr val="accent1"/>
+          </a:lnRef>
+          <a:fillRef idx="0">
+            <a:schemeClr val="accent1"/>
+          </a:fillRef>
+          <a:effectRef idx="0">
+            <a:schemeClr val="accent1"/>
+          </a:effectRef>
+          <a:fontRef idx="minor">
+            <a:schemeClr val="tx1"/>
+          </a:fontRef>
+        </p:style>
+      </p:cxnSp>
+      <p:sp>
+        <p:nvSpPr>
+          <p:cNvPr id="118" name="弧線 117">
+            <a:extLst>
+              <a:ext uri="{FF2B5EF4-FFF2-40B4-BE49-F238E27FC236}">
+                <a16:creationId xmlns:a16="http://schemas.microsoft.com/office/drawing/2014/main" id="{96CD8A2A-BC26-684F-989C-6FB1D84441A7}"/>
+              </a:ext>
+            </a:extLst>
+          </p:cNvPr>
+          <p:cNvSpPr/>
+          <p:nvPr/>
+        </p:nvSpPr>
+        <p:spPr>
+          <a:xfrm>
+            <a:off x="4593230" y="3464332"/>
+            <a:ext cx="157340" cy="157340"/>
+          </a:xfrm>
+          <a:prstGeom prst="arc">
+            <a:avLst>
+              <a:gd name="adj1" fmla="val 16200000"/>
+              <a:gd name="adj2" fmla="val 5400000"/>
+            </a:avLst>
+          </a:prstGeom>
+          <a:ln w="12700"/>
+        </p:spPr>
+        <p:style>
+          <a:lnRef idx="1">
+            <a:schemeClr val="accent1"/>
+          </a:lnRef>
+          <a:fillRef idx="0">
+            <a:schemeClr val="accent1"/>
+          </a:fillRef>
+          <a:effectRef idx="0">
+            <a:schemeClr val="accent1"/>
+          </a:effectRef>
+          <a:fontRef idx="minor">
+            <a:schemeClr val="tx1"/>
+          </a:fontRef>
+        </p:style>
+        <p:txBody>
+          <a:bodyPr rtlCol="0" anchor="ctr"/>
+          <a:lstStyle/>
+          <a:p>
+            <a:pPr algn="ctr"/>
+            <a:endParaRPr kumimoji="1" lang="zh-TW" altLang="en-US"/>
+          </a:p>
+        </p:txBody>
+      </p:sp>
+      <p:sp>
+        <p:nvSpPr>
+          <p:cNvPr id="121" name="文字方塊 120">
+            <a:extLst>
+              <a:ext uri="{FF2B5EF4-FFF2-40B4-BE49-F238E27FC236}">
+                <a16:creationId xmlns:a16="http://schemas.microsoft.com/office/drawing/2014/main" id="{BEB5EAB7-3EA0-C14F-A430-068E7138F83B}"/>
               </a:ext>
             </a:extLst>
           </p:cNvPr>
@@ -3978,8 +5588,8 @@
           <p:nvPr/>
         </p:nvSpPr>
         <p:spPr>
-          <a:xfrm>
-            <a:off x="3494794" y="1018729"/>
+          <a:xfrm flipH="1">
+            <a:off x="3675686" y="3058523"/>
             <a:ext cx="365806" cy="276999"/>
           </a:xfrm>
           <a:prstGeom prst="rect">
@@ -3996,7 +5606,6 @@
           </a:bodyPr>
           <a:lstStyle/>
           <a:p>
-            <a:pPr algn="ctr"/>
             <a:r>
               <a:rPr kumimoji="1" lang="en-US" altLang="zh-TW" sz="1200" dirty="0"/>
               <a:t>No</a:t>
@@ -4005,10 +5614,3205 @@
           </a:p>
         </p:txBody>
       </p:sp>
+      <p:cxnSp>
+        <p:nvCxnSpPr>
+          <p:cNvPr id="122" name="直線箭頭接點 121">
+            <a:extLst>
+              <a:ext uri="{FF2B5EF4-FFF2-40B4-BE49-F238E27FC236}">
+                <a16:creationId xmlns:a16="http://schemas.microsoft.com/office/drawing/2014/main" id="{7C03F38A-5D41-6543-A9E9-CC1E5C7343CB}"/>
+              </a:ext>
+            </a:extLst>
+          </p:cNvPr>
+          <p:cNvCxnSpPr>
+            <a:cxnSpLocks/>
+          </p:cNvCxnSpPr>
+          <p:nvPr/>
+        </p:nvCxnSpPr>
+        <p:spPr>
+          <a:xfrm flipH="1">
+            <a:off x="3984941" y="3195915"/>
+            <a:ext cx="174610" cy="0"/>
+          </a:xfrm>
+          <a:prstGeom prst="straightConnector1">
+            <a:avLst/>
+          </a:prstGeom>
+          <a:ln w="12700">
+            <a:headEnd type="none" w="med" len="med"/>
+            <a:tailEnd type="none" w="med" len="med"/>
+          </a:ln>
+        </p:spPr>
+        <p:style>
+          <a:lnRef idx="1">
+            <a:schemeClr val="accent1"/>
+          </a:lnRef>
+          <a:fillRef idx="0">
+            <a:schemeClr val="accent1"/>
+          </a:fillRef>
+          <a:effectRef idx="0">
+            <a:schemeClr val="accent1"/>
+          </a:effectRef>
+          <a:fontRef idx="minor">
+            <a:schemeClr val="tx1"/>
+          </a:fontRef>
+        </p:style>
+      </p:cxnSp>
+      <p:cxnSp>
+        <p:nvCxnSpPr>
+          <p:cNvPr id="125" name="直線箭頭接點 124">
+            <a:extLst>
+              <a:ext uri="{FF2B5EF4-FFF2-40B4-BE49-F238E27FC236}">
+                <a16:creationId xmlns:a16="http://schemas.microsoft.com/office/drawing/2014/main" id="{3F21E133-50D7-CE46-8C8E-55AE3ADD3D63}"/>
+              </a:ext>
+            </a:extLst>
+          </p:cNvPr>
+          <p:cNvCxnSpPr>
+            <a:cxnSpLocks/>
+          </p:cNvCxnSpPr>
+          <p:nvPr/>
+        </p:nvCxnSpPr>
+        <p:spPr>
+          <a:xfrm flipH="1">
+            <a:off x="1319532" y="3546791"/>
+            <a:ext cx="325231" cy="0"/>
+          </a:xfrm>
+          <a:prstGeom prst="straightConnector1">
+            <a:avLst/>
+          </a:prstGeom>
+          <a:ln w="12700">
+            <a:tailEnd type="triangle"/>
+          </a:ln>
+        </p:spPr>
+        <p:style>
+          <a:lnRef idx="1">
+            <a:schemeClr val="accent1"/>
+          </a:lnRef>
+          <a:fillRef idx="0">
+            <a:schemeClr val="accent1"/>
+          </a:fillRef>
+          <a:effectRef idx="0">
+            <a:schemeClr val="accent1"/>
+          </a:effectRef>
+          <a:fontRef idx="minor">
+            <a:schemeClr val="tx1"/>
+          </a:fontRef>
+        </p:style>
+      </p:cxnSp>
+      <p:cxnSp>
+        <p:nvCxnSpPr>
+          <p:cNvPr id="127" name="直線箭頭接點 126">
+            <a:extLst>
+              <a:ext uri="{FF2B5EF4-FFF2-40B4-BE49-F238E27FC236}">
+                <a16:creationId xmlns:a16="http://schemas.microsoft.com/office/drawing/2014/main" id="{D5F33D1A-B59E-4845-96C1-4CEE98CDCB3A}"/>
+              </a:ext>
+            </a:extLst>
+          </p:cNvPr>
+          <p:cNvCxnSpPr>
+            <a:cxnSpLocks/>
+          </p:cNvCxnSpPr>
+          <p:nvPr/>
+        </p:nvCxnSpPr>
+        <p:spPr>
+          <a:xfrm>
+            <a:off x="4671900" y="3334414"/>
+            <a:ext cx="0" cy="129918"/>
+          </a:xfrm>
+          <a:prstGeom prst="straightConnector1">
+            <a:avLst/>
+          </a:prstGeom>
+          <a:ln w="12700">
+            <a:headEnd type="none" w="med" len="med"/>
+            <a:tailEnd type="none" w="med" len="med"/>
+          </a:ln>
+        </p:spPr>
+        <p:style>
+          <a:lnRef idx="1">
+            <a:schemeClr val="accent1"/>
+          </a:lnRef>
+          <a:fillRef idx="0">
+            <a:schemeClr val="accent1"/>
+          </a:fillRef>
+          <a:effectRef idx="0">
+            <a:schemeClr val="accent1"/>
+          </a:effectRef>
+          <a:fontRef idx="minor">
+            <a:schemeClr val="tx1"/>
+          </a:fontRef>
+        </p:style>
+      </p:cxnSp>
+      <p:sp>
+        <p:nvSpPr>
+          <p:cNvPr id="129" name="文字方塊 128">
+            <a:extLst>
+              <a:ext uri="{FF2B5EF4-FFF2-40B4-BE49-F238E27FC236}">
+                <a16:creationId xmlns:a16="http://schemas.microsoft.com/office/drawing/2014/main" id="{8E1AE3C5-632F-5D45-BC42-5627813B2A9C}"/>
+              </a:ext>
+            </a:extLst>
+          </p:cNvPr>
+          <p:cNvSpPr txBox="1"/>
+          <p:nvPr/>
+        </p:nvSpPr>
+        <p:spPr>
+          <a:xfrm flipH="1">
+            <a:off x="3647960" y="3603320"/>
+            <a:ext cx="386837" cy="276999"/>
+          </a:xfrm>
+          <a:prstGeom prst="rect">
+            <a:avLst/>
+          </a:prstGeom>
+          <a:noFill/>
+          <a:ln w="12700">
+            <a:noFill/>
+          </a:ln>
+        </p:spPr>
+        <p:txBody>
+          <a:bodyPr wrap="none" rtlCol="0">
+            <a:spAutoFit/>
+          </a:bodyPr>
+          <a:lstStyle/>
+          <a:p>
+            <a:r>
+              <a:rPr kumimoji="1" lang="en-US" altLang="zh-TW" sz="1200" dirty="0"/>
+              <a:t>Yes</a:t>
+            </a:r>
+            <a:endParaRPr kumimoji="1" lang="zh-TW" altLang="en-US" sz="1200" dirty="0"/>
+          </a:p>
+        </p:txBody>
+      </p:sp>
+      <p:cxnSp>
+        <p:nvCxnSpPr>
+          <p:cNvPr id="130" name="直線箭頭接點 129">
+            <a:extLst>
+              <a:ext uri="{FF2B5EF4-FFF2-40B4-BE49-F238E27FC236}">
+                <a16:creationId xmlns:a16="http://schemas.microsoft.com/office/drawing/2014/main" id="{2F638686-1034-794F-98CF-A1D2E97F7BE3}"/>
+              </a:ext>
+            </a:extLst>
+          </p:cNvPr>
+          <p:cNvCxnSpPr>
+            <a:cxnSpLocks/>
+          </p:cNvCxnSpPr>
+          <p:nvPr/>
+        </p:nvCxnSpPr>
+        <p:spPr>
+          <a:xfrm flipH="1">
+            <a:off x="3984941" y="3748497"/>
+            <a:ext cx="686959" cy="0"/>
+          </a:xfrm>
+          <a:prstGeom prst="straightConnector1">
+            <a:avLst/>
+          </a:prstGeom>
+          <a:ln w="12700">
+            <a:headEnd type="none" w="med" len="med"/>
+            <a:tailEnd type="none" w="med" len="med"/>
+          </a:ln>
+        </p:spPr>
+        <p:style>
+          <a:lnRef idx="1">
+            <a:schemeClr val="accent1"/>
+          </a:lnRef>
+          <a:fillRef idx="0">
+            <a:schemeClr val="accent1"/>
+          </a:fillRef>
+          <a:effectRef idx="0">
+            <a:schemeClr val="accent1"/>
+          </a:effectRef>
+          <a:fontRef idx="minor">
+            <a:schemeClr val="tx1"/>
+          </a:fontRef>
+        </p:style>
+      </p:cxnSp>
+      <p:cxnSp>
+        <p:nvCxnSpPr>
+          <p:cNvPr id="135" name="直線箭頭接點 134">
+            <a:extLst>
+              <a:ext uri="{FF2B5EF4-FFF2-40B4-BE49-F238E27FC236}">
+                <a16:creationId xmlns:a16="http://schemas.microsoft.com/office/drawing/2014/main" id="{602B6212-05BF-0942-BF58-D68A0817CF3F}"/>
+              </a:ext>
+            </a:extLst>
+          </p:cNvPr>
+          <p:cNvCxnSpPr>
+            <a:cxnSpLocks/>
+          </p:cNvCxnSpPr>
+          <p:nvPr/>
+        </p:nvCxnSpPr>
+        <p:spPr>
+          <a:xfrm>
+            <a:off x="4671900" y="3621672"/>
+            <a:ext cx="0" cy="129918"/>
+          </a:xfrm>
+          <a:prstGeom prst="straightConnector1">
+            <a:avLst/>
+          </a:prstGeom>
+          <a:ln w="12700">
+            <a:headEnd type="none" w="med" len="med"/>
+            <a:tailEnd type="none" w="med" len="med"/>
+          </a:ln>
+        </p:spPr>
+        <p:style>
+          <a:lnRef idx="1">
+            <a:schemeClr val="accent1"/>
+          </a:lnRef>
+          <a:fillRef idx="0">
+            <a:schemeClr val="accent1"/>
+          </a:fillRef>
+          <a:effectRef idx="0">
+            <a:schemeClr val="accent1"/>
+          </a:effectRef>
+          <a:fontRef idx="minor">
+            <a:schemeClr val="tx1"/>
+          </a:fontRef>
+        </p:style>
+      </p:cxnSp>
+      <p:cxnSp>
+        <p:nvCxnSpPr>
+          <p:cNvPr id="136" name="直線箭頭接點 135">
+            <a:extLst>
+              <a:ext uri="{FF2B5EF4-FFF2-40B4-BE49-F238E27FC236}">
+                <a16:creationId xmlns:a16="http://schemas.microsoft.com/office/drawing/2014/main" id="{DDF6D9C4-1C2A-1547-A088-6F091E03B55D}"/>
+              </a:ext>
+            </a:extLst>
+          </p:cNvPr>
+          <p:cNvCxnSpPr>
+            <a:cxnSpLocks/>
+          </p:cNvCxnSpPr>
+          <p:nvPr/>
+        </p:nvCxnSpPr>
+        <p:spPr>
+          <a:xfrm flipH="1">
+            <a:off x="3122921" y="3748497"/>
+            <a:ext cx="552766" cy="0"/>
+          </a:xfrm>
+          <a:prstGeom prst="straightConnector1">
+            <a:avLst/>
+          </a:prstGeom>
+          <a:ln w="12700">
+            <a:headEnd type="none" w="med" len="med"/>
+            <a:tailEnd type="none" w="med" len="med"/>
+          </a:ln>
+        </p:spPr>
+        <p:style>
+          <a:lnRef idx="1">
+            <a:schemeClr val="accent1"/>
+          </a:lnRef>
+          <a:fillRef idx="0">
+            <a:schemeClr val="accent1"/>
+          </a:fillRef>
+          <a:effectRef idx="0">
+            <a:schemeClr val="accent1"/>
+          </a:effectRef>
+          <a:fontRef idx="minor">
+            <a:schemeClr val="tx1"/>
+          </a:fontRef>
+        </p:style>
+      </p:cxnSp>
+      <p:cxnSp>
+        <p:nvCxnSpPr>
+          <p:cNvPr id="138" name="直線箭頭接點 137">
+            <a:extLst>
+              <a:ext uri="{FF2B5EF4-FFF2-40B4-BE49-F238E27FC236}">
+                <a16:creationId xmlns:a16="http://schemas.microsoft.com/office/drawing/2014/main" id="{A91A7E89-F4AD-7947-B8EA-E6822D45757B}"/>
+              </a:ext>
+            </a:extLst>
+          </p:cNvPr>
+          <p:cNvCxnSpPr>
+            <a:cxnSpLocks/>
+          </p:cNvCxnSpPr>
+          <p:nvPr/>
+        </p:nvCxnSpPr>
+        <p:spPr>
+          <a:xfrm>
+            <a:off x="3122921" y="3748497"/>
+            <a:ext cx="0" cy="198220"/>
+          </a:xfrm>
+          <a:prstGeom prst="straightConnector1">
+            <a:avLst/>
+          </a:prstGeom>
+          <a:ln w="12700">
+            <a:headEnd type="none" w="med" len="med"/>
+            <a:tailEnd type="none" w="med" len="med"/>
+          </a:ln>
+        </p:spPr>
+        <p:style>
+          <a:lnRef idx="1">
+            <a:schemeClr val="accent1"/>
+          </a:lnRef>
+          <a:fillRef idx="0">
+            <a:schemeClr val="accent1"/>
+          </a:fillRef>
+          <a:effectRef idx="0">
+            <a:schemeClr val="accent1"/>
+          </a:effectRef>
+          <a:fontRef idx="minor">
+            <a:schemeClr val="tx1"/>
+          </a:fontRef>
+        </p:style>
+      </p:cxnSp>
+      <p:cxnSp>
+        <p:nvCxnSpPr>
+          <p:cNvPr id="140" name="直線箭頭接點 139">
+            <a:extLst>
+              <a:ext uri="{FF2B5EF4-FFF2-40B4-BE49-F238E27FC236}">
+                <a16:creationId xmlns:a16="http://schemas.microsoft.com/office/drawing/2014/main" id="{09AA336F-48D2-394C-8A87-9232FC5CDDDD}"/>
+              </a:ext>
+            </a:extLst>
+          </p:cNvPr>
+          <p:cNvCxnSpPr>
+            <a:cxnSpLocks/>
+          </p:cNvCxnSpPr>
+          <p:nvPr/>
+        </p:nvCxnSpPr>
+        <p:spPr>
+          <a:xfrm>
+            <a:off x="1642738" y="3946717"/>
+            <a:ext cx="0" cy="359309"/>
+          </a:xfrm>
+          <a:prstGeom prst="straightConnector1">
+            <a:avLst/>
+          </a:prstGeom>
+          <a:ln w="12700">
+            <a:headEnd type="none" w="med" len="med"/>
+            <a:tailEnd type="triangle" w="med" len="med"/>
+          </a:ln>
+        </p:spPr>
+        <p:style>
+          <a:lnRef idx="1">
+            <a:schemeClr val="accent1"/>
+          </a:lnRef>
+          <a:fillRef idx="0">
+            <a:schemeClr val="accent1"/>
+          </a:fillRef>
+          <a:effectRef idx="0">
+            <a:schemeClr val="accent1"/>
+          </a:effectRef>
+          <a:fontRef idx="minor">
+            <a:schemeClr val="tx1"/>
+          </a:fontRef>
+        </p:style>
+      </p:cxnSp>
+      <p:cxnSp>
+        <p:nvCxnSpPr>
+          <p:cNvPr id="141" name="直線箭頭接點 140">
+            <a:extLst>
+              <a:ext uri="{FF2B5EF4-FFF2-40B4-BE49-F238E27FC236}">
+                <a16:creationId xmlns:a16="http://schemas.microsoft.com/office/drawing/2014/main" id="{0399F69D-0438-9C45-A83A-6C27ACBEF014}"/>
+              </a:ext>
+            </a:extLst>
+          </p:cNvPr>
+          <p:cNvCxnSpPr>
+            <a:cxnSpLocks/>
+          </p:cNvCxnSpPr>
+          <p:nvPr/>
+        </p:nvCxnSpPr>
+        <p:spPr>
+          <a:xfrm flipH="1">
+            <a:off x="1642738" y="3946717"/>
+            <a:ext cx="1480184" cy="0"/>
+          </a:xfrm>
+          <a:prstGeom prst="straightConnector1">
+            <a:avLst/>
+          </a:prstGeom>
+          <a:ln w="12700">
+            <a:headEnd type="none" w="med" len="med"/>
+            <a:tailEnd type="none" w="med" len="med"/>
+          </a:ln>
+        </p:spPr>
+        <p:style>
+          <a:lnRef idx="1">
+            <a:schemeClr val="accent1"/>
+          </a:lnRef>
+          <a:fillRef idx="0">
+            <a:schemeClr val="accent1"/>
+          </a:fillRef>
+          <a:effectRef idx="0">
+            <a:schemeClr val="accent1"/>
+          </a:effectRef>
+          <a:fontRef idx="minor">
+            <a:schemeClr val="tx1"/>
+          </a:fontRef>
+        </p:style>
+      </p:cxnSp>
+      <p:cxnSp>
+        <p:nvCxnSpPr>
+          <p:cNvPr id="148" name="直線箭頭接點 147">
+            <a:extLst>
+              <a:ext uri="{FF2B5EF4-FFF2-40B4-BE49-F238E27FC236}">
+                <a16:creationId xmlns:a16="http://schemas.microsoft.com/office/drawing/2014/main" id="{BDF28F73-2E5F-E249-AC24-08891F5402C4}"/>
+              </a:ext>
+            </a:extLst>
+          </p:cNvPr>
+          <p:cNvCxnSpPr>
+            <a:cxnSpLocks/>
+          </p:cNvCxnSpPr>
+          <p:nvPr/>
+        </p:nvCxnSpPr>
+        <p:spPr>
+          <a:xfrm>
+            <a:off x="554101" y="5212054"/>
+            <a:ext cx="3899754" cy="0"/>
+          </a:xfrm>
+          <a:prstGeom prst="straightConnector1">
+            <a:avLst/>
+          </a:prstGeom>
+          <a:ln w="12700">
+            <a:headEnd type="none" w="med" len="med"/>
+            <a:tailEnd type="triangle" w="med" len="med"/>
+          </a:ln>
+        </p:spPr>
+        <p:style>
+          <a:lnRef idx="1">
+            <a:schemeClr val="accent1"/>
+          </a:lnRef>
+          <a:fillRef idx="0">
+            <a:schemeClr val="accent1"/>
+          </a:fillRef>
+          <a:effectRef idx="0">
+            <a:schemeClr val="accent1"/>
+          </a:effectRef>
+          <a:fontRef idx="minor">
+            <a:schemeClr val="tx1"/>
+          </a:fontRef>
+        </p:style>
+      </p:cxnSp>
+      <p:cxnSp>
+        <p:nvCxnSpPr>
+          <p:cNvPr id="156" name="直線箭頭接點 155">
+            <a:extLst>
+              <a:ext uri="{FF2B5EF4-FFF2-40B4-BE49-F238E27FC236}">
+                <a16:creationId xmlns:a16="http://schemas.microsoft.com/office/drawing/2014/main" id="{1E0412E8-FF17-EB49-ADBB-8822174119E9}"/>
+              </a:ext>
+            </a:extLst>
+          </p:cNvPr>
+          <p:cNvCxnSpPr>
+            <a:cxnSpLocks/>
+          </p:cNvCxnSpPr>
+          <p:nvPr/>
+        </p:nvCxnSpPr>
+        <p:spPr>
+          <a:xfrm flipV="1">
+            <a:off x="990146" y="2043859"/>
+            <a:ext cx="0" cy="345228"/>
+          </a:xfrm>
+          <a:prstGeom prst="straightConnector1">
+            <a:avLst/>
+          </a:prstGeom>
+          <a:ln w="12700">
+            <a:headEnd type="none" w="med" len="med"/>
+            <a:tailEnd type="triangle" w="med" len="med"/>
+          </a:ln>
+        </p:spPr>
+        <p:style>
+          <a:lnRef idx="1">
+            <a:schemeClr val="accent1"/>
+          </a:lnRef>
+          <a:fillRef idx="0">
+            <a:schemeClr val="accent1"/>
+          </a:fillRef>
+          <a:effectRef idx="0">
+            <a:schemeClr val="accent1"/>
+          </a:effectRef>
+          <a:fontRef idx="minor">
+            <a:schemeClr val="tx1"/>
+          </a:fontRef>
+        </p:style>
+      </p:cxnSp>
+      <p:cxnSp>
+        <p:nvCxnSpPr>
+          <p:cNvPr id="161" name="直線箭頭接點 160">
+            <a:extLst>
+              <a:ext uri="{FF2B5EF4-FFF2-40B4-BE49-F238E27FC236}">
+                <a16:creationId xmlns:a16="http://schemas.microsoft.com/office/drawing/2014/main" id="{84245751-E9FC-EF43-9CFA-41602C567F7C}"/>
+              </a:ext>
+            </a:extLst>
+          </p:cNvPr>
+          <p:cNvCxnSpPr>
+            <a:cxnSpLocks/>
+            <a:stCxn id="169" idx="3"/>
+          </p:cNvCxnSpPr>
+          <p:nvPr/>
+        </p:nvCxnSpPr>
+        <p:spPr>
+          <a:xfrm>
+            <a:off x="2432600" y="1905360"/>
+            <a:ext cx="2286365" cy="0"/>
+          </a:xfrm>
+          <a:prstGeom prst="straightConnector1">
+            <a:avLst/>
+          </a:prstGeom>
+          <a:ln w="12700">
+            <a:headEnd type="none" w="med" len="med"/>
+            <a:tailEnd type="triangle" w="med" len="med"/>
+          </a:ln>
+        </p:spPr>
+        <p:style>
+          <a:lnRef idx="1">
+            <a:schemeClr val="accent1"/>
+          </a:lnRef>
+          <a:fillRef idx="0">
+            <a:schemeClr val="accent1"/>
+          </a:fillRef>
+          <a:effectRef idx="0">
+            <a:schemeClr val="accent1"/>
+          </a:effectRef>
+          <a:fontRef idx="minor">
+            <a:schemeClr val="tx1"/>
+          </a:fontRef>
+        </p:style>
+      </p:cxnSp>
+      <p:cxnSp>
+        <p:nvCxnSpPr>
+          <p:cNvPr id="163" name="直線箭頭接點 162">
+            <a:extLst>
+              <a:ext uri="{FF2B5EF4-FFF2-40B4-BE49-F238E27FC236}">
+                <a16:creationId xmlns:a16="http://schemas.microsoft.com/office/drawing/2014/main" id="{55C62108-17F4-C044-9945-2101CD94B934}"/>
+              </a:ext>
+            </a:extLst>
+          </p:cNvPr>
+          <p:cNvCxnSpPr>
+            <a:cxnSpLocks/>
+          </p:cNvCxnSpPr>
+          <p:nvPr/>
+        </p:nvCxnSpPr>
+        <p:spPr>
+          <a:xfrm flipV="1">
+            <a:off x="4718965" y="1037784"/>
+            <a:ext cx="0" cy="867576"/>
+          </a:xfrm>
+          <a:prstGeom prst="straightConnector1">
+            <a:avLst/>
+          </a:prstGeom>
+          <a:ln w="12700">
+            <a:headEnd type="none" w="med" len="med"/>
+            <a:tailEnd type="none" w="med" len="med"/>
+          </a:ln>
+        </p:spPr>
+        <p:style>
+          <a:lnRef idx="1">
+            <a:schemeClr val="accent1"/>
+          </a:lnRef>
+          <a:fillRef idx="0">
+            <a:schemeClr val="accent1"/>
+          </a:fillRef>
+          <a:effectRef idx="0">
+            <a:schemeClr val="accent1"/>
+          </a:effectRef>
+          <a:fontRef idx="minor">
+            <a:schemeClr val="tx1"/>
+          </a:fontRef>
+        </p:style>
+      </p:cxnSp>
+      <p:sp>
+        <p:nvSpPr>
+          <p:cNvPr id="169" name="文字方塊 168">
+            <a:extLst>
+              <a:ext uri="{FF2B5EF4-FFF2-40B4-BE49-F238E27FC236}">
+                <a16:creationId xmlns:a16="http://schemas.microsoft.com/office/drawing/2014/main" id="{1AA73294-B851-4641-B450-CF7366582B42}"/>
+              </a:ext>
+            </a:extLst>
+          </p:cNvPr>
+          <p:cNvSpPr txBox="1"/>
+          <p:nvPr/>
+        </p:nvSpPr>
+        <p:spPr>
+          <a:xfrm>
+            <a:off x="2045763" y="1766860"/>
+            <a:ext cx="386837" cy="276999"/>
+          </a:xfrm>
+          <a:prstGeom prst="rect">
+            <a:avLst/>
+          </a:prstGeom>
+          <a:solidFill>
+            <a:schemeClr val="bg1"/>
+          </a:solidFill>
+          <a:ln w="12700">
+            <a:noFill/>
+          </a:ln>
+        </p:spPr>
+        <p:txBody>
+          <a:bodyPr wrap="none" rtlCol="0">
+            <a:spAutoFit/>
+          </a:bodyPr>
+          <a:lstStyle/>
+          <a:p>
+            <a:r>
+              <a:rPr kumimoji="1" lang="en-US" altLang="zh-TW" sz="1200" dirty="0"/>
+              <a:t>Yes</a:t>
+            </a:r>
+            <a:endParaRPr kumimoji="1" lang="zh-TW" altLang="en-US" sz="1200" dirty="0"/>
+          </a:p>
+        </p:txBody>
+      </p:sp>
+      <p:cxnSp>
+        <p:nvCxnSpPr>
+          <p:cNvPr id="171" name="直線箭頭接點 170">
+            <a:extLst>
+              <a:ext uri="{FF2B5EF4-FFF2-40B4-BE49-F238E27FC236}">
+                <a16:creationId xmlns:a16="http://schemas.microsoft.com/office/drawing/2014/main" id="{CFE071AD-EFAC-0743-BB5A-34FA240F6252}"/>
+              </a:ext>
+            </a:extLst>
+          </p:cNvPr>
+          <p:cNvCxnSpPr>
+            <a:cxnSpLocks/>
+          </p:cNvCxnSpPr>
+          <p:nvPr/>
+        </p:nvCxnSpPr>
+        <p:spPr>
+          <a:xfrm flipV="1">
+            <a:off x="1738889" y="1907901"/>
+            <a:ext cx="296397" cy="1"/>
+          </a:xfrm>
+          <a:prstGeom prst="straightConnector1">
+            <a:avLst/>
+          </a:prstGeom>
+          <a:ln w="12700">
+            <a:headEnd type="none" w="med" len="med"/>
+            <a:tailEnd type="none" w="med" len="med"/>
+          </a:ln>
+        </p:spPr>
+        <p:style>
+          <a:lnRef idx="1">
+            <a:schemeClr val="accent1"/>
+          </a:lnRef>
+          <a:fillRef idx="0">
+            <a:schemeClr val="accent1"/>
+          </a:fillRef>
+          <a:effectRef idx="0">
+            <a:schemeClr val="accent1"/>
+          </a:effectRef>
+          <a:fontRef idx="minor">
+            <a:schemeClr val="tx1"/>
+          </a:fontRef>
+        </p:style>
+      </p:cxnSp>
+      <p:sp>
+        <p:nvSpPr>
+          <p:cNvPr id="177" name="矩形 176">
+            <a:extLst>
+              <a:ext uri="{FF2B5EF4-FFF2-40B4-BE49-F238E27FC236}">
+                <a16:creationId xmlns:a16="http://schemas.microsoft.com/office/drawing/2014/main" id="{1250B900-53D6-E44C-8810-6DAAE6686429}"/>
+              </a:ext>
+            </a:extLst>
+          </p:cNvPr>
+          <p:cNvSpPr/>
+          <p:nvPr/>
+        </p:nvSpPr>
+        <p:spPr>
+          <a:xfrm>
+            <a:off x="226568" y="2170142"/>
+            <a:ext cx="6477832" cy="1691587"/>
+          </a:xfrm>
+          <a:prstGeom prst="rect">
+            <a:avLst/>
+          </a:prstGeom>
+          <a:noFill/>
+          <a:ln>
+            <a:solidFill>
+              <a:srgbClr val="00B050"/>
+            </a:solidFill>
+          </a:ln>
+        </p:spPr>
+        <p:style>
+          <a:lnRef idx="2">
+            <a:schemeClr val="accent1">
+              <a:shade val="50000"/>
+            </a:schemeClr>
+          </a:lnRef>
+          <a:fillRef idx="1">
+            <a:schemeClr val="accent1"/>
+          </a:fillRef>
+          <a:effectRef idx="0">
+            <a:schemeClr val="accent1"/>
+          </a:effectRef>
+          <a:fontRef idx="minor">
+            <a:schemeClr val="lt1"/>
+          </a:fontRef>
+        </p:style>
+        <p:txBody>
+          <a:bodyPr rtlCol="0" anchor="ctr"/>
+          <a:lstStyle/>
+          <a:p>
+            <a:pPr algn="ctr"/>
+            <a:endParaRPr kumimoji="1" lang="zh-TW" altLang="en-US"/>
+          </a:p>
+        </p:txBody>
+      </p:sp>
+      <p:sp>
+        <p:nvSpPr>
+          <p:cNvPr id="182" name="文字方塊 181">
+            <a:extLst>
+              <a:ext uri="{FF2B5EF4-FFF2-40B4-BE49-F238E27FC236}">
+                <a16:creationId xmlns:a16="http://schemas.microsoft.com/office/drawing/2014/main" id="{757ABFC2-F720-B749-9D36-4320B4D69656}"/>
+              </a:ext>
+            </a:extLst>
+          </p:cNvPr>
+          <p:cNvSpPr txBox="1"/>
+          <p:nvPr/>
+        </p:nvSpPr>
+        <p:spPr>
+          <a:xfrm>
+            <a:off x="5083042" y="3572663"/>
+            <a:ext cx="1040670" cy="276999"/>
+          </a:xfrm>
+          <a:prstGeom prst="rect">
+            <a:avLst/>
+          </a:prstGeom>
+          <a:noFill/>
+          <a:ln w="12700">
+            <a:noFill/>
+          </a:ln>
+        </p:spPr>
+        <p:txBody>
+          <a:bodyPr wrap="none" rtlCol="0">
+            <a:spAutoFit/>
+          </a:bodyPr>
+          <a:lstStyle/>
+          <a:p>
+            <a:pPr algn="ctr"/>
+            <a:r>
+              <a:rPr kumimoji="1" lang="en-US" altLang="zh-TW" sz="1200" dirty="0">
+                <a:solidFill>
+                  <a:srgbClr val="00B050"/>
+                </a:solidFill>
+              </a:rPr>
+              <a:t>Game actions</a:t>
+            </a:r>
+            <a:endParaRPr kumimoji="1" lang="zh-TW" altLang="en-US" sz="1200" dirty="0">
+              <a:solidFill>
+                <a:srgbClr val="00B050"/>
+              </a:solidFill>
+            </a:endParaRPr>
+          </a:p>
+        </p:txBody>
+      </p:sp>
+      <p:cxnSp>
+        <p:nvCxnSpPr>
+          <p:cNvPr id="189" name="直線箭頭接點 188">
+            <a:extLst>
+              <a:ext uri="{FF2B5EF4-FFF2-40B4-BE49-F238E27FC236}">
+                <a16:creationId xmlns:a16="http://schemas.microsoft.com/office/drawing/2014/main" id="{6BDFD1E1-6A46-3E4E-B4F6-588581B1ACFA}"/>
+              </a:ext>
+            </a:extLst>
+          </p:cNvPr>
+          <p:cNvCxnSpPr>
+            <a:cxnSpLocks/>
+          </p:cNvCxnSpPr>
+          <p:nvPr/>
+        </p:nvCxnSpPr>
+        <p:spPr>
+          <a:xfrm>
+            <a:off x="111339" y="1907902"/>
+            <a:ext cx="580418" cy="0"/>
+          </a:xfrm>
+          <a:prstGeom prst="straightConnector1">
+            <a:avLst/>
+          </a:prstGeom>
+          <a:ln w="12700">
+            <a:headEnd type="triangle" w="med" len="med"/>
+            <a:tailEnd type="none" w="med" len="med"/>
+          </a:ln>
+        </p:spPr>
+        <p:style>
+          <a:lnRef idx="1">
+            <a:schemeClr val="accent1"/>
+          </a:lnRef>
+          <a:fillRef idx="0">
+            <a:schemeClr val="accent1"/>
+          </a:fillRef>
+          <a:effectRef idx="0">
+            <a:schemeClr val="accent1"/>
+          </a:effectRef>
+          <a:fontRef idx="minor">
+            <a:schemeClr val="tx1"/>
+          </a:fontRef>
+        </p:style>
+      </p:cxnSp>
+      <p:sp>
+        <p:nvSpPr>
+          <p:cNvPr id="186" name="文字方塊 185">
+            <a:extLst>
+              <a:ext uri="{FF2B5EF4-FFF2-40B4-BE49-F238E27FC236}">
+                <a16:creationId xmlns:a16="http://schemas.microsoft.com/office/drawing/2014/main" id="{7404C98D-FBB2-3041-A4FD-A18E970D39FA}"/>
+              </a:ext>
+            </a:extLst>
+          </p:cNvPr>
+          <p:cNvSpPr txBox="1"/>
+          <p:nvPr/>
+        </p:nvSpPr>
+        <p:spPr>
+          <a:xfrm>
+            <a:off x="318833" y="1766860"/>
+            <a:ext cx="246518" cy="276999"/>
+          </a:xfrm>
+          <a:prstGeom prst="rect">
+            <a:avLst/>
+          </a:prstGeom>
+          <a:solidFill>
+            <a:schemeClr val="bg1"/>
+          </a:solidFill>
+          <a:ln w="12700">
+            <a:noFill/>
+          </a:ln>
+        </p:spPr>
+        <p:txBody>
+          <a:bodyPr wrap="none" lIns="90000" rtlCol="0">
+            <a:noAutofit/>
+          </a:bodyPr>
+          <a:lstStyle/>
+          <a:p>
+            <a:pPr algn="ctr"/>
+            <a:r>
+              <a:rPr kumimoji="1" lang="en-US" altLang="zh-TW" sz="1200" dirty="0"/>
+              <a:t>No</a:t>
+            </a:r>
+            <a:endParaRPr kumimoji="1" lang="zh-TW" altLang="en-US" sz="1200" dirty="0"/>
+          </a:p>
+        </p:txBody>
+      </p:sp>
+      <p:cxnSp>
+        <p:nvCxnSpPr>
+          <p:cNvPr id="193" name="直線箭頭接點 192">
+            <a:extLst>
+              <a:ext uri="{FF2B5EF4-FFF2-40B4-BE49-F238E27FC236}">
+                <a16:creationId xmlns:a16="http://schemas.microsoft.com/office/drawing/2014/main" id="{D33AB192-637F-FC4A-A7CE-ED0797AEB84D}"/>
+              </a:ext>
+            </a:extLst>
+          </p:cNvPr>
+          <p:cNvCxnSpPr>
+            <a:cxnSpLocks/>
+          </p:cNvCxnSpPr>
+          <p:nvPr/>
+        </p:nvCxnSpPr>
+        <p:spPr>
+          <a:xfrm>
+            <a:off x="111339" y="2474717"/>
+            <a:ext cx="1409288" cy="0"/>
+          </a:xfrm>
+          <a:prstGeom prst="straightConnector1">
+            <a:avLst/>
+          </a:prstGeom>
+          <a:ln w="12700">
+            <a:headEnd type="triangle" w="med" len="med"/>
+            <a:tailEnd type="none" w="med" len="med"/>
+          </a:ln>
+        </p:spPr>
+        <p:style>
+          <a:lnRef idx="1">
+            <a:schemeClr val="accent1"/>
+          </a:lnRef>
+          <a:fillRef idx="0">
+            <a:schemeClr val="accent1"/>
+          </a:fillRef>
+          <a:effectRef idx="0">
+            <a:schemeClr val="accent1"/>
+          </a:effectRef>
+          <a:fontRef idx="minor">
+            <a:schemeClr val="tx1"/>
+          </a:fontRef>
+        </p:style>
+      </p:cxnSp>
+      <p:sp>
+        <p:nvSpPr>
+          <p:cNvPr id="195" name="弧線 194">
+            <a:extLst>
+              <a:ext uri="{FF2B5EF4-FFF2-40B4-BE49-F238E27FC236}">
+                <a16:creationId xmlns:a16="http://schemas.microsoft.com/office/drawing/2014/main" id="{2C35B400-ABCF-C244-BA6F-80247CDA5E47}"/>
+              </a:ext>
+            </a:extLst>
+          </p:cNvPr>
+          <p:cNvSpPr/>
+          <p:nvPr/>
+        </p:nvSpPr>
+        <p:spPr>
+          <a:xfrm>
+            <a:off x="912896" y="2389087"/>
+            <a:ext cx="157340" cy="157340"/>
+          </a:xfrm>
+          <a:prstGeom prst="arc">
+            <a:avLst>
+              <a:gd name="adj1" fmla="val 16200000"/>
+              <a:gd name="adj2" fmla="val 5400000"/>
+            </a:avLst>
+          </a:prstGeom>
+          <a:ln w="12700"/>
+        </p:spPr>
+        <p:style>
+          <a:lnRef idx="1">
+            <a:schemeClr val="accent1"/>
+          </a:lnRef>
+          <a:fillRef idx="0">
+            <a:schemeClr val="accent1"/>
+          </a:fillRef>
+          <a:effectRef idx="0">
+            <a:schemeClr val="accent1"/>
+          </a:effectRef>
+          <a:fontRef idx="minor">
+            <a:schemeClr val="tx1"/>
+          </a:fontRef>
+        </p:style>
+        <p:txBody>
+          <a:bodyPr rtlCol="0" anchor="ctr"/>
+          <a:lstStyle/>
+          <a:p>
+            <a:pPr algn="ctr"/>
+            <a:endParaRPr kumimoji="1" lang="zh-TW" altLang="en-US"/>
+          </a:p>
+        </p:txBody>
+      </p:sp>
+      <p:cxnSp>
+        <p:nvCxnSpPr>
+          <p:cNvPr id="198" name="直線箭頭接點 197">
+            <a:extLst>
+              <a:ext uri="{FF2B5EF4-FFF2-40B4-BE49-F238E27FC236}">
+                <a16:creationId xmlns:a16="http://schemas.microsoft.com/office/drawing/2014/main" id="{7BCCCF47-F0A4-6E4F-B6E2-BC5C6FED7BB5}"/>
+              </a:ext>
+            </a:extLst>
+          </p:cNvPr>
+          <p:cNvCxnSpPr>
+            <a:cxnSpLocks/>
+          </p:cNvCxnSpPr>
+          <p:nvPr/>
+        </p:nvCxnSpPr>
+        <p:spPr>
+          <a:xfrm flipV="1">
+            <a:off x="990146" y="2546427"/>
+            <a:ext cx="0" cy="153749"/>
+          </a:xfrm>
+          <a:prstGeom prst="straightConnector1">
+            <a:avLst/>
+          </a:prstGeom>
+          <a:ln w="12700">
+            <a:headEnd type="none" w="med" len="med"/>
+            <a:tailEnd type="none" w="med" len="med"/>
+          </a:ln>
+        </p:spPr>
+        <p:style>
+          <a:lnRef idx="1">
+            <a:schemeClr val="accent1"/>
+          </a:lnRef>
+          <a:fillRef idx="0">
+            <a:schemeClr val="accent1"/>
+          </a:fillRef>
+          <a:effectRef idx="0">
+            <a:schemeClr val="accent1"/>
+          </a:effectRef>
+          <a:fontRef idx="minor">
+            <a:schemeClr val="tx1"/>
+          </a:fontRef>
+        </p:style>
+      </p:cxnSp>
+      <p:cxnSp>
+        <p:nvCxnSpPr>
+          <p:cNvPr id="202" name="直線箭頭接點 201">
+            <a:extLst>
+              <a:ext uri="{FF2B5EF4-FFF2-40B4-BE49-F238E27FC236}">
+                <a16:creationId xmlns:a16="http://schemas.microsoft.com/office/drawing/2014/main" id="{4349E11F-81CB-964F-8770-77D8BF7617B7}"/>
+              </a:ext>
+            </a:extLst>
+          </p:cNvPr>
+          <p:cNvCxnSpPr>
+            <a:cxnSpLocks/>
+          </p:cNvCxnSpPr>
+          <p:nvPr/>
+        </p:nvCxnSpPr>
+        <p:spPr>
+          <a:xfrm>
+            <a:off x="111339" y="1905360"/>
+            <a:ext cx="0" cy="2547896"/>
+          </a:xfrm>
+          <a:prstGeom prst="straightConnector1">
+            <a:avLst/>
+          </a:prstGeom>
+          <a:ln w="12700">
+            <a:headEnd type="none" w="med" len="med"/>
+            <a:tailEnd type="none" w="med" len="med"/>
+          </a:ln>
+        </p:spPr>
+        <p:style>
+          <a:lnRef idx="1">
+            <a:schemeClr val="accent1"/>
+          </a:lnRef>
+          <a:fillRef idx="0">
+            <a:schemeClr val="accent1"/>
+          </a:fillRef>
+          <a:effectRef idx="0">
+            <a:schemeClr val="accent1"/>
+          </a:effectRef>
+          <a:fontRef idx="minor">
+            <a:schemeClr val="tx1"/>
+          </a:fontRef>
+        </p:style>
+      </p:cxnSp>
+      <p:cxnSp>
+        <p:nvCxnSpPr>
+          <p:cNvPr id="204" name="直線箭頭接點 203">
+            <a:extLst>
+              <a:ext uri="{FF2B5EF4-FFF2-40B4-BE49-F238E27FC236}">
+                <a16:creationId xmlns:a16="http://schemas.microsoft.com/office/drawing/2014/main" id="{4E728AA9-107C-504B-A885-AF998D4F0671}"/>
+              </a:ext>
+            </a:extLst>
+          </p:cNvPr>
+          <p:cNvCxnSpPr>
+            <a:cxnSpLocks/>
+          </p:cNvCxnSpPr>
+          <p:nvPr/>
+        </p:nvCxnSpPr>
+        <p:spPr>
+          <a:xfrm>
+            <a:off x="111339" y="3203096"/>
+            <a:ext cx="257289" cy="0"/>
+          </a:xfrm>
+          <a:prstGeom prst="straightConnector1">
+            <a:avLst/>
+          </a:prstGeom>
+          <a:ln w="12700">
+            <a:headEnd type="triangle" w="med" len="med"/>
+            <a:tailEnd type="none" w="med" len="med"/>
+          </a:ln>
+        </p:spPr>
+        <p:style>
+          <a:lnRef idx="1">
+            <a:schemeClr val="accent1"/>
+          </a:lnRef>
+          <a:fillRef idx="0">
+            <a:schemeClr val="accent1"/>
+          </a:fillRef>
+          <a:effectRef idx="0">
+            <a:schemeClr val="accent1"/>
+          </a:effectRef>
+          <a:fontRef idx="minor">
+            <a:schemeClr val="tx1"/>
+          </a:fontRef>
+        </p:style>
+      </p:cxnSp>
+      <p:cxnSp>
+        <p:nvCxnSpPr>
+          <p:cNvPr id="207" name="直線箭頭接點 206">
+            <a:extLst>
+              <a:ext uri="{FF2B5EF4-FFF2-40B4-BE49-F238E27FC236}">
+                <a16:creationId xmlns:a16="http://schemas.microsoft.com/office/drawing/2014/main" id="{3EE595AC-E119-8949-87D9-6E446523A0AB}"/>
+              </a:ext>
+            </a:extLst>
+          </p:cNvPr>
+          <p:cNvCxnSpPr>
+            <a:cxnSpLocks/>
+          </p:cNvCxnSpPr>
+          <p:nvPr/>
+        </p:nvCxnSpPr>
+        <p:spPr>
+          <a:xfrm>
+            <a:off x="111339" y="4459985"/>
+            <a:ext cx="908368" cy="0"/>
+          </a:xfrm>
+          <a:prstGeom prst="straightConnector1">
+            <a:avLst/>
+          </a:prstGeom>
+          <a:ln w="12700">
+            <a:headEnd type="none" w="med" len="med"/>
+            <a:tailEnd type="triangle" w="med" len="med"/>
+          </a:ln>
+        </p:spPr>
+        <p:style>
+          <a:lnRef idx="1">
+            <a:schemeClr val="accent1"/>
+          </a:lnRef>
+          <a:fillRef idx="0">
+            <a:schemeClr val="accent1"/>
+          </a:fillRef>
+          <a:effectRef idx="0">
+            <a:schemeClr val="accent1"/>
+          </a:effectRef>
+          <a:fontRef idx="minor">
+            <a:schemeClr val="tx1"/>
+          </a:fontRef>
+        </p:style>
+      </p:cxnSp>
+      <p:cxnSp>
+        <p:nvCxnSpPr>
+          <p:cNvPr id="211" name="直線箭頭接點 210">
+            <a:extLst>
+              <a:ext uri="{FF2B5EF4-FFF2-40B4-BE49-F238E27FC236}">
+                <a16:creationId xmlns:a16="http://schemas.microsoft.com/office/drawing/2014/main" id="{2BB09E6E-9BA7-9240-9AF7-FEE6C1156ADB}"/>
+              </a:ext>
+            </a:extLst>
+          </p:cNvPr>
+          <p:cNvCxnSpPr>
+            <a:cxnSpLocks/>
+          </p:cNvCxnSpPr>
+          <p:nvPr/>
+        </p:nvCxnSpPr>
+        <p:spPr>
+          <a:xfrm>
+            <a:off x="554101" y="3705512"/>
+            <a:ext cx="0" cy="1506542"/>
+          </a:xfrm>
+          <a:prstGeom prst="straightConnector1">
+            <a:avLst/>
+          </a:prstGeom>
+          <a:ln w="12700">
+            <a:headEnd type="none" w="med" len="med"/>
+            <a:tailEnd type="none" w="med" len="med"/>
+          </a:ln>
+        </p:spPr>
+        <p:style>
+          <a:lnRef idx="1">
+            <a:schemeClr val="accent1"/>
+          </a:lnRef>
+          <a:fillRef idx="0">
+            <a:schemeClr val="accent1"/>
+          </a:fillRef>
+          <a:effectRef idx="0">
+            <a:schemeClr val="accent1"/>
+          </a:effectRef>
+          <a:fontRef idx="minor">
+            <a:schemeClr val="tx1"/>
+          </a:fontRef>
+        </p:style>
+      </p:cxnSp>
+      <p:cxnSp>
+        <p:nvCxnSpPr>
+          <p:cNvPr id="214" name="直線箭頭接點 213">
+            <a:extLst>
+              <a:ext uri="{FF2B5EF4-FFF2-40B4-BE49-F238E27FC236}">
+                <a16:creationId xmlns:a16="http://schemas.microsoft.com/office/drawing/2014/main" id="{87F26EBF-F555-D64E-B78F-B7CC06120466}"/>
+              </a:ext>
+            </a:extLst>
+          </p:cNvPr>
+          <p:cNvCxnSpPr>
+            <a:cxnSpLocks/>
+          </p:cNvCxnSpPr>
+          <p:nvPr/>
+        </p:nvCxnSpPr>
+        <p:spPr>
+          <a:xfrm>
+            <a:off x="1563165" y="4574820"/>
+            <a:ext cx="0" cy="637234"/>
+          </a:xfrm>
+          <a:prstGeom prst="straightConnector1">
+            <a:avLst/>
+          </a:prstGeom>
+          <a:ln w="12700">
+            <a:headEnd type="none" w="med" len="med"/>
+            <a:tailEnd type="triangle" w="med" len="med"/>
+          </a:ln>
+        </p:spPr>
+        <p:style>
+          <a:lnRef idx="1">
+            <a:schemeClr val="accent1"/>
+          </a:lnRef>
+          <a:fillRef idx="0">
+            <a:schemeClr val="accent1"/>
+          </a:fillRef>
+          <a:effectRef idx="0">
+            <a:schemeClr val="accent1"/>
+          </a:effectRef>
+          <a:fontRef idx="minor">
+            <a:schemeClr val="tx1"/>
+          </a:fontRef>
+        </p:style>
+      </p:cxnSp>
+      <p:sp>
+        <p:nvSpPr>
+          <p:cNvPr id="144" name="文字方塊 143">
+            <a:extLst>
+              <a:ext uri="{FF2B5EF4-FFF2-40B4-BE49-F238E27FC236}">
+                <a16:creationId xmlns:a16="http://schemas.microsoft.com/office/drawing/2014/main" id="{ED83F923-50BC-E147-9382-5AFDF68C513A}"/>
+              </a:ext>
+            </a:extLst>
+          </p:cNvPr>
+          <p:cNvSpPr txBox="1"/>
+          <p:nvPr/>
+        </p:nvSpPr>
+        <p:spPr>
+          <a:xfrm flipH="1">
+            <a:off x="1372326" y="4652040"/>
+            <a:ext cx="386837" cy="175048"/>
+          </a:xfrm>
+          <a:prstGeom prst="rect">
+            <a:avLst/>
+          </a:prstGeom>
+          <a:solidFill>
+            <a:schemeClr val="bg1"/>
+          </a:solidFill>
+          <a:ln w="12700">
+            <a:noFill/>
+          </a:ln>
+        </p:spPr>
+        <p:txBody>
+          <a:bodyPr wrap="none" rtlCol="0" anchor="ctr" anchorCtr="0">
+            <a:noAutofit/>
+          </a:bodyPr>
+          <a:lstStyle/>
+          <a:p>
+            <a:r>
+              <a:rPr kumimoji="1" lang="en-US" altLang="zh-TW" sz="1200" dirty="0"/>
+              <a:t>Yes</a:t>
+            </a:r>
+            <a:endParaRPr kumimoji="1" lang="zh-TW" altLang="en-US" sz="1200" dirty="0"/>
+          </a:p>
+        </p:txBody>
+      </p:sp>
+      <p:cxnSp>
+        <p:nvCxnSpPr>
+          <p:cNvPr id="216" name="直線接點 215">
+            <a:extLst>
+              <a:ext uri="{FF2B5EF4-FFF2-40B4-BE49-F238E27FC236}">
+                <a16:creationId xmlns:a16="http://schemas.microsoft.com/office/drawing/2014/main" id="{F76203D2-50AC-BE4D-9194-B9E9CE017285}"/>
+              </a:ext>
+            </a:extLst>
+          </p:cNvPr>
+          <p:cNvCxnSpPr>
+            <a:cxnSpLocks/>
+          </p:cNvCxnSpPr>
+          <p:nvPr/>
+        </p:nvCxnSpPr>
+        <p:spPr>
+          <a:xfrm>
+            <a:off x="6205272" y="4583025"/>
+            <a:ext cx="0" cy="629028"/>
+          </a:xfrm>
+          <a:prstGeom prst="line">
+            <a:avLst/>
+          </a:prstGeom>
+          <a:ln w="12700">
+            <a:solidFill>
+              <a:schemeClr val="accent5">
+                <a:lumMod val="75000"/>
+              </a:schemeClr>
+            </a:solidFill>
+            <a:headEnd type="none" w="med" len="med"/>
+            <a:tailEnd type="none" w="med" len="med"/>
+          </a:ln>
+        </p:spPr>
+        <p:style>
+          <a:lnRef idx="1">
+            <a:schemeClr val="accent1"/>
+          </a:lnRef>
+          <a:fillRef idx="0">
+            <a:schemeClr val="accent1"/>
+          </a:fillRef>
+          <a:effectRef idx="0">
+            <a:schemeClr val="accent1"/>
+          </a:effectRef>
+          <a:fontRef idx="minor">
+            <a:schemeClr val="tx1"/>
+          </a:fontRef>
+        </p:style>
+      </p:cxnSp>
+      <p:cxnSp>
+        <p:nvCxnSpPr>
+          <p:cNvPr id="218" name="直線箭頭接點 217">
+            <a:extLst>
+              <a:ext uri="{FF2B5EF4-FFF2-40B4-BE49-F238E27FC236}">
+                <a16:creationId xmlns:a16="http://schemas.microsoft.com/office/drawing/2014/main" id="{F808038E-86A3-7C4E-B424-78DDE512A269}"/>
+              </a:ext>
+            </a:extLst>
+          </p:cNvPr>
+          <p:cNvCxnSpPr>
+            <a:cxnSpLocks/>
+            <a:endCxn id="60" idx="1"/>
+          </p:cNvCxnSpPr>
+          <p:nvPr/>
+        </p:nvCxnSpPr>
+        <p:spPr>
+          <a:xfrm flipH="1">
+            <a:off x="5937018" y="5212053"/>
+            <a:ext cx="264748" cy="1"/>
+          </a:xfrm>
+          <a:prstGeom prst="straightConnector1">
+            <a:avLst/>
+          </a:prstGeom>
+          <a:ln w="12700">
+            <a:tailEnd type="triangle"/>
+          </a:ln>
+        </p:spPr>
+        <p:style>
+          <a:lnRef idx="1">
+            <a:schemeClr val="accent1"/>
+          </a:lnRef>
+          <a:fillRef idx="0">
+            <a:schemeClr val="accent1"/>
+          </a:fillRef>
+          <a:effectRef idx="0">
+            <a:schemeClr val="accent1"/>
+          </a:effectRef>
+          <a:fontRef idx="minor">
+            <a:schemeClr val="tx1"/>
+          </a:fontRef>
+        </p:style>
+      </p:cxnSp>
+      <p:cxnSp>
+        <p:nvCxnSpPr>
+          <p:cNvPr id="220" name="直線箭頭接點 219">
+            <a:extLst>
+              <a:ext uri="{FF2B5EF4-FFF2-40B4-BE49-F238E27FC236}">
+                <a16:creationId xmlns:a16="http://schemas.microsoft.com/office/drawing/2014/main" id="{7B7C078D-6AF3-1545-820B-00FD68EB06CB}"/>
+              </a:ext>
+            </a:extLst>
+          </p:cNvPr>
+          <p:cNvCxnSpPr>
+            <a:cxnSpLocks/>
+          </p:cNvCxnSpPr>
+          <p:nvPr/>
+        </p:nvCxnSpPr>
+        <p:spPr>
+          <a:xfrm>
+            <a:off x="2089111" y="4446538"/>
+            <a:ext cx="508781" cy="0"/>
+          </a:xfrm>
+          <a:prstGeom prst="straightConnector1">
+            <a:avLst/>
+          </a:prstGeom>
+          <a:ln w="12700">
+            <a:headEnd type="none" w="med" len="med"/>
+            <a:tailEnd type="triangle" w="med" len="med"/>
+          </a:ln>
+        </p:spPr>
+        <p:style>
+          <a:lnRef idx="1">
+            <a:schemeClr val="accent1"/>
+          </a:lnRef>
+          <a:fillRef idx="0">
+            <a:schemeClr val="accent1"/>
+          </a:fillRef>
+          <a:effectRef idx="0">
+            <a:schemeClr val="accent1"/>
+          </a:effectRef>
+          <a:fontRef idx="minor">
+            <a:schemeClr val="tx1"/>
+          </a:fontRef>
+        </p:style>
+      </p:cxnSp>
+      <p:sp>
+        <p:nvSpPr>
+          <p:cNvPr id="150" name="文字方塊 149">
+            <a:extLst>
+              <a:ext uri="{FF2B5EF4-FFF2-40B4-BE49-F238E27FC236}">
+                <a16:creationId xmlns:a16="http://schemas.microsoft.com/office/drawing/2014/main" id="{AE40505D-31E9-2443-AFB4-38E755BC7DB1}"/>
+              </a:ext>
+            </a:extLst>
+          </p:cNvPr>
+          <p:cNvSpPr txBox="1"/>
+          <p:nvPr/>
+        </p:nvSpPr>
+        <p:spPr>
+          <a:xfrm flipH="1">
+            <a:off x="2225102" y="4304545"/>
+            <a:ext cx="214850" cy="276999"/>
+          </a:xfrm>
+          <a:prstGeom prst="rect">
+            <a:avLst/>
+          </a:prstGeom>
+          <a:solidFill>
+            <a:schemeClr val="bg1"/>
+          </a:solidFill>
+          <a:ln w="12700">
+            <a:noFill/>
+          </a:ln>
+        </p:spPr>
+        <p:txBody>
+          <a:bodyPr wrap="none" rtlCol="0">
+            <a:noAutofit/>
+          </a:bodyPr>
+          <a:lstStyle/>
+          <a:p>
+            <a:pPr algn="ctr"/>
+            <a:r>
+              <a:rPr kumimoji="1" lang="en-US" altLang="zh-TW" sz="1200" dirty="0"/>
+              <a:t>No</a:t>
+            </a:r>
+            <a:endParaRPr kumimoji="1" lang="zh-TW" altLang="en-US" sz="1200" dirty="0"/>
+          </a:p>
+        </p:txBody>
+      </p:sp>
+      <p:cxnSp>
+        <p:nvCxnSpPr>
+          <p:cNvPr id="223" name="直線箭頭接點 222">
+            <a:extLst>
+              <a:ext uri="{FF2B5EF4-FFF2-40B4-BE49-F238E27FC236}">
+                <a16:creationId xmlns:a16="http://schemas.microsoft.com/office/drawing/2014/main" id="{6CE13B00-81D4-714C-9883-708D268AE326}"/>
+              </a:ext>
+            </a:extLst>
+          </p:cNvPr>
+          <p:cNvCxnSpPr>
+            <a:cxnSpLocks/>
+            <a:stCxn id="54" idx="3"/>
+          </p:cNvCxnSpPr>
+          <p:nvPr/>
+        </p:nvCxnSpPr>
+        <p:spPr>
+          <a:xfrm>
+            <a:off x="3801013" y="4444526"/>
+            <a:ext cx="292983" cy="2012"/>
+          </a:xfrm>
+          <a:prstGeom prst="straightConnector1">
+            <a:avLst/>
+          </a:prstGeom>
+          <a:ln w="12700">
+            <a:headEnd type="none" w="med" len="med"/>
+            <a:tailEnd type="none" w="med" len="med"/>
+          </a:ln>
+        </p:spPr>
+        <p:style>
+          <a:lnRef idx="1">
+            <a:schemeClr val="accent1"/>
+          </a:lnRef>
+          <a:fillRef idx="0">
+            <a:schemeClr val="accent1"/>
+          </a:fillRef>
+          <a:effectRef idx="0">
+            <a:schemeClr val="accent1"/>
+          </a:effectRef>
+          <a:fontRef idx="minor">
+            <a:schemeClr val="tx1"/>
+          </a:fontRef>
+        </p:style>
+      </p:cxnSp>
+      <p:sp>
+        <p:nvSpPr>
+          <p:cNvPr id="225" name="文字方塊 224">
+            <a:extLst>
+              <a:ext uri="{FF2B5EF4-FFF2-40B4-BE49-F238E27FC236}">
+                <a16:creationId xmlns:a16="http://schemas.microsoft.com/office/drawing/2014/main" id="{FBE9236A-5CAE-4049-AA53-F30F5EF86F4D}"/>
+              </a:ext>
+            </a:extLst>
+          </p:cNvPr>
+          <p:cNvSpPr txBox="1"/>
+          <p:nvPr/>
+        </p:nvSpPr>
+        <p:spPr>
+          <a:xfrm flipH="1">
+            <a:off x="3992084" y="4304545"/>
+            <a:ext cx="214850" cy="276999"/>
+          </a:xfrm>
+          <a:prstGeom prst="rect">
+            <a:avLst/>
+          </a:prstGeom>
+          <a:solidFill>
+            <a:schemeClr val="bg1"/>
+          </a:solidFill>
+          <a:ln w="12700">
+            <a:noFill/>
+          </a:ln>
+        </p:spPr>
+        <p:txBody>
+          <a:bodyPr wrap="none" rtlCol="0">
+            <a:noAutofit/>
+          </a:bodyPr>
+          <a:lstStyle/>
+          <a:p>
+            <a:pPr algn="ctr"/>
+            <a:r>
+              <a:rPr kumimoji="1" lang="en-US" altLang="zh-TW" sz="1200" dirty="0"/>
+              <a:t>No</a:t>
+            </a:r>
+            <a:endParaRPr kumimoji="1" lang="zh-TW" altLang="en-US" sz="1200" dirty="0"/>
+          </a:p>
+        </p:txBody>
+      </p:sp>
+      <p:cxnSp>
+        <p:nvCxnSpPr>
+          <p:cNvPr id="226" name="直線箭頭接點 225">
+            <a:extLst>
+              <a:ext uri="{FF2B5EF4-FFF2-40B4-BE49-F238E27FC236}">
+                <a16:creationId xmlns:a16="http://schemas.microsoft.com/office/drawing/2014/main" id="{43DD1150-E3E3-294D-88FD-C5B2A9F786BA}"/>
+              </a:ext>
+            </a:extLst>
+          </p:cNvPr>
+          <p:cNvCxnSpPr>
+            <a:cxnSpLocks/>
+          </p:cNvCxnSpPr>
+          <p:nvPr/>
+        </p:nvCxnSpPr>
+        <p:spPr>
+          <a:xfrm>
+            <a:off x="5249947" y="4446538"/>
+            <a:ext cx="306895" cy="0"/>
+          </a:xfrm>
+          <a:prstGeom prst="straightConnector1">
+            <a:avLst/>
+          </a:prstGeom>
+          <a:ln w="12700">
+            <a:headEnd type="none" w="med" len="med"/>
+            <a:tailEnd type="none" w="med" len="med"/>
+          </a:ln>
+        </p:spPr>
+        <p:style>
+          <a:lnRef idx="1">
+            <a:schemeClr val="accent1"/>
+          </a:lnRef>
+          <a:fillRef idx="0">
+            <a:schemeClr val="accent1"/>
+          </a:fillRef>
+          <a:effectRef idx="0">
+            <a:schemeClr val="accent1"/>
+          </a:effectRef>
+          <a:fontRef idx="minor">
+            <a:schemeClr val="tx1"/>
+          </a:fontRef>
+        </p:style>
+      </p:cxnSp>
+      <p:sp>
+        <p:nvSpPr>
+          <p:cNvPr id="227" name="文字方塊 226">
+            <a:extLst>
+              <a:ext uri="{FF2B5EF4-FFF2-40B4-BE49-F238E27FC236}">
+                <a16:creationId xmlns:a16="http://schemas.microsoft.com/office/drawing/2014/main" id="{AFC07D51-B5C5-C341-96FB-74FFA7C53CFE}"/>
+              </a:ext>
+            </a:extLst>
+          </p:cNvPr>
+          <p:cNvSpPr txBox="1"/>
+          <p:nvPr/>
+        </p:nvSpPr>
+        <p:spPr>
+          <a:xfrm flipH="1">
+            <a:off x="5421310" y="4304545"/>
+            <a:ext cx="214850" cy="276999"/>
+          </a:xfrm>
+          <a:prstGeom prst="rect">
+            <a:avLst/>
+          </a:prstGeom>
+          <a:solidFill>
+            <a:schemeClr val="bg1"/>
+          </a:solidFill>
+          <a:ln w="12700">
+            <a:noFill/>
+          </a:ln>
+        </p:spPr>
+        <p:txBody>
+          <a:bodyPr wrap="none" rtlCol="0">
+            <a:noAutofit/>
+          </a:bodyPr>
+          <a:lstStyle/>
+          <a:p>
+            <a:pPr algn="ctr"/>
+            <a:r>
+              <a:rPr kumimoji="1" lang="en-US" altLang="zh-TW" sz="1200" dirty="0"/>
+              <a:t>No</a:t>
+            </a:r>
+            <a:endParaRPr kumimoji="1" lang="zh-TW" altLang="en-US" sz="1200" dirty="0"/>
+          </a:p>
+        </p:txBody>
+      </p:sp>
+      <p:cxnSp>
+        <p:nvCxnSpPr>
+          <p:cNvPr id="230" name="直線箭頭接點 229">
+            <a:extLst>
+              <a:ext uri="{FF2B5EF4-FFF2-40B4-BE49-F238E27FC236}">
+                <a16:creationId xmlns:a16="http://schemas.microsoft.com/office/drawing/2014/main" id="{B9B782C3-76FC-664F-B239-93FDCB37E997}"/>
+              </a:ext>
+            </a:extLst>
+          </p:cNvPr>
+          <p:cNvCxnSpPr>
+            <a:cxnSpLocks/>
+          </p:cNvCxnSpPr>
+          <p:nvPr/>
+        </p:nvCxnSpPr>
+        <p:spPr>
+          <a:xfrm flipV="1">
+            <a:off x="4087272" y="4126371"/>
+            <a:ext cx="0" cy="233447"/>
+          </a:xfrm>
+          <a:prstGeom prst="straightConnector1">
+            <a:avLst/>
+          </a:prstGeom>
+          <a:ln w="12700">
+            <a:headEnd type="none" w="med" len="med"/>
+            <a:tailEnd type="triangle" w="med" len="med"/>
+          </a:ln>
+        </p:spPr>
+        <p:style>
+          <a:lnRef idx="1">
+            <a:schemeClr val="accent1"/>
+          </a:lnRef>
+          <a:fillRef idx="0">
+            <a:schemeClr val="accent1"/>
+          </a:fillRef>
+          <a:effectRef idx="0">
+            <a:schemeClr val="accent1"/>
+          </a:effectRef>
+          <a:fontRef idx="minor">
+            <a:schemeClr val="tx1"/>
+          </a:fontRef>
+        </p:style>
+      </p:cxnSp>
+      <p:cxnSp>
+        <p:nvCxnSpPr>
+          <p:cNvPr id="232" name="直線箭頭接點 231">
+            <a:extLst>
+              <a:ext uri="{FF2B5EF4-FFF2-40B4-BE49-F238E27FC236}">
+                <a16:creationId xmlns:a16="http://schemas.microsoft.com/office/drawing/2014/main" id="{34F3F667-19FC-B345-8A61-18C168BD3703}"/>
+              </a:ext>
+            </a:extLst>
+          </p:cNvPr>
+          <p:cNvCxnSpPr>
+            <a:cxnSpLocks/>
+          </p:cNvCxnSpPr>
+          <p:nvPr/>
+        </p:nvCxnSpPr>
+        <p:spPr>
+          <a:xfrm flipV="1">
+            <a:off x="5542761" y="4126371"/>
+            <a:ext cx="0" cy="233447"/>
+          </a:xfrm>
+          <a:prstGeom prst="straightConnector1">
+            <a:avLst/>
+          </a:prstGeom>
+          <a:ln w="12700">
+            <a:headEnd type="none" w="med" len="med"/>
+            <a:tailEnd type="triangle" w="med" len="med"/>
+          </a:ln>
+        </p:spPr>
+        <p:style>
+          <a:lnRef idx="1">
+            <a:schemeClr val="accent1"/>
+          </a:lnRef>
+          <a:fillRef idx="0">
+            <a:schemeClr val="accent1"/>
+          </a:fillRef>
+          <a:effectRef idx="0">
+            <a:schemeClr val="accent1"/>
+          </a:effectRef>
+          <a:fontRef idx="minor">
+            <a:schemeClr val="tx1"/>
+          </a:fontRef>
+        </p:style>
+      </p:cxnSp>
+      <p:cxnSp>
+        <p:nvCxnSpPr>
+          <p:cNvPr id="233" name="直線箭頭接點 232">
+            <a:extLst>
+              <a:ext uri="{FF2B5EF4-FFF2-40B4-BE49-F238E27FC236}">
+                <a16:creationId xmlns:a16="http://schemas.microsoft.com/office/drawing/2014/main" id="{16DFB653-F35B-BA49-A09D-C2D8296025DA}"/>
+              </a:ext>
+            </a:extLst>
+          </p:cNvPr>
+          <p:cNvCxnSpPr>
+            <a:cxnSpLocks/>
+          </p:cNvCxnSpPr>
+          <p:nvPr/>
+        </p:nvCxnSpPr>
+        <p:spPr>
+          <a:xfrm>
+            <a:off x="3200798" y="4745467"/>
+            <a:ext cx="1392432" cy="0"/>
+          </a:xfrm>
+          <a:prstGeom prst="straightConnector1">
+            <a:avLst/>
+          </a:prstGeom>
+          <a:ln w="12700">
+            <a:headEnd type="none" w="med" len="med"/>
+            <a:tailEnd type="none" w="med" len="med"/>
+          </a:ln>
+        </p:spPr>
+        <p:style>
+          <a:lnRef idx="1">
+            <a:schemeClr val="accent1"/>
+          </a:lnRef>
+          <a:fillRef idx="0">
+            <a:schemeClr val="accent1"/>
+          </a:fillRef>
+          <a:effectRef idx="0">
+            <a:schemeClr val="accent1"/>
+          </a:effectRef>
+          <a:fontRef idx="minor">
+            <a:schemeClr val="tx1"/>
+          </a:fontRef>
+        </p:style>
+      </p:cxnSp>
+      <p:sp>
+        <p:nvSpPr>
+          <p:cNvPr id="236" name="文字方塊 235">
+            <a:extLst>
+              <a:ext uri="{FF2B5EF4-FFF2-40B4-BE49-F238E27FC236}">
+                <a16:creationId xmlns:a16="http://schemas.microsoft.com/office/drawing/2014/main" id="{8D81386C-039C-4441-97A9-EA353D47905E}"/>
+              </a:ext>
+            </a:extLst>
+          </p:cNvPr>
+          <p:cNvSpPr txBox="1"/>
+          <p:nvPr/>
+        </p:nvSpPr>
+        <p:spPr>
+          <a:xfrm flipH="1">
+            <a:off x="3878827" y="4652040"/>
+            <a:ext cx="386837" cy="175048"/>
+          </a:xfrm>
+          <a:prstGeom prst="rect">
+            <a:avLst/>
+          </a:prstGeom>
+          <a:solidFill>
+            <a:schemeClr val="bg1"/>
+          </a:solidFill>
+          <a:ln w="12700">
+            <a:noFill/>
+          </a:ln>
+        </p:spPr>
+        <p:txBody>
+          <a:bodyPr wrap="none" rtlCol="0" anchor="ctr" anchorCtr="0">
+            <a:noAutofit/>
+          </a:bodyPr>
+          <a:lstStyle/>
+          <a:p>
+            <a:r>
+              <a:rPr kumimoji="1" lang="en-US" altLang="zh-TW" sz="1200" dirty="0"/>
+              <a:t>Yes</a:t>
+            </a:r>
+            <a:endParaRPr kumimoji="1" lang="zh-TW" altLang="en-US" sz="1200" dirty="0"/>
+          </a:p>
+        </p:txBody>
+      </p:sp>
+      <p:cxnSp>
+        <p:nvCxnSpPr>
+          <p:cNvPr id="237" name="直線箭頭接點 236">
+            <a:extLst>
+              <a:ext uri="{FF2B5EF4-FFF2-40B4-BE49-F238E27FC236}">
+                <a16:creationId xmlns:a16="http://schemas.microsoft.com/office/drawing/2014/main" id="{0DBE3C78-39E3-5545-8BA2-D676D321F1DC}"/>
+              </a:ext>
+            </a:extLst>
+          </p:cNvPr>
+          <p:cNvCxnSpPr>
+            <a:cxnSpLocks/>
+          </p:cNvCxnSpPr>
+          <p:nvPr/>
+        </p:nvCxnSpPr>
+        <p:spPr>
+          <a:xfrm>
+            <a:off x="4084443" y="4126371"/>
+            <a:ext cx="2395555" cy="0"/>
+          </a:xfrm>
+          <a:prstGeom prst="straightConnector1">
+            <a:avLst/>
+          </a:prstGeom>
+          <a:ln w="12700">
+            <a:headEnd type="none" w="med" len="med"/>
+            <a:tailEnd type="none" w="med" len="med"/>
+          </a:ln>
+        </p:spPr>
+        <p:style>
+          <a:lnRef idx="1">
+            <a:schemeClr val="accent1"/>
+          </a:lnRef>
+          <a:fillRef idx="0">
+            <a:schemeClr val="accent1"/>
+          </a:fillRef>
+          <a:effectRef idx="0">
+            <a:schemeClr val="accent1"/>
+          </a:effectRef>
+          <a:fontRef idx="minor">
+            <a:schemeClr val="tx1"/>
+          </a:fontRef>
+        </p:style>
+      </p:cxnSp>
+      <p:cxnSp>
+        <p:nvCxnSpPr>
+          <p:cNvPr id="239" name="直線箭頭接點 238">
+            <a:extLst>
+              <a:ext uri="{FF2B5EF4-FFF2-40B4-BE49-F238E27FC236}">
+                <a16:creationId xmlns:a16="http://schemas.microsoft.com/office/drawing/2014/main" id="{6D889164-5D2E-7948-B908-2AC8025703FA}"/>
+              </a:ext>
+            </a:extLst>
+          </p:cNvPr>
+          <p:cNvCxnSpPr>
+            <a:cxnSpLocks/>
+          </p:cNvCxnSpPr>
+          <p:nvPr/>
+        </p:nvCxnSpPr>
+        <p:spPr>
+          <a:xfrm flipV="1">
+            <a:off x="6479998" y="2816467"/>
+            <a:ext cx="0" cy="1309905"/>
+          </a:xfrm>
+          <a:prstGeom prst="straightConnector1">
+            <a:avLst/>
+          </a:prstGeom>
+          <a:ln w="12700">
+            <a:headEnd type="none" w="med" len="med"/>
+            <a:tailEnd type="triangle" w="med" len="med"/>
+          </a:ln>
+        </p:spPr>
+        <p:style>
+          <a:lnRef idx="1">
+            <a:schemeClr val="accent1"/>
+          </a:lnRef>
+          <a:fillRef idx="0">
+            <a:schemeClr val="accent1"/>
+          </a:fillRef>
+          <a:effectRef idx="0">
+            <a:schemeClr val="accent1"/>
+          </a:effectRef>
+          <a:fontRef idx="minor">
+            <a:schemeClr val="tx1"/>
+          </a:fontRef>
+        </p:style>
+      </p:cxnSp>
+      <p:cxnSp>
+        <p:nvCxnSpPr>
+          <p:cNvPr id="241" name="直線箭頭接點 240">
+            <a:extLst>
+              <a:ext uri="{FF2B5EF4-FFF2-40B4-BE49-F238E27FC236}">
+                <a16:creationId xmlns:a16="http://schemas.microsoft.com/office/drawing/2014/main" id="{F8E832FC-C671-B245-BB3C-10BFDBDA23F8}"/>
+              </a:ext>
+            </a:extLst>
+          </p:cNvPr>
+          <p:cNvCxnSpPr>
+            <a:cxnSpLocks/>
+          </p:cNvCxnSpPr>
+          <p:nvPr/>
+        </p:nvCxnSpPr>
+        <p:spPr>
+          <a:xfrm flipV="1">
+            <a:off x="3200798" y="4574821"/>
+            <a:ext cx="0" cy="164742"/>
+          </a:xfrm>
+          <a:prstGeom prst="straightConnector1">
+            <a:avLst/>
+          </a:prstGeom>
+          <a:ln w="12700">
+            <a:headEnd type="none" w="med" len="med"/>
+            <a:tailEnd type="none" w="med" len="med"/>
+          </a:ln>
+        </p:spPr>
+        <p:style>
+          <a:lnRef idx="1">
+            <a:schemeClr val="accent1"/>
+          </a:lnRef>
+          <a:fillRef idx="0">
+            <a:schemeClr val="accent1"/>
+          </a:fillRef>
+          <a:effectRef idx="0">
+            <a:schemeClr val="accent1"/>
+          </a:effectRef>
+          <a:fontRef idx="minor">
+            <a:schemeClr val="tx1"/>
+          </a:fontRef>
+        </p:style>
+      </p:cxnSp>
+      <p:cxnSp>
+        <p:nvCxnSpPr>
+          <p:cNvPr id="243" name="直線箭頭接點 242">
+            <a:extLst>
+              <a:ext uri="{FF2B5EF4-FFF2-40B4-BE49-F238E27FC236}">
+                <a16:creationId xmlns:a16="http://schemas.microsoft.com/office/drawing/2014/main" id="{28523E4A-7BEC-774D-A6AC-1CC8C04D4FE6}"/>
+              </a:ext>
+            </a:extLst>
+          </p:cNvPr>
+          <p:cNvCxnSpPr>
+            <a:cxnSpLocks/>
+          </p:cNvCxnSpPr>
+          <p:nvPr/>
+        </p:nvCxnSpPr>
+        <p:spPr>
+          <a:xfrm flipV="1">
+            <a:off x="4593230" y="4574821"/>
+            <a:ext cx="0" cy="164742"/>
+          </a:xfrm>
+          <a:prstGeom prst="straightConnector1">
+            <a:avLst/>
+          </a:prstGeom>
+          <a:ln w="12700">
+            <a:headEnd type="none" w="med" len="med"/>
+            <a:tailEnd type="triangle" w="med" len="med"/>
+          </a:ln>
+        </p:spPr>
+        <p:style>
+          <a:lnRef idx="1">
+            <a:schemeClr val="accent1"/>
+          </a:lnRef>
+          <a:fillRef idx="0">
+            <a:schemeClr val="accent1"/>
+          </a:fillRef>
+          <a:effectRef idx="0">
+            <a:schemeClr val="accent1"/>
+          </a:effectRef>
+          <a:fontRef idx="minor">
+            <a:schemeClr val="tx1"/>
+          </a:fontRef>
+        </p:style>
+      </p:cxnSp>
+      <p:cxnSp>
+        <p:nvCxnSpPr>
+          <p:cNvPr id="246" name="直線箭頭接點 245">
+            <a:extLst>
+              <a:ext uri="{FF2B5EF4-FFF2-40B4-BE49-F238E27FC236}">
+                <a16:creationId xmlns:a16="http://schemas.microsoft.com/office/drawing/2014/main" id="{B15BADCC-7522-E34E-8E56-4C4D710684FD}"/>
+              </a:ext>
+            </a:extLst>
+          </p:cNvPr>
+          <p:cNvCxnSpPr>
+            <a:cxnSpLocks/>
+          </p:cNvCxnSpPr>
+          <p:nvPr/>
+        </p:nvCxnSpPr>
+        <p:spPr>
+          <a:xfrm>
+            <a:off x="4814047" y="4745467"/>
+            <a:ext cx="1203183" cy="0"/>
+          </a:xfrm>
+          <a:prstGeom prst="straightConnector1">
+            <a:avLst/>
+          </a:prstGeom>
+          <a:ln w="12700">
+            <a:headEnd type="none" w="med" len="med"/>
+            <a:tailEnd type="none" w="med" len="med"/>
+          </a:ln>
+        </p:spPr>
+        <p:style>
+          <a:lnRef idx="1">
+            <a:schemeClr val="accent1"/>
+          </a:lnRef>
+          <a:fillRef idx="0">
+            <a:schemeClr val="accent1"/>
+          </a:fillRef>
+          <a:effectRef idx="0">
+            <a:schemeClr val="accent1"/>
+          </a:effectRef>
+          <a:fontRef idx="minor">
+            <a:schemeClr val="tx1"/>
+          </a:fontRef>
+        </p:style>
+      </p:cxnSp>
+      <p:sp>
+        <p:nvSpPr>
+          <p:cNvPr id="247" name="文字方塊 246">
+            <a:extLst>
+              <a:ext uri="{FF2B5EF4-FFF2-40B4-BE49-F238E27FC236}">
+                <a16:creationId xmlns:a16="http://schemas.microsoft.com/office/drawing/2014/main" id="{3739C213-1497-1942-B71F-61FAB007341D}"/>
+              </a:ext>
+            </a:extLst>
+          </p:cNvPr>
+          <p:cNvSpPr txBox="1"/>
+          <p:nvPr/>
+        </p:nvSpPr>
+        <p:spPr>
+          <a:xfrm flipH="1">
+            <a:off x="5334659" y="4652040"/>
+            <a:ext cx="386837" cy="175048"/>
+          </a:xfrm>
+          <a:prstGeom prst="rect">
+            <a:avLst/>
+          </a:prstGeom>
+          <a:solidFill>
+            <a:schemeClr val="bg1"/>
+          </a:solidFill>
+          <a:ln w="12700">
+            <a:noFill/>
+          </a:ln>
+        </p:spPr>
+        <p:txBody>
+          <a:bodyPr wrap="none" rtlCol="0" anchor="ctr" anchorCtr="0">
+            <a:noAutofit/>
+          </a:bodyPr>
+          <a:lstStyle/>
+          <a:p>
+            <a:r>
+              <a:rPr kumimoji="1" lang="en-US" altLang="zh-TW" sz="1200" dirty="0"/>
+              <a:t>Yes</a:t>
+            </a:r>
+            <a:endParaRPr kumimoji="1" lang="zh-TW" altLang="en-US" sz="1200" dirty="0"/>
+          </a:p>
+        </p:txBody>
+      </p:sp>
+      <p:cxnSp>
+        <p:nvCxnSpPr>
+          <p:cNvPr id="248" name="直線箭頭接點 247">
+            <a:extLst>
+              <a:ext uri="{FF2B5EF4-FFF2-40B4-BE49-F238E27FC236}">
+                <a16:creationId xmlns:a16="http://schemas.microsoft.com/office/drawing/2014/main" id="{111E0404-B1BB-C743-8A92-E1755BDD0764}"/>
+              </a:ext>
+            </a:extLst>
+          </p:cNvPr>
+          <p:cNvCxnSpPr>
+            <a:cxnSpLocks/>
+          </p:cNvCxnSpPr>
+          <p:nvPr/>
+        </p:nvCxnSpPr>
+        <p:spPr>
+          <a:xfrm flipV="1">
+            <a:off x="4814047" y="4574821"/>
+            <a:ext cx="0" cy="164742"/>
+          </a:xfrm>
+          <a:prstGeom prst="straightConnector1">
+            <a:avLst/>
+          </a:prstGeom>
+          <a:ln w="12700">
+            <a:headEnd type="none" w="med" len="med"/>
+            <a:tailEnd type="none" w="med" len="med"/>
+          </a:ln>
+        </p:spPr>
+        <p:style>
+          <a:lnRef idx="1">
+            <a:schemeClr val="accent1"/>
+          </a:lnRef>
+          <a:fillRef idx="0">
+            <a:schemeClr val="accent1"/>
+          </a:fillRef>
+          <a:effectRef idx="0">
+            <a:schemeClr val="accent1"/>
+          </a:effectRef>
+          <a:fontRef idx="minor">
+            <a:schemeClr val="tx1"/>
+          </a:fontRef>
+        </p:style>
+      </p:cxnSp>
+      <p:cxnSp>
+        <p:nvCxnSpPr>
+          <p:cNvPr id="249" name="直線箭頭接點 248">
+            <a:extLst>
+              <a:ext uri="{FF2B5EF4-FFF2-40B4-BE49-F238E27FC236}">
+                <a16:creationId xmlns:a16="http://schemas.microsoft.com/office/drawing/2014/main" id="{D5B11895-899A-F947-979D-29B297CDA687}"/>
+              </a:ext>
+            </a:extLst>
+          </p:cNvPr>
+          <p:cNvCxnSpPr>
+            <a:cxnSpLocks/>
+          </p:cNvCxnSpPr>
+          <p:nvPr/>
+        </p:nvCxnSpPr>
+        <p:spPr>
+          <a:xfrm flipV="1">
+            <a:off x="6017230" y="4574821"/>
+            <a:ext cx="0" cy="164742"/>
+          </a:xfrm>
+          <a:prstGeom prst="straightConnector1">
+            <a:avLst/>
+          </a:prstGeom>
+          <a:ln w="12700">
+            <a:headEnd type="none" w="med" len="med"/>
+            <a:tailEnd type="triangle" w="med" len="med"/>
+          </a:ln>
+        </p:spPr>
+        <p:style>
+          <a:lnRef idx="1">
+            <a:schemeClr val="accent1"/>
+          </a:lnRef>
+          <a:fillRef idx="0">
+            <a:schemeClr val="accent1"/>
+          </a:fillRef>
+          <a:effectRef idx="0">
+            <a:schemeClr val="accent1"/>
+          </a:effectRef>
+          <a:fontRef idx="minor">
+            <a:schemeClr val="tx1"/>
+          </a:fontRef>
+        </p:style>
+      </p:cxnSp>
+      <p:cxnSp>
+        <p:nvCxnSpPr>
+          <p:cNvPr id="255" name="直線箭頭接點 254">
+            <a:extLst>
+              <a:ext uri="{FF2B5EF4-FFF2-40B4-BE49-F238E27FC236}">
+                <a16:creationId xmlns:a16="http://schemas.microsoft.com/office/drawing/2014/main" id="{94D1594E-EAD0-A047-A32E-C198F5E0FFBC}"/>
+              </a:ext>
+            </a:extLst>
+          </p:cNvPr>
+          <p:cNvCxnSpPr>
+            <a:cxnSpLocks/>
+          </p:cNvCxnSpPr>
+          <p:nvPr/>
+        </p:nvCxnSpPr>
+        <p:spPr>
+          <a:xfrm flipV="1">
+            <a:off x="3296734" y="3339212"/>
+            <a:ext cx="0" cy="213941"/>
+          </a:xfrm>
+          <a:prstGeom prst="straightConnector1">
+            <a:avLst/>
+          </a:prstGeom>
+          <a:ln w="12700">
+            <a:tailEnd type="triangle"/>
+          </a:ln>
+        </p:spPr>
+        <p:style>
+          <a:lnRef idx="1">
+            <a:schemeClr val="accent1"/>
+          </a:lnRef>
+          <a:fillRef idx="0">
+            <a:schemeClr val="accent1"/>
+          </a:fillRef>
+          <a:effectRef idx="0">
+            <a:schemeClr val="accent1"/>
+          </a:effectRef>
+          <a:fontRef idx="minor">
+            <a:schemeClr val="tx1"/>
+          </a:fontRef>
+        </p:style>
+      </p:cxnSp>
     </p:spTree>
     <p:extLst>
       <p:ext uri="{BB962C8B-B14F-4D97-AF65-F5344CB8AC3E}">
         <p14:creationId xmlns:p14="http://schemas.microsoft.com/office/powerpoint/2010/main" val="145712970"/>
+      </p:ext>
+    </p:extLst>
+  </p:cSld>
+  <p:clrMapOvr>
+    <a:masterClrMapping/>
+  </p:clrMapOvr>
+</p:sld>
+</file>
+
+<file path=ppt/slides/slide2.xml><?xml version="1.0" encoding="utf-8"?>
+<p:sld xmlns:a="http://schemas.openxmlformats.org/drawingml/2006/main" xmlns:r="http://schemas.openxmlformats.org/officeDocument/2006/relationships" xmlns:p="http://schemas.openxmlformats.org/presentationml/2006/main">
+  <p:cSld>
+    <p:spTree>
+      <p:nvGrpSpPr>
+        <p:cNvPr id="1" name=""/>
+        <p:cNvGrpSpPr/>
+        <p:nvPr/>
+      </p:nvGrpSpPr>
+      <p:grpSpPr>
+        <a:xfrm>
+          <a:off x="0" y="0"/>
+          <a:ext cx="0" cy="0"/>
+          <a:chOff x="0" y="0"/>
+          <a:chExt cx="0" cy="0"/>
+        </a:xfrm>
+      </p:grpSpPr>
+      <p:grpSp>
+        <p:nvGrpSpPr>
+          <p:cNvPr id="6" name="群組 5">
+            <a:extLst>
+              <a:ext uri="{FF2B5EF4-FFF2-40B4-BE49-F238E27FC236}">
+                <a16:creationId xmlns:a16="http://schemas.microsoft.com/office/drawing/2014/main" id="{E3167755-8C3B-6640-B3E7-A54FFE7B7FB7}"/>
+              </a:ext>
+            </a:extLst>
+          </p:cNvPr>
+          <p:cNvGrpSpPr/>
+          <p:nvPr/>
+        </p:nvGrpSpPr>
+        <p:grpSpPr>
+          <a:xfrm>
+            <a:off x="262218" y="363071"/>
+            <a:ext cx="1875864" cy="1657819"/>
+            <a:chOff x="262218" y="363071"/>
+            <a:chExt cx="2171700" cy="1657819"/>
+          </a:xfrm>
+        </p:grpSpPr>
+        <p:sp>
+          <p:nvSpPr>
+            <p:cNvPr id="2" name="矩形 1">
+              <a:extLst>
+                <a:ext uri="{FF2B5EF4-FFF2-40B4-BE49-F238E27FC236}">
+                  <a16:creationId xmlns:a16="http://schemas.microsoft.com/office/drawing/2014/main" id="{12EBC76A-EA42-9649-A27A-EBA677C4D9EC}"/>
+                </a:ext>
+              </a:extLst>
+            </p:cNvPr>
+            <p:cNvSpPr/>
+            <p:nvPr/>
+          </p:nvSpPr>
+          <p:spPr>
+            <a:xfrm>
+              <a:off x="262218" y="363071"/>
+              <a:ext cx="2171118" cy="242047"/>
+            </a:xfrm>
+            <a:prstGeom prst="rect">
+              <a:avLst/>
+            </a:prstGeom>
+            <a:noFill/>
+            <a:ln>
+              <a:solidFill>
+                <a:srgbClr val="0070C0"/>
+              </a:solidFill>
+            </a:ln>
+          </p:spPr>
+          <p:style>
+            <a:lnRef idx="2">
+              <a:schemeClr val="accent1">
+                <a:shade val="50000"/>
+              </a:schemeClr>
+            </a:lnRef>
+            <a:fillRef idx="1">
+              <a:schemeClr val="accent1"/>
+            </a:fillRef>
+            <a:effectRef idx="0">
+              <a:schemeClr val="accent1"/>
+            </a:effectRef>
+            <a:fontRef idx="minor">
+              <a:schemeClr val="lt1"/>
+            </a:fontRef>
+          </p:style>
+          <p:txBody>
+            <a:bodyPr rtlCol="0" anchor="ctr"/>
+            <a:lstStyle/>
+            <a:p>
+              <a:pPr algn="ctr"/>
+              <a:r>
+                <a:rPr kumimoji="1" lang="en-US" altLang="zh-TW" sz="1000" b="1" dirty="0">
+                  <a:solidFill>
+                    <a:schemeClr val="tx1"/>
+                  </a:solidFill>
+                </a:rPr>
+                <a:t>Object</a:t>
+              </a:r>
+              <a:endParaRPr kumimoji="1" lang="zh-TW" altLang="en-US" sz="1000" b="1" dirty="0">
+                <a:solidFill>
+                  <a:schemeClr val="tx1"/>
+                </a:solidFill>
+              </a:endParaRPr>
+            </a:p>
+          </p:txBody>
+        </p:sp>
+        <p:sp>
+          <p:nvSpPr>
+            <p:cNvPr id="3" name="矩形 2">
+              <a:extLst>
+                <a:ext uri="{FF2B5EF4-FFF2-40B4-BE49-F238E27FC236}">
+                  <a16:creationId xmlns:a16="http://schemas.microsoft.com/office/drawing/2014/main" id="{5CD4CFA6-8C3B-D742-A21F-7768BD579F1A}"/>
+                </a:ext>
+              </a:extLst>
+            </p:cNvPr>
+            <p:cNvSpPr/>
+            <p:nvPr/>
+          </p:nvSpPr>
+          <p:spPr>
+            <a:xfrm>
+              <a:off x="262800" y="605118"/>
+              <a:ext cx="2171118" cy="553998"/>
+            </a:xfrm>
+            <a:prstGeom prst="rect">
+              <a:avLst/>
+            </a:prstGeom>
+            <a:noFill/>
+            <a:ln>
+              <a:solidFill>
+                <a:srgbClr val="0070C0"/>
+              </a:solidFill>
+            </a:ln>
+          </p:spPr>
+          <p:style>
+            <a:lnRef idx="2">
+              <a:schemeClr val="accent1">
+                <a:shade val="50000"/>
+              </a:schemeClr>
+            </a:lnRef>
+            <a:fillRef idx="1">
+              <a:schemeClr val="accent1"/>
+            </a:fillRef>
+            <a:effectRef idx="0">
+              <a:schemeClr val="accent1"/>
+            </a:effectRef>
+            <a:fontRef idx="minor">
+              <a:schemeClr val="lt1"/>
+            </a:fontRef>
+          </p:style>
+          <p:txBody>
+            <a:bodyPr wrap="square" rtlCol="0" anchor="t" anchorCtr="0">
+              <a:spAutoFit/>
+            </a:bodyPr>
+            <a:lstStyle/>
+            <a:p>
+              <a:r>
+                <a:rPr kumimoji="1" lang="en-US" altLang="zh-TW" sz="1000" dirty="0">
+                  <a:solidFill>
+                    <a:schemeClr val="tx1"/>
+                  </a:solidFill>
+                </a:rPr>
+                <a:t>private:</a:t>
+              </a:r>
+            </a:p>
+            <a:p>
+              <a:pPr marL="93663" indent="-93663">
+                <a:buFont typeface="Arial" panose="020B0604020202020204" pitchFamily="34" charset="0"/>
+                <a:buChar char="•"/>
+              </a:pPr>
+              <a:r>
+                <a:rPr kumimoji="1" lang="en-US" altLang="zh-TW" sz="1000" dirty="0">
+                  <a:solidFill>
+                    <a:schemeClr val="tx1"/>
+                  </a:solidFill>
+                </a:rPr>
+                <a:t>name: string</a:t>
+              </a:r>
+            </a:p>
+            <a:p>
+              <a:pPr marL="93663" indent="-93663">
+                <a:buFont typeface="Arial" panose="020B0604020202020204" pitchFamily="34" charset="0"/>
+                <a:buChar char="•"/>
+              </a:pPr>
+              <a:r>
+                <a:rPr kumimoji="1" lang="en-US" altLang="zh-TW" sz="1000" dirty="0">
+                  <a:solidFill>
+                    <a:schemeClr val="tx1"/>
+                  </a:solidFill>
+                </a:rPr>
+                <a:t>Tag: string</a:t>
+              </a:r>
+              <a:endParaRPr kumimoji="1" lang="zh-TW" altLang="en-US" sz="1000" dirty="0">
+                <a:solidFill>
+                  <a:schemeClr val="tx1"/>
+                </a:solidFill>
+              </a:endParaRPr>
+            </a:p>
+          </p:txBody>
+        </p:sp>
+        <p:sp>
+          <p:nvSpPr>
+            <p:cNvPr id="5" name="矩形 4">
+              <a:extLst>
+                <a:ext uri="{FF2B5EF4-FFF2-40B4-BE49-F238E27FC236}">
+                  <a16:creationId xmlns:a16="http://schemas.microsoft.com/office/drawing/2014/main" id="{64F07684-2268-E54F-99A0-BEC1AB6371D7}"/>
+                </a:ext>
+              </a:extLst>
+            </p:cNvPr>
+            <p:cNvSpPr/>
+            <p:nvPr/>
+          </p:nvSpPr>
+          <p:spPr>
+            <a:xfrm>
+              <a:off x="262800" y="1159116"/>
+              <a:ext cx="2171118" cy="861774"/>
+            </a:xfrm>
+            <a:prstGeom prst="rect">
+              <a:avLst/>
+            </a:prstGeom>
+            <a:noFill/>
+            <a:ln>
+              <a:solidFill>
+                <a:srgbClr val="0070C0"/>
+              </a:solidFill>
+            </a:ln>
+          </p:spPr>
+          <p:style>
+            <a:lnRef idx="2">
+              <a:schemeClr val="accent1">
+                <a:shade val="50000"/>
+              </a:schemeClr>
+            </a:lnRef>
+            <a:fillRef idx="1">
+              <a:schemeClr val="accent1"/>
+            </a:fillRef>
+            <a:effectRef idx="0">
+              <a:schemeClr val="accent1"/>
+            </a:effectRef>
+            <a:fontRef idx="minor">
+              <a:schemeClr val="lt1"/>
+            </a:fontRef>
+          </p:style>
+          <p:txBody>
+            <a:bodyPr wrap="square" rtlCol="0" anchor="t" anchorCtr="0">
+              <a:spAutoFit/>
+            </a:bodyPr>
+            <a:lstStyle/>
+            <a:p>
+              <a:r>
+                <a:rPr kumimoji="1" lang="en-US" altLang="zh-TW" sz="1000" dirty="0">
+                  <a:solidFill>
+                    <a:schemeClr val="tx1"/>
+                  </a:solidFill>
+                </a:rPr>
+                <a:t>public:</a:t>
+              </a:r>
+            </a:p>
+            <a:p>
+              <a:pPr marL="93663" indent="-93663">
+                <a:buFont typeface="Arial" panose="020B0604020202020204" pitchFamily="34" charset="0"/>
+                <a:buChar char="•"/>
+              </a:pPr>
+              <a:r>
+                <a:rPr kumimoji="1" lang="en-US" altLang="zh-TW" sz="1000" dirty="0">
+                  <a:solidFill>
+                    <a:schemeClr val="tx1"/>
+                  </a:solidFill>
+                </a:rPr>
+                <a:t>constructor</a:t>
+              </a:r>
+            </a:p>
+            <a:p>
+              <a:pPr marL="93663" indent="-93663">
+                <a:buFont typeface="Arial" panose="020B0604020202020204" pitchFamily="34" charset="0"/>
+                <a:buChar char="•"/>
+              </a:pPr>
+              <a:r>
+                <a:rPr kumimoji="1" lang="en-US" altLang="zh-TW" sz="1000" dirty="0">
+                  <a:solidFill>
+                    <a:schemeClr val="tx1"/>
+                  </a:solidFill>
+                </a:rPr>
+                <a:t>destructor</a:t>
+              </a:r>
+            </a:p>
+            <a:p>
+              <a:pPr marL="93663" indent="-93663">
+                <a:buFont typeface="Arial" panose="020B0604020202020204" pitchFamily="34" charset="0"/>
+                <a:buChar char="•"/>
+              </a:pPr>
+              <a:r>
+                <a:rPr kumimoji="1" lang="en-US" altLang="zh-TW" sz="1000" dirty="0" err="1">
+                  <a:solidFill>
+                    <a:schemeClr val="tx1"/>
+                  </a:solidFill>
+                </a:rPr>
+                <a:t>triggerEvent</a:t>
+              </a:r>
+              <a:r>
+                <a:rPr kumimoji="1" lang="en-US" altLang="zh-TW" sz="1000" dirty="0">
+                  <a:solidFill>
+                    <a:schemeClr val="tx1"/>
+                  </a:solidFill>
+                </a:rPr>
+                <a:t>(Object*) = 0: bool</a:t>
+              </a:r>
+            </a:p>
+            <a:p>
+              <a:pPr marL="93663" indent="-93663">
+                <a:buFont typeface="Arial" panose="020B0604020202020204" pitchFamily="34" charset="0"/>
+                <a:buChar char="•"/>
+              </a:pPr>
+              <a:r>
+                <a:rPr kumimoji="1" lang="en-US" altLang="zh-TW" sz="1000" dirty="0">
+                  <a:solidFill>
+                    <a:schemeClr val="tx1"/>
+                  </a:solidFill>
+                </a:rPr>
+                <a:t>set() / get()</a:t>
+              </a:r>
+              <a:endParaRPr kumimoji="1" lang="zh-TW" altLang="en-US" sz="1000" dirty="0">
+                <a:solidFill>
+                  <a:schemeClr val="tx1"/>
+                </a:solidFill>
+              </a:endParaRPr>
+            </a:p>
+          </p:txBody>
+        </p:sp>
+      </p:grpSp>
+      <p:grpSp>
+        <p:nvGrpSpPr>
+          <p:cNvPr id="7" name="群組 6">
+            <a:extLst>
+              <a:ext uri="{FF2B5EF4-FFF2-40B4-BE49-F238E27FC236}">
+                <a16:creationId xmlns:a16="http://schemas.microsoft.com/office/drawing/2014/main" id="{E085004C-67B1-8B45-A601-127CEA4EE63F}"/>
+              </a:ext>
+            </a:extLst>
+          </p:cNvPr>
+          <p:cNvGrpSpPr/>
+          <p:nvPr/>
+        </p:nvGrpSpPr>
+        <p:grpSpPr>
+          <a:xfrm>
+            <a:off x="262218" y="2293471"/>
+            <a:ext cx="1875864" cy="1965595"/>
+            <a:chOff x="262218" y="363071"/>
+            <a:chExt cx="2171700" cy="1965595"/>
+          </a:xfrm>
+        </p:grpSpPr>
+        <p:sp>
+          <p:nvSpPr>
+            <p:cNvPr id="8" name="矩形 7">
+              <a:extLst>
+                <a:ext uri="{FF2B5EF4-FFF2-40B4-BE49-F238E27FC236}">
+                  <a16:creationId xmlns:a16="http://schemas.microsoft.com/office/drawing/2014/main" id="{94D06FFC-F4BD-A043-8D88-88E3F399DCC3}"/>
+                </a:ext>
+              </a:extLst>
+            </p:cNvPr>
+            <p:cNvSpPr/>
+            <p:nvPr/>
+          </p:nvSpPr>
+          <p:spPr>
+            <a:xfrm>
+              <a:off x="262218" y="363071"/>
+              <a:ext cx="2171118" cy="242047"/>
+            </a:xfrm>
+            <a:prstGeom prst="rect">
+              <a:avLst/>
+            </a:prstGeom>
+            <a:noFill/>
+            <a:ln>
+              <a:solidFill>
+                <a:srgbClr val="0070C0"/>
+              </a:solidFill>
+            </a:ln>
+          </p:spPr>
+          <p:style>
+            <a:lnRef idx="2">
+              <a:schemeClr val="accent1">
+                <a:shade val="50000"/>
+              </a:schemeClr>
+            </a:lnRef>
+            <a:fillRef idx="1">
+              <a:schemeClr val="accent1"/>
+            </a:fillRef>
+            <a:effectRef idx="0">
+              <a:schemeClr val="accent1"/>
+            </a:effectRef>
+            <a:fontRef idx="minor">
+              <a:schemeClr val="lt1"/>
+            </a:fontRef>
+          </p:style>
+          <p:txBody>
+            <a:bodyPr rtlCol="0" anchor="ctr"/>
+            <a:lstStyle/>
+            <a:p>
+              <a:pPr algn="ctr"/>
+              <a:r>
+                <a:rPr kumimoji="1" lang="en-US" altLang="zh-TW" sz="1000" b="1" dirty="0">
+                  <a:solidFill>
+                    <a:schemeClr val="tx1"/>
+                  </a:solidFill>
+                </a:rPr>
+                <a:t>Item</a:t>
+              </a:r>
+              <a:endParaRPr kumimoji="1" lang="zh-TW" altLang="en-US" sz="1000" b="1" dirty="0">
+                <a:solidFill>
+                  <a:schemeClr val="tx1"/>
+                </a:solidFill>
+              </a:endParaRPr>
+            </a:p>
+          </p:txBody>
+        </p:sp>
+        <p:sp>
+          <p:nvSpPr>
+            <p:cNvPr id="9" name="矩形 8">
+              <a:extLst>
+                <a:ext uri="{FF2B5EF4-FFF2-40B4-BE49-F238E27FC236}">
+                  <a16:creationId xmlns:a16="http://schemas.microsoft.com/office/drawing/2014/main" id="{8AB72096-A8C9-EB46-A9F4-E8DB91E7419F}"/>
+                </a:ext>
+              </a:extLst>
+            </p:cNvPr>
+            <p:cNvSpPr/>
+            <p:nvPr/>
+          </p:nvSpPr>
+          <p:spPr>
+            <a:xfrm>
+              <a:off x="262800" y="605118"/>
+              <a:ext cx="2171118" cy="861774"/>
+            </a:xfrm>
+            <a:prstGeom prst="rect">
+              <a:avLst/>
+            </a:prstGeom>
+            <a:noFill/>
+            <a:ln>
+              <a:solidFill>
+                <a:srgbClr val="0070C0"/>
+              </a:solidFill>
+            </a:ln>
+          </p:spPr>
+          <p:style>
+            <a:lnRef idx="2">
+              <a:schemeClr val="accent1">
+                <a:shade val="50000"/>
+              </a:schemeClr>
+            </a:lnRef>
+            <a:fillRef idx="1">
+              <a:schemeClr val="accent1"/>
+            </a:fillRef>
+            <a:effectRef idx="0">
+              <a:schemeClr val="accent1"/>
+            </a:effectRef>
+            <a:fontRef idx="minor">
+              <a:schemeClr val="lt1"/>
+            </a:fontRef>
+          </p:style>
+          <p:txBody>
+            <a:bodyPr wrap="square" rtlCol="0" anchor="t" anchorCtr="0">
+              <a:spAutoFit/>
+            </a:bodyPr>
+            <a:lstStyle/>
+            <a:p>
+              <a:r>
+                <a:rPr kumimoji="1" lang="en-US" altLang="zh-TW" sz="1000" dirty="0">
+                  <a:solidFill>
+                    <a:schemeClr val="tx1"/>
+                  </a:solidFill>
+                </a:rPr>
+                <a:t>private:</a:t>
+              </a:r>
+            </a:p>
+            <a:p>
+              <a:pPr marL="93663" indent="-93663">
+                <a:buFont typeface="Arial" panose="020B0604020202020204" pitchFamily="34" charset="0"/>
+                <a:buChar char="•"/>
+              </a:pPr>
+              <a:r>
+                <a:rPr kumimoji="1" lang="en-US" altLang="zh-TW" sz="1000" dirty="0">
+                  <a:solidFill>
+                    <a:schemeClr val="tx1"/>
+                  </a:solidFill>
+                </a:rPr>
+                <a:t>health: int</a:t>
+              </a:r>
+            </a:p>
+            <a:p>
+              <a:pPr marL="93663" indent="-93663">
+                <a:buFont typeface="Arial" panose="020B0604020202020204" pitchFamily="34" charset="0"/>
+                <a:buChar char="•"/>
+              </a:pPr>
+              <a:r>
+                <a:rPr kumimoji="1" lang="en-US" altLang="zh-TW" sz="1000" dirty="0">
+                  <a:solidFill>
+                    <a:schemeClr val="tx1"/>
+                  </a:solidFill>
+                </a:rPr>
+                <a:t>attack: int</a:t>
+              </a:r>
+            </a:p>
+            <a:p>
+              <a:pPr marL="93663" indent="-93663">
+                <a:buFont typeface="Arial" panose="020B0604020202020204" pitchFamily="34" charset="0"/>
+                <a:buChar char="•"/>
+              </a:pPr>
+              <a:r>
+                <a:rPr kumimoji="1" lang="en-US" altLang="zh-TW" sz="1000" dirty="0">
+                  <a:solidFill>
+                    <a:schemeClr val="tx1"/>
+                  </a:solidFill>
+                </a:rPr>
+                <a:t>money: int</a:t>
+              </a:r>
+            </a:p>
+            <a:p>
+              <a:pPr marL="93663" indent="-93663">
+                <a:buFont typeface="Arial" panose="020B0604020202020204" pitchFamily="34" charset="0"/>
+                <a:buChar char="•"/>
+              </a:pPr>
+              <a:r>
+                <a:rPr kumimoji="1" lang="en-US" altLang="zh-TW" sz="1000" dirty="0" err="1">
+                  <a:solidFill>
+                    <a:schemeClr val="tx1"/>
+                  </a:solidFill>
+                </a:rPr>
+                <a:t>criticalAttackRate</a:t>
+              </a:r>
+              <a:r>
+                <a:rPr kumimoji="1" lang="en-US" altLang="zh-TW" sz="1000" dirty="0">
+                  <a:solidFill>
+                    <a:schemeClr val="tx1"/>
+                  </a:solidFill>
+                </a:rPr>
+                <a:t>: int</a:t>
+              </a:r>
+              <a:endParaRPr kumimoji="1" lang="zh-TW" altLang="en-US" sz="1000" dirty="0">
+                <a:solidFill>
+                  <a:schemeClr val="tx1"/>
+                </a:solidFill>
+              </a:endParaRPr>
+            </a:p>
+          </p:txBody>
+        </p:sp>
+        <p:sp>
+          <p:nvSpPr>
+            <p:cNvPr id="10" name="矩形 9">
+              <a:extLst>
+                <a:ext uri="{FF2B5EF4-FFF2-40B4-BE49-F238E27FC236}">
+                  <a16:creationId xmlns:a16="http://schemas.microsoft.com/office/drawing/2014/main" id="{1152F46D-ADD5-2345-BCB6-38FFEE15EA94}"/>
+                </a:ext>
+              </a:extLst>
+            </p:cNvPr>
+            <p:cNvSpPr/>
+            <p:nvPr/>
+          </p:nvSpPr>
+          <p:spPr>
+            <a:xfrm>
+              <a:off x="262800" y="1466892"/>
+              <a:ext cx="2171118" cy="861774"/>
+            </a:xfrm>
+            <a:prstGeom prst="rect">
+              <a:avLst/>
+            </a:prstGeom>
+            <a:noFill/>
+            <a:ln>
+              <a:solidFill>
+                <a:srgbClr val="0070C0"/>
+              </a:solidFill>
+            </a:ln>
+          </p:spPr>
+          <p:style>
+            <a:lnRef idx="2">
+              <a:schemeClr val="accent1">
+                <a:shade val="50000"/>
+              </a:schemeClr>
+            </a:lnRef>
+            <a:fillRef idx="1">
+              <a:schemeClr val="accent1"/>
+            </a:fillRef>
+            <a:effectRef idx="0">
+              <a:schemeClr val="accent1"/>
+            </a:effectRef>
+            <a:fontRef idx="minor">
+              <a:schemeClr val="lt1"/>
+            </a:fontRef>
+          </p:style>
+          <p:txBody>
+            <a:bodyPr wrap="square" rtlCol="0" anchor="t" anchorCtr="0">
+              <a:spAutoFit/>
+            </a:bodyPr>
+            <a:lstStyle/>
+            <a:p>
+              <a:r>
+                <a:rPr kumimoji="1" lang="en-US" altLang="zh-TW" sz="1000" dirty="0">
+                  <a:solidFill>
+                    <a:schemeClr val="tx1"/>
+                  </a:solidFill>
+                </a:rPr>
+                <a:t>public:</a:t>
+              </a:r>
+            </a:p>
+            <a:p>
+              <a:pPr marL="93663" indent="-93663">
+                <a:buFont typeface="Arial" panose="020B0604020202020204" pitchFamily="34" charset="0"/>
+                <a:buChar char="•"/>
+              </a:pPr>
+              <a:r>
+                <a:rPr kumimoji="1" lang="en-US" altLang="zh-TW" sz="1000" dirty="0">
+                  <a:solidFill>
+                    <a:schemeClr val="tx1"/>
+                  </a:solidFill>
+                </a:rPr>
+                <a:t>constructor</a:t>
+              </a:r>
+            </a:p>
+            <a:p>
+              <a:pPr marL="93663" indent="-93663">
+                <a:buFont typeface="Arial" panose="020B0604020202020204" pitchFamily="34" charset="0"/>
+                <a:buChar char="•"/>
+              </a:pPr>
+              <a:r>
+                <a:rPr kumimoji="1" lang="en-US" altLang="zh-TW" sz="1000" dirty="0">
+                  <a:solidFill>
+                    <a:schemeClr val="tx1"/>
+                  </a:solidFill>
+                </a:rPr>
+                <a:t>destructor</a:t>
+              </a:r>
+            </a:p>
+            <a:p>
+              <a:pPr marL="93663" indent="-93663">
+                <a:buFont typeface="Arial" panose="020B0604020202020204" pitchFamily="34" charset="0"/>
+                <a:buChar char="•"/>
+              </a:pPr>
+              <a:r>
+                <a:rPr kumimoji="1" lang="en-US" altLang="zh-TW" sz="1000" dirty="0" err="1">
+                  <a:solidFill>
+                    <a:schemeClr val="tx1"/>
+                  </a:solidFill>
+                </a:rPr>
+                <a:t>triggerEvent</a:t>
+              </a:r>
+              <a:r>
+                <a:rPr kumimoji="1" lang="en-US" altLang="zh-TW" sz="1000" dirty="0">
+                  <a:solidFill>
+                    <a:schemeClr val="tx1"/>
+                  </a:solidFill>
+                </a:rPr>
+                <a:t>(Object*): bool</a:t>
+              </a:r>
+            </a:p>
+            <a:p>
+              <a:pPr marL="93663" indent="-93663">
+                <a:buFont typeface="Arial" panose="020B0604020202020204" pitchFamily="34" charset="0"/>
+                <a:buChar char="•"/>
+              </a:pPr>
+              <a:r>
+                <a:rPr kumimoji="1" lang="en-US" altLang="zh-TW" sz="1000" dirty="0">
+                  <a:solidFill>
+                    <a:schemeClr val="tx1"/>
+                  </a:solidFill>
+                </a:rPr>
+                <a:t>set() / get()</a:t>
+              </a:r>
+              <a:endParaRPr kumimoji="1" lang="zh-TW" altLang="en-US" sz="1000" dirty="0">
+                <a:solidFill>
+                  <a:schemeClr val="tx1"/>
+                </a:solidFill>
+              </a:endParaRPr>
+            </a:p>
+          </p:txBody>
+        </p:sp>
+      </p:grpSp>
+      <p:grpSp>
+        <p:nvGrpSpPr>
+          <p:cNvPr id="11" name="群組 10">
+            <a:extLst>
+              <a:ext uri="{FF2B5EF4-FFF2-40B4-BE49-F238E27FC236}">
+                <a16:creationId xmlns:a16="http://schemas.microsoft.com/office/drawing/2014/main" id="{42CBE261-DAEE-7340-AA1B-A19E2CA7FCA4}"/>
+              </a:ext>
+            </a:extLst>
+          </p:cNvPr>
+          <p:cNvGrpSpPr/>
+          <p:nvPr/>
+        </p:nvGrpSpPr>
+        <p:grpSpPr>
+          <a:xfrm>
+            <a:off x="2491068" y="363071"/>
+            <a:ext cx="1875864" cy="2273373"/>
+            <a:chOff x="262218" y="363071"/>
+            <a:chExt cx="2171700" cy="2273373"/>
+          </a:xfrm>
+        </p:grpSpPr>
+        <p:sp>
+          <p:nvSpPr>
+            <p:cNvPr id="12" name="矩形 11">
+              <a:extLst>
+                <a:ext uri="{FF2B5EF4-FFF2-40B4-BE49-F238E27FC236}">
+                  <a16:creationId xmlns:a16="http://schemas.microsoft.com/office/drawing/2014/main" id="{0F34A9B3-84D7-D34B-A725-204EBA59E40F}"/>
+                </a:ext>
+              </a:extLst>
+            </p:cNvPr>
+            <p:cNvSpPr/>
+            <p:nvPr/>
+          </p:nvSpPr>
+          <p:spPr>
+            <a:xfrm>
+              <a:off x="262218" y="363071"/>
+              <a:ext cx="2171118" cy="242047"/>
+            </a:xfrm>
+            <a:prstGeom prst="rect">
+              <a:avLst/>
+            </a:prstGeom>
+            <a:noFill/>
+            <a:ln>
+              <a:solidFill>
+                <a:srgbClr val="0070C0"/>
+              </a:solidFill>
+            </a:ln>
+          </p:spPr>
+          <p:style>
+            <a:lnRef idx="2">
+              <a:schemeClr val="accent1">
+                <a:shade val="50000"/>
+              </a:schemeClr>
+            </a:lnRef>
+            <a:fillRef idx="1">
+              <a:schemeClr val="accent1"/>
+            </a:fillRef>
+            <a:effectRef idx="0">
+              <a:schemeClr val="accent1"/>
+            </a:effectRef>
+            <a:fontRef idx="minor">
+              <a:schemeClr val="lt1"/>
+            </a:fontRef>
+          </p:style>
+          <p:txBody>
+            <a:bodyPr rtlCol="0" anchor="ctr"/>
+            <a:lstStyle/>
+            <a:p>
+              <a:pPr algn="ctr"/>
+              <a:r>
+                <a:rPr kumimoji="1" lang="en-US" altLang="zh-TW" sz="1000" b="1" dirty="0" err="1">
+                  <a:solidFill>
+                    <a:schemeClr val="tx1"/>
+                  </a:solidFill>
+                </a:rPr>
+                <a:t>GameCharacter</a:t>
+              </a:r>
+              <a:endParaRPr kumimoji="1" lang="zh-TW" altLang="en-US" sz="1000" b="1" dirty="0">
+                <a:solidFill>
+                  <a:schemeClr val="tx1"/>
+                </a:solidFill>
+              </a:endParaRPr>
+            </a:p>
+          </p:txBody>
+        </p:sp>
+        <p:sp>
+          <p:nvSpPr>
+            <p:cNvPr id="13" name="矩形 12">
+              <a:extLst>
+                <a:ext uri="{FF2B5EF4-FFF2-40B4-BE49-F238E27FC236}">
+                  <a16:creationId xmlns:a16="http://schemas.microsoft.com/office/drawing/2014/main" id="{9DD11157-DA8F-084B-821F-E02ECDCE854C}"/>
+                </a:ext>
+              </a:extLst>
+            </p:cNvPr>
+            <p:cNvSpPr/>
+            <p:nvPr/>
+          </p:nvSpPr>
+          <p:spPr>
+            <a:xfrm>
+              <a:off x="262800" y="605118"/>
+              <a:ext cx="2171118" cy="1015663"/>
+            </a:xfrm>
+            <a:prstGeom prst="rect">
+              <a:avLst/>
+            </a:prstGeom>
+            <a:noFill/>
+            <a:ln>
+              <a:solidFill>
+                <a:srgbClr val="0070C0"/>
+              </a:solidFill>
+            </a:ln>
+          </p:spPr>
+          <p:style>
+            <a:lnRef idx="2">
+              <a:schemeClr val="accent1">
+                <a:shade val="50000"/>
+              </a:schemeClr>
+            </a:lnRef>
+            <a:fillRef idx="1">
+              <a:schemeClr val="accent1"/>
+            </a:fillRef>
+            <a:effectRef idx="0">
+              <a:schemeClr val="accent1"/>
+            </a:effectRef>
+            <a:fontRef idx="minor">
+              <a:schemeClr val="lt1"/>
+            </a:fontRef>
+          </p:style>
+          <p:txBody>
+            <a:bodyPr wrap="square" rtlCol="0" anchor="t" anchorCtr="0">
+              <a:spAutoFit/>
+            </a:bodyPr>
+            <a:lstStyle/>
+            <a:p>
+              <a:r>
+                <a:rPr kumimoji="1" lang="en-US" altLang="zh-TW" sz="1000" dirty="0">
+                  <a:solidFill>
+                    <a:schemeClr val="tx1"/>
+                  </a:solidFill>
+                </a:rPr>
+                <a:t>private:</a:t>
+              </a:r>
+            </a:p>
+            <a:p>
+              <a:pPr marL="93663" indent="-93663">
+                <a:buFont typeface="Arial" panose="020B0604020202020204" pitchFamily="34" charset="0"/>
+                <a:buChar char="•"/>
+              </a:pPr>
+              <a:r>
+                <a:rPr kumimoji="1" lang="en-US" altLang="zh-TW" sz="1000" dirty="0" err="1">
+                  <a:solidFill>
+                    <a:schemeClr val="tx1"/>
+                  </a:solidFill>
+                </a:rPr>
+                <a:t>maxHealth</a:t>
+              </a:r>
+              <a:r>
+                <a:rPr kumimoji="1" lang="en-US" altLang="zh-TW" sz="1000" dirty="0">
+                  <a:solidFill>
+                    <a:schemeClr val="tx1"/>
+                  </a:solidFill>
+                </a:rPr>
+                <a:t>: int</a:t>
+              </a:r>
+            </a:p>
+            <a:p>
+              <a:pPr marL="93663" indent="-93663">
+                <a:buFont typeface="Arial" panose="020B0604020202020204" pitchFamily="34" charset="0"/>
+                <a:buChar char="•"/>
+              </a:pPr>
+              <a:r>
+                <a:rPr kumimoji="1" lang="en-US" altLang="zh-TW" sz="1000" dirty="0" err="1">
+                  <a:solidFill>
+                    <a:schemeClr val="tx1"/>
+                  </a:solidFill>
+                </a:rPr>
+                <a:t>currentHealth</a:t>
+              </a:r>
+              <a:r>
+                <a:rPr kumimoji="1" lang="en-US" altLang="zh-TW" sz="1000" dirty="0">
+                  <a:solidFill>
+                    <a:schemeClr val="tx1"/>
+                  </a:solidFill>
+                </a:rPr>
+                <a:t>: int</a:t>
+              </a:r>
+            </a:p>
+            <a:p>
+              <a:pPr marL="93663" indent="-93663">
+                <a:buFont typeface="Arial" panose="020B0604020202020204" pitchFamily="34" charset="0"/>
+                <a:buChar char="•"/>
+              </a:pPr>
+              <a:r>
+                <a:rPr kumimoji="1" lang="en-US" altLang="zh-TW" sz="1000" dirty="0">
+                  <a:solidFill>
+                    <a:schemeClr val="tx1"/>
+                  </a:solidFill>
+                </a:rPr>
+                <a:t>attack: int</a:t>
+              </a:r>
+            </a:p>
+            <a:p>
+              <a:pPr marL="93663" indent="-93663">
+                <a:buFont typeface="Arial" panose="020B0604020202020204" pitchFamily="34" charset="0"/>
+                <a:buChar char="•"/>
+              </a:pPr>
+              <a:r>
+                <a:rPr kumimoji="1" lang="en-US" altLang="zh-TW" sz="1000" dirty="0">
+                  <a:solidFill>
+                    <a:schemeClr val="tx1"/>
+                  </a:solidFill>
+                </a:rPr>
+                <a:t>money: int</a:t>
+              </a:r>
+            </a:p>
+            <a:p>
+              <a:pPr marL="93663" indent="-93663">
+                <a:buFont typeface="Arial" panose="020B0604020202020204" pitchFamily="34" charset="0"/>
+                <a:buChar char="•"/>
+              </a:pPr>
+              <a:r>
+                <a:rPr kumimoji="1" lang="en-US" altLang="zh-TW" sz="1000" dirty="0" err="1">
+                  <a:solidFill>
+                    <a:schemeClr val="tx1"/>
+                  </a:solidFill>
+                </a:rPr>
+                <a:t>criticalAttackRate</a:t>
+              </a:r>
+              <a:r>
+                <a:rPr kumimoji="1" lang="en-US" altLang="zh-TW" sz="1000" dirty="0">
+                  <a:solidFill>
+                    <a:schemeClr val="tx1"/>
+                  </a:solidFill>
+                </a:rPr>
+                <a:t>: int</a:t>
+              </a:r>
+              <a:endParaRPr kumimoji="1" lang="zh-TW" altLang="en-US" sz="1000" dirty="0">
+                <a:solidFill>
+                  <a:schemeClr val="tx1"/>
+                </a:solidFill>
+              </a:endParaRPr>
+            </a:p>
+          </p:txBody>
+        </p:sp>
+        <p:sp>
+          <p:nvSpPr>
+            <p:cNvPr id="14" name="矩形 13">
+              <a:extLst>
+                <a:ext uri="{FF2B5EF4-FFF2-40B4-BE49-F238E27FC236}">
+                  <a16:creationId xmlns:a16="http://schemas.microsoft.com/office/drawing/2014/main" id="{23BC20A2-0CE4-C845-BF50-2992E4FEF6EB}"/>
+                </a:ext>
+              </a:extLst>
+            </p:cNvPr>
+            <p:cNvSpPr/>
+            <p:nvPr/>
+          </p:nvSpPr>
+          <p:spPr>
+            <a:xfrm>
+              <a:off x="262800" y="1620781"/>
+              <a:ext cx="2171118" cy="1015663"/>
+            </a:xfrm>
+            <a:prstGeom prst="rect">
+              <a:avLst/>
+            </a:prstGeom>
+            <a:noFill/>
+            <a:ln>
+              <a:solidFill>
+                <a:srgbClr val="0070C0"/>
+              </a:solidFill>
+            </a:ln>
+          </p:spPr>
+          <p:style>
+            <a:lnRef idx="2">
+              <a:schemeClr val="accent1">
+                <a:shade val="50000"/>
+              </a:schemeClr>
+            </a:lnRef>
+            <a:fillRef idx="1">
+              <a:schemeClr val="accent1"/>
+            </a:fillRef>
+            <a:effectRef idx="0">
+              <a:schemeClr val="accent1"/>
+            </a:effectRef>
+            <a:fontRef idx="minor">
+              <a:schemeClr val="lt1"/>
+            </a:fontRef>
+          </p:style>
+          <p:txBody>
+            <a:bodyPr wrap="square" rtlCol="0" anchor="t" anchorCtr="0">
+              <a:spAutoFit/>
+            </a:bodyPr>
+            <a:lstStyle/>
+            <a:p>
+              <a:r>
+                <a:rPr kumimoji="1" lang="en-US" altLang="zh-TW" sz="1000" dirty="0">
+                  <a:solidFill>
+                    <a:schemeClr val="tx1"/>
+                  </a:solidFill>
+                </a:rPr>
+                <a:t>public:</a:t>
+              </a:r>
+            </a:p>
+            <a:p>
+              <a:pPr marL="93663" indent="-93663">
+                <a:buFont typeface="Arial" panose="020B0604020202020204" pitchFamily="34" charset="0"/>
+                <a:buChar char="•"/>
+              </a:pPr>
+              <a:r>
+                <a:rPr kumimoji="1" lang="en-US" altLang="zh-TW" sz="1000" dirty="0">
+                  <a:solidFill>
+                    <a:schemeClr val="tx1"/>
+                  </a:solidFill>
+                </a:rPr>
+                <a:t>constructor</a:t>
+              </a:r>
+            </a:p>
+            <a:p>
+              <a:pPr marL="93663" indent="-93663">
+                <a:buFont typeface="Arial" panose="020B0604020202020204" pitchFamily="34" charset="0"/>
+                <a:buChar char="•"/>
+              </a:pPr>
+              <a:r>
+                <a:rPr kumimoji="1" lang="en-US" altLang="zh-TW" sz="1000" dirty="0">
+                  <a:solidFill>
+                    <a:schemeClr val="tx1"/>
+                  </a:solidFill>
+                </a:rPr>
+                <a:t>destructor</a:t>
+              </a:r>
+            </a:p>
+            <a:p>
+              <a:pPr marL="93663" indent="-93663">
+                <a:buFont typeface="Arial" panose="020B0604020202020204" pitchFamily="34" charset="0"/>
+                <a:buChar char="•"/>
+              </a:pPr>
+              <a:r>
+                <a:rPr kumimoji="1" lang="en-US" altLang="zh-TW" sz="1000" dirty="0" err="1">
+                  <a:solidFill>
+                    <a:schemeClr val="tx1"/>
+                  </a:solidFill>
+                </a:rPr>
+                <a:t>checkIsDead</a:t>
+              </a:r>
+              <a:r>
+                <a:rPr kumimoji="1" lang="en-US" altLang="zh-TW" sz="1000" dirty="0">
+                  <a:solidFill>
+                    <a:schemeClr val="tx1"/>
+                  </a:solidFill>
+                </a:rPr>
+                <a:t>(): bool</a:t>
+              </a:r>
+            </a:p>
+            <a:p>
+              <a:pPr marL="93663" indent="-93663">
+                <a:buFont typeface="Arial" panose="020B0604020202020204" pitchFamily="34" charset="0"/>
+                <a:buChar char="•"/>
+              </a:pPr>
+              <a:r>
+                <a:rPr kumimoji="1" lang="en-US" altLang="zh-TW" sz="1000" dirty="0" err="1">
+                  <a:solidFill>
+                    <a:schemeClr val="tx1"/>
+                  </a:solidFill>
+                </a:rPr>
+                <a:t>takeDamage</a:t>
+              </a:r>
+              <a:r>
+                <a:rPr kumimoji="1" lang="en-US" altLang="zh-TW" sz="1000" dirty="0">
+                  <a:solidFill>
+                    <a:schemeClr val="tx1"/>
+                  </a:solidFill>
+                </a:rPr>
+                <a:t>(int): int</a:t>
+              </a:r>
+            </a:p>
+            <a:p>
+              <a:pPr marL="93663" indent="-93663">
+                <a:buFont typeface="Arial" panose="020B0604020202020204" pitchFamily="34" charset="0"/>
+                <a:buChar char="•"/>
+              </a:pPr>
+              <a:r>
+                <a:rPr kumimoji="1" lang="en-US" altLang="zh-TW" sz="1000" dirty="0">
+                  <a:solidFill>
+                    <a:schemeClr val="tx1"/>
+                  </a:solidFill>
+                </a:rPr>
+                <a:t>set() / get()</a:t>
+              </a:r>
+              <a:endParaRPr kumimoji="1" lang="zh-TW" altLang="en-US" sz="1000" dirty="0">
+                <a:solidFill>
+                  <a:schemeClr val="tx1"/>
+                </a:solidFill>
+              </a:endParaRPr>
+            </a:p>
+          </p:txBody>
+        </p:sp>
+      </p:grpSp>
+    </p:spTree>
+    <p:extLst>
+      <p:ext uri="{BB962C8B-B14F-4D97-AF65-F5344CB8AC3E}">
+        <p14:creationId xmlns:p14="http://schemas.microsoft.com/office/powerpoint/2010/main" val="248744765"/>
       </p:ext>
     </p:extLst>
   </p:cSld>

--- a/C++_and_OOP/NCTU/project1/HW1_609001002/pics.pptx
+++ b/C++_and_OOP/NCTU/project1/HW1_609001002/pics.pptx
@@ -244,7 +244,7 @@
           <a:p>
             <a:fld id="{CFD73A00-8293-3E44-B8FC-1344C5A2E5D4}" type="datetimeFigureOut">
               <a:rPr kumimoji="1" lang="zh-TW" altLang="en-US" smtClean="0"/>
-              <a:t>2021/4/27</a:t>
+              <a:t>2021/4/28</a:t>
             </a:fld>
             <a:endParaRPr kumimoji="1" lang="zh-TW" altLang="en-US"/>
           </a:p>
@@ -414,7 +414,7 @@
           <a:p>
             <a:fld id="{CFD73A00-8293-3E44-B8FC-1344C5A2E5D4}" type="datetimeFigureOut">
               <a:rPr kumimoji="1" lang="zh-TW" altLang="en-US" smtClean="0"/>
-              <a:t>2021/4/27</a:t>
+              <a:t>2021/4/28</a:t>
             </a:fld>
             <a:endParaRPr kumimoji="1" lang="zh-TW" altLang="en-US"/>
           </a:p>
@@ -594,7 +594,7 @@
           <a:p>
             <a:fld id="{CFD73A00-8293-3E44-B8FC-1344C5A2E5D4}" type="datetimeFigureOut">
               <a:rPr kumimoji="1" lang="zh-TW" altLang="en-US" smtClean="0"/>
-              <a:t>2021/4/27</a:t>
+              <a:t>2021/4/28</a:t>
             </a:fld>
             <a:endParaRPr kumimoji="1" lang="zh-TW" altLang="en-US"/>
           </a:p>
@@ -764,7 +764,7 @@
           <a:p>
             <a:fld id="{CFD73A00-8293-3E44-B8FC-1344C5A2E5D4}" type="datetimeFigureOut">
               <a:rPr kumimoji="1" lang="zh-TW" altLang="en-US" smtClean="0"/>
-              <a:t>2021/4/27</a:t>
+              <a:t>2021/4/28</a:t>
             </a:fld>
             <a:endParaRPr kumimoji="1" lang="zh-TW" altLang="en-US"/>
           </a:p>
@@ -1008,7 +1008,7 @@
           <a:p>
             <a:fld id="{CFD73A00-8293-3E44-B8FC-1344C5A2E5D4}" type="datetimeFigureOut">
               <a:rPr kumimoji="1" lang="zh-TW" altLang="en-US" smtClean="0"/>
-              <a:t>2021/4/27</a:t>
+              <a:t>2021/4/28</a:t>
             </a:fld>
             <a:endParaRPr kumimoji="1" lang="zh-TW" altLang="en-US"/>
           </a:p>
@@ -1240,7 +1240,7 @@
           <a:p>
             <a:fld id="{CFD73A00-8293-3E44-B8FC-1344C5A2E5D4}" type="datetimeFigureOut">
               <a:rPr kumimoji="1" lang="zh-TW" altLang="en-US" smtClean="0"/>
-              <a:t>2021/4/27</a:t>
+              <a:t>2021/4/28</a:t>
             </a:fld>
             <a:endParaRPr kumimoji="1" lang="zh-TW" altLang="en-US"/>
           </a:p>
@@ -1607,7 +1607,7 @@
           <a:p>
             <a:fld id="{CFD73A00-8293-3E44-B8FC-1344C5A2E5D4}" type="datetimeFigureOut">
               <a:rPr kumimoji="1" lang="zh-TW" altLang="en-US" smtClean="0"/>
-              <a:t>2021/4/27</a:t>
+              <a:t>2021/4/28</a:t>
             </a:fld>
             <a:endParaRPr kumimoji="1" lang="zh-TW" altLang="en-US"/>
           </a:p>
@@ -1725,7 +1725,7 @@
           <a:p>
             <a:fld id="{CFD73A00-8293-3E44-B8FC-1344C5A2E5D4}" type="datetimeFigureOut">
               <a:rPr kumimoji="1" lang="zh-TW" altLang="en-US" smtClean="0"/>
-              <a:t>2021/4/27</a:t>
+              <a:t>2021/4/28</a:t>
             </a:fld>
             <a:endParaRPr kumimoji="1" lang="zh-TW" altLang="en-US"/>
           </a:p>
@@ -1820,7 +1820,7 @@
           <a:p>
             <a:fld id="{CFD73A00-8293-3E44-B8FC-1344C5A2E5D4}" type="datetimeFigureOut">
               <a:rPr kumimoji="1" lang="zh-TW" altLang="en-US" smtClean="0"/>
-              <a:t>2021/4/27</a:t>
+              <a:t>2021/4/28</a:t>
             </a:fld>
             <a:endParaRPr kumimoji="1" lang="zh-TW" altLang="en-US"/>
           </a:p>
@@ -2097,7 +2097,7 @@
           <a:p>
             <a:fld id="{CFD73A00-8293-3E44-B8FC-1344C5A2E5D4}" type="datetimeFigureOut">
               <a:rPr kumimoji="1" lang="zh-TW" altLang="en-US" smtClean="0"/>
-              <a:t>2021/4/27</a:t>
+              <a:t>2021/4/28</a:t>
             </a:fld>
             <a:endParaRPr kumimoji="1" lang="zh-TW" altLang="en-US"/>
           </a:p>
@@ -2354,7 +2354,7 @@
           <a:p>
             <a:fld id="{CFD73A00-8293-3E44-B8FC-1344C5A2E5D4}" type="datetimeFigureOut">
               <a:rPr kumimoji="1" lang="zh-TW" altLang="en-US" smtClean="0"/>
-              <a:t>2021/4/27</a:t>
+              <a:t>2021/4/28</a:t>
             </a:fld>
             <a:endParaRPr kumimoji="1" lang="zh-TW" altLang="en-US"/>
           </a:p>
@@ -2567,7 +2567,7 @@
           <a:p>
             <a:fld id="{CFD73A00-8293-3E44-B8FC-1344C5A2E5D4}" type="datetimeFigureOut">
               <a:rPr kumimoji="1" lang="zh-TW" altLang="en-US" smtClean="0"/>
-              <a:t>2021/4/27</a:t>
+              <a:t>2021/4/28</a:t>
             </a:fld>
             <a:endParaRPr kumimoji="1" lang="zh-TW" altLang="en-US"/>
           </a:p>
@@ -7778,8 +7778,8 @@
         </p:nvGrpSpPr>
         <p:grpSpPr>
           <a:xfrm>
-            <a:off x="262218" y="363071"/>
-            <a:ext cx="1875864" cy="1657819"/>
+            <a:off x="0" y="-1028"/>
+            <a:ext cx="1590907" cy="1657819"/>
             <a:chOff x="262218" y="363071"/>
             <a:chExt cx="2171700" cy="1657819"/>
           </a:xfrm>
@@ -7898,9 +7898,9 @@
             <a:lstStyle/>
             <a:p>
               <a:r>
-                <a:rPr kumimoji="1" lang="en-US" altLang="zh-TW" sz="1000" dirty="0">
-                  <a:solidFill>
-                    <a:schemeClr val="tx1"/>
+                <a:rPr kumimoji="1" lang="en-US" altLang="zh-TW" sz="1000" b="1" dirty="0">
+                  <a:solidFill>
+                    <a:srgbClr val="00B050"/>
                   </a:solidFill>
                 </a:rPr>
                 <a:t>private:</a:t>
@@ -7926,12 +7926,20 @@
                 <a:buChar char="•"/>
               </a:pPr>
               <a:r>
+                <a:rPr kumimoji="1" lang="en-US" altLang="zh-TW" sz="1000">
+                  <a:solidFill>
+                    <a:schemeClr val="tx1"/>
+                  </a:solidFill>
+                </a:rPr>
+                <a:t>tag</a:t>
+              </a:r>
+              <a:r>
                 <a:rPr kumimoji="1" lang="en-US" altLang="zh-TW" sz="1000" dirty="0">
                   <a:solidFill>
                     <a:schemeClr val="tx1"/>
                   </a:solidFill>
                 </a:rPr>
-                <a:t>Tag: string</a:t>
+                <a:t>: string</a:t>
               </a:r>
               <a:endParaRPr kumimoji="1" lang="zh-TW" altLang="en-US" sz="1000" dirty="0">
                 <a:solidFill>
@@ -7991,9 +7999,9 @@
             <a:lstStyle/>
             <a:p>
               <a:r>
-                <a:rPr kumimoji="1" lang="en-US" altLang="zh-TW" sz="1000" dirty="0">
-                  <a:solidFill>
-                    <a:schemeClr val="tx1"/>
+                <a:rPr kumimoji="1" lang="en-US" altLang="zh-TW" sz="1000" b="1" dirty="0">
+                  <a:solidFill>
+                    <a:srgbClr val="00B050"/>
                   </a:solidFill>
                 </a:rPr>
                 <a:t>public:</a:t>
@@ -8010,21 +8018,7 @@
                     <a:schemeClr val="tx1"/>
                   </a:solidFill>
                 </a:rPr>
-                <a:t>constructor</a:t>
-              </a:r>
-            </a:p>
-            <a:p>
-              <a:pPr marL="93663" indent="-93663">
-                <a:buFont typeface="Arial" panose="020B0604020202020204" pitchFamily="34" charset="0"/>
-                <a:buChar char="•"/>
-              </a:pPr>
-              <a:r>
-                <a:rPr kumimoji="1" lang="en-US" altLang="zh-TW" sz="1000" dirty="0">
-                  <a:solidFill>
-                    <a:schemeClr val="tx1"/>
-                  </a:solidFill>
-                </a:rPr>
-                <a:t>destructor</a:t>
+                <a:t>constructor / destructor</a:t>
               </a:r>
             </a:p>
             <a:p>
@@ -8085,10 +8079,10 @@
         </p:nvGrpSpPr>
         <p:grpSpPr>
           <a:xfrm>
-            <a:off x="262218" y="2293471"/>
-            <a:ext cx="1875864" cy="1965595"/>
+            <a:off x="2527601" y="-1028"/>
+            <a:ext cx="1695932" cy="1811707"/>
             <a:chOff x="262218" y="363071"/>
-            <a:chExt cx="2171700" cy="1965595"/>
+            <a:chExt cx="2171700" cy="1811707"/>
           </a:xfrm>
         </p:grpSpPr>
         <p:sp>
@@ -8205,9 +8199,9 @@
             <a:lstStyle/>
             <a:p>
               <a:r>
-                <a:rPr kumimoji="1" lang="en-US" altLang="zh-TW" sz="1000" dirty="0">
-                  <a:solidFill>
-                    <a:schemeClr val="tx1"/>
+                <a:rPr kumimoji="1" lang="en-US" altLang="zh-TW" sz="1000" b="1" dirty="0">
+                  <a:solidFill>
+                    <a:srgbClr val="00B050"/>
                   </a:solidFill>
                 </a:rPr>
                 <a:t>private:</a:t>
@@ -8299,7 +8293,7 @@
           <p:spPr>
             <a:xfrm>
               <a:off x="262800" y="1466892"/>
-              <a:ext cx="2171118" cy="861774"/>
+              <a:ext cx="2171118" cy="707886"/>
             </a:xfrm>
             <a:prstGeom prst="rect">
               <a:avLst/>
@@ -8334,9 +8328,9 @@
             <a:lstStyle/>
             <a:p>
               <a:r>
-                <a:rPr kumimoji="1" lang="en-US" altLang="zh-TW" sz="1000" dirty="0">
-                  <a:solidFill>
-                    <a:schemeClr val="tx1"/>
+                <a:rPr kumimoji="1" lang="en-US" altLang="zh-TW" sz="1000" b="1" dirty="0">
+                  <a:solidFill>
+                    <a:srgbClr val="00B050"/>
                   </a:solidFill>
                 </a:rPr>
                 <a:t>public:</a:t>
@@ -8353,21 +8347,7 @@
                     <a:schemeClr val="tx1"/>
                   </a:solidFill>
                 </a:rPr>
-                <a:t>constructor</a:t>
-              </a:r>
-            </a:p>
-            <a:p>
-              <a:pPr marL="93663" indent="-93663">
-                <a:buFont typeface="Arial" panose="020B0604020202020204" pitchFamily="34" charset="0"/>
-                <a:buChar char="•"/>
-              </a:pPr>
-              <a:r>
-                <a:rPr kumimoji="1" lang="en-US" altLang="zh-TW" sz="1000" dirty="0">
-                  <a:solidFill>
-                    <a:schemeClr val="tx1"/>
-                  </a:solidFill>
-                </a:rPr>
-                <a:t>destructor</a:t>
+                <a:t>constructor / destructor</a:t>
               </a:r>
             </a:p>
             <a:p>
@@ -8428,10 +8408,10 @@
         </p:nvGrpSpPr>
         <p:grpSpPr>
           <a:xfrm>
-            <a:off x="2491068" y="363071"/>
-            <a:ext cx="1875864" cy="2273373"/>
+            <a:off x="0" y="2185526"/>
+            <a:ext cx="1525141" cy="2119484"/>
             <a:chOff x="262218" y="363071"/>
-            <a:chExt cx="2171700" cy="2273373"/>
+            <a:chExt cx="2171700" cy="2119484"/>
           </a:xfrm>
         </p:grpSpPr>
         <p:sp>
@@ -8548,9 +8528,9 @@
             <a:lstStyle/>
             <a:p>
               <a:r>
-                <a:rPr kumimoji="1" lang="en-US" altLang="zh-TW" sz="1000" dirty="0">
-                  <a:solidFill>
-                    <a:schemeClr val="tx1"/>
+                <a:rPr kumimoji="1" lang="en-US" altLang="zh-TW" sz="1000" b="1" dirty="0">
+                  <a:solidFill>
+                    <a:srgbClr val="00B050"/>
                   </a:solidFill>
                 </a:rPr>
                 <a:t>private:</a:t>
@@ -8671,8 +8651,8 @@
           </p:nvSpPr>
           <p:spPr>
             <a:xfrm>
-              <a:off x="262800" y="1620781"/>
-              <a:ext cx="2171118" cy="1015663"/>
+              <a:off x="262799" y="1620781"/>
+              <a:ext cx="2171119" cy="861774"/>
             </a:xfrm>
             <a:prstGeom prst="rect">
               <a:avLst/>
@@ -8707,9 +8687,9 @@
             <a:lstStyle/>
             <a:p>
               <a:r>
-                <a:rPr kumimoji="1" lang="en-US" altLang="zh-TW" sz="1000" dirty="0">
-                  <a:solidFill>
-                    <a:schemeClr val="tx1"/>
+                <a:rPr kumimoji="1" lang="en-US" altLang="zh-TW" sz="1000" b="1" dirty="0">
+                  <a:solidFill>
+                    <a:srgbClr val="00B050"/>
                   </a:solidFill>
                 </a:rPr>
                 <a:t>public:</a:t>
@@ -8726,7 +8706,7 @@
                     <a:schemeClr val="tx1"/>
                   </a:solidFill>
                 </a:rPr>
-                <a:t>constructor</a:t>
+                <a:t>constructor / destructor</a:t>
               </a:r>
             </a:p>
             <a:p>
@@ -8735,12 +8715,20 @@
                 <a:buChar char="•"/>
               </a:pPr>
               <a:r>
+                <a:rPr kumimoji="1" lang="en-US" altLang="zh-TW" sz="1000" dirty="0" err="1">
+                  <a:solidFill>
+                    <a:schemeClr val="tx1"/>
+                  </a:solidFill>
+                </a:rPr>
+                <a:t>checkIsDead</a:t>
+              </a:r>
+              <a:r>
                 <a:rPr kumimoji="1" lang="en-US" altLang="zh-TW" sz="1000" dirty="0">
                   <a:solidFill>
                     <a:schemeClr val="tx1"/>
                   </a:solidFill>
                 </a:rPr>
-                <a:t>destructor</a:t>
+                <a:t>(): bool</a:t>
               </a:r>
             </a:p>
             <a:p>
@@ -8754,7 +8742,7 @@
                     <a:schemeClr val="tx1"/>
                   </a:solidFill>
                 </a:rPr>
-                <a:t>checkIsDead</a:t>
+                <a:t>takeDamage</a:t>
               </a:r>
               <a:r>
                 <a:rPr kumimoji="1" lang="en-US" altLang="zh-TW" sz="1000" dirty="0">
@@ -8762,7 +8750,7 @@
                     <a:schemeClr val="tx1"/>
                   </a:solidFill>
                 </a:rPr>
-                <a:t>(): bool</a:t>
+                <a:t>(int): int</a:t>
               </a:r>
             </a:p>
             <a:p>
@@ -8771,20 +8759,162 @@
                 <a:buChar char="•"/>
               </a:pPr>
               <a:r>
-                <a:rPr kumimoji="1" lang="en-US" altLang="zh-TW" sz="1000" dirty="0" err="1">
-                  <a:solidFill>
-                    <a:schemeClr val="tx1"/>
-                  </a:solidFill>
-                </a:rPr>
-                <a:t>takeDamage</a:t>
-              </a:r>
-              <a:r>
                 <a:rPr kumimoji="1" lang="en-US" altLang="zh-TW" sz="1000" dirty="0">
                   <a:solidFill>
                     <a:schemeClr val="tx1"/>
                   </a:solidFill>
                 </a:rPr>
-                <a:t>(int): int</a:t>
+                <a:t>set() / get()</a:t>
+              </a:r>
+              <a:endParaRPr kumimoji="1" lang="zh-TW" altLang="en-US" sz="1000" dirty="0">
+                <a:solidFill>
+                  <a:schemeClr val="tx1"/>
+                </a:solidFill>
+              </a:endParaRPr>
+            </a:p>
+          </p:txBody>
+        </p:sp>
+      </p:grpSp>
+      <p:grpSp>
+        <p:nvGrpSpPr>
+          <p:cNvPr id="15" name="群組 14">
+            <a:extLst>
+              <a:ext uri="{FF2B5EF4-FFF2-40B4-BE49-F238E27FC236}">
+                <a16:creationId xmlns:a16="http://schemas.microsoft.com/office/drawing/2014/main" id="{289C88A2-FC9A-F64E-A16A-C64880852A8A}"/>
+              </a:ext>
+            </a:extLst>
+          </p:cNvPr>
+          <p:cNvGrpSpPr/>
+          <p:nvPr/>
+        </p:nvGrpSpPr>
+        <p:grpSpPr>
+          <a:xfrm>
+            <a:off x="2357476" y="2187623"/>
+            <a:ext cx="2035727" cy="1411598"/>
+            <a:chOff x="262014" y="363071"/>
+            <a:chExt cx="2171904" cy="1411598"/>
+          </a:xfrm>
+        </p:grpSpPr>
+        <p:sp>
+          <p:nvSpPr>
+            <p:cNvPr id="16" name="矩形 15">
+              <a:extLst>
+                <a:ext uri="{FF2B5EF4-FFF2-40B4-BE49-F238E27FC236}">
+                  <a16:creationId xmlns:a16="http://schemas.microsoft.com/office/drawing/2014/main" id="{230782F4-1667-4C46-BD5C-520C0858EA65}"/>
+                </a:ext>
+              </a:extLst>
+            </p:cNvPr>
+            <p:cNvSpPr/>
+            <p:nvPr/>
+          </p:nvSpPr>
+          <p:spPr>
+            <a:xfrm>
+              <a:off x="262014" y="363071"/>
+              <a:ext cx="2171321" cy="242047"/>
+            </a:xfrm>
+            <a:prstGeom prst="rect">
+              <a:avLst/>
+            </a:prstGeom>
+            <a:noFill/>
+            <a:ln>
+              <a:solidFill>
+                <a:srgbClr val="0070C0"/>
+              </a:solidFill>
+            </a:ln>
+          </p:spPr>
+          <p:style>
+            <a:lnRef idx="2">
+              <a:schemeClr val="accent1">
+                <a:shade val="50000"/>
+              </a:schemeClr>
+            </a:lnRef>
+            <a:fillRef idx="1">
+              <a:schemeClr val="accent1"/>
+            </a:fillRef>
+            <a:effectRef idx="0">
+              <a:schemeClr val="accent1"/>
+            </a:effectRef>
+            <a:fontRef idx="minor">
+              <a:schemeClr val="lt1"/>
+            </a:fontRef>
+          </p:style>
+          <p:txBody>
+            <a:bodyPr rtlCol="0" anchor="ctr"/>
+            <a:lstStyle/>
+            <a:p>
+              <a:pPr algn="ctr"/>
+              <a:r>
+                <a:rPr kumimoji="1" lang="en-US" altLang="zh-TW" sz="1000" b="1" dirty="0">
+                  <a:solidFill>
+                    <a:schemeClr val="tx1"/>
+                  </a:solidFill>
+                </a:rPr>
+                <a:t>Monster</a:t>
+              </a:r>
+              <a:endParaRPr kumimoji="1" lang="zh-TW" altLang="en-US" sz="1000" b="1" dirty="0">
+                <a:solidFill>
+                  <a:schemeClr val="tx1"/>
+                </a:solidFill>
+              </a:endParaRPr>
+            </a:p>
+          </p:txBody>
+        </p:sp>
+        <p:sp>
+          <p:nvSpPr>
+            <p:cNvPr id="18" name="矩形 17">
+              <a:extLst>
+                <a:ext uri="{FF2B5EF4-FFF2-40B4-BE49-F238E27FC236}">
+                  <a16:creationId xmlns:a16="http://schemas.microsoft.com/office/drawing/2014/main" id="{92FA4177-B21F-2342-A33E-50A0C1F4ED1C}"/>
+                </a:ext>
+              </a:extLst>
+            </p:cNvPr>
+            <p:cNvSpPr/>
+            <p:nvPr/>
+          </p:nvSpPr>
+          <p:spPr>
+            <a:xfrm>
+              <a:off x="262014" y="605118"/>
+              <a:ext cx="2171904" cy="1169551"/>
+            </a:xfrm>
+            <a:prstGeom prst="rect">
+              <a:avLst/>
+            </a:prstGeom>
+            <a:noFill/>
+            <a:ln>
+              <a:solidFill>
+                <a:srgbClr val="0070C0"/>
+              </a:solidFill>
+            </a:ln>
+          </p:spPr>
+          <p:style>
+            <a:lnRef idx="2">
+              <a:schemeClr val="accent1">
+                <a:shade val="50000"/>
+              </a:schemeClr>
+            </a:lnRef>
+            <a:fillRef idx="1">
+              <a:schemeClr val="accent1"/>
+            </a:fillRef>
+            <a:effectRef idx="0">
+              <a:schemeClr val="accent1"/>
+            </a:effectRef>
+            <a:fontRef idx="minor">
+              <a:schemeClr val="lt1"/>
+            </a:fontRef>
+          </p:style>
+          <p:txBody>
+            <a:bodyPr wrap="square" rtlCol="0" anchor="t" anchorCtr="0">
+              <a:spAutoFit/>
+            </a:bodyPr>
+            <a:lstStyle/>
+            <a:p>
+              <a:r>
+                <a:rPr kumimoji="1" lang="en-US" altLang="zh-TW" sz="1000" b="1" dirty="0">
+                  <a:solidFill>
+                    <a:srgbClr val="00B050"/>
+                  </a:solidFill>
+                </a:rPr>
+                <a:t>public:</a:t>
               </a:r>
             </a:p>
             <a:p>
@@ -8798,13 +8928,4963 @@
                     <a:schemeClr val="tx1"/>
                   </a:solidFill>
                 </a:rPr>
-                <a:t>set() / get()</a:t>
+                <a:t>constructor / destructor</a:t>
+              </a:r>
+            </a:p>
+            <a:p>
+              <a:pPr marL="93663" indent="-93663">
+                <a:buFont typeface="Arial" panose="020B0604020202020204" pitchFamily="34" charset="0"/>
+                <a:buChar char="•"/>
+              </a:pPr>
+              <a:r>
+                <a:rPr kumimoji="1" lang="en-US" altLang="zh-TW" sz="1000" dirty="0" err="1">
+                  <a:solidFill>
+                    <a:schemeClr val="tx1"/>
+                  </a:solidFill>
+                </a:rPr>
+                <a:t>triggerEvent</a:t>
+              </a:r>
+              <a:r>
+                <a:rPr kumimoji="1" lang="en-US" altLang="zh-TW" sz="1000" dirty="0">
+                  <a:solidFill>
+                    <a:schemeClr val="tx1"/>
+                  </a:solidFill>
+                </a:rPr>
+                <a:t>(Object*): bool</a:t>
+              </a:r>
+            </a:p>
+            <a:p>
+              <a:pPr marL="93663" indent="-93663">
+                <a:buFont typeface="Arial" panose="020B0604020202020204" pitchFamily="34" charset="0"/>
+                <a:buChar char="•"/>
+              </a:pPr>
+              <a:r>
+                <a:rPr kumimoji="1" lang="en-US" altLang="zh-TW" sz="1000" dirty="0" err="1">
+                  <a:solidFill>
+                    <a:schemeClr val="tx1"/>
+                  </a:solidFill>
+                </a:rPr>
+                <a:t>attackFunction</a:t>
+              </a:r>
+              <a:r>
+                <a:rPr kumimoji="1" lang="en-US" altLang="zh-TW" sz="1000" dirty="0">
+                  <a:solidFill>
+                    <a:schemeClr val="tx1"/>
+                  </a:solidFill>
+                </a:rPr>
+                <a:t>(</a:t>
+              </a:r>
+              <a:r>
+                <a:rPr kumimoji="1" lang="en-US" altLang="zh-TW" sz="1000" dirty="0" err="1">
+                  <a:solidFill>
+                    <a:schemeClr val="tx1"/>
+                  </a:solidFill>
+                </a:rPr>
+                <a:t>GameCharacter</a:t>
+              </a:r>
+              <a:r>
+                <a:rPr kumimoji="1" lang="en-US" altLang="zh-TW" sz="1000" dirty="0">
+                  <a:solidFill>
+                    <a:schemeClr val="tx1"/>
+                  </a:solidFill>
+                </a:rPr>
+                <a:t>*, </a:t>
+              </a:r>
+              <a:r>
+                <a:rPr kumimoji="1" lang="en-US" altLang="zh-TW" sz="1000" dirty="0" err="1">
+                  <a:solidFill>
+                    <a:schemeClr val="tx1"/>
+                  </a:solidFill>
+                </a:rPr>
+                <a:t>GamCharacter</a:t>
+              </a:r>
+              <a:r>
+                <a:rPr kumimoji="1" lang="en-US" altLang="zh-TW" sz="1000" dirty="0">
+                  <a:solidFill>
+                    <a:schemeClr val="tx1"/>
+                  </a:solidFill>
+                </a:rPr>
+                <a:t>*): void</a:t>
+              </a:r>
+            </a:p>
+            <a:p>
+              <a:pPr marL="93663" indent="-93663">
+                <a:buFont typeface="Arial" panose="020B0604020202020204" pitchFamily="34" charset="0"/>
+                <a:buChar char="•"/>
+              </a:pPr>
+              <a:r>
+                <a:rPr kumimoji="1" lang="en-US" altLang="zh-TW" sz="1000" dirty="0" err="1">
+                  <a:solidFill>
+                    <a:schemeClr val="tx1"/>
+                  </a:solidFill>
+                </a:rPr>
+                <a:t>retreatFunction</a:t>
+              </a:r>
+              <a:r>
+                <a:rPr kumimoji="1" lang="en-US" altLang="zh-TW" sz="1000" dirty="0">
+                  <a:solidFill>
+                    <a:schemeClr val="tx1"/>
+                  </a:solidFill>
+                </a:rPr>
+                <a:t>(Player*, Monster*): bool</a:t>
               </a:r>
               <a:endParaRPr kumimoji="1" lang="zh-TW" altLang="en-US" sz="1000" dirty="0">
                 <a:solidFill>
                   <a:schemeClr val="tx1"/>
                 </a:solidFill>
               </a:endParaRPr>
+            </a:p>
+          </p:txBody>
+        </p:sp>
+      </p:grpSp>
+      <p:grpSp>
+        <p:nvGrpSpPr>
+          <p:cNvPr id="19" name="群組 18">
+            <a:extLst>
+              <a:ext uri="{FF2B5EF4-FFF2-40B4-BE49-F238E27FC236}">
+                <a16:creationId xmlns:a16="http://schemas.microsoft.com/office/drawing/2014/main" id="{73405ED1-25A5-6843-8A19-57F9D5ED6BC0}"/>
+              </a:ext>
+            </a:extLst>
+          </p:cNvPr>
+          <p:cNvGrpSpPr/>
+          <p:nvPr/>
+        </p:nvGrpSpPr>
+        <p:grpSpPr>
+          <a:xfrm>
+            <a:off x="5161106" y="-5704"/>
+            <a:ext cx="1695478" cy="3196703"/>
+            <a:chOff x="262218" y="363071"/>
+            <a:chExt cx="2171700" cy="3196703"/>
+          </a:xfrm>
+        </p:grpSpPr>
+        <p:sp>
+          <p:nvSpPr>
+            <p:cNvPr id="20" name="矩形 19">
+              <a:extLst>
+                <a:ext uri="{FF2B5EF4-FFF2-40B4-BE49-F238E27FC236}">
+                  <a16:creationId xmlns:a16="http://schemas.microsoft.com/office/drawing/2014/main" id="{3F4E279C-1D22-774D-BB25-645C8ACBA95A}"/>
+                </a:ext>
+              </a:extLst>
+            </p:cNvPr>
+            <p:cNvSpPr/>
+            <p:nvPr/>
+          </p:nvSpPr>
+          <p:spPr>
+            <a:xfrm>
+              <a:off x="262218" y="363071"/>
+              <a:ext cx="2171118" cy="242047"/>
+            </a:xfrm>
+            <a:prstGeom prst="rect">
+              <a:avLst/>
+            </a:prstGeom>
+            <a:noFill/>
+            <a:ln>
+              <a:solidFill>
+                <a:srgbClr val="0070C0"/>
+              </a:solidFill>
+            </a:ln>
+          </p:spPr>
+          <p:style>
+            <a:lnRef idx="2">
+              <a:schemeClr val="accent1">
+                <a:shade val="50000"/>
+              </a:schemeClr>
+            </a:lnRef>
+            <a:fillRef idx="1">
+              <a:schemeClr val="accent1"/>
+            </a:fillRef>
+            <a:effectRef idx="0">
+              <a:schemeClr val="accent1"/>
+            </a:effectRef>
+            <a:fontRef idx="minor">
+              <a:schemeClr val="lt1"/>
+            </a:fontRef>
+          </p:style>
+          <p:txBody>
+            <a:bodyPr rtlCol="0" anchor="ctr"/>
+            <a:lstStyle/>
+            <a:p>
+              <a:pPr algn="ctr"/>
+              <a:r>
+                <a:rPr kumimoji="1" lang="en-US" altLang="zh-TW" sz="1000" b="1" dirty="0">
+                  <a:solidFill>
+                    <a:schemeClr val="tx1"/>
+                  </a:solidFill>
+                </a:rPr>
+                <a:t>Player</a:t>
+              </a:r>
+              <a:endParaRPr kumimoji="1" lang="zh-TW" altLang="en-US" sz="1000" b="1" dirty="0">
+                <a:solidFill>
+                  <a:schemeClr val="tx1"/>
+                </a:solidFill>
+              </a:endParaRPr>
+            </a:p>
+          </p:txBody>
+        </p:sp>
+        <p:sp>
+          <p:nvSpPr>
+            <p:cNvPr id="21" name="矩形 20">
+              <a:extLst>
+                <a:ext uri="{FF2B5EF4-FFF2-40B4-BE49-F238E27FC236}">
+                  <a16:creationId xmlns:a16="http://schemas.microsoft.com/office/drawing/2014/main" id="{01119CA9-9017-E940-A3FF-3448F9E06C84}"/>
+                </a:ext>
+              </a:extLst>
+            </p:cNvPr>
+            <p:cNvSpPr/>
+            <p:nvPr/>
+          </p:nvSpPr>
+          <p:spPr>
+            <a:xfrm>
+              <a:off x="262800" y="605118"/>
+              <a:ext cx="2171118" cy="1477328"/>
+            </a:xfrm>
+            <a:prstGeom prst="rect">
+              <a:avLst/>
+            </a:prstGeom>
+            <a:noFill/>
+            <a:ln>
+              <a:solidFill>
+                <a:srgbClr val="0070C0"/>
+              </a:solidFill>
+            </a:ln>
+          </p:spPr>
+          <p:style>
+            <a:lnRef idx="2">
+              <a:schemeClr val="accent1">
+                <a:shade val="50000"/>
+              </a:schemeClr>
+            </a:lnRef>
+            <a:fillRef idx="1">
+              <a:schemeClr val="accent1"/>
+            </a:fillRef>
+            <a:effectRef idx="0">
+              <a:schemeClr val="accent1"/>
+            </a:effectRef>
+            <a:fontRef idx="minor">
+              <a:schemeClr val="lt1"/>
+            </a:fontRef>
+          </p:style>
+          <p:txBody>
+            <a:bodyPr wrap="square" rtlCol="0" anchor="t" anchorCtr="0">
+              <a:spAutoFit/>
+            </a:bodyPr>
+            <a:lstStyle/>
+            <a:p>
+              <a:r>
+                <a:rPr kumimoji="1" lang="en-US" altLang="zh-TW" sz="1000" b="1" dirty="0">
+                  <a:solidFill>
+                    <a:srgbClr val="00B050"/>
+                  </a:solidFill>
+                </a:rPr>
+                <a:t>private:</a:t>
+              </a:r>
+            </a:p>
+            <a:p>
+              <a:pPr marL="93663" indent="-93663">
+                <a:buFont typeface="Arial" panose="020B0604020202020204" pitchFamily="34" charset="0"/>
+                <a:buChar char="•"/>
+              </a:pPr>
+              <a:r>
+                <a:rPr kumimoji="1" lang="en-US" altLang="zh-TW" sz="1000" dirty="0" err="1">
+                  <a:solidFill>
+                    <a:schemeClr val="tx1"/>
+                  </a:solidFill>
+                </a:rPr>
+                <a:t>currentRoom</a:t>
+              </a:r>
+              <a:r>
+                <a:rPr kumimoji="1" lang="en-US" altLang="zh-TW" sz="1000" dirty="0">
+                  <a:solidFill>
+                    <a:schemeClr val="tx1"/>
+                  </a:solidFill>
+                </a:rPr>
+                <a:t>: Room*</a:t>
+              </a:r>
+            </a:p>
+            <a:p>
+              <a:pPr marL="93663" indent="-93663">
+                <a:buFont typeface="Arial" panose="020B0604020202020204" pitchFamily="34" charset="0"/>
+                <a:buChar char="•"/>
+              </a:pPr>
+              <a:r>
+                <a:rPr kumimoji="1" lang="en-US" altLang="zh-TW" sz="1000" dirty="0" err="1">
+                  <a:solidFill>
+                    <a:schemeClr val="tx1"/>
+                  </a:solidFill>
+                </a:rPr>
+                <a:t>previousRoom</a:t>
+              </a:r>
+              <a:r>
+                <a:rPr kumimoji="1" lang="en-US" altLang="zh-TW" sz="1000" dirty="0">
+                  <a:solidFill>
+                    <a:schemeClr val="tx1"/>
+                  </a:solidFill>
+                </a:rPr>
+                <a:t>: Room*</a:t>
+              </a:r>
+            </a:p>
+            <a:p>
+              <a:pPr marL="93663" indent="-93663">
+                <a:buFont typeface="Arial" panose="020B0604020202020204" pitchFamily="34" charset="0"/>
+                <a:buChar char="•"/>
+              </a:pPr>
+              <a:r>
+                <a:rPr kumimoji="1" lang="en-US" altLang="zh-TW" sz="1000" dirty="0">
+                  <a:solidFill>
+                    <a:schemeClr val="tx1"/>
+                  </a:solidFill>
+                </a:rPr>
+                <a:t>backpack: vector&lt;Item*&gt;</a:t>
+              </a:r>
+            </a:p>
+            <a:p>
+              <a:pPr marL="93663" indent="-93663">
+                <a:buFont typeface="Arial" panose="020B0604020202020204" pitchFamily="34" charset="0"/>
+                <a:buChar char="•"/>
+              </a:pPr>
+              <a:r>
+                <a:rPr kumimoji="1" lang="en-US" altLang="zh-TW" sz="1000" dirty="0" err="1">
+                  <a:solidFill>
+                    <a:schemeClr val="tx1"/>
+                  </a:solidFill>
+                </a:rPr>
+                <a:t>weaponName</a:t>
+              </a:r>
+              <a:r>
+                <a:rPr kumimoji="1" lang="en-US" altLang="zh-TW" sz="1000" dirty="0">
+                  <a:solidFill>
+                    <a:schemeClr val="tx1"/>
+                  </a:solidFill>
+                </a:rPr>
+                <a:t>: string</a:t>
+              </a:r>
+            </a:p>
+            <a:p>
+              <a:pPr marL="93663" indent="-93663">
+                <a:buFont typeface="Arial" panose="020B0604020202020204" pitchFamily="34" charset="0"/>
+                <a:buChar char="•"/>
+              </a:pPr>
+              <a:r>
+                <a:rPr kumimoji="1" lang="en-US" altLang="zh-TW" sz="1000" dirty="0" err="1">
+                  <a:solidFill>
+                    <a:schemeClr val="tx1"/>
+                  </a:solidFill>
+                </a:rPr>
+                <a:t>backpackMaxSize</a:t>
+              </a:r>
+              <a:r>
+                <a:rPr kumimoji="1" lang="en-US" altLang="zh-TW" sz="1000" dirty="0">
+                  <a:solidFill>
+                    <a:schemeClr val="tx1"/>
+                  </a:solidFill>
+                </a:rPr>
+                <a:t>: int</a:t>
+              </a:r>
+            </a:p>
+            <a:p>
+              <a:pPr marL="93663" indent="-93663">
+                <a:buFont typeface="Arial" panose="020B0604020202020204" pitchFamily="34" charset="0"/>
+                <a:buChar char="•"/>
+              </a:pPr>
+              <a:r>
+                <a:rPr kumimoji="1" lang="en-US" altLang="zh-TW" sz="1000" dirty="0" err="1">
+                  <a:solidFill>
+                    <a:schemeClr val="tx1"/>
+                  </a:solidFill>
+                </a:rPr>
+                <a:t>addedAttack</a:t>
+              </a:r>
+              <a:r>
+                <a:rPr kumimoji="1" lang="en-US" altLang="zh-TW" sz="1000" dirty="0">
+                  <a:solidFill>
+                    <a:schemeClr val="tx1"/>
+                  </a:solidFill>
+                </a:rPr>
+                <a:t>: int</a:t>
+              </a:r>
+            </a:p>
+            <a:p>
+              <a:pPr marL="93663" indent="-93663">
+                <a:buFont typeface="Arial" panose="020B0604020202020204" pitchFamily="34" charset="0"/>
+                <a:buChar char="•"/>
+              </a:pPr>
+              <a:r>
+                <a:rPr kumimoji="1" lang="en-US" altLang="zh-TW" sz="1000" dirty="0" err="1">
+                  <a:solidFill>
+                    <a:schemeClr val="tx1"/>
+                  </a:solidFill>
+                </a:rPr>
+                <a:t>weaponAttack</a:t>
+              </a:r>
+              <a:r>
+                <a:rPr kumimoji="1" lang="en-US" altLang="zh-TW" sz="1000" dirty="0">
+                  <a:solidFill>
+                    <a:schemeClr val="tx1"/>
+                  </a:solidFill>
+                </a:rPr>
+                <a:t>: int</a:t>
+              </a:r>
+            </a:p>
+            <a:p>
+              <a:pPr marL="93663" indent="-93663">
+                <a:buFont typeface="Arial" panose="020B0604020202020204" pitchFamily="34" charset="0"/>
+                <a:buChar char="•"/>
+              </a:pPr>
+              <a:r>
+                <a:rPr kumimoji="1" lang="en-US" altLang="zh-TW" sz="1000" dirty="0">
+                  <a:solidFill>
+                    <a:schemeClr val="tx1"/>
+                  </a:solidFill>
+                </a:rPr>
+                <a:t>level: int</a:t>
+              </a:r>
+              <a:endParaRPr kumimoji="1" lang="zh-TW" altLang="en-US" sz="1000" dirty="0">
+                <a:solidFill>
+                  <a:schemeClr val="tx1"/>
+                </a:solidFill>
+              </a:endParaRPr>
+            </a:p>
+          </p:txBody>
+        </p:sp>
+        <p:sp>
+          <p:nvSpPr>
+            <p:cNvPr id="22" name="矩形 21">
+              <a:extLst>
+                <a:ext uri="{FF2B5EF4-FFF2-40B4-BE49-F238E27FC236}">
+                  <a16:creationId xmlns:a16="http://schemas.microsoft.com/office/drawing/2014/main" id="{999BDF78-DABF-284C-90C3-107F2408C766}"/>
+                </a:ext>
+              </a:extLst>
+            </p:cNvPr>
+            <p:cNvSpPr/>
+            <p:nvPr/>
+          </p:nvSpPr>
+          <p:spPr>
+            <a:xfrm>
+              <a:off x="262800" y="2082446"/>
+              <a:ext cx="2171118" cy="1477328"/>
+            </a:xfrm>
+            <a:prstGeom prst="rect">
+              <a:avLst/>
+            </a:prstGeom>
+            <a:noFill/>
+            <a:ln>
+              <a:solidFill>
+                <a:srgbClr val="0070C0"/>
+              </a:solidFill>
+            </a:ln>
+          </p:spPr>
+          <p:style>
+            <a:lnRef idx="2">
+              <a:schemeClr val="accent1">
+                <a:shade val="50000"/>
+              </a:schemeClr>
+            </a:lnRef>
+            <a:fillRef idx="1">
+              <a:schemeClr val="accent1"/>
+            </a:fillRef>
+            <a:effectRef idx="0">
+              <a:schemeClr val="accent1"/>
+            </a:effectRef>
+            <a:fontRef idx="minor">
+              <a:schemeClr val="lt1"/>
+            </a:fontRef>
+          </p:style>
+          <p:txBody>
+            <a:bodyPr wrap="square" rtlCol="0" anchor="t" anchorCtr="0">
+              <a:spAutoFit/>
+            </a:bodyPr>
+            <a:lstStyle/>
+            <a:p>
+              <a:r>
+                <a:rPr kumimoji="1" lang="en-US" altLang="zh-TW" sz="1000" b="1" dirty="0">
+                  <a:solidFill>
+                    <a:srgbClr val="00B050"/>
+                  </a:solidFill>
+                </a:rPr>
+                <a:t>public:</a:t>
+              </a:r>
+            </a:p>
+            <a:p>
+              <a:pPr marL="93663" indent="-93663">
+                <a:buFont typeface="Arial" panose="020B0604020202020204" pitchFamily="34" charset="0"/>
+                <a:buChar char="•"/>
+              </a:pPr>
+              <a:r>
+                <a:rPr kumimoji="1" lang="en-US" altLang="zh-TW" sz="1000" dirty="0">
+                  <a:solidFill>
+                    <a:schemeClr val="tx1"/>
+                  </a:solidFill>
+                </a:rPr>
+                <a:t>constructor / destructor</a:t>
+              </a:r>
+            </a:p>
+            <a:p>
+              <a:pPr marL="93663" indent="-93663">
+                <a:buFont typeface="Arial" panose="020B0604020202020204" pitchFamily="34" charset="0"/>
+                <a:buChar char="•"/>
+              </a:pPr>
+              <a:r>
+                <a:rPr kumimoji="1" lang="en-US" altLang="zh-TW" sz="1000" dirty="0" err="1">
+                  <a:solidFill>
+                    <a:schemeClr val="tx1"/>
+                  </a:solidFill>
+                </a:rPr>
+                <a:t>updateStatus</a:t>
+              </a:r>
+              <a:r>
+                <a:rPr kumimoji="1" lang="en-US" altLang="zh-TW" sz="1000" dirty="0">
+                  <a:solidFill>
+                    <a:schemeClr val="tx1"/>
+                  </a:solidFill>
+                </a:rPr>
+                <a:t>(int, int, int, int): bool</a:t>
+              </a:r>
+            </a:p>
+            <a:p>
+              <a:pPr marL="93663" indent="-93663">
+                <a:buFont typeface="Arial" panose="020B0604020202020204" pitchFamily="34" charset="0"/>
+                <a:buChar char="•"/>
+              </a:pPr>
+              <a:r>
+                <a:rPr kumimoji="1" lang="en-US" altLang="zh-TW" sz="1000" dirty="0" err="1">
+                  <a:solidFill>
+                    <a:schemeClr val="tx1"/>
+                  </a:solidFill>
+                </a:rPr>
+                <a:t>changeRoom</a:t>
+              </a:r>
+              <a:r>
+                <a:rPr kumimoji="1" lang="en-US" altLang="zh-TW" sz="1000" dirty="0">
+                  <a:solidFill>
+                    <a:schemeClr val="tx1"/>
+                  </a:solidFill>
+                </a:rPr>
+                <a:t>(Room*): void</a:t>
+              </a:r>
+            </a:p>
+            <a:p>
+              <a:pPr marL="93663" indent="-93663">
+                <a:buFont typeface="Arial" panose="020B0604020202020204" pitchFamily="34" charset="0"/>
+                <a:buChar char="•"/>
+              </a:pPr>
+              <a:r>
+                <a:rPr kumimoji="1" lang="en-US" altLang="zh-TW" sz="1000" dirty="0" err="1">
+                  <a:solidFill>
+                    <a:schemeClr val="tx1"/>
+                  </a:solidFill>
+                </a:rPr>
+                <a:t>levelUp</a:t>
+              </a:r>
+              <a:r>
+                <a:rPr kumimoji="1" lang="en-US" altLang="zh-TW" sz="1000" dirty="0">
+                  <a:solidFill>
+                    <a:schemeClr val="tx1"/>
+                  </a:solidFill>
+                </a:rPr>
+                <a:t>(): void</a:t>
+              </a:r>
+            </a:p>
+            <a:p>
+              <a:pPr marL="93663" indent="-93663">
+                <a:buFont typeface="Arial" panose="020B0604020202020204" pitchFamily="34" charset="0"/>
+                <a:buChar char="•"/>
+              </a:pPr>
+              <a:r>
+                <a:rPr kumimoji="1" lang="en-US" altLang="zh-TW" sz="1000" dirty="0" err="1">
+                  <a:solidFill>
+                    <a:schemeClr val="tx1"/>
+                  </a:solidFill>
+                </a:rPr>
+                <a:t>useBackpack</a:t>
+              </a:r>
+              <a:r>
+                <a:rPr kumimoji="1" lang="en-US" altLang="zh-TW" sz="1000" dirty="0">
+                  <a:solidFill>
+                    <a:schemeClr val="tx1"/>
+                  </a:solidFill>
+                </a:rPr>
+                <a:t>(): void</a:t>
+              </a:r>
+            </a:p>
+            <a:p>
+              <a:pPr marL="93663" indent="-93663">
+                <a:buFont typeface="Arial" panose="020B0604020202020204" pitchFamily="34" charset="0"/>
+                <a:buChar char="•"/>
+              </a:pPr>
+              <a:r>
+                <a:rPr kumimoji="1" lang="en-US" altLang="zh-TW" sz="1000" dirty="0" err="1">
+                  <a:solidFill>
+                    <a:schemeClr val="tx1"/>
+                  </a:solidFill>
+                </a:rPr>
+                <a:t>triggerEvent</a:t>
+              </a:r>
+              <a:r>
+                <a:rPr kumimoji="1" lang="en-US" altLang="zh-TW" sz="1000" dirty="0">
+                  <a:solidFill>
+                    <a:schemeClr val="tx1"/>
+                  </a:solidFill>
+                </a:rPr>
+                <a:t>(Object*): bool</a:t>
+              </a:r>
+            </a:p>
+            <a:p>
+              <a:pPr marL="93663" indent="-93663">
+                <a:buFont typeface="Arial" panose="020B0604020202020204" pitchFamily="34" charset="0"/>
+                <a:buChar char="•"/>
+              </a:pPr>
+              <a:r>
+                <a:rPr kumimoji="1" lang="en-US" altLang="zh-TW" sz="1000" dirty="0">
+                  <a:solidFill>
+                    <a:schemeClr val="tx1"/>
+                  </a:solidFill>
+                </a:rPr>
+                <a:t>set() / get()</a:t>
+              </a:r>
+              <a:endParaRPr kumimoji="1" lang="zh-TW" altLang="en-US" sz="1000" dirty="0">
+                <a:solidFill>
+                  <a:schemeClr val="tx1"/>
+                </a:solidFill>
+              </a:endParaRPr>
+            </a:p>
+          </p:txBody>
+        </p:sp>
+      </p:grpSp>
+      <p:grpSp>
+        <p:nvGrpSpPr>
+          <p:cNvPr id="27" name="群組 26">
+            <a:extLst>
+              <a:ext uri="{FF2B5EF4-FFF2-40B4-BE49-F238E27FC236}">
+                <a16:creationId xmlns:a16="http://schemas.microsoft.com/office/drawing/2014/main" id="{59D934C2-938F-C34E-9D94-6ACA9A15FFF5}"/>
+              </a:ext>
+            </a:extLst>
+          </p:cNvPr>
+          <p:cNvGrpSpPr/>
+          <p:nvPr/>
+        </p:nvGrpSpPr>
+        <p:grpSpPr>
+          <a:xfrm>
+            <a:off x="2357476" y="3832739"/>
+            <a:ext cx="2035181" cy="1657820"/>
+            <a:chOff x="4674700" y="4057214"/>
+            <a:chExt cx="2034990" cy="1657820"/>
+          </a:xfrm>
+        </p:grpSpPr>
+        <p:sp>
+          <p:nvSpPr>
+            <p:cNvPr id="24" name="矩形 23">
+              <a:extLst>
+                <a:ext uri="{FF2B5EF4-FFF2-40B4-BE49-F238E27FC236}">
+                  <a16:creationId xmlns:a16="http://schemas.microsoft.com/office/drawing/2014/main" id="{4B903641-6C89-4D4B-8205-78BA27DDCEFD}"/>
+                </a:ext>
+              </a:extLst>
+            </p:cNvPr>
+            <p:cNvSpPr/>
+            <p:nvPr/>
+          </p:nvSpPr>
+          <p:spPr>
+            <a:xfrm>
+              <a:off x="4674700" y="4057214"/>
+              <a:ext cx="2034445" cy="242047"/>
+            </a:xfrm>
+            <a:prstGeom prst="rect">
+              <a:avLst/>
+            </a:prstGeom>
+            <a:noFill/>
+            <a:ln>
+              <a:solidFill>
+                <a:srgbClr val="0070C0"/>
+              </a:solidFill>
+            </a:ln>
+          </p:spPr>
+          <p:style>
+            <a:lnRef idx="2">
+              <a:schemeClr val="accent1">
+                <a:shade val="50000"/>
+              </a:schemeClr>
+            </a:lnRef>
+            <a:fillRef idx="1">
+              <a:schemeClr val="accent1"/>
+            </a:fillRef>
+            <a:effectRef idx="0">
+              <a:schemeClr val="accent1"/>
+            </a:effectRef>
+            <a:fontRef idx="minor">
+              <a:schemeClr val="lt1"/>
+            </a:fontRef>
+          </p:style>
+          <p:txBody>
+            <a:bodyPr rtlCol="0" anchor="ctr"/>
+            <a:lstStyle/>
+            <a:p>
+              <a:pPr algn="ctr"/>
+              <a:r>
+                <a:rPr kumimoji="1" lang="en-US" altLang="zh-TW" sz="1000" b="1" dirty="0">
+                  <a:solidFill>
+                    <a:schemeClr val="tx1"/>
+                  </a:solidFill>
+                </a:rPr>
+                <a:t>NPC</a:t>
+              </a:r>
+              <a:endParaRPr kumimoji="1" lang="zh-TW" altLang="en-US" sz="1000" b="1" dirty="0">
+                <a:solidFill>
+                  <a:schemeClr val="tx1"/>
+                </a:solidFill>
+              </a:endParaRPr>
+            </a:p>
+          </p:txBody>
+        </p:sp>
+        <p:sp>
+          <p:nvSpPr>
+            <p:cNvPr id="25" name="矩形 24">
+              <a:extLst>
+                <a:ext uri="{FF2B5EF4-FFF2-40B4-BE49-F238E27FC236}">
+                  <a16:creationId xmlns:a16="http://schemas.microsoft.com/office/drawing/2014/main" id="{6C9985AA-A2EA-A141-A2F1-C4B3DFEF0AE8}"/>
+                </a:ext>
+              </a:extLst>
+            </p:cNvPr>
+            <p:cNvSpPr/>
+            <p:nvPr/>
+          </p:nvSpPr>
+          <p:spPr>
+            <a:xfrm>
+              <a:off x="4675244" y="4299261"/>
+              <a:ext cx="2034446" cy="400110"/>
+            </a:xfrm>
+            <a:prstGeom prst="rect">
+              <a:avLst/>
+            </a:prstGeom>
+            <a:noFill/>
+            <a:ln>
+              <a:solidFill>
+                <a:srgbClr val="0070C0"/>
+              </a:solidFill>
+            </a:ln>
+          </p:spPr>
+          <p:style>
+            <a:lnRef idx="2">
+              <a:schemeClr val="accent1">
+                <a:shade val="50000"/>
+              </a:schemeClr>
+            </a:lnRef>
+            <a:fillRef idx="1">
+              <a:schemeClr val="accent1"/>
+            </a:fillRef>
+            <a:effectRef idx="0">
+              <a:schemeClr val="accent1"/>
+            </a:effectRef>
+            <a:fontRef idx="minor">
+              <a:schemeClr val="lt1"/>
+            </a:fontRef>
+          </p:style>
+          <p:txBody>
+            <a:bodyPr wrap="square" rtlCol="0" anchor="t" anchorCtr="0">
+              <a:spAutoFit/>
+            </a:bodyPr>
+            <a:lstStyle/>
+            <a:p>
+              <a:r>
+                <a:rPr kumimoji="1" lang="en-US" altLang="zh-TW" sz="1000" b="1" dirty="0">
+                  <a:solidFill>
+                    <a:srgbClr val="00B050"/>
+                  </a:solidFill>
+                </a:rPr>
+                <a:t>private:</a:t>
+              </a:r>
+            </a:p>
+            <a:p>
+              <a:pPr marL="93663" indent="-93663">
+                <a:buFont typeface="Arial" panose="020B0604020202020204" pitchFamily="34" charset="0"/>
+                <a:buChar char="•"/>
+              </a:pPr>
+              <a:r>
+                <a:rPr kumimoji="1" lang="en-US" altLang="zh-TW" sz="1000" dirty="0">
+                  <a:solidFill>
+                    <a:schemeClr val="tx1"/>
+                  </a:solidFill>
+                </a:rPr>
+                <a:t>commodity: vector&lt;Item*&gt;</a:t>
+              </a:r>
+              <a:endParaRPr kumimoji="1" lang="zh-TW" altLang="en-US" sz="1000" dirty="0">
+                <a:solidFill>
+                  <a:schemeClr val="tx1"/>
+                </a:solidFill>
+              </a:endParaRPr>
+            </a:p>
+          </p:txBody>
+        </p:sp>
+        <p:sp>
+          <p:nvSpPr>
+            <p:cNvPr id="26" name="矩形 25">
+              <a:extLst>
+                <a:ext uri="{FF2B5EF4-FFF2-40B4-BE49-F238E27FC236}">
+                  <a16:creationId xmlns:a16="http://schemas.microsoft.com/office/drawing/2014/main" id="{70650FCC-A352-9E4E-83D0-38086E0ACEEB}"/>
+                </a:ext>
+              </a:extLst>
+            </p:cNvPr>
+            <p:cNvSpPr/>
+            <p:nvPr/>
+          </p:nvSpPr>
+          <p:spPr>
+            <a:xfrm>
+              <a:off x="4675244" y="4699371"/>
+              <a:ext cx="2034446" cy="1015663"/>
+            </a:xfrm>
+            <a:prstGeom prst="rect">
+              <a:avLst/>
+            </a:prstGeom>
+            <a:noFill/>
+            <a:ln>
+              <a:solidFill>
+                <a:srgbClr val="0070C0"/>
+              </a:solidFill>
+            </a:ln>
+          </p:spPr>
+          <p:style>
+            <a:lnRef idx="2">
+              <a:schemeClr val="accent1">
+                <a:shade val="50000"/>
+              </a:schemeClr>
+            </a:lnRef>
+            <a:fillRef idx="1">
+              <a:schemeClr val="accent1"/>
+            </a:fillRef>
+            <a:effectRef idx="0">
+              <a:schemeClr val="accent1"/>
+            </a:effectRef>
+            <a:fontRef idx="minor">
+              <a:schemeClr val="lt1"/>
+            </a:fontRef>
+          </p:style>
+          <p:txBody>
+            <a:bodyPr wrap="square" rtlCol="0" anchor="t" anchorCtr="0">
+              <a:spAutoFit/>
+            </a:bodyPr>
+            <a:lstStyle/>
+            <a:p>
+              <a:r>
+                <a:rPr kumimoji="1" lang="en-US" altLang="zh-TW" sz="1000" b="1" dirty="0">
+                  <a:solidFill>
+                    <a:srgbClr val="00B050"/>
+                  </a:solidFill>
+                </a:rPr>
+                <a:t>public:</a:t>
+              </a:r>
+            </a:p>
+            <a:p>
+              <a:pPr marL="93663" indent="-93663">
+                <a:buFont typeface="Arial" panose="020B0604020202020204" pitchFamily="34" charset="0"/>
+                <a:buChar char="•"/>
+              </a:pPr>
+              <a:r>
+                <a:rPr kumimoji="1" lang="en-US" altLang="zh-TW" sz="1000" dirty="0">
+                  <a:solidFill>
+                    <a:schemeClr val="tx1"/>
+                  </a:solidFill>
+                </a:rPr>
+                <a:t>constructor / destructor</a:t>
+              </a:r>
+            </a:p>
+            <a:p>
+              <a:pPr marL="93663" indent="-93663">
+                <a:buFont typeface="Arial" panose="020B0604020202020204" pitchFamily="34" charset="0"/>
+                <a:buChar char="•"/>
+              </a:pPr>
+              <a:r>
+                <a:rPr kumimoji="1" lang="en-US" altLang="zh-TW" sz="1000" dirty="0" err="1">
+                  <a:solidFill>
+                    <a:schemeClr val="tx1"/>
+                  </a:solidFill>
+                </a:rPr>
+                <a:t>chooseCommodity</a:t>
+              </a:r>
+              <a:r>
+                <a:rPr kumimoji="1" lang="en-US" altLang="zh-TW" sz="1000" dirty="0">
+                  <a:solidFill>
+                    <a:schemeClr val="tx1"/>
+                  </a:solidFill>
+                </a:rPr>
+                <a:t>(Player*): int</a:t>
+              </a:r>
+            </a:p>
+            <a:p>
+              <a:pPr marL="93663" indent="-93663">
+                <a:buFont typeface="Arial" panose="020B0604020202020204" pitchFamily="34" charset="0"/>
+                <a:buChar char="•"/>
+              </a:pPr>
+              <a:r>
+                <a:rPr kumimoji="1" lang="en-US" altLang="zh-TW" sz="1000" dirty="0" err="1">
+                  <a:solidFill>
+                    <a:schemeClr val="tx1"/>
+                  </a:solidFill>
+                </a:rPr>
+                <a:t>buyCommodity</a:t>
+              </a:r>
+              <a:r>
+                <a:rPr kumimoji="1" lang="en-US" altLang="zh-TW" sz="1000" dirty="0">
+                  <a:solidFill>
+                    <a:schemeClr val="tx1"/>
+                  </a:solidFill>
+                </a:rPr>
+                <a:t>(Player*, int): void</a:t>
+              </a:r>
+            </a:p>
+            <a:p>
+              <a:pPr marL="93663" indent="-93663">
+                <a:buFont typeface="Arial" panose="020B0604020202020204" pitchFamily="34" charset="0"/>
+                <a:buChar char="•"/>
+              </a:pPr>
+              <a:r>
+                <a:rPr kumimoji="1" lang="en-US" altLang="zh-TW" sz="1000" dirty="0" err="1">
+                  <a:solidFill>
+                    <a:schemeClr val="tx1"/>
+                  </a:solidFill>
+                </a:rPr>
+                <a:t>triggerEvent</a:t>
+              </a:r>
+              <a:r>
+                <a:rPr kumimoji="1" lang="en-US" altLang="zh-TW" sz="1000" dirty="0">
+                  <a:solidFill>
+                    <a:schemeClr val="tx1"/>
+                  </a:solidFill>
+                </a:rPr>
+                <a:t>(Object*): bool</a:t>
+              </a:r>
+            </a:p>
+            <a:p>
+              <a:pPr marL="93663" indent="-93663">
+                <a:buFont typeface="Arial" panose="020B0604020202020204" pitchFamily="34" charset="0"/>
+                <a:buChar char="•"/>
+              </a:pPr>
+              <a:r>
+                <a:rPr kumimoji="1" lang="en-US" altLang="zh-TW" sz="1000" dirty="0">
+                  <a:solidFill>
+                    <a:schemeClr val="tx1"/>
+                  </a:solidFill>
+                </a:rPr>
+                <a:t>set() / get()</a:t>
+              </a:r>
+              <a:endParaRPr kumimoji="1" lang="zh-TW" altLang="en-US" sz="1000" dirty="0">
+                <a:solidFill>
+                  <a:schemeClr val="tx1"/>
+                </a:solidFill>
+              </a:endParaRPr>
+            </a:p>
+          </p:txBody>
+        </p:sp>
+      </p:grpSp>
+      <p:grpSp>
+        <p:nvGrpSpPr>
+          <p:cNvPr id="28" name="群組 27">
+            <a:extLst>
+              <a:ext uri="{FF2B5EF4-FFF2-40B4-BE49-F238E27FC236}">
+                <a16:creationId xmlns:a16="http://schemas.microsoft.com/office/drawing/2014/main" id="{8501F59C-60C1-3A40-8250-74324147F6C2}"/>
+              </a:ext>
+            </a:extLst>
+          </p:cNvPr>
+          <p:cNvGrpSpPr/>
+          <p:nvPr/>
+        </p:nvGrpSpPr>
+        <p:grpSpPr>
+          <a:xfrm>
+            <a:off x="5244992" y="3352561"/>
+            <a:ext cx="1524733" cy="2427261"/>
+            <a:chOff x="262218" y="363071"/>
+            <a:chExt cx="2171700" cy="2427261"/>
+          </a:xfrm>
+        </p:grpSpPr>
+        <p:sp>
+          <p:nvSpPr>
+            <p:cNvPr id="29" name="矩形 28">
+              <a:extLst>
+                <a:ext uri="{FF2B5EF4-FFF2-40B4-BE49-F238E27FC236}">
+                  <a16:creationId xmlns:a16="http://schemas.microsoft.com/office/drawing/2014/main" id="{06F88DCA-97D0-2B4B-A2C7-F21A1188677D}"/>
+                </a:ext>
+              </a:extLst>
+            </p:cNvPr>
+            <p:cNvSpPr/>
+            <p:nvPr/>
+          </p:nvSpPr>
+          <p:spPr>
+            <a:xfrm>
+              <a:off x="262218" y="363071"/>
+              <a:ext cx="2171118" cy="242047"/>
+            </a:xfrm>
+            <a:prstGeom prst="rect">
+              <a:avLst/>
+            </a:prstGeom>
+            <a:noFill/>
+            <a:ln>
+              <a:solidFill>
+                <a:srgbClr val="0070C0"/>
+              </a:solidFill>
+            </a:ln>
+          </p:spPr>
+          <p:style>
+            <a:lnRef idx="2">
+              <a:schemeClr val="accent1">
+                <a:shade val="50000"/>
+              </a:schemeClr>
+            </a:lnRef>
+            <a:fillRef idx="1">
+              <a:schemeClr val="accent1"/>
+            </a:fillRef>
+            <a:effectRef idx="0">
+              <a:schemeClr val="accent1"/>
+            </a:effectRef>
+            <a:fontRef idx="minor">
+              <a:schemeClr val="lt1"/>
+            </a:fontRef>
+          </p:style>
+          <p:txBody>
+            <a:bodyPr rtlCol="0" anchor="ctr"/>
+            <a:lstStyle/>
+            <a:p>
+              <a:pPr algn="ctr"/>
+              <a:r>
+                <a:rPr kumimoji="1" lang="en-US" altLang="zh-TW" sz="1000" b="1" dirty="0">
+                  <a:solidFill>
+                    <a:schemeClr val="tx1"/>
+                  </a:solidFill>
+                </a:rPr>
+                <a:t>Room</a:t>
+              </a:r>
+              <a:endParaRPr kumimoji="1" lang="zh-TW" altLang="en-US" sz="1000" b="1" dirty="0">
+                <a:solidFill>
+                  <a:schemeClr val="tx1"/>
+                </a:solidFill>
+              </a:endParaRPr>
+            </a:p>
+          </p:txBody>
+        </p:sp>
+        <p:sp>
+          <p:nvSpPr>
+            <p:cNvPr id="30" name="矩形 29">
+              <a:extLst>
+                <a:ext uri="{FF2B5EF4-FFF2-40B4-BE49-F238E27FC236}">
+                  <a16:creationId xmlns:a16="http://schemas.microsoft.com/office/drawing/2014/main" id="{EF32AD2C-D562-2D48-8AD6-0A8561759EAE}"/>
+                </a:ext>
+              </a:extLst>
+            </p:cNvPr>
+            <p:cNvSpPr/>
+            <p:nvPr/>
+          </p:nvSpPr>
+          <p:spPr>
+            <a:xfrm>
+              <a:off x="262800" y="605118"/>
+              <a:ext cx="2171118" cy="1477328"/>
+            </a:xfrm>
+            <a:prstGeom prst="rect">
+              <a:avLst/>
+            </a:prstGeom>
+            <a:noFill/>
+            <a:ln>
+              <a:solidFill>
+                <a:srgbClr val="0070C0"/>
+              </a:solidFill>
+            </a:ln>
+          </p:spPr>
+          <p:style>
+            <a:lnRef idx="2">
+              <a:schemeClr val="accent1">
+                <a:shade val="50000"/>
+              </a:schemeClr>
+            </a:lnRef>
+            <a:fillRef idx="1">
+              <a:schemeClr val="accent1"/>
+            </a:fillRef>
+            <a:effectRef idx="0">
+              <a:schemeClr val="accent1"/>
+            </a:effectRef>
+            <a:fontRef idx="minor">
+              <a:schemeClr val="lt1"/>
+            </a:fontRef>
+          </p:style>
+          <p:txBody>
+            <a:bodyPr wrap="square" rtlCol="0" anchor="t" anchorCtr="0">
+              <a:spAutoFit/>
+            </a:bodyPr>
+            <a:lstStyle/>
+            <a:p>
+              <a:r>
+                <a:rPr kumimoji="1" lang="en-US" altLang="zh-TW" sz="1000" b="1" dirty="0">
+                  <a:solidFill>
+                    <a:srgbClr val="00B050"/>
+                  </a:solidFill>
+                </a:rPr>
+                <a:t>private:</a:t>
+              </a:r>
+            </a:p>
+            <a:p>
+              <a:pPr marL="93663" indent="-93663">
+                <a:buFont typeface="Arial" panose="020B0604020202020204" pitchFamily="34" charset="0"/>
+                <a:buChar char="•"/>
+              </a:pPr>
+              <a:r>
+                <a:rPr kumimoji="1" lang="en-US" altLang="zh-TW" sz="1000" dirty="0" err="1">
+                  <a:solidFill>
+                    <a:schemeClr val="tx1"/>
+                  </a:solidFill>
+                </a:rPr>
+                <a:t>upRoom</a:t>
+              </a:r>
+              <a:r>
+                <a:rPr kumimoji="1" lang="en-US" altLang="zh-TW" sz="1000" dirty="0">
+                  <a:solidFill>
+                    <a:schemeClr val="tx1"/>
+                  </a:solidFill>
+                </a:rPr>
+                <a:t>: Room*</a:t>
+              </a:r>
+            </a:p>
+            <a:p>
+              <a:pPr marL="93663" indent="-93663">
+                <a:buFont typeface="Arial" panose="020B0604020202020204" pitchFamily="34" charset="0"/>
+                <a:buChar char="•"/>
+              </a:pPr>
+              <a:r>
+                <a:rPr kumimoji="1" lang="en-US" altLang="zh-TW" sz="1000" dirty="0" err="1">
+                  <a:solidFill>
+                    <a:schemeClr val="tx1"/>
+                  </a:solidFill>
+                </a:rPr>
+                <a:t>downRoom</a:t>
+              </a:r>
+              <a:r>
+                <a:rPr kumimoji="1" lang="en-US" altLang="zh-TW" sz="1000" dirty="0">
+                  <a:solidFill>
+                    <a:schemeClr val="tx1"/>
+                  </a:solidFill>
+                </a:rPr>
+                <a:t>: Room*</a:t>
+              </a:r>
+            </a:p>
+            <a:p>
+              <a:pPr marL="93663" indent="-93663">
+                <a:buFont typeface="Arial" panose="020B0604020202020204" pitchFamily="34" charset="0"/>
+                <a:buChar char="•"/>
+              </a:pPr>
+              <a:r>
+                <a:rPr kumimoji="1" lang="en-US" altLang="zh-TW" sz="1000" dirty="0" err="1">
+                  <a:solidFill>
+                    <a:schemeClr val="tx1"/>
+                  </a:solidFill>
+                </a:rPr>
+                <a:t>leftRoom</a:t>
+              </a:r>
+              <a:r>
+                <a:rPr kumimoji="1" lang="en-US" altLang="zh-TW" sz="1000" dirty="0">
+                  <a:solidFill>
+                    <a:schemeClr val="tx1"/>
+                  </a:solidFill>
+                </a:rPr>
+                <a:t>: Room*</a:t>
+              </a:r>
+            </a:p>
+            <a:p>
+              <a:pPr marL="93663" indent="-93663">
+                <a:buFont typeface="Arial" panose="020B0604020202020204" pitchFamily="34" charset="0"/>
+                <a:buChar char="•"/>
+              </a:pPr>
+              <a:r>
+                <a:rPr kumimoji="1" lang="en-US" altLang="zh-TW" sz="1000" dirty="0" err="1">
+                  <a:solidFill>
+                    <a:schemeClr val="tx1"/>
+                  </a:solidFill>
+                </a:rPr>
+                <a:t>rightRoom</a:t>
+              </a:r>
+              <a:r>
+                <a:rPr kumimoji="1" lang="en-US" altLang="zh-TW" sz="1000" dirty="0">
+                  <a:solidFill>
+                    <a:schemeClr val="tx1"/>
+                  </a:solidFill>
+                </a:rPr>
+                <a:t>: Room*</a:t>
+              </a:r>
+            </a:p>
+            <a:p>
+              <a:pPr marL="93663" indent="-93663">
+                <a:buFont typeface="Arial" panose="020B0604020202020204" pitchFamily="34" charset="0"/>
+                <a:buChar char="•"/>
+              </a:pPr>
+              <a:r>
+                <a:rPr kumimoji="1" lang="en-US" altLang="zh-TW" sz="1000" dirty="0">
+                  <a:solidFill>
+                    <a:schemeClr val="tx1"/>
+                  </a:solidFill>
+                </a:rPr>
+                <a:t>index: int</a:t>
+              </a:r>
+            </a:p>
+            <a:p>
+              <a:pPr marL="93663" indent="-93663">
+                <a:buFont typeface="Arial" panose="020B0604020202020204" pitchFamily="34" charset="0"/>
+                <a:buChar char="•"/>
+              </a:pPr>
+              <a:r>
+                <a:rPr kumimoji="1" lang="en-US" altLang="zh-TW" sz="1000" dirty="0" err="1">
+                  <a:solidFill>
+                    <a:schemeClr val="tx1"/>
+                  </a:solidFill>
+                </a:rPr>
+                <a:t>isVisited</a:t>
+              </a:r>
+              <a:r>
+                <a:rPr kumimoji="1" lang="en-US" altLang="zh-TW" sz="1000" dirty="0">
+                  <a:solidFill>
+                    <a:schemeClr val="tx1"/>
+                  </a:solidFill>
+                </a:rPr>
+                <a:t>: bool</a:t>
+              </a:r>
+            </a:p>
+            <a:p>
+              <a:pPr marL="93663" indent="-93663">
+                <a:buFont typeface="Arial" panose="020B0604020202020204" pitchFamily="34" charset="0"/>
+                <a:buChar char="•"/>
+              </a:pPr>
+              <a:r>
+                <a:rPr kumimoji="1" lang="en-US" altLang="zh-TW" sz="1000" dirty="0" err="1">
+                  <a:solidFill>
+                    <a:schemeClr val="tx1"/>
+                  </a:solidFill>
+                </a:rPr>
+                <a:t>isExit</a:t>
+              </a:r>
+              <a:r>
+                <a:rPr kumimoji="1" lang="en-US" altLang="zh-TW" sz="1000" dirty="0">
+                  <a:solidFill>
+                    <a:schemeClr val="tx1"/>
+                  </a:solidFill>
+                </a:rPr>
+                <a:t>: bool</a:t>
+              </a:r>
+            </a:p>
+            <a:p>
+              <a:pPr marL="93663" indent="-93663">
+                <a:buFont typeface="Arial" panose="020B0604020202020204" pitchFamily="34" charset="0"/>
+                <a:buChar char="•"/>
+              </a:pPr>
+              <a:r>
+                <a:rPr kumimoji="1" lang="en-US" altLang="zh-TW" sz="1000" dirty="0">
+                  <a:solidFill>
+                    <a:schemeClr val="tx1"/>
+                  </a:solidFill>
+                </a:rPr>
+                <a:t>object: Object*</a:t>
+              </a:r>
+              <a:endParaRPr kumimoji="1" lang="zh-TW" altLang="en-US" sz="1000" dirty="0">
+                <a:solidFill>
+                  <a:schemeClr val="tx1"/>
+                </a:solidFill>
+              </a:endParaRPr>
+            </a:p>
+          </p:txBody>
+        </p:sp>
+        <p:sp>
+          <p:nvSpPr>
+            <p:cNvPr id="31" name="矩形 30">
+              <a:extLst>
+                <a:ext uri="{FF2B5EF4-FFF2-40B4-BE49-F238E27FC236}">
+                  <a16:creationId xmlns:a16="http://schemas.microsoft.com/office/drawing/2014/main" id="{106AEF44-B817-814E-BD06-17A09F6B787E}"/>
+                </a:ext>
+              </a:extLst>
+            </p:cNvPr>
+            <p:cNvSpPr/>
+            <p:nvPr/>
+          </p:nvSpPr>
+          <p:spPr>
+            <a:xfrm>
+              <a:off x="262800" y="2082446"/>
+              <a:ext cx="2171118" cy="707886"/>
+            </a:xfrm>
+            <a:prstGeom prst="rect">
+              <a:avLst/>
+            </a:prstGeom>
+            <a:noFill/>
+            <a:ln>
+              <a:solidFill>
+                <a:srgbClr val="0070C0"/>
+              </a:solidFill>
+            </a:ln>
+          </p:spPr>
+          <p:style>
+            <a:lnRef idx="2">
+              <a:schemeClr val="accent1">
+                <a:shade val="50000"/>
+              </a:schemeClr>
+            </a:lnRef>
+            <a:fillRef idx="1">
+              <a:schemeClr val="accent1"/>
+            </a:fillRef>
+            <a:effectRef idx="0">
+              <a:schemeClr val="accent1"/>
+            </a:effectRef>
+            <a:fontRef idx="minor">
+              <a:schemeClr val="lt1"/>
+            </a:fontRef>
+          </p:style>
+          <p:txBody>
+            <a:bodyPr wrap="square" rtlCol="0" anchor="t" anchorCtr="0">
+              <a:spAutoFit/>
+            </a:bodyPr>
+            <a:lstStyle/>
+            <a:p>
+              <a:r>
+                <a:rPr kumimoji="1" lang="en-US" altLang="zh-TW" sz="1000" b="1" dirty="0">
+                  <a:solidFill>
+                    <a:srgbClr val="00B050"/>
+                  </a:solidFill>
+                </a:rPr>
+                <a:t>public:</a:t>
+              </a:r>
+            </a:p>
+            <a:p>
+              <a:pPr marL="93663" indent="-93663">
+                <a:buFont typeface="Arial" panose="020B0604020202020204" pitchFamily="34" charset="0"/>
+                <a:buChar char="•"/>
+              </a:pPr>
+              <a:r>
+                <a:rPr kumimoji="1" lang="en-US" altLang="zh-TW" sz="1000" dirty="0">
+                  <a:solidFill>
+                    <a:schemeClr val="tx1"/>
+                  </a:solidFill>
+                </a:rPr>
+                <a:t>constructor / destructor</a:t>
+              </a:r>
+            </a:p>
+            <a:p>
+              <a:pPr marL="93663" indent="-93663">
+                <a:buFont typeface="Arial" panose="020B0604020202020204" pitchFamily="34" charset="0"/>
+                <a:buChar char="•"/>
+              </a:pPr>
+              <a:r>
+                <a:rPr kumimoji="1" lang="en-US" altLang="zh-TW" sz="1000" dirty="0" err="1">
+                  <a:solidFill>
+                    <a:schemeClr val="tx1"/>
+                  </a:solidFill>
+                </a:rPr>
+                <a:t>popObject</a:t>
+              </a:r>
+              <a:r>
+                <a:rPr kumimoji="1" lang="en-US" altLang="zh-TW" sz="1000" dirty="0">
+                  <a:solidFill>
+                    <a:schemeClr val="tx1"/>
+                  </a:solidFill>
+                </a:rPr>
+                <a:t>(): void</a:t>
+              </a:r>
+            </a:p>
+            <a:p>
+              <a:pPr marL="93663" indent="-93663">
+                <a:buFont typeface="Arial" panose="020B0604020202020204" pitchFamily="34" charset="0"/>
+                <a:buChar char="•"/>
+              </a:pPr>
+              <a:r>
+                <a:rPr kumimoji="1" lang="en-US" altLang="zh-TW" sz="1000" dirty="0">
+                  <a:solidFill>
+                    <a:schemeClr val="tx1"/>
+                  </a:solidFill>
+                </a:rPr>
+                <a:t>set() / get()</a:t>
+              </a:r>
+              <a:endParaRPr kumimoji="1" lang="zh-TW" altLang="en-US" sz="1000" dirty="0">
+                <a:solidFill>
+                  <a:schemeClr val="tx1"/>
+                </a:solidFill>
+              </a:endParaRPr>
+            </a:p>
+          </p:txBody>
+        </p:sp>
+      </p:grpSp>
+      <p:grpSp>
+        <p:nvGrpSpPr>
+          <p:cNvPr id="44" name="群組 43">
+            <a:extLst>
+              <a:ext uri="{FF2B5EF4-FFF2-40B4-BE49-F238E27FC236}">
+                <a16:creationId xmlns:a16="http://schemas.microsoft.com/office/drawing/2014/main" id="{2C081F4E-5605-5A4B-9295-AA5B239A2557}"/>
+              </a:ext>
+            </a:extLst>
+          </p:cNvPr>
+          <p:cNvGrpSpPr/>
+          <p:nvPr/>
+        </p:nvGrpSpPr>
+        <p:grpSpPr>
+          <a:xfrm>
+            <a:off x="0" y="4877705"/>
+            <a:ext cx="1904281" cy="4120032"/>
+            <a:chOff x="262218" y="363071"/>
+            <a:chExt cx="2171700" cy="4120032"/>
+          </a:xfrm>
+        </p:grpSpPr>
+        <p:sp>
+          <p:nvSpPr>
+            <p:cNvPr id="45" name="矩形 44">
+              <a:extLst>
+                <a:ext uri="{FF2B5EF4-FFF2-40B4-BE49-F238E27FC236}">
+                  <a16:creationId xmlns:a16="http://schemas.microsoft.com/office/drawing/2014/main" id="{018C4AA0-66A4-F743-B7E8-1659EF3C16F5}"/>
+                </a:ext>
+              </a:extLst>
+            </p:cNvPr>
+            <p:cNvSpPr/>
+            <p:nvPr/>
+          </p:nvSpPr>
+          <p:spPr>
+            <a:xfrm>
+              <a:off x="262218" y="363071"/>
+              <a:ext cx="2171118" cy="242047"/>
+            </a:xfrm>
+            <a:prstGeom prst="rect">
+              <a:avLst/>
+            </a:prstGeom>
+            <a:noFill/>
+            <a:ln>
+              <a:solidFill>
+                <a:srgbClr val="0070C0"/>
+              </a:solidFill>
+            </a:ln>
+          </p:spPr>
+          <p:style>
+            <a:lnRef idx="2">
+              <a:schemeClr val="accent1">
+                <a:shade val="50000"/>
+              </a:schemeClr>
+            </a:lnRef>
+            <a:fillRef idx="1">
+              <a:schemeClr val="accent1"/>
+            </a:fillRef>
+            <a:effectRef idx="0">
+              <a:schemeClr val="accent1"/>
+            </a:effectRef>
+            <a:fontRef idx="minor">
+              <a:schemeClr val="lt1"/>
+            </a:fontRef>
+          </p:style>
+          <p:txBody>
+            <a:bodyPr rtlCol="0" anchor="ctr"/>
+            <a:lstStyle/>
+            <a:p>
+              <a:pPr algn="ctr"/>
+              <a:r>
+                <a:rPr kumimoji="1" lang="en-US" altLang="zh-TW" sz="1000" b="1" dirty="0" err="1">
+                  <a:solidFill>
+                    <a:schemeClr val="tx1"/>
+                  </a:solidFill>
+                </a:rPr>
+                <a:t>Dungoen</a:t>
+              </a:r>
+              <a:endParaRPr kumimoji="1" lang="zh-TW" altLang="en-US" sz="1000" b="1" dirty="0">
+                <a:solidFill>
+                  <a:schemeClr val="tx1"/>
+                </a:solidFill>
+              </a:endParaRPr>
+            </a:p>
+          </p:txBody>
+        </p:sp>
+        <p:sp>
+          <p:nvSpPr>
+            <p:cNvPr id="46" name="矩形 45">
+              <a:extLst>
+                <a:ext uri="{FF2B5EF4-FFF2-40B4-BE49-F238E27FC236}">
+                  <a16:creationId xmlns:a16="http://schemas.microsoft.com/office/drawing/2014/main" id="{C13769FA-CFC9-C24A-8EC2-BD45432EDAC1}"/>
+                </a:ext>
+              </a:extLst>
+            </p:cNvPr>
+            <p:cNvSpPr/>
+            <p:nvPr/>
+          </p:nvSpPr>
+          <p:spPr>
+            <a:xfrm>
+              <a:off x="262800" y="605118"/>
+              <a:ext cx="2171118" cy="1631216"/>
+            </a:xfrm>
+            <a:prstGeom prst="rect">
+              <a:avLst/>
+            </a:prstGeom>
+            <a:noFill/>
+            <a:ln>
+              <a:solidFill>
+                <a:srgbClr val="0070C0"/>
+              </a:solidFill>
+            </a:ln>
+          </p:spPr>
+          <p:style>
+            <a:lnRef idx="2">
+              <a:schemeClr val="accent1">
+                <a:shade val="50000"/>
+              </a:schemeClr>
+            </a:lnRef>
+            <a:fillRef idx="1">
+              <a:schemeClr val="accent1"/>
+            </a:fillRef>
+            <a:effectRef idx="0">
+              <a:schemeClr val="accent1"/>
+            </a:effectRef>
+            <a:fontRef idx="minor">
+              <a:schemeClr val="lt1"/>
+            </a:fontRef>
+          </p:style>
+          <p:txBody>
+            <a:bodyPr wrap="square" rtlCol="0" anchor="t" anchorCtr="0">
+              <a:spAutoFit/>
+            </a:bodyPr>
+            <a:lstStyle/>
+            <a:p>
+              <a:r>
+                <a:rPr kumimoji="1" lang="en-US" altLang="zh-TW" sz="1000" b="1" dirty="0">
+                  <a:solidFill>
+                    <a:srgbClr val="00B050"/>
+                  </a:solidFill>
+                </a:rPr>
+                <a:t>private:</a:t>
+              </a:r>
+            </a:p>
+            <a:p>
+              <a:pPr marL="93663" indent="-93663">
+                <a:buFont typeface="Arial" panose="020B0604020202020204" pitchFamily="34" charset="0"/>
+                <a:buChar char="•"/>
+              </a:pPr>
+              <a:r>
+                <a:rPr kumimoji="1" lang="en-US" altLang="zh-TW" sz="1000" dirty="0">
+                  <a:solidFill>
+                    <a:schemeClr val="tx1"/>
+                  </a:solidFill>
+                </a:rPr>
+                <a:t>player: Player</a:t>
+              </a:r>
+            </a:p>
+            <a:p>
+              <a:pPr marL="93663" indent="-93663">
+                <a:buFont typeface="Arial" panose="020B0604020202020204" pitchFamily="34" charset="0"/>
+                <a:buChar char="•"/>
+              </a:pPr>
+              <a:r>
+                <a:rPr kumimoji="1" lang="en-US" altLang="zh-TW" sz="1000" dirty="0">
+                  <a:solidFill>
+                    <a:schemeClr val="tx1"/>
+                  </a:solidFill>
+                </a:rPr>
+                <a:t>rooms: vector&lt;Room*&gt;</a:t>
+              </a:r>
+            </a:p>
+            <a:p>
+              <a:pPr marL="93663" indent="-93663">
+                <a:buFont typeface="Arial" panose="020B0604020202020204" pitchFamily="34" charset="0"/>
+                <a:buChar char="•"/>
+              </a:pPr>
+              <a:r>
+                <a:rPr kumimoji="1" lang="en-US" altLang="zh-TW" sz="1000" dirty="0" err="1">
+                  <a:solidFill>
+                    <a:schemeClr val="tx1"/>
+                  </a:solidFill>
+                </a:rPr>
+                <a:t>map_row</a:t>
+              </a:r>
+              <a:r>
+                <a:rPr kumimoji="1" lang="en-US" altLang="zh-TW" sz="1000" dirty="0">
+                  <a:solidFill>
+                    <a:schemeClr val="tx1"/>
+                  </a:solidFill>
+                </a:rPr>
+                <a:t>: int</a:t>
+              </a:r>
+            </a:p>
+            <a:p>
+              <a:pPr marL="93663" indent="-93663">
+                <a:buFont typeface="Arial" panose="020B0604020202020204" pitchFamily="34" charset="0"/>
+                <a:buChar char="•"/>
+              </a:pPr>
+              <a:r>
+                <a:rPr kumimoji="1" lang="en-US" altLang="zh-TW" sz="1000" dirty="0" err="1">
+                  <a:solidFill>
+                    <a:schemeClr val="tx1"/>
+                  </a:solidFill>
+                </a:rPr>
+                <a:t>map_col</a:t>
+              </a:r>
+              <a:r>
+                <a:rPr kumimoji="1" lang="en-US" altLang="zh-TW" sz="1000" dirty="0">
+                  <a:solidFill>
+                    <a:schemeClr val="tx1"/>
+                  </a:solidFill>
+                </a:rPr>
+                <a:t>: int</a:t>
+              </a:r>
+            </a:p>
+            <a:p>
+              <a:pPr marL="93663" indent="-93663">
+                <a:buFont typeface="Arial" panose="020B0604020202020204" pitchFamily="34" charset="0"/>
+                <a:buChar char="•"/>
+              </a:pPr>
+              <a:r>
+                <a:rPr kumimoji="1" lang="en-US" altLang="zh-TW" sz="1000" dirty="0" err="1">
+                  <a:solidFill>
+                    <a:schemeClr val="tx1"/>
+                  </a:solidFill>
+                </a:rPr>
+                <a:t>maxMonsterNumber</a:t>
+              </a:r>
+              <a:r>
+                <a:rPr kumimoji="1" lang="en-US" altLang="zh-TW" sz="1000" dirty="0">
+                  <a:solidFill>
+                    <a:schemeClr val="tx1"/>
+                  </a:solidFill>
+                </a:rPr>
+                <a:t>: int</a:t>
+              </a:r>
+            </a:p>
+            <a:p>
+              <a:pPr marL="93663" indent="-93663">
+                <a:buFont typeface="Arial" panose="020B0604020202020204" pitchFamily="34" charset="0"/>
+                <a:buChar char="•"/>
+              </a:pPr>
+              <a:r>
+                <a:rPr kumimoji="1" lang="en-US" altLang="zh-TW" sz="1000" dirty="0" err="1">
+                  <a:solidFill>
+                    <a:schemeClr val="tx1"/>
+                  </a:solidFill>
+                </a:rPr>
+                <a:t>maxChestNumber</a:t>
+              </a:r>
+              <a:r>
+                <a:rPr kumimoji="1" lang="en-US" altLang="zh-TW" sz="1000" dirty="0">
+                  <a:solidFill>
+                    <a:schemeClr val="tx1"/>
+                  </a:solidFill>
+                </a:rPr>
+                <a:t>: int</a:t>
+              </a:r>
+            </a:p>
+            <a:p>
+              <a:pPr marL="93663" indent="-93663">
+                <a:buFont typeface="Arial" panose="020B0604020202020204" pitchFamily="34" charset="0"/>
+                <a:buChar char="•"/>
+              </a:pPr>
+              <a:r>
+                <a:rPr kumimoji="1" lang="en-US" altLang="zh-TW" sz="1000" dirty="0" err="1">
+                  <a:solidFill>
+                    <a:schemeClr val="tx1"/>
+                  </a:solidFill>
+                </a:rPr>
+                <a:t>currentMonsterNumber</a:t>
+              </a:r>
+              <a:r>
+                <a:rPr kumimoji="1" lang="en-US" altLang="zh-TW" sz="1000" dirty="0">
+                  <a:solidFill>
+                    <a:schemeClr val="tx1"/>
+                  </a:solidFill>
+                </a:rPr>
+                <a:t>: int</a:t>
+              </a:r>
+            </a:p>
+            <a:p>
+              <a:pPr marL="93663" indent="-93663">
+                <a:buFont typeface="Arial" panose="020B0604020202020204" pitchFamily="34" charset="0"/>
+                <a:buChar char="•"/>
+              </a:pPr>
+              <a:r>
+                <a:rPr kumimoji="1" lang="en-US" altLang="zh-TW" sz="1000" dirty="0" err="1">
+                  <a:solidFill>
+                    <a:schemeClr val="tx1"/>
+                  </a:solidFill>
+                </a:rPr>
+                <a:t>currentChestNumber</a:t>
+              </a:r>
+              <a:r>
+                <a:rPr kumimoji="1" lang="en-US" altLang="zh-TW" sz="1000" dirty="0">
+                  <a:solidFill>
+                    <a:schemeClr val="tx1"/>
+                  </a:solidFill>
+                </a:rPr>
+                <a:t>: int</a:t>
+              </a:r>
+            </a:p>
+            <a:p>
+              <a:pPr marL="93663" indent="-93663">
+                <a:buFont typeface="Arial" panose="020B0604020202020204" pitchFamily="34" charset="0"/>
+                <a:buChar char="•"/>
+              </a:pPr>
+              <a:r>
+                <a:rPr kumimoji="1" lang="en-US" altLang="zh-TW" sz="1000" dirty="0" err="1">
+                  <a:solidFill>
+                    <a:schemeClr val="tx1"/>
+                  </a:solidFill>
+                </a:rPr>
+                <a:t>boss_room</a:t>
+              </a:r>
+              <a:r>
+                <a:rPr kumimoji="1" lang="en-US" altLang="zh-TW" sz="1000" dirty="0">
+                  <a:solidFill>
+                    <a:schemeClr val="tx1"/>
+                  </a:solidFill>
+                </a:rPr>
+                <a:t>: Room*</a:t>
+              </a:r>
+              <a:endParaRPr kumimoji="1" lang="zh-TW" altLang="en-US" sz="1000" dirty="0">
+                <a:solidFill>
+                  <a:schemeClr val="tx1"/>
+                </a:solidFill>
+              </a:endParaRPr>
+            </a:p>
+          </p:txBody>
+        </p:sp>
+        <p:sp>
+          <p:nvSpPr>
+            <p:cNvPr id="47" name="矩形 46">
+              <a:extLst>
+                <a:ext uri="{FF2B5EF4-FFF2-40B4-BE49-F238E27FC236}">
+                  <a16:creationId xmlns:a16="http://schemas.microsoft.com/office/drawing/2014/main" id="{14EFF765-6A3C-0940-A600-106D8602766A}"/>
+                </a:ext>
+              </a:extLst>
+            </p:cNvPr>
+            <p:cNvSpPr/>
+            <p:nvPr/>
+          </p:nvSpPr>
+          <p:spPr>
+            <a:xfrm>
+              <a:off x="262218" y="2236334"/>
+              <a:ext cx="2171118" cy="2246769"/>
+            </a:xfrm>
+            <a:prstGeom prst="rect">
+              <a:avLst/>
+            </a:prstGeom>
+            <a:noFill/>
+            <a:ln>
+              <a:solidFill>
+                <a:srgbClr val="0070C0"/>
+              </a:solidFill>
+            </a:ln>
+          </p:spPr>
+          <p:style>
+            <a:lnRef idx="2">
+              <a:schemeClr val="accent1">
+                <a:shade val="50000"/>
+              </a:schemeClr>
+            </a:lnRef>
+            <a:fillRef idx="1">
+              <a:schemeClr val="accent1"/>
+            </a:fillRef>
+            <a:effectRef idx="0">
+              <a:schemeClr val="accent1"/>
+            </a:effectRef>
+            <a:fontRef idx="minor">
+              <a:schemeClr val="lt1"/>
+            </a:fontRef>
+          </p:style>
+          <p:txBody>
+            <a:bodyPr wrap="square" rtlCol="0" anchor="t" anchorCtr="0">
+              <a:spAutoFit/>
+            </a:bodyPr>
+            <a:lstStyle/>
+            <a:p>
+              <a:r>
+                <a:rPr kumimoji="1" lang="en-US" altLang="zh-TW" sz="1000" b="1" dirty="0">
+                  <a:solidFill>
+                    <a:srgbClr val="00B050"/>
+                  </a:solidFill>
+                </a:rPr>
+                <a:t>public:</a:t>
+              </a:r>
+            </a:p>
+            <a:p>
+              <a:pPr marL="93663" indent="-93663">
+                <a:buFont typeface="Arial" panose="020B0604020202020204" pitchFamily="34" charset="0"/>
+                <a:buChar char="•"/>
+              </a:pPr>
+              <a:r>
+                <a:rPr kumimoji="1" lang="en-US" altLang="zh-TW" sz="1000" dirty="0">
+                  <a:solidFill>
+                    <a:schemeClr val="tx1"/>
+                  </a:solidFill>
+                </a:rPr>
+                <a:t>constructor / destructor</a:t>
+              </a:r>
+            </a:p>
+            <a:p>
+              <a:pPr marL="93663" indent="-93663">
+                <a:buFont typeface="Arial" panose="020B0604020202020204" pitchFamily="34" charset="0"/>
+                <a:buChar char="•"/>
+              </a:pPr>
+              <a:r>
+                <a:rPr kumimoji="1" lang="en-US" altLang="zh-TW" sz="1000" dirty="0" err="1">
+                  <a:solidFill>
+                    <a:schemeClr val="tx1"/>
+                  </a:solidFill>
+                </a:rPr>
+                <a:t>getRandomRoomNumber</a:t>
+              </a:r>
+              <a:r>
+                <a:rPr kumimoji="1" lang="en-US" altLang="zh-TW" sz="1000" dirty="0">
+                  <a:solidFill>
+                    <a:schemeClr val="tx1"/>
+                  </a:solidFill>
+                </a:rPr>
+                <a:t>(): int</a:t>
+              </a:r>
+            </a:p>
+            <a:p>
+              <a:pPr marL="93663" indent="-93663">
+                <a:buFont typeface="Arial" panose="020B0604020202020204" pitchFamily="34" charset="0"/>
+                <a:buChar char="•"/>
+              </a:pPr>
+              <a:r>
+                <a:rPr kumimoji="1" lang="en-US" altLang="zh-TW" sz="1000" dirty="0" err="1">
+                  <a:solidFill>
+                    <a:schemeClr val="tx1"/>
+                  </a:solidFill>
+                </a:rPr>
+                <a:t>createPlayer</a:t>
+              </a:r>
+              <a:r>
+                <a:rPr kumimoji="1" lang="en-US" altLang="zh-TW" sz="1000" dirty="0">
+                  <a:solidFill>
+                    <a:schemeClr val="tx1"/>
+                  </a:solidFill>
+                </a:rPr>
+                <a:t>(): void</a:t>
+              </a:r>
+            </a:p>
+            <a:p>
+              <a:pPr marL="93663" indent="-93663">
+                <a:buFont typeface="Arial" panose="020B0604020202020204" pitchFamily="34" charset="0"/>
+                <a:buChar char="•"/>
+              </a:pPr>
+              <a:r>
+                <a:rPr kumimoji="1" lang="en-US" altLang="zh-TW" sz="1000" dirty="0" err="1">
+                  <a:solidFill>
+                    <a:schemeClr val="tx1"/>
+                  </a:solidFill>
+                </a:rPr>
+                <a:t>createMap</a:t>
+              </a:r>
+              <a:r>
+                <a:rPr kumimoji="1" lang="en-US" altLang="zh-TW" sz="1000" dirty="0">
+                  <a:solidFill>
+                    <a:schemeClr val="tx1"/>
+                  </a:solidFill>
+                </a:rPr>
+                <a:t>(): void</a:t>
+              </a:r>
+            </a:p>
+            <a:p>
+              <a:pPr marL="93663" indent="-93663">
+                <a:buFont typeface="Arial" panose="020B0604020202020204" pitchFamily="34" charset="0"/>
+                <a:buChar char="•"/>
+              </a:pPr>
+              <a:r>
+                <a:rPr kumimoji="1" lang="en-US" altLang="zh-TW" sz="1000" dirty="0" err="1">
+                  <a:solidFill>
+                    <a:schemeClr val="tx1"/>
+                  </a:solidFill>
+                </a:rPr>
+                <a:t>createNPC</a:t>
+              </a:r>
+              <a:r>
+                <a:rPr kumimoji="1" lang="en-US" altLang="zh-TW" sz="1000" dirty="0">
+                  <a:solidFill>
+                    <a:schemeClr val="tx1"/>
+                  </a:solidFill>
+                </a:rPr>
+                <a:t>(): void</a:t>
+              </a:r>
+            </a:p>
+            <a:p>
+              <a:pPr marL="93663" indent="-93663">
+                <a:buFont typeface="Arial" panose="020B0604020202020204" pitchFamily="34" charset="0"/>
+                <a:buChar char="•"/>
+              </a:pPr>
+              <a:r>
+                <a:rPr kumimoji="1" lang="en-US" altLang="zh-TW" sz="1000" dirty="0" err="1">
+                  <a:solidFill>
+                    <a:schemeClr val="tx1"/>
+                  </a:solidFill>
+                </a:rPr>
+                <a:t>createMonster</a:t>
+              </a:r>
+              <a:r>
+                <a:rPr kumimoji="1" lang="en-US" altLang="zh-TW" sz="1000" dirty="0">
+                  <a:solidFill>
+                    <a:schemeClr val="tx1"/>
+                  </a:solidFill>
+                </a:rPr>
+                <a:t>(): void</a:t>
+              </a:r>
+            </a:p>
+            <a:p>
+              <a:pPr marL="93663" indent="-93663">
+                <a:buFont typeface="Arial" panose="020B0604020202020204" pitchFamily="34" charset="0"/>
+                <a:buChar char="•"/>
+              </a:pPr>
+              <a:r>
+                <a:rPr kumimoji="1" lang="en-US" altLang="zh-TW" sz="1000" dirty="0" err="1">
+                  <a:solidFill>
+                    <a:schemeClr val="tx1"/>
+                  </a:solidFill>
+                </a:rPr>
+                <a:t>createChest</a:t>
+              </a:r>
+              <a:r>
+                <a:rPr kumimoji="1" lang="en-US" altLang="zh-TW" sz="1000" dirty="0">
+                  <a:solidFill>
+                    <a:schemeClr val="tx1"/>
+                  </a:solidFill>
+                </a:rPr>
+                <a:t>(int): void</a:t>
+              </a:r>
+            </a:p>
+            <a:p>
+              <a:pPr marL="93663" indent="-93663">
+                <a:buFont typeface="Arial" panose="020B0604020202020204" pitchFamily="34" charset="0"/>
+                <a:buChar char="•"/>
+              </a:pPr>
+              <a:r>
+                <a:rPr kumimoji="1" lang="en-US" altLang="zh-TW" sz="1000" dirty="0" err="1">
+                  <a:solidFill>
+                    <a:schemeClr val="tx1"/>
+                  </a:solidFill>
+                </a:rPr>
+                <a:t>handleMovement</a:t>
+              </a:r>
+              <a:r>
+                <a:rPr kumimoji="1" lang="en-US" altLang="zh-TW" sz="1000" dirty="0">
+                  <a:solidFill>
+                    <a:schemeClr val="tx1"/>
+                  </a:solidFill>
+                </a:rPr>
+                <a:t>(): void</a:t>
+              </a:r>
+            </a:p>
+            <a:p>
+              <a:pPr marL="93663" indent="-93663">
+                <a:buFont typeface="Arial" panose="020B0604020202020204" pitchFamily="34" charset="0"/>
+                <a:buChar char="•"/>
+              </a:pPr>
+              <a:r>
+                <a:rPr kumimoji="1" lang="en-US" altLang="zh-TW" sz="1000" dirty="0" err="1">
+                  <a:solidFill>
+                    <a:schemeClr val="tx1"/>
+                  </a:solidFill>
+                </a:rPr>
+                <a:t>showMap</a:t>
+              </a:r>
+              <a:r>
+                <a:rPr kumimoji="1" lang="en-US" altLang="zh-TW" sz="1000" dirty="0">
+                  <a:solidFill>
+                    <a:schemeClr val="tx1"/>
+                  </a:solidFill>
+                </a:rPr>
+                <a:t>(): void</a:t>
+              </a:r>
+            </a:p>
+            <a:p>
+              <a:pPr marL="93663" indent="-93663">
+                <a:buFont typeface="Arial" panose="020B0604020202020204" pitchFamily="34" charset="0"/>
+                <a:buChar char="•"/>
+              </a:pPr>
+              <a:r>
+                <a:rPr kumimoji="1" lang="en-US" altLang="zh-TW" sz="1000" dirty="0" err="1">
+                  <a:solidFill>
+                    <a:schemeClr val="tx1"/>
+                  </a:solidFill>
+                </a:rPr>
+                <a:t>startGame</a:t>
+              </a:r>
+              <a:r>
+                <a:rPr kumimoji="1" lang="en-US" altLang="zh-TW" sz="1000" dirty="0">
+                  <a:solidFill>
+                    <a:schemeClr val="tx1"/>
+                  </a:solidFill>
+                </a:rPr>
+                <a:t>(): void</a:t>
+              </a:r>
+            </a:p>
+            <a:p>
+              <a:pPr marL="93663" indent="-93663">
+                <a:buFont typeface="Arial" panose="020B0604020202020204" pitchFamily="34" charset="0"/>
+                <a:buChar char="•"/>
+              </a:pPr>
+              <a:r>
+                <a:rPr kumimoji="1" lang="en-US" altLang="zh-TW" sz="1000" dirty="0" err="1">
+                  <a:solidFill>
+                    <a:schemeClr val="tx1"/>
+                  </a:solidFill>
+                </a:rPr>
+                <a:t>chooseAction</a:t>
+              </a:r>
+              <a:r>
+                <a:rPr kumimoji="1" lang="en-US" altLang="zh-TW" sz="1000" dirty="0">
+                  <a:solidFill>
+                    <a:schemeClr val="tx1"/>
+                  </a:solidFill>
+                </a:rPr>
+                <a:t>(): void</a:t>
+              </a:r>
+            </a:p>
+            <a:p>
+              <a:pPr marL="93663" indent="-93663">
+                <a:buFont typeface="Arial" panose="020B0604020202020204" pitchFamily="34" charset="0"/>
+                <a:buChar char="•"/>
+              </a:pPr>
+              <a:r>
+                <a:rPr kumimoji="1" lang="en-US" altLang="zh-TW" sz="1000" dirty="0" err="1">
+                  <a:solidFill>
+                    <a:schemeClr val="tx1"/>
+                  </a:solidFill>
+                </a:rPr>
+                <a:t>checkGameLogic</a:t>
+              </a:r>
+              <a:r>
+                <a:rPr kumimoji="1" lang="en-US" altLang="zh-TW" sz="1000" dirty="0">
+                  <a:solidFill>
+                    <a:schemeClr val="tx1"/>
+                  </a:solidFill>
+                </a:rPr>
+                <a:t>(): bool</a:t>
+              </a:r>
+            </a:p>
+            <a:p>
+              <a:pPr marL="93663" indent="-93663">
+                <a:buFont typeface="Arial" panose="020B0604020202020204" pitchFamily="34" charset="0"/>
+                <a:buChar char="•"/>
+              </a:pPr>
+              <a:r>
+                <a:rPr kumimoji="1" lang="en-US" altLang="zh-TW" sz="1000" dirty="0" err="1">
+                  <a:solidFill>
+                    <a:schemeClr val="tx1"/>
+                  </a:solidFill>
+                </a:rPr>
+                <a:t>runDungeon</a:t>
+              </a:r>
+              <a:r>
+                <a:rPr kumimoji="1" lang="en-US" altLang="zh-TW" sz="1000" dirty="0">
+                  <a:solidFill>
+                    <a:schemeClr val="tx1"/>
+                  </a:solidFill>
+                </a:rPr>
+                <a:t>(): void</a:t>
+              </a:r>
+              <a:endParaRPr kumimoji="1" lang="zh-TW" altLang="en-US" sz="1000" dirty="0">
+                <a:solidFill>
+                  <a:schemeClr val="tx1"/>
+                </a:solidFill>
+              </a:endParaRPr>
+            </a:p>
+          </p:txBody>
+        </p:sp>
+      </p:grpSp>
+      <p:grpSp>
+        <p:nvGrpSpPr>
+          <p:cNvPr id="48" name="群組 47">
+            <a:extLst>
+              <a:ext uri="{FF2B5EF4-FFF2-40B4-BE49-F238E27FC236}">
+                <a16:creationId xmlns:a16="http://schemas.microsoft.com/office/drawing/2014/main" id="{DD28B036-73DC-7B41-B641-FD01A2B53699}"/>
+              </a:ext>
+            </a:extLst>
+          </p:cNvPr>
+          <p:cNvGrpSpPr/>
+          <p:nvPr/>
+        </p:nvGrpSpPr>
+        <p:grpSpPr>
+          <a:xfrm>
+            <a:off x="3363336" y="5954923"/>
+            <a:ext cx="3405980" cy="3042814"/>
+            <a:chOff x="262218" y="363071"/>
+            <a:chExt cx="2171700" cy="3042814"/>
+          </a:xfrm>
+        </p:grpSpPr>
+        <p:sp>
+          <p:nvSpPr>
+            <p:cNvPr id="49" name="矩形 48">
+              <a:extLst>
+                <a:ext uri="{FF2B5EF4-FFF2-40B4-BE49-F238E27FC236}">
+                  <a16:creationId xmlns:a16="http://schemas.microsoft.com/office/drawing/2014/main" id="{CDC3151C-AD3C-5B44-A814-1B8203CEA60B}"/>
+                </a:ext>
+              </a:extLst>
+            </p:cNvPr>
+            <p:cNvSpPr/>
+            <p:nvPr/>
+          </p:nvSpPr>
+          <p:spPr>
+            <a:xfrm>
+              <a:off x="262218" y="363071"/>
+              <a:ext cx="2171118" cy="242047"/>
+            </a:xfrm>
+            <a:prstGeom prst="rect">
+              <a:avLst/>
+            </a:prstGeom>
+            <a:noFill/>
+            <a:ln>
+              <a:solidFill>
+                <a:srgbClr val="0070C0"/>
+              </a:solidFill>
+            </a:ln>
+          </p:spPr>
+          <p:style>
+            <a:lnRef idx="2">
+              <a:schemeClr val="accent1">
+                <a:shade val="50000"/>
+              </a:schemeClr>
+            </a:lnRef>
+            <a:fillRef idx="1">
+              <a:schemeClr val="accent1"/>
+            </a:fillRef>
+            <a:effectRef idx="0">
+              <a:schemeClr val="accent1"/>
+            </a:effectRef>
+            <a:fontRef idx="minor">
+              <a:schemeClr val="lt1"/>
+            </a:fontRef>
+          </p:style>
+          <p:txBody>
+            <a:bodyPr rtlCol="0" anchor="ctr"/>
+            <a:lstStyle/>
+            <a:p>
+              <a:pPr algn="ctr"/>
+              <a:r>
+                <a:rPr kumimoji="1" lang="en-US" altLang="zh-TW" sz="1000" b="1" dirty="0">
+                  <a:solidFill>
+                    <a:schemeClr val="tx1"/>
+                  </a:solidFill>
+                </a:rPr>
+                <a:t>Record</a:t>
+              </a:r>
+              <a:endParaRPr kumimoji="1" lang="zh-TW" altLang="en-US" sz="1000" b="1" dirty="0">
+                <a:solidFill>
+                  <a:schemeClr val="tx1"/>
+                </a:solidFill>
+              </a:endParaRPr>
+            </a:p>
+          </p:txBody>
+        </p:sp>
+        <p:sp>
+          <p:nvSpPr>
+            <p:cNvPr id="50" name="矩形 49">
+              <a:extLst>
+                <a:ext uri="{FF2B5EF4-FFF2-40B4-BE49-F238E27FC236}">
+                  <a16:creationId xmlns:a16="http://schemas.microsoft.com/office/drawing/2014/main" id="{81FF1C9D-5A68-6B4E-A6D5-A58A30A1BB40}"/>
+                </a:ext>
+              </a:extLst>
+            </p:cNvPr>
+            <p:cNvSpPr/>
+            <p:nvPr/>
+          </p:nvSpPr>
+          <p:spPr>
+            <a:xfrm>
+              <a:off x="262800" y="605118"/>
+              <a:ext cx="2171118" cy="2092881"/>
+            </a:xfrm>
+            <a:prstGeom prst="rect">
+              <a:avLst/>
+            </a:prstGeom>
+            <a:noFill/>
+            <a:ln>
+              <a:solidFill>
+                <a:srgbClr val="0070C0"/>
+              </a:solidFill>
+            </a:ln>
+          </p:spPr>
+          <p:style>
+            <a:lnRef idx="2">
+              <a:schemeClr val="accent1">
+                <a:shade val="50000"/>
+              </a:schemeClr>
+            </a:lnRef>
+            <a:fillRef idx="1">
+              <a:schemeClr val="accent1"/>
+            </a:fillRef>
+            <a:effectRef idx="0">
+              <a:schemeClr val="accent1"/>
+            </a:effectRef>
+            <a:fontRef idx="minor">
+              <a:schemeClr val="lt1"/>
+            </a:fontRef>
+          </p:style>
+          <p:txBody>
+            <a:bodyPr wrap="square" rtlCol="0" anchor="t" anchorCtr="0">
+              <a:spAutoFit/>
+            </a:bodyPr>
+            <a:lstStyle/>
+            <a:p>
+              <a:r>
+                <a:rPr kumimoji="1" lang="en-US" altLang="zh-TW" sz="1000" b="1" dirty="0">
+                  <a:solidFill>
+                    <a:srgbClr val="00B050"/>
+                  </a:solidFill>
+                </a:rPr>
+                <a:t>private:</a:t>
+              </a:r>
+            </a:p>
+            <a:p>
+              <a:pPr marL="93663" indent="-93663">
+                <a:buFont typeface="Arial" panose="020B0604020202020204" pitchFamily="34" charset="0"/>
+                <a:buChar char="•"/>
+              </a:pPr>
+              <a:r>
+                <a:rPr kumimoji="1" lang="en-US" altLang="zh-TW" sz="1000" dirty="0" err="1">
+                  <a:solidFill>
+                    <a:schemeClr val="tx1"/>
+                  </a:solidFill>
+                </a:rPr>
+                <a:t>saveDungeon</a:t>
+              </a:r>
+              <a:r>
+                <a:rPr kumimoji="1" lang="en-US" altLang="zh-TW" sz="1000" dirty="0">
+                  <a:solidFill>
+                    <a:schemeClr val="tx1"/>
+                  </a:solidFill>
+                </a:rPr>
+                <a:t>(Dungeon*, </a:t>
+              </a:r>
+              <a:r>
+                <a:rPr kumimoji="1" lang="en-US" altLang="zh-TW" sz="1000" dirty="0" err="1">
+                  <a:solidFill>
+                    <a:schemeClr val="tx1"/>
+                  </a:solidFill>
+                </a:rPr>
+                <a:t>ofstream</a:t>
+              </a:r>
+              <a:r>
+                <a:rPr kumimoji="1" lang="en-US" altLang="zh-TW" sz="1000" dirty="0">
+                  <a:solidFill>
+                    <a:schemeClr val="tx1"/>
+                  </a:solidFill>
+                </a:rPr>
+                <a:t>&amp;): void</a:t>
+              </a:r>
+            </a:p>
+            <a:p>
+              <a:pPr marL="93663" indent="-93663">
+                <a:buFont typeface="Arial" panose="020B0604020202020204" pitchFamily="34" charset="0"/>
+                <a:buChar char="•"/>
+              </a:pPr>
+              <a:r>
+                <a:rPr kumimoji="1" lang="en" altLang="zh-TW" sz="1000" dirty="0" err="1">
+                  <a:solidFill>
+                    <a:schemeClr val="tx1"/>
+                  </a:solidFill>
+                </a:rPr>
+                <a:t>savePlayer</a:t>
+              </a:r>
+              <a:r>
+                <a:rPr kumimoji="1" lang="en" altLang="zh-TW" sz="1000" dirty="0">
+                  <a:solidFill>
+                    <a:schemeClr val="tx1"/>
+                  </a:solidFill>
+                </a:rPr>
+                <a:t>(Player&amp;, </a:t>
+              </a:r>
+              <a:r>
+                <a:rPr kumimoji="1" lang="en" altLang="zh-TW" sz="1000" dirty="0" err="1">
+                  <a:solidFill>
+                    <a:schemeClr val="tx1"/>
+                  </a:solidFill>
+                </a:rPr>
+                <a:t>ofstream</a:t>
+              </a:r>
+              <a:r>
+                <a:rPr kumimoji="1" lang="en" altLang="zh-TW" sz="1000" dirty="0">
+                  <a:solidFill>
+                    <a:schemeClr val="tx1"/>
+                  </a:solidFill>
+                </a:rPr>
+                <a:t>&amp;): void</a:t>
+              </a:r>
+            </a:p>
+            <a:p>
+              <a:pPr marL="93663" indent="-93663">
+                <a:buFont typeface="Arial" panose="020B0604020202020204" pitchFamily="34" charset="0"/>
+                <a:buChar char="•"/>
+              </a:pPr>
+              <a:r>
+                <a:rPr kumimoji="1" lang="en" altLang="zh-TW" sz="1000" dirty="0" err="1">
+                  <a:solidFill>
+                    <a:schemeClr val="tx1"/>
+                  </a:solidFill>
+                </a:rPr>
+                <a:t>saveRooms</a:t>
+              </a:r>
+              <a:r>
+                <a:rPr kumimoji="1" lang="en" altLang="zh-TW" sz="1000" dirty="0">
+                  <a:solidFill>
+                    <a:schemeClr val="tx1"/>
+                  </a:solidFill>
+                </a:rPr>
+                <a:t>(vector&lt;Room*&gt;&amp;, </a:t>
+              </a:r>
+              <a:r>
+                <a:rPr kumimoji="1" lang="en" altLang="zh-TW" sz="1000" dirty="0" err="1">
+                  <a:solidFill>
+                    <a:schemeClr val="tx1"/>
+                  </a:solidFill>
+                </a:rPr>
+                <a:t>ofstream</a:t>
+              </a:r>
+              <a:r>
+                <a:rPr kumimoji="1" lang="en" altLang="zh-TW" sz="1000" dirty="0">
+                  <a:solidFill>
+                    <a:schemeClr val="tx1"/>
+                  </a:solidFill>
+                </a:rPr>
+                <a:t>&amp;): void</a:t>
+              </a:r>
+            </a:p>
+            <a:p>
+              <a:pPr marL="93663" indent="-93663">
+                <a:buFont typeface="Arial" panose="020B0604020202020204" pitchFamily="34" charset="0"/>
+                <a:buChar char="•"/>
+              </a:pPr>
+              <a:r>
+                <a:rPr kumimoji="1" lang="en" altLang="zh-TW" sz="1000" dirty="0" err="1">
+                  <a:solidFill>
+                    <a:schemeClr val="tx1"/>
+                  </a:solidFill>
+                </a:rPr>
+                <a:t>saveMonster</a:t>
+              </a:r>
+              <a:r>
+                <a:rPr kumimoji="1" lang="en" altLang="zh-TW" sz="1000" dirty="0">
+                  <a:solidFill>
+                    <a:schemeClr val="tx1"/>
+                  </a:solidFill>
+                </a:rPr>
+                <a:t>(Monster*, </a:t>
+              </a:r>
+              <a:r>
+                <a:rPr kumimoji="1" lang="en" altLang="zh-TW" sz="1000" dirty="0" err="1">
+                  <a:solidFill>
+                    <a:schemeClr val="tx1"/>
+                  </a:solidFill>
+                </a:rPr>
+                <a:t>ofstream</a:t>
+              </a:r>
+              <a:r>
+                <a:rPr kumimoji="1" lang="en" altLang="zh-TW" sz="1000" dirty="0">
+                  <a:solidFill>
+                    <a:schemeClr val="tx1"/>
+                  </a:solidFill>
+                </a:rPr>
+                <a:t>&amp;): void</a:t>
+              </a:r>
+            </a:p>
+            <a:p>
+              <a:pPr marL="93663" indent="-93663">
+                <a:buFont typeface="Arial" panose="020B0604020202020204" pitchFamily="34" charset="0"/>
+                <a:buChar char="•"/>
+              </a:pPr>
+              <a:r>
+                <a:rPr kumimoji="1" lang="en" altLang="zh-TW" sz="1000" dirty="0" err="1">
+                  <a:solidFill>
+                    <a:schemeClr val="tx1"/>
+                  </a:solidFill>
+                </a:rPr>
+                <a:t>saveItem</a:t>
+              </a:r>
+              <a:r>
+                <a:rPr kumimoji="1" lang="en" altLang="zh-TW" sz="1000" dirty="0">
+                  <a:solidFill>
+                    <a:schemeClr val="tx1"/>
+                  </a:solidFill>
+                </a:rPr>
+                <a:t>(Item*, </a:t>
+              </a:r>
+              <a:r>
+                <a:rPr kumimoji="1" lang="en" altLang="zh-TW" sz="1000" dirty="0" err="1">
+                  <a:solidFill>
+                    <a:schemeClr val="tx1"/>
+                  </a:solidFill>
+                </a:rPr>
+                <a:t>ofstream</a:t>
+              </a:r>
+              <a:r>
+                <a:rPr kumimoji="1" lang="en" altLang="zh-TW" sz="1000" dirty="0">
+                  <a:solidFill>
+                    <a:schemeClr val="tx1"/>
+                  </a:solidFill>
+                </a:rPr>
+                <a:t>&amp;): void</a:t>
+              </a:r>
+            </a:p>
+            <a:p>
+              <a:pPr marL="93663" indent="-93663">
+                <a:buFont typeface="Arial" panose="020B0604020202020204" pitchFamily="34" charset="0"/>
+                <a:buChar char="•"/>
+              </a:pPr>
+              <a:r>
+                <a:rPr kumimoji="1" lang="en" altLang="zh-TW" sz="1000" dirty="0" err="1">
+                  <a:solidFill>
+                    <a:schemeClr val="tx1"/>
+                  </a:solidFill>
+                </a:rPr>
+                <a:t>saveNPC</a:t>
+              </a:r>
+              <a:r>
+                <a:rPr kumimoji="1" lang="en" altLang="zh-TW" sz="1000" dirty="0">
+                  <a:solidFill>
+                    <a:schemeClr val="tx1"/>
+                  </a:solidFill>
+                </a:rPr>
+                <a:t>(NPC*, </a:t>
+              </a:r>
+              <a:r>
+                <a:rPr kumimoji="1" lang="en" altLang="zh-TW" sz="1000" dirty="0" err="1">
+                  <a:solidFill>
+                    <a:schemeClr val="tx1"/>
+                  </a:solidFill>
+                </a:rPr>
+                <a:t>ofstream</a:t>
+              </a:r>
+              <a:r>
+                <a:rPr kumimoji="1" lang="en" altLang="zh-TW" sz="1000" dirty="0">
+                  <a:solidFill>
+                    <a:schemeClr val="tx1"/>
+                  </a:solidFill>
+                </a:rPr>
+                <a:t>&amp;): void</a:t>
+              </a:r>
+            </a:p>
+            <a:p>
+              <a:pPr marL="93663" indent="-93663">
+                <a:buFont typeface="Arial" panose="020B0604020202020204" pitchFamily="34" charset="0"/>
+                <a:buChar char="•"/>
+              </a:pPr>
+              <a:r>
+                <a:rPr kumimoji="1" lang="en" altLang="zh-TW" sz="1000" dirty="0" err="1">
+                  <a:solidFill>
+                    <a:schemeClr val="tx1"/>
+                  </a:solidFill>
+                </a:rPr>
+                <a:t>loadDungoen</a:t>
+              </a:r>
+              <a:r>
+                <a:rPr kumimoji="1" lang="en" altLang="zh-TW" sz="1000" dirty="0">
+                  <a:solidFill>
+                    <a:schemeClr val="tx1"/>
+                  </a:solidFill>
+                </a:rPr>
+                <a:t>(Dungeon*, vector&lt;Room*&gt;&amp;, </a:t>
+              </a:r>
+              <a:r>
+                <a:rPr kumimoji="1" lang="en" altLang="zh-TW" sz="1000" dirty="0" err="1">
+                  <a:solidFill>
+                    <a:schemeClr val="tx1"/>
+                  </a:solidFill>
+                </a:rPr>
+                <a:t>ifstream</a:t>
+              </a:r>
+              <a:r>
+                <a:rPr kumimoji="1" lang="en" altLang="zh-TW" sz="1000" dirty="0">
+                  <a:solidFill>
+                    <a:schemeClr val="tx1"/>
+                  </a:solidFill>
+                </a:rPr>
+                <a:t>&amp;): void</a:t>
+              </a:r>
+            </a:p>
+            <a:p>
+              <a:pPr marL="93663" indent="-93663">
+                <a:buFont typeface="Arial" panose="020B0604020202020204" pitchFamily="34" charset="0"/>
+                <a:buChar char="•"/>
+              </a:pPr>
+              <a:r>
+                <a:rPr kumimoji="1" lang="en" altLang="zh-TW" sz="1000" dirty="0" err="1">
+                  <a:solidFill>
+                    <a:schemeClr val="tx1"/>
+                  </a:solidFill>
+                </a:rPr>
+                <a:t>loadPlayer</a:t>
+              </a:r>
+              <a:r>
+                <a:rPr kumimoji="1" lang="en" altLang="zh-TW" sz="1000" dirty="0">
+                  <a:solidFill>
+                    <a:schemeClr val="tx1"/>
+                  </a:solidFill>
+                </a:rPr>
+                <a:t>(Player&amp;, vector&lt;Room*&gt;&amp;, </a:t>
+              </a:r>
+              <a:r>
+                <a:rPr kumimoji="1" lang="en" altLang="zh-TW" sz="1000" dirty="0" err="1">
+                  <a:solidFill>
+                    <a:schemeClr val="tx1"/>
+                  </a:solidFill>
+                </a:rPr>
+                <a:t>ifstream</a:t>
+              </a:r>
+              <a:r>
+                <a:rPr kumimoji="1" lang="en" altLang="zh-TW" sz="1000" dirty="0">
+                  <a:solidFill>
+                    <a:schemeClr val="tx1"/>
+                  </a:solidFill>
+                </a:rPr>
+                <a:t>&amp;): void</a:t>
+              </a:r>
+            </a:p>
+            <a:p>
+              <a:pPr marL="93663" indent="-93663">
+                <a:buFont typeface="Arial" panose="020B0604020202020204" pitchFamily="34" charset="0"/>
+                <a:buChar char="•"/>
+              </a:pPr>
+              <a:r>
+                <a:rPr kumimoji="1" lang="en" altLang="zh-TW" sz="1000" dirty="0" err="1">
+                  <a:solidFill>
+                    <a:schemeClr val="tx1"/>
+                  </a:solidFill>
+                </a:rPr>
+                <a:t>loadRooms</a:t>
+              </a:r>
+              <a:r>
+                <a:rPr kumimoji="1" lang="en" altLang="zh-TW" sz="1000" dirty="0">
+                  <a:solidFill>
+                    <a:schemeClr val="tx1"/>
+                  </a:solidFill>
+                </a:rPr>
+                <a:t>(vector&lt;Room*&gt;&amp;, </a:t>
+              </a:r>
+              <a:r>
+                <a:rPr kumimoji="1" lang="en" altLang="zh-TW" sz="1000" dirty="0" err="1">
+                  <a:solidFill>
+                    <a:schemeClr val="tx1"/>
+                  </a:solidFill>
+                </a:rPr>
+                <a:t>ifstream</a:t>
+              </a:r>
+              <a:r>
+                <a:rPr kumimoji="1" lang="en" altLang="zh-TW" sz="1000" dirty="0">
+                  <a:solidFill>
+                    <a:schemeClr val="tx1"/>
+                  </a:solidFill>
+                </a:rPr>
+                <a:t>&amp;): void</a:t>
+              </a:r>
+            </a:p>
+            <a:p>
+              <a:pPr marL="93663" indent="-93663">
+                <a:buFont typeface="Arial" panose="020B0604020202020204" pitchFamily="34" charset="0"/>
+                <a:buChar char="•"/>
+              </a:pPr>
+              <a:r>
+                <a:rPr kumimoji="1" lang="en" altLang="zh-TW" sz="1000" dirty="0" err="1">
+                  <a:solidFill>
+                    <a:schemeClr val="tx1"/>
+                  </a:solidFill>
+                </a:rPr>
+                <a:t>loadMonster</a:t>
+              </a:r>
+              <a:r>
+                <a:rPr kumimoji="1" lang="en" altLang="zh-TW" sz="1000" dirty="0">
+                  <a:solidFill>
+                    <a:schemeClr val="tx1"/>
+                  </a:solidFill>
+                </a:rPr>
+                <a:t>(</a:t>
+              </a:r>
+              <a:r>
+                <a:rPr kumimoji="1" lang="en" altLang="zh-TW" sz="1000" dirty="0" err="1">
+                  <a:solidFill>
+                    <a:schemeClr val="tx1"/>
+                  </a:solidFill>
+                </a:rPr>
+                <a:t>stringstream</a:t>
+              </a:r>
+              <a:r>
+                <a:rPr kumimoji="1" lang="en" altLang="zh-TW" sz="1000" dirty="0">
+                  <a:solidFill>
+                    <a:schemeClr val="tx1"/>
+                  </a:solidFill>
+                </a:rPr>
+                <a:t>&amp;, </a:t>
+              </a:r>
+              <a:r>
+                <a:rPr kumimoji="1" lang="en" altLang="zh-TW" sz="1000" dirty="0" err="1">
+                  <a:solidFill>
+                    <a:schemeClr val="tx1"/>
+                  </a:solidFill>
+                </a:rPr>
+                <a:t>ifstream</a:t>
+              </a:r>
+              <a:r>
+                <a:rPr kumimoji="1" lang="en" altLang="zh-TW" sz="1000" dirty="0">
+                  <a:solidFill>
+                    <a:schemeClr val="tx1"/>
+                  </a:solidFill>
+                </a:rPr>
+                <a:t>&amp;):  Monster*</a:t>
+              </a:r>
+            </a:p>
+            <a:p>
+              <a:pPr marL="93663" indent="-93663">
+                <a:buFont typeface="Arial" panose="020B0604020202020204" pitchFamily="34" charset="0"/>
+                <a:buChar char="•"/>
+              </a:pPr>
+              <a:r>
+                <a:rPr kumimoji="1" lang="en" altLang="zh-TW" sz="1000" dirty="0" err="1">
+                  <a:solidFill>
+                    <a:schemeClr val="tx1"/>
+                  </a:solidFill>
+                </a:rPr>
+                <a:t>loadItem</a:t>
+              </a:r>
+              <a:r>
+                <a:rPr kumimoji="1" lang="en" altLang="zh-TW" sz="1000" dirty="0">
+                  <a:solidFill>
+                    <a:schemeClr val="tx1"/>
+                  </a:solidFill>
+                </a:rPr>
+                <a:t>(</a:t>
+              </a:r>
+              <a:r>
+                <a:rPr kumimoji="1" lang="en" altLang="zh-TW" sz="1000" dirty="0" err="1">
+                  <a:solidFill>
+                    <a:schemeClr val="tx1"/>
+                  </a:solidFill>
+                </a:rPr>
+                <a:t>stringstream</a:t>
+              </a:r>
+              <a:r>
+                <a:rPr kumimoji="1" lang="en" altLang="zh-TW" sz="1000" dirty="0">
+                  <a:solidFill>
+                    <a:schemeClr val="tx1"/>
+                  </a:solidFill>
+                </a:rPr>
+                <a:t>&amp;, </a:t>
+              </a:r>
+              <a:r>
+                <a:rPr kumimoji="1" lang="en" altLang="zh-TW" sz="1000" dirty="0" err="1">
+                  <a:solidFill>
+                    <a:schemeClr val="tx1"/>
+                  </a:solidFill>
+                </a:rPr>
+                <a:t>ifstream</a:t>
+              </a:r>
+              <a:r>
+                <a:rPr kumimoji="1" lang="en" altLang="zh-TW" sz="1000" dirty="0">
+                  <a:solidFill>
+                    <a:schemeClr val="tx1"/>
+                  </a:solidFill>
+                </a:rPr>
+                <a:t>&amp;): Item*</a:t>
+              </a:r>
+            </a:p>
+            <a:p>
+              <a:pPr marL="93663" indent="-93663">
+                <a:buFont typeface="Arial" panose="020B0604020202020204" pitchFamily="34" charset="0"/>
+                <a:buChar char="•"/>
+              </a:pPr>
+              <a:r>
+                <a:rPr kumimoji="1" lang="en" altLang="zh-TW" sz="1000" dirty="0" err="1">
+                  <a:solidFill>
+                    <a:schemeClr val="tx1"/>
+                  </a:solidFill>
+                </a:rPr>
+                <a:t>loadNPC</a:t>
+              </a:r>
+              <a:r>
+                <a:rPr kumimoji="1" lang="en" altLang="zh-TW" sz="1000" dirty="0">
+                  <a:solidFill>
+                    <a:schemeClr val="tx1"/>
+                  </a:solidFill>
+                </a:rPr>
+                <a:t>(</a:t>
+              </a:r>
+              <a:r>
+                <a:rPr kumimoji="1" lang="en" altLang="zh-TW" sz="1000" dirty="0" err="1">
+                  <a:solidFill>
+                    <a:schemeClr val="tx1"/>
+                  </a:solidFill>
+                </a:rPr>
+                <a:t>stringstream</a:t>
+              </a:r>
+              <a:r>
+                <a:rPr kumimoji="1" lang="en" altLang="zh-TW" sz="1000" dirty="0">
+                  <a:solidFill>
+                    <a:schemeClr val="tx1"/>
+                  </a:solidFill>
+                </a:rPr>
+                <a:t>&amp;, </a:t>
+              </a:r>
+              <a:r>
+                <a:rPr kumimoji="1" lang="en" altLang="zh-TW" sz="1000" dirty="0" err="1">
+                  <a:solidFill>
+                    <a:schemeClr val="tx1"/>
+                  </a:solidFill>
+                </a:rPr>
+                <a:t>ifstream</a:t>
+              </a:r>
+              <a:r>
+                <a:rPr kumimoji="1" lang="en" altLang="zh-TW" sz="1000" dirty="0">
+                  <a:solidFill>
+                    <a:schemeClr val="tx1"/>
+                  </a:solidFill>
+                </a:rPr>
+                <a:t>&amp;): NPC*</a:t>
+              </a:r>
+              <a:endParaRPr kumimoji="1" lang="zh-TW" altLang="en-US" sz="1000" dirty="0">
+                <a:solidFill>
+                  <a:schemeClr val="tx1"/>
+                </a:solidFill>
+              </a:endParaRPr>
+            </a:p>
+          </p:txBody>
+        </p:sp>
+        <p:sp>
+          <p:nvSpPr>
+            <p:cNvPr id="51" name="矩形 50">
+              <a:extLst>
+                <a:ext uri="{FF2B5EF4-FFF2-40B4-BE49-F238E27FC236}">
+                  <a16:creationId xmlns:a16="http://schemas.microsoft.com/office/drawing/2014/main" id="{5A81B658-844B-CB49-B143-E77F48A4F1CF}"/>
+                </a:ext>
+              </a:extLst>
+            </p:cNvPr>
+            <p:cNvSpPr/>
+            <p:nvPr/>
+          </p:nvSpPr>
+          <p:spPr>
+            <a:xfrm>
+              <a:off x="262218" y="2697999"/>
+              <a:ext cx="2171118" cy="707886"/>
+            </a:xfrm>
+            <a:prstGeom prst="rect">
+              <a:avLst/>
+            </a:prstGeom>
+            <a:noFill/>
+            <a:ln>
+              <a:solidFill>
+                <a:srgbClr val="0070C0"/>
+              </a:solidFill>
+            </a:ln>
+          </p:spPr>
+          <p:style>
+            <a:lnRef idx="2">
+              <a:schemeClr val="accent1">
+                <a:shade val="50000"/>
+              </a:schemeClr>
+            </a:lnRef>
+            <a:fillRef idx="1">
+              <a:schemeClr val="accent1"/>
+            </a:fillRef>
+            <a:effectRef idx="0">
+              <a:schemeClr val="accent1"/>
+            </a:effectRef>
+            <a:fontRef idx="minor">
+              <a:schemeClr val="lt1"/>
+            </a:fontRef>
+          </p:style>
+          <p:txBody>
+            <a:bodyPr wrap="square" rtlCol="0" anchor="t" anchorCtr="0">
+              <a:spAutoFit/>
+            </a:bodyPr>
+            <a:lstStyle/>
+            <a:p>
+              <a:r>
+                <a:rPr kumimoji="1" lang="en-US" altLang="zh-TW" sz="1000" b="1" dirty="0">
+                  <a:solidFill>
+                    <a:srgbClr val="00B050"/>
+                  </a:solidFill>
+                </a:rPr>
+                <a:t>public:</a:t>
+              </a:r>
+            </a:p>
+            <a:p>
+              <a:pPr marL="93663" indent="-93663">
+                <a:buFont typeface="Arial" panose="020B0604020202020204" pitchFamily="34" charset="0"/>
+                <a:buChar char="•"/>
+              </a:pPr>
+              <a:r>
+                <a:rPr kumimoji="1" lang="en-US" altLang="zh-TW" sz="1000" dirty="0">
+                  <a:solidFill>
+                    <a:schemeClr val="tx1"/>
+                  </a:solidFill>
+                </a:rPr>
+                <a:t>constructor / destructor</a:t>
+              </a:r>
+            </a:p>
+            <a:p>
+              <a:pPr marL="93663" indent="-93663">
+                <a:buFont typeface="Arial" panose="020B0604020202020204" pitchFamily="34" charset="0"/>
+                <a:buChar char="•"/>
+              </a:pPr>
+              <a:r>
+                <a:rPr kumimoji="1" lang="en" altLang="zh-TW" sz="1000" dirty="0" err="1">
+                  <a:solidFill>
+                    <a:schemeClr val="tx1"/>
+                  </a:solidFill>
+                </a:rPr>
+                <a:t>saveToFile</a:t>
+              </a:r>
+              <a:r>
+                <a:rPr kumimoji="1" lang="en" altLang="zh-TW" sz="1000" dirty="0">
+                  <a:solidFill>
+                    <a:schemeClr val="tx1"/>
+                  </a:solidFill>
+                </a:rPr>
+                <a:t>(Dungeon*, Player&amp;, vector&lt;Room*&gt;&amp;): void</a:t>
+              </a:r>
+            </a:p>
+            <a:p>
+              <a:pPr marL="93663" indent="-93663">
+                <a:buFont typeface="Arial" panose="020B0604020202020204" pitchFamily="34" charset="0"/>
+                <a:buChar char="•"/>
+              </a:pPr>
+              <a:r>
+                <a:rPr kumimoji="1" lang="en" altLang="zh-TW" sz="1000" dirty="0" err="1">
+                  <a:solidFill>
+                    <a:schemeClr val="tx1"/>
+                  </a:solidFill>
+                </a:rPr>
+                <a:t>loadFromFile</a:t>
+              </a:r>
+              <a:r>
+                <a:rPr kumimoji="1" lang="en" altLang="zh-TW" sz="1000" dirty="0">
+                  <a:solidFill>
+                    <a:schemeClr val="tx1"/>
+                  </a:solidFill>
+                </a:rPr>
+                <a:t>(Dungeon*, Player&amp;, vector&lt;Room*&gt;&amp;): bool</a:t>
+              </a:r>
+              <a:endParaRPr kumimoji="1" lang="zh-TW" altLang="en-US" sz="1000" dirty="0">
+                <a:solidFill>
+                  <a:schemeClr val="tx1"/>
+                </a:solidFill>
+              </a:endParaRPr>
+            </a:p>
+          </p:txBody>
+        </p:sp>
+      </p:grpSp>
+      <p:cxnSp>
+        <p:nvCxnSpPr>
+          <p:cNvPr id="53" name="直線箭頭接點 52">
+            <a:extLst>
+              <a:ext uri="{FF2B5EF4-FFF2-40B4-BE49-F238E27FC236}">
+                <a16:creationId xmlns:a16="http://schemas.microsoft.com/office/drawing/2014/main" id="{DDBCC5A9-036C-4445-B8FE-4DBE6C9EBF5E}"/>
+              </a:ext>
+            </a:extLst>
+          </p:cNvPr>
+          <p:cNvCxnSpPr/>
+          <p:nvPr/>
+        </p:nvCxnSpPr>
+        <p:spPr>
+          <a:xfrm flipH="1">
+            <a:off x="1590481" y="453483"/>
+            <a:ext cx="937120" cy="0"/>
+          </a:xfrm>
+          <a:prstGeom prst="straightConnector1">
+            <a:avLst/>
+          </a:prstGeom>
+          <a:ln w="12700">
+            <a:solidFill>
+              <a:schemeClr val="tx1"/>
+            </a:solidFill>
+            <a:headEnd w="lg" len="lg"/>
+            <a:tailEnd type="triangle" w="lg" len="lg"/>
+          </a:ln>
+        </p:spPr>
+        <p:style>
+          <a:lnRef idx="1">
+            <a:schemeClr val="accent1"/>
+          </a:lnRef>
+          <a:fillRef idx="0">
+            <a:schemeClr val="accent1"/>
+          </a:fillRef>
+          <a:effectRef idx="0">
+            <a:schemeClr val="accent1"/>
+          </a:effectRef>
+          <a:fontRef idx="minor">
+            <a:schemeClr val="tx1"/>
+          </a:fontRef>
+        </p:style>
+      </p:cxnSp>
+      <p:cxnSp>
+        <p:nvCxnSpPr>
+          <p:cNvPr id="56" name="直線箭頭接點 55">
+            <a:extLst>
+              <a:ext uri="{FF2B5EF4-FFF2-40B4-BE49-F238E27FC236}">
+                <a16:creationId xmlns:a16="http://schemas.microsoft.com/office/drawing/2014/main" id="{8D62BEE2-4473-0546-A8CF-A3ACA5A76B9E}"/>
+              </a:ext>
+            </a:extLst>
+          </p:cNvPr>
+          <p:cNvCxnSpPr>
+            <a:cxnSpLocks/>
+          </p:cNvCxnSpPr>
+          <p:nvPr/>
+        </p:nvCxnSpPr>
+        <p:spPr>
+          <a:xfrm flipH="1">
+            <a:off x="2141922" y="3975850"/>
+            <a:ext cx="215555" cy="0"/>
+          </a:xfrm>
+          <a:prstGeom prst="straightConnector1">
+            <a:avLst/>
+          </a:prstGeom>
+          <a:ln w="12700">
+            <a:solidFill>
+              <a:schemeClr val="tx1"/>
+            </a:solidFill>
+            <a:headEnd type="none" w="med" len="med"/>
+            <a:tailEnd type="none" w="med" len="med"/>
+          </a:ln>
+        </p:spPr>
+        <p:style>
+          <a:lnRef idx="1">
+            <a:schemeClr val="accent1"/>
+          </a:lnRef>
+          <a:fillRef idx="0">
+            <a:schemeClr val="accent1"/>
+          </a:fillRef>
+          <a:effectRef idx="0">
+            <a:schemeClr val="accent1"/>
+          </a:effectRef>
+          <a:fontRef idx="minor">
+            <a:schemeClr val="tx1"/>
+          </a:fontRef>
+        </p:style>
+      </p:cxnSp>
+      <p:cxnSp>
+        <p:nvCxnSpPr>
+          <p:cNvPr id="57" name="直線箭頭接點 56">
+            <a:extLst>
+              <a:ext uri="{FF2B5EF4-FFF2-40B4-BE49-F238E27FC236}">
+                <a16:creationId xmlns:a16="http://schemas.microsoft.com/office/drawing/2014/main" id="{9028589C-3701-DB42-8273-D74810383C85}"/>
+              </a:ext>
+            </a:extLst>
+          </p:cNvPr>
+          <p:cNvCxnSpPr>
+            <a:cxnSpLocks/>
+          </p:cNvCxnSpPr>
+          <p:nvPr/>
+        </p:nvCxnSpPr>
+        <p:spPr>
+          <a:xfrm flipV="1">
+            <a:off x="811743" y="1656791"/>
+            <a:ext cx="0" cy="528735"/>
+          </a:xfrm>
+          <a:prstGeom prst="straightConnector1">
+            <a:avLst/>
+          </a:prstGeom>
+          <a:ln w="12700">
+            <a:solidFill>
+              <a:schemeClr val="tx1"/>
+            </a:solidFill>
+            <a:headEnd w="lg" len="lg"/>
+            <a:tailEnd type="triangle" w="lg" len="lg"/>
+          </a:ln>
+        </p:spPr>
+        <p:style>
+          <a:lnRef idx="1">
+            <a:schemeClr val="accent1"/>
+          </a:lnRef>
+          <a:fillRef idx="0">
+            <a:schemeClr val="accent1"/>
+          </a:fillRef>
+          <a:effectRef idx="0">
+            <a:schemeClr val="accent1"/>
+          </a:effectRef>
+          <a:fontRef idx="minor">
+            <a:schemeClr val="tx1"/>
+          </a:fontRef>
+        </p:style>
+      </p:cxnSp>
+      <p:cxnSp>
+        <p:nvCxnSpPr>
+          <p:cNvPr id="59" name="直線箭頭接點 58">
+            <a:extLst>
+              <a:ext uri="{FF2B5EF4-FFF2-40B4-BE49-F238E27FC236}">
+                <a16:creationId xmlns:a16="http://schemas.microsoft.com/office/drawing/2014/main" id="{594C2204-7F7E-7644-A748-C6F014B2AEBD}"/>
+              </a:ext>
+            </a:extLst>
+          </p:cNvPr>
+          <p:cNvCxnSpPr>
+            <a:cxnSpLocks/>
+          </p:cNvCxnSpPr>
+          <p:nvPr/>
+        </p:nvCxnSpPr>
+        <p:spPr>
+          <a:xfrm flipH="1">
+            <a:off x="1524732" y="2323496"/>
+            <a:ext cx="832744" cy="0"/>
+          </a:xfrm>
+          <a:prstGeom prst="straightConnector1">
+            <a:avLst/>
+          </a:prstGeom>
+          <a:ln w="12700">
+            <a:solidFill>
+              <a:schemeClr val="tx1"/>
+            </a:solidFill>
+            <a:headEnd w="lg" len="lg"/>
+            <a:tailEnd type="triangle" w="lg" len="lg"/>
+          </a:ln>
+        </p:spPr>
+        <p:style>
+          <a:lnRef idx="1">
+            <a:schemeClr val="accent1"/>
+          </a:lnRef>
+          <a:fillRef idx="0">
+            <a:schemeClr val="accent1"/>
+          </a:fillRef>
+          <a:effectRef idx="0">
+            <a:schemeClr val="accent1"/>
+          </a:effectRef>
+          <a:fontRef idx="minor">
+            <a:schemeClr val="tx1"/>
+          </a:fontRef>
+        </p:style>
+      </p:cxnSp>
+      <p:cxnSp>
+        <p:nvCxnSpPr>
+          <p:cNvPr id="61" name="直線箭頭接點 60">
+            <a:extLst>
+              <a:ext uri="{FF2B5EF4-FFF2-40B4-BE49-F238E27FC236}">
+                <a16:creationId xmlns:a16="http://schemas.microsoft.com/office/drawing/2014/main" id="{FE8026B9-B160-904C-A90A-3E9E887B22B2}"/>
+              </a:ext>
+            </a:extLst>
+          </p:cNvPr>
+          <p:cNvCxnSpPr>
+            <a:cxnSpLocks/>
+          </p:cNvCxnSpPr>
+          <p:nvPr/>
+        </p:nvCxnSpPr>
+        <p:spPr>
+          <a:xfrm flipV="1">
+            <a:off x="2141922" y="2074126"/>
+            <a:ext cx="0" cy="1901724"/>
+          </a:xfrm>
+          <a:prstGeom prst="straightConnector1">
+            <a:avLst/>
+          </a:prstGeom>
+          <a:ln w="12700">
+            <a:solidFill>
+              <a:schemeClr val="tx1"/>
+            </a:solidFill>
+            <a:headEnd type="none" w="med" len="med"/>
+            <a:tailEnd type="none" w="med" len="med"/>
+          </a:ln>
+        </p:spPr>
+        <p:style>
+          <a:lnRef idx="1">
+            <a:schemeClr val="accent1"/>
+          </a:lnRef>
+          <a:fillRef idx="0">
+            <a:schemeClr val="accent1"/>
+          </a:fillRef>
+          <a:effectRef idx="0">
+            <a:schemeClr val="accent1"/>
+          </a:effectRef>
+          <a:fontRef idx="minor">
+            <a:schemeClr val="tx1"/>
+          </a:fontRef>
+        </p:style>
+      </p:cxnSp>
+      <p:cxnSp>
+        <p:nvCxnSpPr>
+          <p:cNvPr id="64" name="直線箭頭接點 63">
+            <a:extLst>
+              <a:ext uri="{FF2B5EF4-FFF2-40B4-BE49-F238E27FC236}">
+                <a16:creationId xmlns:a16="http://schemas.microsoft.com/office/drawing/2014/main" id="{94F60149-ACDD-E74E-9B22-271EBEB3CC9E}"/>
+              </a:ext>
+            </a:extLst>
+          </p:cNvPr>
+          <p:cNvCxnSpPr>
+            <a:cxnSpLocks/>
+          </p:cNvCxnSpPr>
+          <p:nvPr/>
+        </p:nvCxnSpPr>
+        <p:spPr>
+          <a:xfrm flipH="1">
+            <a:off x="2141922" y="2074126"/>
+            <a:ext cx="3019185" cy="0"/>
+          </a:xfrm>
+          <a:prstGeom prst="straightConnector1">
+            <a:avLst/>
+          </a:prstGeom>
+          <a:ln w="12700">
+            <a:solidFill>
+              <a:schemeClr val="tx1"/>
+            </a:solidFill>
+            <a:headEnd type="none" w="med" len="med"/>
+            <a:tailEnd type="none" w="med" len="med"/>
+          </a:ln>
+        </p:spPr>
+        <p:style>
+          <a:lnRef idx="1">
+            <a:schemeClr val="accent1"/>
+          </a:lnRef>
+          <a:fillRef idx="0">
+            <a:schemeClr val="accent1"/>
+          </a:fillRef>
+          <a:effectRef idx="0">
+            <a:schemeClr val="accent1"/>
+          </a:effectRef>
+          <a:fontRef idx="minor">
+            <a:schemeClr val="tx1"/>
+          </a:fontRef>
+        </p:style>
+      </p:cxnSp>
+      <p:cxnSp>
+        <p:nvCxnSpPr>
+          <p:cNvPr id="71" name="直線箭頭接點 70">
+            <a:extLst>
+              <a:ext uri="{FF2B5EF4-FFF2-40B4-BE49-F238E27FC236}">
+                <a16:creationId xmlns:a16="http://schemas.microsoft.com/office/drawing/2014/main" id="{BD522886-8259-0F46-A210-0EB8A387BA23}"/>
+              </a:ext>
+            </a:extLst>
+          </p:cNvPr>
+          <p:cNvCxnSpPr/>
+          <p:nvPr/>
+        </p:nvCxnSpPr>
+        <p:spPr>
+          <a:xfrm flipH="1">
+            <a:off x="4217433" y="453483"/>
+            <a:ext cx="937120" cy="0"/>
+          </a:xfrm>
+          <a:prstGeom prst="straightConnector1">
+            <a:avLst/>
+          </a:prstGeom>
+          <a:ln w="12700">
+            <a:solidFill>
+              <a:schemeClr val="accent5">
+                <a:lumMod val="60000"/>
+                <a:lumOff val="40000"/>
+              </a:schemeClr>
+            </a:solidFill>
+            <a:headEnd type="diamond" w="lg" len="lg"/>
+            <a:tailEnd type="diamond" w="lg" len="lg"/>
+          </a:ln>
+        </p:spPr>
+        <p:style>
+          <a:lnRef idx="1">
+            <a:schemeClr val="accent1"/>
+          </a:lnRef>
+          <a:fillRef idx="0">
+            <a:schemeClr val="accent1"/>
+          </a:fillRef>
+          <a:effectRef idx="0">
+            <a:schemeClr val="accent1"/>
+          </a:effectRef>
+          <a:fontRef idx="minor">
+            <a:schemeClr val="tx1"/>
+          </a:fontRef>
+        </p:style>
+      </p:cxnSp>
+      <p:cxnSp>
+        <p:nvCxnSpPr>
+          <p:cNvPr id="72" name="直線箭頭接點 71">
+            <a:extLst>
+              <a:ext uri="{FF2B5EF4-FFF2-40B4-BE49-F238E27FC236}">
+                <a16:creationId xmlns:a16="http://schemas.microsoft.com/office/drawing/2014/main" id="{2A309703-1E37-A642-ADFA-F1FC323FE699}"/>
+              </a:ext>
+            </a:extLst>
+          </p:cNvPr>
+          <p:cNvCxnSpPr>
+            <a:cxnSpLocks/>
+          </p:cNvCxnSpPr>
+          <p:nvPr/>
+        </p:nvCxnSpPr>
+        <p:spPr>
+          <a:xfrm flipH="1">
+            <a:off x="5019393" y="3085045"/>
+            <a:ext cx="135161" cy="0"/>
+          </a:xfrm>
+          <a:prstGeom prst="straightConnector1">
+            <a:avLst/>
+          </a:prstGeom>
+          <a:ln w="12700">
+            <a:solidFill>
+              <a:schemeClr val="accent5">
+                <a:lumMod val="60000"/>
+                <a:lumOff val="40000"/>
+              </a:schemeClr>
+            </a:solidFill>
+            <a:headEnd type="diamond" w="lg" len="lg"/>
+            <a:tailEnd type="none" w="lg" len="lg"/>
+          </a:ln>
+        </p:spPr>
+        <p:style>
+          <a:lnRef idx="1">
+            <a:schemeClr val="accent1"/>
+          </a:lnRef>
+          <a:fillRef idx="0">
+            <a:schemeClr val="accent1"/>
+          </a:fillRef>
+          <a:effectRef idx="0">
+            <a:schemeClr val="accent1"/>
+          </a:effectRef>
+          <a:fontRef idx="minor">
+            <a:schemeClr val="tx1"/>
+          </a:fontRef>
+        </p:style>
+      </p:cxnSp>
+      <p:cxnSp>
+        <p:nvCxnSpPr>
+          <p:cNvPr id="73" name="直線箭頭接點 72">
+            <a:extLst>
+              <a:ext uri="{FF2B5EF4-FFF2-40B4-BE49-F238E27FC236}">
+                <a16:creationId xmlns:a16="http://schemas.microsoft.com/office/drawing/2014/main" id="{DCD8D445-AB15-784F-B932-7DDBF9D653CC}"/>
+              </a:ext>
+            </a:extLst>
+          </p:cNvPr>
+          <p:cNvCxnSpPr>
+            <a:cxnSpLocks/>
+          </p:cNvCxnSpPr>
+          <p:nvPr/>
+        </p:nvCxnSpPr>
+        <p:spPr>
+          <a:xfrm flipH="1">
+            <a:off x="5019393" y="3473584"/>
+            <a:ext cx="225599" cy="0"/>
+          </a:xfrm>
+          <a:prstGeom prst="straightConnector1">
+            <a:avLst/>
+          </a:prstGeom>
+          <a:ln w="12700">
+            <a:solidFill>
+              <a:schemeClr val="accent5">
+                <a:lumMod val="60000"/>
+                <a:lumOff val="40000"/>
+              </a:schemeClr>
+            </a:solidFill>
+            <a:headEnd type="none" w="lg" len="lg"/>
+            <a:tailEnd type="none" w="lg" len="lg"/>
+          </a:ln>
+        </p:spPr>
+        <p:style>
+          <a:lnRef idx="1">
+            <a:schemeClr val="accent1"/>
+          </a:lnRef>
+          <a:fillRef idx="0">
+            <a:schemeClr val="accent1"/>
+          </a:fillRef>
+          <a:effectRef idx="0">
+            <a:schemeClr val="accent1"/>
+          </a:effectRef>
+          <a:fontRef idx="minor">
+            <a:schemeClr val="tx1"/>
+          </a:fontRef>
+        </p:style>
+      </p:cxnSp>
+      <p:cxnSp>
+        <p:nvCxnSpPr>
+          <p:cNvPr id="77" name="直線箭頭接點 76">
+            <a:extLst>
+              <a:ext uri="{FF2B5EF4-FFF2-40B4-BE49-F238E27FC236}">
+                <a16:creationId xmlns:a16="http://schemas.microsoft.com/office/drawing/2014/main" id="{B8CF005F-1E26-5D45-9A08-90F51DB2CB38}"/>
+              </a:ext>
+            </a:extLst>
+          </p:cNvPr>
+          <p:cNvCxnSpPr>
+            <a:cxnSpLocks/>
+          </p:cNvCxnSpPr>
+          <p:nvPr/>
+        </p:nvCxnSpPr>
+        <p:spPr>
+          <a:xfrm>
+            <a:off x="5019393" y="3085045"/>
+            <a:ext cx="0" cy="388541"/>
+          </a:xfrm>
+          <a:prstGeom prst="straightConnector1">
+            <a:avLst/>
+          </a:prstGeom>
+          <a:ln w="12700">
+            <a:solidFill>
+              <a:schemeClr val="accent5">
+                <a:lumMod val="60000"/>
+                <a:lumOff val="40000"/>
+              </a:schemeClr>
+            </a:solidFill>
+            <a:headEnd type="none" w="lg" len="lg"/>
+            <a:tailEnd type="none" w="lg" len="lg"/>
+          </a:ln>
+        </p:spPr>
+        <p:style>
+          <a:lnRef idx="1">
+            <a:schemeClr val="accent1"/>
+          </a:lnRef>
+          <a:fillRef idx="0">
+            <a:schemeClr val="accent1"/>
+          </a:fillRef>
+          <a:effectRef idx="0">
+            <a:schemeClr val="accent1"/>
+          </a:effectRef>
+          <a:fontRef idx="minor">
+            <a:schemeClr val="tx1"/>
+          </a:fontRef>
+        </p:style>
+      </p:cxnSp>
+      <p:cxnSp>
+        <p:nvCxnSpPr>
+          <p:cNvPr id="79" name="直線箭頭接點 78">
+            <a:extLst>
+              <a:ext uri="{FF2B5EF4-FFF2-40B4-BE49-F238E27FC236}">
+                <a16:creationId xmlns:a16="http://schemas.microsoft.com/office/drawing/2014/main" id="{A2910B93-6E1A-3141-98E1-5BFC8857CB40}"/>
+              </a:ext>
+            </a:extLst>
+          </p:cNvPr>
+          <p:cNvCxnSpPr>
+            <a:cxnSpLocks/>
+          </p:cNvCxnSpPr>
+          <p:nvPr/>
+        </p:nvCxnSpPr>
+        <p:spPr>
+          <a:xfrm flipH="1">
+            <a:off x="4899103" y="3930376"/>
+            <a:ext cx="345889" cy="0"/>
+          </a:xfrm>
+          <a:prstGeom prst="straightConnector1">
+            <a:avLst/>
+          </a:prstGeom>
+          <a:ln w="12700">
+            <a:solidFill>
+              <a:schemeClr val="accent5">
+                <a:lumMod val="60000"/>
+                <a:lumOff val="40000"/>
+              </a:schemeClr>
+            </a:solidFill>
+            <a:headEnd type="diamond" w="lg" len="lg"/>
+            <a:tailEnd type="none" w="lg" len="lg"/>
+          </a:ln>
+        </p:spPr>
+        <p:style>
+          <a:lnRef idx="1">
+            <a:schemeClr val="accent1"/>
+          </a:lnRef>
+          <a:fillRef idx="0">
+            <a:schemeClr val="accent1"/>
+          </a:fillRef>
+          <a:effectRef idx="0">
+            <a:schemeClr val="accent1"/>
+          </a:effectRef>
+          <a:fontRef idx="minor">
+            <a:schemeClr val="tx1"/>
+          </a:fontRef>
+        </p:style>
+      </p:cxnSp>
+      <p:cxnSp>
+        <p:nvCxnSpPr>
+          <p:cNvPr id="84" name="直線箭頭接點 83">
+            <a:extLst>
+              <a:ext uri="{FF2B5EF4-FFF2-40B4-BE49-F238E27FC236}">
+                <a16:creationId xmlns:a16="http://schemas.microsoft.com/office/drawing/2014/main" id="{18E6CCA4-A9D7-DB41-ABEA-EA1B7B5B7B4C}"/>
+              </a:ext>
+            </a:extLst>
+          </p:cNvPr>
+          <p:cNvCxnSpPr>
+            <a:cxnSpLocks/>
+          </p:cNvCxnSpPr>
+          <p:nvPr/>
+        </p:nvCxnSpPr>
+        <p:spPr>
+          <a:xfrm>
+            <a:off x="4893013" y="2409895"/>
+            <a:ext cx="0" cy="1520481"/>
+          </a:xfrm>
+          <a:prstGeom prst="straightConnector1">
+            <a:avLst/>
+          </a:prstGeom>
+          <a:ln w="12700">
+            <a:solidFill>
+              <a:schemeClr val="accent5">
+                <a:lumMod val="60000"/>
+                <a:lumOff val="40000"/>
+              </a:schemeClr>
+            </a:solidFill>
+            <a:headEnd type="none" w="lg" len="lg"/>
+            <a:tailEnd type="none" w="lg" len="lg"/>
+          </a:ln>
+        </p:spPr>
+        <p:style>
+          <a:lnRef idx="1">
+            <a:schemeClr val="accent1"/>
+          </a:lnRef>
+          <a:fillRef idx="0">
+            <a:schemeClr val="accent1"/>
+          </a:fillRef>
+          <a:effectRef idx="0">
+            <a:schemeClr val="accent1"/>
+          </a:effectRef>
+          <a:fontRef idx="minor">
+            <a:schemeClr val="tx1"/>
+          </a:fontRef>
+        </p:style>
+      </p:cxnSp>
+      <p:cxnSp>
+        <p:nvCxnSpPr>
+          <p:cNvPr id="87" name="直線箭頭接點 86">
+            <a:extLst>
+              <a:ext uri="{FF2B5EF4-FFF2-40B4-BE49-F238E27FC236}">
+                <a16:creationId xmlns:a16="http://schemas.microsoft.com/office/drawing/2014/main" id="{80E87E05-4AED-AF4C-A402-A9D7140C9075}"/>
+              </a:ext>
+            </a:extLst>
+          </p:cNvPr>
+          <p:cNvCxnSpPr>
+            <a:cxnSpLocks/>
+          </p:cNvCxnSpPr>
+          <p:nvPr/>
+        </p:nvCxnSpPr>
+        <p:spPr>
+          <a:xfrm flipH="1">
+            <a:off x="2141922" y="1992350"/>
+            <a:ext cx="2751093" cy="0"/>
+          </a:xfrm>
+          <a:prstGeom prst="straightConnector1">
+            <a:avLst/>
+          </a:prstGeom>
+          <a:ln w="12700">
+            <a:solidFill>
+              <a:schemeClr val="accent5">
+                <a:lumMod val="60000"/>
+                <a:lumOff val="40000"/>
+              </a:schemeClr>
+            </a:solidFill>
+            <a:headEnd type="none" w="lg" len="lg"/>
+            <a:tailEnd type="none" w="lg" len="lg"/>
+          </a:ln>
+        </p:spPr>
+        <p:style>
+          <a:lnRef idx="1">
+            <a:schemeClr val="accent1"/>
+          </a:lnRef>
+          <a:fillRef idx="0">
+            <a:schemeClr val="accent1"/>
+          </a:fillRef>
+          <a:effectRef idx="0">
+            <a:schemeClr val="accent1"/>
+          </a:effectRef>
+          <a:fontRef idx="minor">
+            <a:schemeClr val="tx1"/>
+          </a:fontRef>
+        </p:style>
+      </p:cxnSp>
+      <p:cxnSp>
+        <p:nvCxnSpPr>
+          <p:cNvPr id="89" name="直線箭頭接點 88">
+            <a:extLst>
+              <a:ext uri="{FF2B5EF4-FFF2-40B4-BE49-F238E27FC236}">
+                <a16:creationId xmlns:a16="http://schemas.microsoft.com/office/drawing/2014/main" id="{EB818647-B4AC-E244-A7DD-0C276B799DB7}"/>
+              </a:ext>
+            </a:extLst>
+          </p:cNvPr>
+          <p:cNvCxnSpPr>
+            <a:cxnSpLocks/>
+          </p:cNvCxnSpPr>
+          <p:nvPr/>
+        </p:nvCxnSpPr>
+        <p:spPr>
+          <a:xfrm>
+            <a:off x="2141922" y="1102793"/>
+            <a:ext cx="0" cy="889557"/>
+          </a:xfrm>
+          <a:prstGeom prst="straightConnector1">
+            <a:avLst/>
+          </a:prstGeom>
+          <a:ln w="12700">
+            <a:solidFill>
+              <a:schemeClr val="accent5">
+                <a:lumMod val="60000"/>
+                <a:lumOff val="40000"/>
+              </a:schemeClr>
+            </a:solidFill>
+            <a:headEnd type="none" w="lg" len="lg"/>
+            <a:tailEnd type="none" w="lg" len="lg"/>
+          </a:ln>
+        </p:spPr>
+        <p:style>
+          <a:lnRef idx="1">
+            <a:schemeClr val="accent1"/>
+          </a:lnRef>
+          <a:fillRef idx="0">
+            <a:schemeClr val="accent1"/>
+          </a:fillRef>
+          <a:effectRef idx="0">
+            <a:schemeClr val="accent1"/>
+          </a:effectRef>
+          <a:fontRef idx="minor">
+            <a:schemeClr val="tx1"/>
+          </a:fontRef>
+        </p:style>
+      </p:cxnSp>
+      <p:cxnSp>
+        <p:nvCxnSpPr>
+          <p:cNvPr id="92" name="直線箭頭接點 91">
+            <a:extLst>
+              <a:ext uri="{FF2B5EF4-FFF2-40B4-BE49-F238E27FC236}">
+                <a16:creationId xmlns:a16="http://schemas.microsoft.com/office/drawing/2014/main" id="{25D447EC-5C2A-544F-82C4-CCA9CDEBAE44}"/>
+              </a:ext>
+            </a:extLst>
+          </p:cNvPr>
+          <p:cNvCxnSpPr>
+            <a:cxnSpLocks/>
+          </p:cNvCxnSpPr>
+          <p:nvPr/>
+        </p:nvCxnSpPr>
+        <p:spPr>
+          <a:xfrm flipH="1">
+            <a:off x="1590481" y="1102793"/>
+            <a:ext cx="551441" cy="0"/>
+          </a:xfrm>
+          <a:prstGeom prst="straightConnector1">
+            <a:avLst/>
+          </a:prstGeom>
+          <a:ln w="12700">
+            <a:solidFill>
+              <a:schemeClr val="accent5">
+                <a:lumMod val="60000"/>
+                <a:lumOff val="40000"/>
+              </a:schemeClr>
+            </a:solidFill>
+            <a:headEnd type="none" w="lg" len="lg"/>
+            <a:tailEnd type="none" w="lg" len="lg"/>
+          </a:ln>
+        </p:spPr>
+        <p:style>
+          <a:lnRef idx="1">
+            <a:schemeClr val="accent1"/>
+          </a:lnRef>
+          <a:fillRef idx="0">
+            <a:schemeClr val="accent1"/>
+          </a:fillRef>
+          <a:effectRef idx="0">
+            <a:schemeClr val="accent1"/>
+          </a:effectRef>
+          <a:fontRef idx="minor">
+            <a:schemeClr val="tx1"/>
+          </a:fontRef>
+        </p:style>
+      </p:cxnSp>
+      <p:cxnSp>
+        <p:nvCxnSpPr>
+          <p:cNvPr id="96" name="直線箭頭接點 95">
+            <a:extLst>
+              <a:ext uri="{FF2B5EF4-FFF2-40B4-BE49-F238E27FC236}">
+                <a16:creationId xmlns:a16="http://schemas.microsoft.com/office/drawing/2014/main" id="{D0AE9D13-A241-9B4A-BC9F-FBBC28D2B857}"/>
+              </a:ext>
+            </a:extLst>
+          </p:cNvPr>
+          <p:cNvCxnSpPr>
+            <a:cxnSpLocks/>
+          </p:cNvCxnSpPr>
+          <p:nvPr/>
+        </p:nvCxnSpPr>
+        <p:spPr>
+          <a:xfrm flipH="1">
+            <a:off x="1903772" y="6088566"/>
+            <a:ext cx="1459564" cy="0"/>
+          </a:xfrm>
+          <a:prstGeom prst="straightConnector1">
+            <a:avLst/>
+          </a:prstGeom>
+          <a:ln w="12700">
+            <a:solidFill>
+              <a:schemeClr val="accent2"/>
+            </a:solidFill>
+            <a:headEnd type="diamond" w="lg" len="lg"/>
+            <a:tailEnd type="diamond" w="lg" len="lg"/>
+          </a:ln>
+        </p:spPr>
+        <p:style>
+          <a:lnRef idx="1">
+            <a:schemeClr val="accent1"/>
+          </a:lnRef>
+          <a:fillRef idx="0">
+            <a:schemeClr val="accent1"/>
+          </a:fillRef>
+          <a:effectRef idx="0">
+            <a:schemeClr val="accent1"/>
+          </a:effectRef>
+          <a:fontRef idx="minor">
+            <a:schemeClr val="tx1"/>
+          </a:fontRef>
+        </p:style>
+      </p:cxnSp>
+      <p:cxnSp>
+        <p:nvCxnSpPr>
+          <p:cNvPr id="99" name="直線箭頭接點 98">
+            <a:extLst>
+              <a:ext uri="{FF2B5EF4-FFF2-40B4-BE49-F238E27FC236}">
+                <a16:creationId xmlns:a16="http://schemas.microsoft.com/office/drawing/2014/main" id="{8151D058-8CB9-3241-B0FA-7D7CC14EC5B8}"/>
+              </a:ext>
+            </a:extLst>
+          </p:cNvPr>
+          <p:cNvCxnSpPr>
+            <a:cxnSpLocks/>
+          </p:cNvCxnSpPr>
+          <p:nvPr/>
+        </p:nvCxnSpPr>
+        <p:spPr>
+          <a:xfrm flipH="1">
+            <a:off x="4385559" y="2326449"/>
+            <a:ext cx="768994" cy="0"/>
+          </a:xfrm>
+          <a:prstGeom prst="straightConnector1">
+            <a:avLst/>
+          </a:prstGeom>
+          <a:ln w="12700">
+            <a:solidFill>
+              <a:schemeClr val="accent5">
+                <a:lumMod val="60000"/>
+                <a:lumOff val="40000"/>
+              </a:schemeClr>
+            </a:solidFill>
+            <a:headEnd type="none" w="lg" len="lg"/>
+            <a:tailEnd type="diamond" w="lg" len="lg"/>
+          </a:ln>
+        </p:spPr>
+        <p:style>
+          <a:lnRef idx="1">
+            <a:schemeClr val="accent1"/>
+          </a:lnRef>
+          <a:fillRef idx="0">
+            <a:schemeClr val="accent1"/>
+          </a:fillRef>
+          <a:effectRef idx="0">
+            <a:schemeClr val="accent1"/>
+          </a:effectRef>
+          <a:fontRef idx="minor">
+            <a:schemeClr val="tx1"/>
+          </a:fontRef>
+        </p:style>
+      </p:cxnSp>
+      <p:sp>
+        <p:nvSpPr>
+          <p:cNvPr id="104" name="弧線 103">
+            <a:extLst>
+              <a:ext uri="{FF2B5EF4-FFF2-40B4-BE49-F238E27FC236}">
+                <a16:creationId xmlns:a16="http://schemas.microsoft.com/office/drawing/2014/main" id="{E6C6279A-1437-6C46-AC7E-05D97CE077E4}"/>
+              </a:ext>
+            </a:extLst>
+          </p:cNvPr>
+          <p:cNvSpPr/>
+          <p:nvPr/>
+        </p:nvSpPr>
+        <p:spPr>
+          <a:xfrm>
+            <a:off x="4814343" y="2252555"/>
+            <a:ext cx="157340" cy="157340"/>
+          </a:xfrm>
+          <a:prstGeom prst="arc">
+            <a:avLst>
+              <a:gd name="adj1" fmla="val 16200000"/>
+              <a:gd name="adj2" fmla="val 5400000"/>
+            </a:avLst>
+          </a:prstGeom>
+          <a:ln w="12700">
+            <a:solidFill>
+              <a:schemeClr val="accent5">
+                <a:lumMod val="60000"/>
+                <a:lumOff val="40000"/>
+              </a:schemeClr>
+            </a:solidFill>
+          </a:ln>
+        </p:spPr>
+        <p:style>
+          <a:lnRef idx="1">
+            <a:schemeClr val="accent1"/>
+          </a:lnRef>
+          <a:fillRef idx="0">
+            <a:schemeClr val="accent1"/>
+          </a:fillRef>
+          <a:effectRef idx="0">
+            <a:schemeClr val="accent1"/>
+          </a:effectRef>
+          <a:fontRef idx="minor">
+            <a:schemeClr val="tx1"/>
+          </a:fontRef>
+        </p:style>
+        <p:txBody>
+          <a:bodyPr rtlCol="0" anchor="ctr"/>
+          <a:lstStyle/>
+          <a:p>
+            <a:pPr algn="ctr"/>
+            <a:endParaRPr kumimoji="1" lang="zh-TW" altLang="en-US"/>
+          </a:p>
+        </p:txBody>
+      </p:sp>
+      <p:cxnSp>
+        <p:nvCxnSpPr>
+          <p:cNvPr id="106" name="直線箭頭接點 105">
+            <a:extLst>
+              <a:ext uri="{FF2B5EF4-FFF2-40B4-BE49-F238E27FC236}">
+                <a16:creationId xmlns:a16="http://schemas.microsoft.com/office/drawing/2014/main" id="{A9D6CC8A-E316-844E-A181-0D2C2690F2AA}"/>
+              </a:ext>
+            </a:extLst>
+          </p:cNvPr>
+          <p:cNvCxnSpPr>
+            <a:cxnSpLocks/>
+          </p:cNvCxnSpPr>
+          <p:nvPr/>
+        </p:nvCxnSpPr>
+        <p:spPr>
+          <a:xfrm>
+            <a:off x="4893013" y="1992350"/>
+            <a:ext cx="0" cy="260205"/>
+          </a:xfrm>
+          <a:prstGeom prst="straightConnector1">
+            <a:avLst/>
+          </a:prstGeom>
+          <a:ln w="12700">
+            <a:solidFill>
+              <a:schemeClr val="accent5">
+                <a:lumMod val="60000"/>
+                <a:lumOff val="40000"/>
+              </a:schemeClr>
+            </a:solidFill>
+            <a:headEnd type="none" w="lg" len="lg"/>
+            <a:tailEnd type="none" w="lg" len="lg"/>
+          </a:ln>
+        </p:spPr>
+        <p:style>
+          <a:lnRef idx="1">
+            <a:schemeClr val="accent1"/>
+          </a:lnRef>
+          <a:fillRef idx="0">
+            <a:schemeClr val="accent1"/>
+          </a:fillRef>
+          <a:effectRef idx="0">
+            <a:schemeClr val="accent1"/>
+          </a:effectRef>
+          <a:fontRef idx="minor">
+            <a:schemeClr val="tx1"/>
+          </a:fontRef>
+        </p:style>
+      </p:cxnSp>
+      <p:cxnSp>
+        <p:nvCxnSpPr>
+          <p:cNvPr id="113" name="直線箭頭接點 112">
+            <a:extLst>
+              <a:ext uri="{FF2B5EF4-FFF2-40B4-BE49-F238E27FC236}">
+                <a16:creationId xmlns:a16="http://schemas.microsoft.com/office/drawing/2014/main" id="{108BDCD4-9BDB-0F4F-86C5-2A9F1635DCCA}"/>
+              </a:ext>
+            </a:extLst>
+          </p:cNvPr>
+          <p:cNvCxnSpPr>
+            <a:cxnSpLocks/>
+          </p:cNvCxnSpPr>
+          <p:nvPr/>
+        </p:nvCxnSpPr>
+        <p:spPr>
+          <a:xfrm flipH="1">
+            <a:off x="2220592" y="1540957"/>
+            <a:ext cx="307010" cy="0"/>
+          </a:xfrm>
+          <a:prstGeom prst="straightConnector1">
+            <a:avLst/>
+          </a:prstGeom>
+          <a:ln w="12700">
+            <a:solidFill>
+              <a:schemeClr val="accent5">
+                <a:lumMod val="60000"/>
+                <a:lumOff val="40000"/>
+              </a:schemeClr>
+            </a:solidFill>
+            <a:headEnd type="none" w="lg" len="lg"/>
+            <a:tailEnd type="none" w="lg" len="lg"/>
+          </a:ln>
+        </p:spPr>
+        <p:style>
+          <a:lnRef idx="1">
+            <a:schemeClr val="accent1"/>
+          </a:lnRef>
+          <a:fillRef idx="0">
+            <a:schemeClr val="accent1"/>
+          </a:fillRef>
+          <a:effectRef idx="0">
+            <a:schemeClr val="accent1"/>
+          </a:effectRef>
+          <a:fontRef idx="minor">
+            <a:schemeClr val="tx1"/>
+          </a:fontRef>
+        </p:style>
+      </p:cxnSp>
+      <p:sp>
+        <p:nvSpPr>
+          <p:cNvPr id="116" name="弧線 115">
+            <a:extLst>
+              <a:ext uri="{FF2B5EF4-FFF2-40B4-BE49-F238E27FC236}">
+                <a16:creationId xmlns:a16="http://schemas.microsoft.com/office/drawing/2014/main" id="{5F680480-A1D9-7247-9F0A-8C0694ED0EE1}"/>
+              </a:ext>
+            </a:extLst>
+          </p:cNvPr>
+          <p:cNvSpPr/>
+          <p:nvPr/>
+        </p:nvSpPr>
+        <p:spPr>
+          <a:xfrm rot="16200000">
+            <a:off x="2063252" y="1464006"/>
+            <a:ext cx="157340" cy="157340"/>
+          </a:xfrm>
+          <a:prstGeom prst="arc">
+            <a:avLst>
+              <a:gd name="adj1" fmla="val 16200000"/>
+              <a:gd name="adj2" fmla="val 5400000"/>
+            </a:avLst>
+          </a:prstGeom>
+          <a:ln w="12700">
+            <a:solidFill>
+              <a:schemeClr val="accent5">
+                <a:lumMod val="60000"/>
+                <a:lumOff val="40000"/>
+              </a:schemeClr>
+            </a:solidFill>
+          </a:ln>
+        </p:spPr>
+        <p:style>
+          <a:lnRef idx="1">
+            <a:schemeClr val="accent1"/>
+          </a:lnRef>
+          <a:fillRef idx="0">
+            <a:schemeClr val="accent1"/>
+          </a:fillRef>
+          <a:effectRef idx="0">
+            <a:schemeClr val="accent1"/>
+          </a:effectRef>
+          <a:fontRef idx="minor">
+            <a:schemeClr val="tx1"/>
+          </a:fontRef>
+        </p:style>
+        <p:txBody>
+          <a:bodyPr rtlCol="0" anchor="ctr"/>
+          <a:lstStyle/>
+          <a:p>
+            <a:pPr algn="ctr"/>
+            <a:endParaRPr kumimoji="1" lang="zh-TW" altLang="en-US"/>
+          </a:p>
+        </p:txBody>
+      </p:sp>
+      <p:cxnSp>
+        <p:nvCxnSpPr>
+          <p:cNvPr id="125" name="直線箭頭接點 124">
+            <a:extLst>
+              <a:ext uri="{FF2B5EF4-FFF2-40B4-BE49-F238E27FC236}">
+                <a16:creationId xmlns:a16="http://schemas.microsoft.com/office/drawing/2014/main" id="{E5664BB0-0CE3-E34D-B995-F4CBFDBAB71E}"/>
+              </a:ext>
+            </a:extLst>
+          </p:cNvPr>
+          <p:cNvCxnSpPr>
+            <a:cxnSpLocks/>
+          </p:cNvCxnSpPr>
+          <p:nvPr/>
+        </p:nvCxnSpPr>
+        <p:spPr>
+          <a:xfrm flipH="1">
+            <a:off x="1985035" y="4305010"/>
+            <a:ext cx="372442" cy="0"/>
+          </a:xfrm>
+          <a:prstGeom prst="straightConnector1">
+            <a:avLst/>
+          </a:prstGeom>
+          <a:ln w="12700">
+            <a:solidFill>
+              <a:schemeClr val="accent5">
+                <a:lumMod val="60000"/>
+                <a:lumOff val="40000"/>
+              </a:schemeClr>
+            </a:solidFill>
+            <a:headEnd type="diamond" w="lg" len="lg"/>
+            <a:tailEnd type="none" w="lg" len="lg"/>
+          </a:ln>
+        </p:spPr>
+        <p:style>
+          <a:lnRef idx="1">
+            <a:schemeClr val="accent1"/>
+          </a:lnRef>
+          <a:fillRef idx="0">
+            <a:schemeClr val="accent1"/>
+          </a:fillRef>
+          <a:effectRef idx="0">
+            <a:schemeClr val="accent1"/>
+          </a:effectRef>
+          <a:fontRef idx="minor">
+            <a:schemeClr val="tx1"/>
+          </a:fontRef>
+        </p:style>
+      </p:cxnSp>
+      <p:cxnSp>
+        <p:nvCxnSpPr>
+          <p:cNvPr id="129" name="直線箭頭接點 128">
+            <a:extLst>
+              <a:ext uri="{FF2B5EF4-FFF2-40B4-BE49-F238E27FC236}">
+                <a16:creationId xmlns:a16="http://schemas.microsoft.com/office/drawing/2014/main" id="{09BBD6ED-C486-A94A-8F55-9CEFABE127EB}"/>
+              </a:ext>
+            </a:extLst>
+          </p:cNvPr>
+          <p:cNvCxnSpPr>
+            <a:cxnSpLocks/>
+          </p:cNvCxnSpPr>
+          <p:nvPr/>
+        </p:nvCxnSpPr>
+        <p:spPr>
+          <a:xfrm flipH="1">
+            <a:off x="4385559" y="4274841"/>
+            <a:ext cx="160238" cy="0"/>
+          </a:xfrm>
+          <a:prstGeom prst="straightConnector1">
+            <a:avLst/>
+          </a:prstGeom>
+          <a:ln w="12700">
+            <a:solidFill>
+              <a:schemeClr val="accent5">
+                <a:lumMod val="60000"/>
+                <a:lumOff val="40000"/>
+              </a:schemeClr>
+            </a:solidFill>
+            <a:headEnd type="none" w="lg" len="lg"/>
+            <a:tailEnd type="diamond" w="lg" len="lg"/>
+          </a:ln>
+        </p:spPr>
+        <p:style>
+          <a:lnRef idx="1">
+            <a:schemeClr val="accent1"/>
+          </a:lnRef>
+          <a:fillRef idx="0">
+            <a:schemeClr val="accent1"/>
+          </a:fillRef>
+          <a:effectRef idx="0">
+            <a:schemeClr val="accent1"/>
+          </a:effectRef>
+          <a:fontRef idx="minor">
+            <a:schemeClr val="tx1"/>
+          </a:fontRef>
+        </p:style>
+      </p:cxnSp>
+      <p:cxnSp>
+        <p:nvCxnSpPr>
+          <p:cNvPr id="132" name="直線箭頭接點 131">
+            <a:extLst>
+              <a:ext uri="{FF2B5EF4-FFF2-40B4-BE49-F238E27FC236}">
+                <a16:creationId xmlns:a16="http://schemas.microsoft.com/office/drawing/2014/main" id="{340916AA-3EBE-4E44-A026-4FE165B03E26}"/>
+              </a:ext>
+            </a:extLst>
+          </p:cNvPr>
+          <p:cNvCxnSpPr>
+            <a:cxnSpLocks/>
+          </p:cNvCxnSpPr>
+          <p:nvPr/>
+        </p:nvCxnSpPr>
+        <p:spPr>
+          <a:xfrm>
+            <a:off x="4546877" y="2409895"/>
+            <a:ext cx="0" cy="1864946"/>
+          </a:xfrm>
+          <a:prstGeom prst="straightConnector1">
+            <a:avLst/>
+          </a:prstGeom>
+          <a:ln w="12700">
+            <a:solidFill>
+              <a:schemeClr val="accent5">
+                <a:lumMod val="60000"/>
+                <a:lumOff val="40000"/>
+              </a:schemeClr>
+            </a:solidFill>
+            <a:headEnd type="none" w="lg" len="lg"/>
+            <a:tailEnd type="none" w="lg" len="lg"/>
+          </a:ln>
+        </p:spPr>
+        <p:style>
+          <a:lnRef idx="1">
+            <a:schemeClr val="accent1"/>
+          </a:lnRef>
+          <a:fillRef idx="0">
+            <a:schemeClr val="accent1"/>
+          </a:fillRef>
+          <a:effectRef idx="0">
+            <a:schemeClr val="accent1"/>
+          </a:effectRef>
+          <a:fontRef idx="minor">
+            <a:schemeClr val="tx1"/>
+          </a:fontRef>
+        </p:style>
+      </p:cxnSp>
+      <p:sp>
+        <p:nvSpPr>
+          <p:cNvPr id="133" name="弧線 132">
+            <a:extLst>
+              <a:ext uri="{FF2B5EF4-FFF2-40B4-BE49-F238E27FC236}">
+                <a16:creationId xmlns:a16="http://schemas.microsoft.com/office/drawing/2014/main" id="{D264F248-C8CE-CF4E-A3D6-D3509C7B9BC9}"/>
+              </a:ext>
+            </a:extLst>
+          </p:cNvPr>
+          <p:cNvSpPr/>
+          <p:nvPr/>
+        </p:nvSpPr>
+        <p:spPr>
+          <a:xfrm>
+            <a:off x="4424997" y="1908090"/>
+            <a:ext cx="241600" cy="241600"/>
+          </a:xfrm>
+          <a:prstGeom prst="arc">
+            <a:avLst>
+              <a:gd name="adj1" fmla="val 16200000"/>
+              <a:gd name="adj2" fmla="val 5400000"/>
+            </a:avLst>
+          </a:prstGeom>
+          <a:ln w="12700">
+            <a:solidFill>
+              <a:schemeClr val="accent5">
+                <a:lumMod val="60000"/>
+                <a:lumOff val="40000"/>
+              </a:schemeClr>
+            </a:solidFill>
+          </a:ln>
+        </p:spPr>
+        <p:style>
+          <a:lnRef idx="1">
+            <a:schemeClr val="accent1"/>
+          </a:lnRef>
+          <a:fillRef idx="0">
+            <a:schemeClr val="accent1"/>
+          </a:fillRef>
+          <a:effectRef idx="0">
+            <a:schemeClr val="accent1"/>
+          </a:effectRef>
+          <a:fontRef idx="minor">
+            <a:schemeClr val="tx1"/>
+          </a:fontRef>
+        </p:style>
+        <p:txBody>
+          <a:bodyPr rtlCol="0" anchor="ctr"/>
+          <a:lstStyle/>
+          <a:p>
+            <a:pPr algn="ctr"/>
+            <a:endParaRPr kumimoji="1" lang="zh-TW" altLang="en-US"/>
+          </a:p>
+        </p:txBody>
+      </p:sp>
+      <p:sp>
+        <p:nvSpPr>
+          <p:cNvPr id="134" name="弧線 133">
+            <a:extLst>
+              <a:ext uri="{FF2B5EF4-FFF2-40B4-BE49-F238E27FC236}">
+                <a16:creationId xmlns:a16="http://schemas.microsoft.com/office/drawing/2014/main" id="{E8109C0E-7851-2B47-B7C2-B43678971C4D}"/>
+              </a:ext>
+            </a:extLst>
+          </p:cNvPr>
+          <p:cNvSpPr/>
+          <p:nvPr/>
+        </p:nvSpPr>
+        <p:spPr>
+          <a:xfrm>
+            <a:off x="4468207" y="2252555"/>
+            <a:ext cx="157340" cy="157340"/>
+          </a:xfrm>
+          <a:prstGeom prst="arc">
+            <a:avLst>
+              <a:gd name="adj1" fmla="val 16200000"/>
+              <a:gd name="adj2" fmla="val 5400000"/>
+            </a:avLst>
+          </a:prstGeom>
+          <a:ln w="12700">
+            <a:solidFill>
+              <a:schemeClr val="accent5">
+                <a:lumMod val="60000"/>
+                <a:lumOff val="40000"/>
+              </a:schemeClr>
+            </a:solidFill>
+          </a:ln>
+        </p:spPr>
+        <p:style>
+          <a:lnRef idx="1">
+            <a:schemeClr val="accent1"/>
+          </a:lnRef>
+          <a:fillRef idx="0">
+            <a:schemeClr val="accent1"/>
+          </a:fillRef>
+          <a:effectRef idx="0">
+            <a:schemeClr val="accent1"/>
+          </a:effectRef>
+          <a:fontRef idx="minor">
+            <a:schemeClr val="tx1"/>
+          </a:fontRef>
+        </p:style>
+        <p:txBody>
+          <a:bodyPr rtlCol="0" anchor="ctr"/>
+          <a:lstStyle/>
+          <a:p>
+            <a:pPr algn="ctr"/>
+            <a:endParaRPr kumimoji="1" lang="zh-TW" altLang="en-US"/>
+          </a:p>
+        </p:txBody>
+      </p:sp>
+      <p:cxnSp>
+        <p:nvCxnSpPr>
+          <p:cNvPr id="135" name="直線箭頭接點 134">
+            <a:extLst>
+              <a:ext uri="{FF2B5EF4-FFF2-40B4-BE49-F238E27FC236}">
+                <a16:creationId xmlns:a16="http://schemas.microsoft.com/office/drawing/2014/main" id="{4D0E9C7D-8995-BE48-A346-FDBAB87A8FE1}"/>
+              </a:ext>
+            </a:extLst>
+          </p:cNvPr>
+          <p:cNvCxnSpPr>
+            <a:cxnSpLocks/>
+          </p:cNvCxnSpPr>
+          <p:nvPr/>
+        </p:nvCxnSpPr>
+        <p:spPr>
+          <a:xfrm>
+            <a:off x="4546877" y="2149690"/>
+            <a:ext cx="0" cy="102865"/>
+          </a:xfrm>
+          <a:prstGeom prst="straightConnector1">
+            <a:avLst/>
+          </a:prstGeom>
+          <a:ln w="12700">
+            <a:solidFill>
+              <a:schemeClr val="accent5">
+                <a:lumMod val="60000"/>
+                <a:lumOff val="40000"/>
+              </a:schemeClr>
+            </a:solidFill>
+            <a:headEnd type="none" w="lg" len="lg"/>
+            <a:tailEnd type="none" w="lg" len="lg"/>
+          </a:ln>
+        </p:spPr>
+        <p:style>
+          <a:lnRef idx="1">
+            <a:schemeClr val="accent1"/>
+          </a:lnRef>
+          <a:fillRef idx="0">
+            <a:schemeClr val="accent1"/>
+          </a:fillRef>
+          <a:effectRef idx="0">
+            <a:schemeClr val="accent1"/>
+          </a:effectRef>
+          <a:fontRef idx="minor">
+            <a:schemeClr val="tx1"/>
+          </a:fontRef>
+        </p:style>
+      </p:cxnSp>
+      <p:cxnSp>
+        <p:nvCxnSpPr>
+          <p:cNvPr id="138" name="直線箭頭接點 137">
+            <a:extLst>
+              <a:ext uri="{FF2B5EF4-FFF2-40B4-BE49-F238E27FC236}">
+                <a16:creationId xmlns:a16="http://schemas.microsoft.com/office/drawing/2014/main" id="{0E3DD0D1-AC30-954A-BACE-62BDD456819B}"/>
+              </a:ext>
+            </a:extLst>
+          </p:cNvPr>
+          <p:cNvCxnSpPr>
+            <a:cxnSpLocks/>
+          </p:cNvCxnSpPr>
+          <p:nvPr/>
+        </p:nvCxnSpPr>
+        <p:spPr>
+          <a:xfrm>
+            <a:off x="4546877" y="671906"/>
+            <a:ext cx="0" cy="1236184"/>
+          </a:xfrm>
+          <a:prstGeom prst="straightConnector1">
+            <a:avLst/>
+          </a:prstGeom>
+          <a:ln w="12700">
+            <a:solidFill>
+              <a:schemeClr val="accent5">
+                <a:lumMod val="60000"/>
+                <a:lumOff val="40000"/>
+              </a:schemeClr>
+            </a:solidFill>
+            <a:headEnd type="none" w="lg" len="lg"/>
+            <a:tailEnd type="none" w="lg" len="lg"/>
+          </a:ln>
+        </p:spPr>
+        <p:style>
+          <a:lnRef idx="1">
+            <a:schemeClr val="accent1"/>
+          </a:lnRef>
+          <a:fillRef idx="0">
+            <a:schemeClr val="accent1"/>
+          </a:fillRef>
+          <a:effectRef idx="0">
+            <a:schemeClr val="accent1"/>
+          </a:effectRef>
+          <a:fontRef idx="minor">
+            <a:schemeClr val="tx1"/>
+          </a:fontRef>
+        </p:style>
+      </p:cxnSp>
+      <p:cxnSp>
+        <p:nvCxnSpPr>
+          <p:cNvPr id="143" name="直線箭頭接點 142">
+            <a:extLst>
+              <a:ext uri="{FF2B5EF4-FFF2-40B4-BE49-F238E27FC236}">
+                <a16:creationId xmlns:a16="http://schemas.microsoft.com/office/drawing/2014/main" id="{8D7674E2-3248-B542-AA7F-078FA2BFF2C2}"/>
+              </a:ext>
+            </a:extLst>
+          </p:cNvPr>
+          <p:cNvCxnSpPr>
+            <a:cxnSpLocks/>
+          </p:cNvCxnSpPr>
+          <p:nvPr/>
+        </p:nvCxnSpPr>
+        <p:spPr>
+          <a:xfrm flipH="1">
+            <a:off x="4544458" y="671906"/>
+            <a:ext cx="616648" cy="0"/>
+          </a:xfrm>
+          <a:prstGeom prst="straightConnector1">
+            <a:avLst/>
+          </a:prstGeom>
+          <a:ln w="12700">
+            <a:solidFill>
+              <a:schemeClr val="accent5">
+                <a:lumMod val="60000"/>
+                <a:lumOff val="40000"/>
+              </a:schemeClr>
+            </a:solidFill>
+            <a:headEnd type="none" w="lg" len="lg"/>
+            <a:tailEnd type="none" w="lg" len="lg"/>
+          </a:ln>
+        </p:spPr>
+        <p:style>
+          <a:lnRef idx="1">
+            <a:schemeClr val="accent1"/>
+          </a:lnRef>
+          <a:fillRef idx="0">
+            <a:schemeClr val="accent1"/>
+          </a:fillRef>
+          <a:effectRef idx="0">
+            <a:schemeClr val="accent1"/>
+          </a:effectRef>
+          <a:fontRef idx="minor">
+            <a:schemeClr val="tx1"/>
+          </a:fontRef>
+        </p:style>
+      </p:cxnSp>
+      <p:cxnSp>
+        <p:nvCxnSpPr>
+          <p:cNvPr id="146" name="直線箭頭接點 145">
+            <a:extLst>
+              <a:ext uri="{FF2B5EF4-FFF2-40B4-BE49-F238E27FC236}">
+                <a16:creationId xmlns:a16="http://schemas.microsoft.com/office/drawing/2014/main" id="{45C885EC-F789-0144-BE2D-0432D07DDBB1}"/>
+              </a:ext>
+            </a:extLst>
+          </p:cNvPr>
+          <p:cNvCxnSpPr>
+            <a:cxnSpLocks/>
+          </p:cNvCxnSpPr>
+          <p:nvPr/>
+        </p:nvCxnSpPr>
+        <p:spPr>
+          <a:xfrm flipH="1">
+            <a:off x="4719653" y="2657442"/>
+            <a:ext cx="441454" cy="0"/>
+          </a:xfrm>
+          <a:prstGeom prst="straightConnector1">
+            <a:avLst/>
+          </a:prstGeom>
+          <a:ln w="12700">
+            <a:solidFill>
+              <a:schemeClr val="accent2"/>
+            </a:solidFill>
+            <a:headEnd type="none" w="lg" len="lg"/>
+            <a:tailEnd type="none" w="lg" len="lg"/>
+          </a:ln>
+        </p:spPr>
+        <p:style>
+          <a:lnRef idx="1">
+            <a:schemeClr val="accent1"/>
+          </a:lnRef>
+          <a:fillRef idx="0">
+            <a:schemeClr val="accent1"/>
+          </a:fillRef>
+          <a:effectRef idx="0">
+            <a:schemeClr val="accent1"/>
+          </a:effectRef>
+          <a:fontRef idx="minor">
+            <a:schemeClr val="tx1"/>
+          </a:fontRef>
+        </p:style>
+      </p:cxnSp>
+      <p:cxnSp>
+        <p:nvCxnSpPr>
+          <p:cNvPr id="149" name="直線箭頭接點 148">
+            <a:extLst>
+              <a:ext uri="{FF2B5EF4-FFF2-40B4-BE49-F238E27FC236}">
+                <a16:creationId xmlns:a16="http://schemas.microsoft.com/office/drawing/2014/main" id="{D4792B7C-262D-FF4F-98FC-BB626A275B8A}"/>
+              </a:ext>
+            </a:extLst>
+          </p:cNvPr>
+          <p:cNvCxnSpPr>
+            <a:cxnSpLocks/>
+          </p:cNvCxnSpPr>
+          <p:nvPr/>
+        </p:nvCxnSpPr>
+        <p:spPr>
+          <a:xfrm flipH="1">
+            <a:off x="1903771" y="5669914"/>
+            <a:ext cx="3341221" cy="0"/>
+          </a:xfrm>
+          <a:prstGeom prst="straightConnector1">
+            <a:avLst/>
+          </a:prstGeom>
+          <a:ln w="12700">
+            <a:solidFill>
+              <a:schemeClr val="accent2"/>
+            </a:solidFill>
+            <a:headEnd type="none" w="lg" len="lg"/>
+            <a:tailEnd type="diamond" w="lg" len="lg"/>
+          </a:ln>
+        </p:spPr>
+        <p:style>
+          <a:lnRef idx="1">
+            <a:schemeClr val="accent1"/>
+          </a:lnRef>
+          <a:fillRef idx="0">
+            <a:schemeClr val="accent1"/>
+          </a:fillRef>
+          <a:effectRef idx="0">
+            <a:schemeClr val="accent1"/>
+          </a:effectRef>
+          <a:fontRef idx="minor">
+            <a:schemeClr val="tx1"/>
+          </a:fontRef>
+        </p:style>
+      </p:cxnSp>
+      <p:cxnSp>
+        <p:nvCxnSpPr>
+          <p:cNvPr id="151" name="直線箭頭接點 150">
+            <a:extLst>
+              <a:ext uri="{FF2B5EF4-FFF2-40B4-BE49-F238E27FC236}">
+                <a16:creationId xmlns:a16="http://schemas.microsoft.com/office/drawing/2014/main" id="{30EC1883-5022-644A-84FD-F5229D20695B}"/>
+              </a:ext>
+            </a:extLst>
+          </p:cNvPr>
+          <p:cNvCxnSpPr>
+            <a:cxnSpLocks/>
+          </p:cNvCxnSpPr>
+          <p:nvPr/>
+        </p:nvCxnSpPr>
+        <p:spPr>
+          <a:xfrm>
+            <a:off x="4719653" y="2657442"/>
+            <a:ext cx="0" cy="3012472"/>
+          </a:xfrm>
+          <a:prstGeom prst="straightConnector1">
+            <a:avLst/>
+          </a:prstGeom>
+          <a:ln w="12700">
+            <a:solidFill>
+              <a:schemeClr val="accent2"/>
+            </a:solidFill>
+            <a:headEnd type="none" w="lg" len="lg"/>
+            <a:tailEnd type="none" w="lg" len="lg"/>
+          </a:ln>
+        </p:spPr>
+        <p:style>
+          <a:lnRef idx="1">
+            <a:schemeClr val="accent1"/>
+          </a:lnRef>
+          <a:fillRef idx="0">
+            <a:schemeClr val="accent1"/>
+          </a:fillRef>
+          <a:effectRef idx="0">
+            <a:schemeClr val="accent1"/>
+          </a:effectRef>
+          <a:fontRef idx="minor">
+            <a:schemeClr val="tx1"/>
+          </a:fontRef>
+        </p:style>
+      </p:cxnSp>
+      <p:cxnSp>
+        <p:nvCxnSpPr>
+          <p:cNvPr id="160" name="直線箭頭接點 159">
+            <a:extLst>
+              <a:ext uri="{FF2B5EF4-FFF2-40B4-BE49-F238E27FC236}">
+                <a16:creationId xmlns:a16="http://schemas.microsoft.com/office/drawing/2014/main" id="{2345A21A-9FE7-734D-9F26-83C17B5C3BC4}"/>
+              </a:ext>
+            </a:extLst>
+          </p:cNvPr>
+          <p:cNvCxnSpPr>
+            <a:cxnSpLocks/>
+          </p:cNvCxnSpPr>
+          <p:nvPr/>
+        </p:nvCxnSpPr>
+        <p:spPr>
+          <a:xfrm flipH="1">
+            <a:off x="1985035" y="1540957"/>
+            <a:ext cx="78217" cy="0"/>
+          </a:xfrm>
+          <a:prstGeom prst="straightConnector1">
+            <a:avLst/>
+          </a:prstGeom>
+          <a:ln w="12700">
+            <a:solidFill>
+              <a:schemeClr val="accent5">
+                <a:lumMod val="60000"/>
+                <a:lumOff val="40000"/>
+              </a:schemeClr>
+            </a:solidFill>
+            <a:headEnd type="none" w="lg" len="lg"/>
+            <a:tailEnd type="none" w="lg" len="lg"/>
+          </a:ln>
+        </p:spPr>
+        <p:style>
+          <a:lnRef idx="1">
+            <a:schemeClr val="accent1"/>
+          </a:lnRef>
+          <a:fillRef idx="0">
+            <a:schemeClr val="accent1"/>
+          </a:fillRef>
+          <a:effectRef idx="0">
+            <a:schemeClr val="accent1"/>
+          </a:effectRef>
+          <a:fontRef idx="minor">
+            <a:schemeClr val="tx1"/>
+          </a:fontRef>
+        </p:style>
+      </p:cxnSp>
+      <p:cxnSp>
+        <p:nvCxnSpPr>
+          <p:cNvPr id="165" name="直線箭頭接點 164">
+            <a:extLst>
+              <a:ext uri="{FF2B5EF4-FFF2-40B4-BE49-F238E27FC236}">
+                <a16:creationId xmlns:a16="http://schemas.microsoft.com/office/drawing/2014/main" id="{CAB31749-65CA-9847-B28A-DC25FB481350}"/>
+              </a:ext>
+            </a:extLst>
+          </p:cNvPr>
+          <p:cNvCxnSpPr>
+            <a:cxnSpLocks/>
+          </p:cNvCxnSpPr>
+          <p:nvPr/>
+        </p:nvCxnSpPr>
+        <p:spPr>
+          <a:xfrm>
+            <a:off x="1985036" y="1540957"/>
+            <a:ext cx="0" cy="2764053"/>
+          </a:xfrm>
+          <a:prstGeom prst="straightConnector1">
+            <a:avLst/>
+          </a:prstGeom>
+          <a:ln w="12700">
+            <a:solidFill>
+              <a:schemeClr val="accent5">
+                <a:lumMod val="60000"/>
+                <a:lumOff val="40000"/>
+              </a:schemeClr>
+            </a:solidFill>
+            <a:headEnd type="none" w="lg" len="lg"/>
+            <a:tailEnd type="none" w="lg" len="lg"/>
+          </a:ln>
+        </p:spPr>
+        <p:style>
+          <a:lnRef idx="1">
+            <a:schemeClr val="accent1"/>
+          </a:lnRef>
+          <a:fillRef idx="0">
+            <a:schemeClr val="accent1"/>
+          </a:fillRef>
+          <a:effectRef idx="0">
+            <a:schemeClr val="accent1"/>
+          </a:effectRef>
+          <a:fontRef idx="minor">
+            <a:schemeClr val="tx1"/>
+          </a:fontRef>
+        </p:style>
+      </p:cxnSp>
+      <p:cxnSp>
+        <p:nvCxnSpPr>
+          <p:cNvPr id="170" name="直線箭頭接點 169">
+            <a:extLst>
+              <a:ext uri="{FF2B5EF4-FFF2-40B4-BE49-F238E27FC236}">
+                <a16:creationId xmlns:a16="http://schemas.microsoft.com/office/drawing/2014/main" id="{57A4F4AF-336B-E949-95E8-061506FF6537}"/>
+              </a:ext>
+            </a:extLst>
+          </p:cNvPr>
+          <p:cNvCxnSpPr>
+            <a:cxnSpLocks/>
+          </p:cNvCxnSpPr>
+          <p:nvPr/>
+        </p:nvCxnSpPr>
+        <p:spPr>
+          <a:xfrm>
+            <a:off x="1821564" y="795017"/>
+            <a:ext cx="0" cy="4082688"/>
+          </a:xfrm>
+          <a:prstGeom prst="straightConnector1">
+            <a:avLst/>
+          </a:prstGeom>
+          <a:ln w="12700">
+            <a:solidFill>
+              <a:schemeClr val="accent2"/>
+            </a:solidFill>
+            <a:headEnd type="none" w="lg" len="lg"/>
+            <a:tailEnd type="diamond" w="lg" len="lg"/>
+          </a:ln>
+        </p:spPr>
+        <p:style>
+          <a:lnRef idx="1">
+            <a:schemeClr val="accent1"/>
+          </a:lnRef>
+          <a:fillRef idx="0">
+            <a:schemeClr val="accent1"/>
+          </a:fillRef>
+          <a:effectRef idx="0">
+            <a:schemeClr val="accent1"/>
+          </a:effectRef>
+          <a:fontRef idx="minor">
+            <a:schemeClr val="tx1"/>
+          </a:fontRef>
+        </p:style>
+      </p:cxnSp>
+      <p:cxnSp>
+        <p:nvCxnSpPr>
+          <p:cNvPr id="173" name="直線箭頭接點 172">
+            <a:extLst>
+              <a:ext uri="{FF2B5EF4-FFF2-40B4-BE49-F238E27FC236}">
+                <a16:creationId xmlns:a16="http://schemas.microsoft.com/office/drawing/2014/main" id="{A8921FB6-6770-DC46-8B95-F7ED98BCC816}"/>
+              </a:ext>
+            </a:extLst>
+          </p:cNvPr>
+          <p:cNvCxnSpPr>
+            <a:cxnSpLocks/>
+          </p:cNvCxnSpPr>
+          <p:nvPr/>
+        </p:nvCxnSpPr>
+        <p:spPr>
+          <a:xfrm flipH="1">
+            <a:off x="1821564" y="4588792"/>
+            <a:ext cx="535912" cy="0"/>
+          </a:xfrm>
+          <a:prstGeom prst="straightConnector1">
+            <a:avLst/>
+          </a:prstGeom>
+          <a:ln w="12700">
+            <a:solidFill>
+              <a:schemeClr val="accent2"/>
+            </a:solidFill>
+            <a:headEnd type="none" w="lg" len="lg"/>
+            <a:tailEnd type="none" w="lg" len="lg"/>
+          </a:ln>
+        </p:spPr>
+        <p:style>
+          <a:lnRef idx="1">
+            <a:schemeClr val="accent1"/>
+          </a:lnRef>
+          <a:fillRef idx="0">
+            <a:schemeClr val="accent1"/>
+          </a:fillRef>
+          <a:effectRef idx="0">
+            <a:schemeClr val="accent1"/>
+          </a:effectRef>
+          <a:fontRef idx="minor">
+            <a:schemeClr val="tx1"/>
+          </a:fontRef>
+        </p:style>
+      </p:cxnSp>
+      <p:cxnSp>
+        <p:nvCxnSpPr>
+          <p:cNvPr id="175" name="直線箭頭接點 174">
+            <a:extLst>
+              <a:ext uri="{FF2B5EF4-FFF2-40B4-BE49-F238E27FC236}">
+                <a16:creationId xmlns:a16="http://schemas.microsoft.com/office/drawing/2014/main" id="{E8870B77-7286-B44A-A643-AC15661D1BED}"/>
+              </a:ext>
+            </a:extLst>
+          </p:cNvPr>
+          <p:cNvCxnSpPr>
+            <a:cxnSpLocks/>
+          </p:cNvCxnSpPr>
+          <p:nvPr/>
+        </p:nvCxnSpPr>
+        <p:spPr>
+          <a:xfrm flipH="1">
+            <a:off x="1821564" y="3024988"/>
+            <a:ext cx="535912" cy="0"/>
+          </a:xfrm>
+          <a:prstGeom prst="straightConnector1">
+            <a:avLst/>
+          </a:prstGeom>
+          <a:ln w="12700">
+            <a:solidFill>
+              <a:schemeClr val="accent2"/>
+            </a:solidFill>
+            <a:headEnd type="none" w="lg" len="lg"/>
+            <a:tailEnd type="none" w="lg" len="lg"/>
+          </a:ln>
+        </p:spPr>
+        <p:style>
+          <a:lnRef idx="1">
+            <a:schemeClr val="accent1"/>
+          </a:lnRef>
+          <a:fillRef idx="0">
+            <a:schemeClr val="accent1"/>
+          </a:fillRef>
+          <a:effectRef idx="0">
+            <a:schemeClr val="accent1"/>
+          </a:effectRef>
+          <a:fontRef idx="minor">
+            <a:schemeClr val="tx1"/>
+          </a:fontRef>
+        </p:style>
+      </p:cxnSp>
+      <p:cxnSp>
+        <p:nvCxnSpPr>
+          <p:cNvPr id="176" name="直線箭頭接點 175">
+            <a:extLst>
+              <a:ext uri="{FF2B5EF4-FFF2-40B4-BE49-F238E27FC236}">
+                <a16:creationId xmlns:a16="http://schemas.microsoft.com/office/drawing/2014/main" id="{BD0F0298-924A-C146-B865-68D0747DC8DD}"/>
+              </a:ext>
+            </a:extLst>
+          </p:cNvPr>
+          <p:cNvCxnSpPr>
+            <a:cxnSpLocks/>
+          </p:cNvCxnSpPr>
+          <p:nvPr/>
+        </p:nvCxnSpPr>
+        <p:spPr>
+          <a:xfrm flipH="1">
+            <a:off x="1821564" y="795017"/>
+            <a:ext cx="706037" cy="0"/>
+          </a:xfrm>
+          <a:prstGeom prst="straightConnector1">
+            <a:avLst/>
+          </a:prstGeom>
+          <a:ln w="12700">
+            <a:solidFill>
+              <a:schemeClr val="accent2"/>
+            </a:solidFill>
+            <a:headEnd type="none" w="lg" len="lg"/>
+            <a:tailEnd type="none" w="lg" len="lg"/>
+          </a:ln>
+        </p:spPr>
+        <p:style>
+          <a:lnRef idx="1">
+            <a:schemeClr val="accent1"/>
+          </a:lnRef>
+          <a:fillRef idx="0">
+            <a:schemeClr val="accent1"/>
+          </a:fillRef>
+          <a:effectRef idx="0">
+            <a:schemeClr val="accent1"/>
+          </a:effectRef>
+          <a:fontRef idx="minor">
+            <a:schemeClr val="tx1"/>
+          </a:fontRef>
+        </p:style>
+      </p:cxnSp>
+      <p:grpSp>
+        <p:nvGrpSpPr>
+          <p:cNvPr id="192" name="群組 191">
+            <a:extLst>
+              <a:ext uri="{FF2B5EF4-FFF2-40B4-BE49-F238E27FC236}">
+                <a16:creationId xmlns:a16="http://schemas.microsoft.com/office/drawing/2014/main" id="{20B04890-F5D3-3A4D-B292-7C18D5A11CFE}"/>
+              </a:ext>
+            </a:extLst>
+          </p:cNvPr>
+          <p:cNvGrpSpPr/>
+          <p:nvPr/>
+        </p:nvGrpSpPr>
+        <p:grpSpPr>
+          <a:xfrm>
+            <a:off x="2096035" y="7339193"/>
+            <a:ext cx="1094915" cy="1521168"/>
+            <a:chOff x="2039853" y="6612468"/>
+            <a:chExt cx="1094915" cy="1521168"/>
+          </a:xfrm>
+        </p:grpSpPr>
+        <p:cxnSp>
+          <p:nvCxnSpPr>
+            <p:cNvPr id="182" name="直線箭頭接點 181">
+              <a:extLst>
+                <a:ext uri="{FF2B5EF4-FFF2-40B4-BE49-F238E27FC236}">
+                  <a16:creationId xmlns:a16="http://schemas.microsoft.com/office/drawing/2014/main" id="{BFCC4543-E24A-BD43-BD46-3FF7A459B788}"/>
+                </a:ext>
+              </a:extLst>
+            </p:cNvPr>
+            <p:cNvCxnSpPr>
+              <a:cxnSpLocks/>
+            </p:cNvCxnSpPr>
+            <p:nvPr/>
+          </p:nvCxnSpPr>
+          <p:spPr>
+            <a:xfrm flipH="1">
+              <a:off x="2314287" y="6750968"/>
+              <a:ext cx="430458" cy="0"/>
+            </a:xfrm>
+            <a:prstGeom prst="straightConnector1">
+              <a:avLst/>
+            </a:prstGeom>
+            <a:ln w="12700">
+              <a:solidFill>
+                <a:schemeClr val="tx1"/>
+              </a:solidFill>
+              <a:headEnd w="lg" len="lg"/>
+              <a:tailEnd type="triangle" w="lg" len="lg"/>
+            </a:ln>
+          </p:spPr>
+          <p:style>
+            <a:lnRef idx="1">
+              <a:schemeClr val="accent1"/>
+            </a:lnRef>
+            <a:fillRef idx="0">
+              <a:schemeClr val="accent1"/>
+            </a:fillRef>
+            <a:effectRef idx="0">
+              <a:schemeClr val="accent1"/>
+            </a:effectRef>
+            <a:fontRef idx="minor">
+              <a:schemeClr val="tx1"/>
+            </a:fontRef>
+          </p:style>
+        </p:cxnSp>
+        <p:sp>
+          <p:nvSpPr>
+            <p:cNvPr id="185" name="文字方塊 184">
+              <a:extLst>
+                <a:ext uri="{FF2B5EF4-FFF2-40B4-BE49-F238E27FC236}">
+                  <a16:creationId xmlns:a16="http://schemas.microsoft.com/office/drawing/2014/main" id="{8DD24F51-F400-ED4C-AC40-724910BE3ABB}"/>
+                </a:ext>
+              </a:extLst>
+            </p:cNvPr>
+            <p:cNvSpPr txBox="1"/>
+            <p:nvPr/>
+          </p:nvSpPr>
+          <p:spPr>
+            <a:xfrm>
+              <a:off x="2039853" y="6612468"/>
+              <a:ext cx="274434" cy="276999"/>
+            </a:xfrm>
+            <a:prstGeom prst="rect">
+              <a:avLst/>
+            </a:prstGeom>
+            <a:noFill/>
+          </p:spPr>
+          <p:txBody>
+            <a:bodyPr wrap="none" rtlCol="0">
+              <a:spAutoFit/>
+            </a:bodyPr>
+            <a:lstStyle/>
+            <a:p>
+              <a:r>
+                <a:rPr kumimoji="1" lang="en-US" altLang="zh-TW" sz="1200" dirty="0"/>
+                <a:t>A</a:t>
+              </a:r>
+              <a:endParaRPr kumimoji="1" lang="zh-TW" altLang="en-US" sz="1200" dirty="0"/>
+            </a:p>
+          </p:txBody>
+        </p:sp>
+        <p:sp>
+          <p:nvSpPr>
+            <p:cNvPr id="186" name="文字方塊 185">
+              <a:extLst>
+                <a:ext uri="{FF2B5EF4-FFF2-40B4-BE49-F238E27FC236}">
+                  <a16:creationId xmlns:a16="http://schemas.microsoft.com/office/drawing/2014/main" id="{66D8FFB1-199D-0B4E-B05C-BCAEAEE9D91F}"/>
+                </a:ext>
+              </a:extLst>
+            </p:cNvPr>
+            <p:cNvSpPr txBox="1"/>
+            <p:nvPr/>
+          </p:nvSpPr>
+          <p:spPr>
+            <a:xfrm>
+              <a:off x="2780063" y="6612468"/>
+              <a:ext cx="274434" cy="276999"/>
+            </a:xfrm>
+            <a:prstGeom prst="rect">
+              <a:avLst/>
+            </a:prstGeom>
+            <a:noFill/>
+          </p:spPr>
+          <p:txBody>
+            <a:bodyPr wrap="none" rtlCol="0">
+              <a:spAutoFit/>
+            </a:bodyPr>
+            <a:lstStyle/>
+            <a:p>
+              <a:r>
+                <a:rPr kumimoji="1" lang="en-US" altLang="zh-TW" sz="1200" dirty="0"/>
+                <a:t>B</a:t>
+              </a:r>
+              <a:endParaRPr kumimoji="1" lang="zh-TW" altLang="en-US" sz="1200" dirty="0"/>
+            </a:p>
+          </p:txBody>
+        </p:sp>
+        <p:sp>
+          <p:nvSpPr>
+            <p:cNvPr id="187" name="文字方塊 186">
+              <a:extLst>
+                <a:ext uri="{FF2B5EF4-FFF2-40B4-BE49-F238E27FC236}">
+                  <a16:creationId xmlns:a16="http://schemas.microsoft.com/office/drawing/2014/main" id="{0D1EE03A-3DAF-8C47-A06C-9E5D7BC619B1}"/>
+                </a:ext>
+              </a:extLst>
+            </p:cNvPr>
+            <p:cNvSpPr txBox="1"/>
+            <p:nvPr/>
+          </p:nvSpPr>
+          <p:spPr>
+            <a:xfrm>
+              <a:off x="2039853" y="6825037"/>
+              <a:ext cx="1091581" cy="461665"/>
+            </a:xfrm>
+            <a:prstGeom prst="rect">
+              <a:avLst/>
+            </a:prstGeom>
+            <a:noFill/>
+          </p:spPr>
+          <p:txBody>
+            <a:bodyPr wrap="none" rtlCol="0">
+              <a:spAutoFit/>
+            </a:bodyPr>
+            <a:lstStyle/>
+            <a:p>
+              <a:r>
+                <a:rPr kumimoji="1" lang="en-US" altLang="zh-TW" sz="1200" dirty="0"/>
+                <a:t>A: Parent class</a:t>
+              </a:r>
+            </a:p>
+            <a:p>
+              <a:r>
+                <a:rPr kumimoji="1" lang="en-US" altLang="zh-TW" sz="1200" dirty="0"/>
+                <a:t>B: Child class</a:t>
+              </a:r>
+              <a:endParaRPr kumimoji="1" lang="zh-TW" altLang="en-US" sz="1200" dirty="0"/>
+            </a:p>
+          </p:txBody>
+        </p:sp>
+        <p:cxnSp>
+          <p:nvCxnSpPr>
+            <p:cNvPr id="188" name="直線箭頭接點 187">
+              <a:extLst>
+                <a:ext uri="{FF2B5EF4-FFF2-40B4-BE49-F238E27FC236}">
+                  <a16:creationId xmlns:a16="http://schemas.microsoft.com/office/drawing/2014/main" id="{C763164E-A5B2-2043-BAE4-A17A32ED7BB0}"/>
+                </a:ext>
+              </a:extLst>
+            </p:cNvPr>
+            <p:cNvCxnSpPr>
+              <a:cxnSpLocks/>
+            </p:cNvCxnSpPr>
+            <p:nvPr/>
+          </p:nvCxnSpPr>
+          <p:spPr>
+            <a:xfrm flipH="1">
+              <a:off x="2352123" y="7589363"/>
+              <a:ext cx="430458" cy="0"/>
+            </a:xfrm>
+            <a:prstGeom prst="straightConnector1">
+              <a:avLst/>
+            </a:prstGeom>
+            <a:ln w="12700">
+              <a:solidFill>
+                <a:schemeClr val="tx1"/>
+              </a:solidFill>
+              <a:headEnd w="lg" len="lg"/>
+              <a:tailEnd type="diamond" w="lg" len="lg"/>
+            </a:ln>
+          </p:spPr>
+          <p:style>
+            <a:lnRef idx="1">
+              <a:schemeClr val="accent1"/>
+            </a:lnRef>
+            <a:fillRef idx="0">
+              <a:schemeClr val="accent1"/>
+            </a:fillRef>
+            <a:effectRef idx="0">
+              <a:schemeClr val="accent1"/>
+            </a:effectRef>
+            <a:fontRef idx="minor">
+              <a:schemeClr val="tx1"/>
+            </a:fontRef>
+          </p:style>
+        </p:cxnSp>
+        <p:sp>
+          <p:nvSpPr>
+            <p:cNvPr id="189" name="文字方塊 188">
+              <a:extLst>
+                <a:ext uri="{FF2B5EF4-FFF2-40B4-BE49-F238E27FC236}">
+                  <a16:creationId xmlns:a16="http://schemas.microsoft.com/office/drawing/2014/main" id="{A310A497-13E1-DD4A-8816-4A3FACB954B8}"/>
+                </a:ext>
+              </a:extLst>
+            </p:cNvPr>
+            <p:cNvSpPr txBox="1"/>
+            <p:nvPr/>
+          </p:nvSpPr>
+          <p:spPr>
+            <a:xfrm>
+              <a:off x="2039853" y="7450863"/>
+              <a:ext cx="274434" cy="276999"/>
+            </a:xfrm>
+            <a:prstGeom prst="rect">
+              <a:avLst/>
+            </a:prstGeom>
+            <a:noFill/>
+          </p:spPr>
+          <p:txBody>
+            <a:bodyPr wrap="none" rtlCol="0">
+              <a:spAutoFit/>
+            </a:bodyPr>
+            <a:lstStyle/>
+            <a:p>
+              <a:r>
+                <a:rPr kumimoji="1" lang="en-US" altLang="zh-TW" sz="1200" dirty="0"/>
+                <a:t>A</a:t>
+              </a:r>
+              <a:endParaRPr kumimoji="1" lang="zh-TW" altLang="en-US" sz="1200" dirty="0"/>
+            </a:p>
+          </p:txBody>
+        </p:sp>
+        <p:sp>
+          <p:nvSpPr>
+            <p:cNvPr id="190" name="文字方塊 189">
+              <a:extLst>
+                <a:ext uri="{FF2B5EF4-FFF2-40B4-BE49-F238E27FC236}">
+                  <a16:creationId xmlns:a16="http://schemas.microsoft.com/office/drawing/2014/main" id="{0ECA7D71-EA3E-9C4D-BE93-9074B8A12A57}"/>
+                </a:ext>
+              </a:extLst>
+            </p:cNvPr>
+            <p:cNvSpPr txBox="1"/>
+            <p:nvPr/>
+          </p:nvSpPr>
+          <p:spPr>
+            <a:xfrm>
+              <a:off x="2780063" y="7450863"/>
+              <a:ext cx="274434" cy="276999"/>
+            </a:xfrm>
+            <a:prstGeom prst="rect">
+              <a:avLst/>
+            </a:prstGeom>
+            <a:noFill/>
+          </p:spPr>
+          <p:txBody>
+            <a:bodyPr wrap="none" rtlCol="0">
+              <a:spAutoFit/>
+            </a:bodyPr>
+            <a:lstStyle/>
+            <a:p>
+              <a:r>
+                <a:rPr kumimoji="1" lang="en-US" altLang="zh-TW" sz="1200" dirty="0"/>
+                <a:t>B</a:t>
+              </a:r>
+              <a:endParaRPr kumimoji="1" lang="zh-TW" altLang="en-US" sz="1200" dirty="0"/>
+            </a:p>
+          </p:txBody>
+        </p:sp>
+        <p:sp>
+          <p:nvSpPr>
+            <p:cNvPr id="191" name="文字方塊 190">
+              <a:extLst>
+                <a:ext uri="{FF2B5EF4-FFF2-40B4-BE49-F238E27FC236}">
+                  <a16:creationId xmlns:a16="http://schemas.microsoft.com/office/drawing/2014/main" id="{17B8D172-7E82-0840-82D8-BB1AAF5FF95E}"/>
+                </a:ext>
+              </a:extLst>
+            </p:cNvPr>
+            <p:cNvSpPr txBox="1"/>
+            <p:nvPr/>
+          </p:nvSpPr>
+          <p:spPr>
+            <a:xfrm>
+              <a:off x="2039853" y="7671971"/>
+              <a:ext cx="1094915" cy="461665"/>
+            </a:xfrm>
+            <a:prstGeom prst="rect">
+              <a:avLst/>
+            </a:prstGeom>
+            <a:noFill/>
+          </p:spPr>
+          <p:txBody>
+            <a:bodyPr wrap="square" rtlCol="0">
+              <a:spAutoFit/>
+            </a:bodyPr>
+            <a:lstStyle/>
+            <a:p>
+              <a:r>
+                <a:rPr kumimoji="1" lang="en-US" altLang="zh-TW" sz="1200" dirty="0"/>
+                <a:t>A includes B’s header file</a:t>
+              </a:r>
+              <a:endParaRPr kumimoji="1" lang="zh-TW" altLang="en-US" sz="1200" dirty="0"/>
             </a:p>
           </p:txBody>
         </p:sp>

--- a/C++_and_OOP/NCTU/project1/HW1_609001002/pics.pptx
+++ b/C++_and_OOP/NCTU/project1/HW1_609001002/pics.pptx
@@ -7,6 +7,7 @@
   <p:sldIdLst>
     <p:sldId id="256" r:id="rId2"/>
     <p:sldId id="257" r:id="rId3"/>
+    <p:sldId id="258" r:id="rId4"/>
   </p:sldIdLst>
   <p:sldSz cx="6858000" cy="9906000" type="A4"/>
   <p:notesSz cx="6858000" cy="9144000"/>
@@ -244,7 +245,7 @@
           <a:p>
             <a:fld id="{CFD73A00-8293-3E44-B8FC-1344C5A2E5D4}" type="datetimeFigureOut">
               <a:rPr kumimoji="1" lang="zh-TW" altLang="en-US" smtClean="0"/>
-              <a:t>2021/4/28</a:t>
+              <a:t>2021/4/29</a:t>
             </a:fld>
             <a:endParaRPr kumimoji="1" lang="zh-TW" altLang="en-US"/>
           </a:p>
@@ -414,7 +415,7 @@
           <a:p>
             <a:fld id="{CFD73A00-8293-3E44-B8FC-1344C5A2E5D4}" type="datetimeFigureOut">
               <a:rPr kumimoji="1" lang="zh-TW" altLang="en-US" smtClean="0"/>
-              <a:t>2021/4/28</a:t>
+              <a:t>2021/4/29</a:t>
             </a:fld>
             <a:endParaRPr kumimoji="1" lang="zh-TW" altLang="en-US"/>
           </a:p>
@@ -594,7 +595,7 @@
           <a:p>
             <a:fld id="{CFD73A00-8293-3E44-B8FC-1344C5A2E5D4}" type="datetimeFigureOut">
               <a:rPr kumimoji="1" lang="zh-TW" altLang="en-US" smtClean="0"/>
-              <a:t>2021/4/28</a:t>
+              <a:t>2021/4/29</a:t>
             </a:fld>
             <a:endParaRPr kumimoji="1" lang="zh-TW" altLang="en-US"/>
           </a:p>
@@ -764,7 +765,7 @@
           <a:p>
             <a:fld id="{CFD73A00-8293-3E44-B8FC-1344C5A2E5D4}" type="datetimeFigureOut">
               <a:rPr kumimoji="1" lang="zh-TW" altLang="en-US" smtClean="0"/>
-              <a:t>2021/4/28</a:t>
+              <a:t>2021/4/29</a:t>
             </a:fld>
             <a:endParaRPr kumimoji="1" lang="zh-TW" altLang="en-US"/>
           </a:p>
@@ -1008,7 +1009,7 @@
           <a:p>
             <a:fld id="{CFD73A00-8293-3E44-B8FC-1344C5A2E5D4}" type="datetimeFigureOut">
               <a:rPr kumimoji="1" lang="zh-TW" altLang="en-US" smtClean="0"/>
-              <a:t>2021/4/28</a:t>
+              <a:t>2021/4/29</a:t>
             </a:fld>
             <a:endParaRPr kumimoji="1" lang="zh-TW" altLang="en-US"/>
           </a:p>
@@ -1240,7 +1241,7 @@
           <a:p>
             <a:fld id="{CFD73A00-8293-3E44-B8FC-1344C5A2E5D4}" type="datetimeFigureOut">
               <a:rPr kumimoji="1" lang="zh-TW" altLang="en-US" smtClean="0"/>
-              <a:t>2021/4/28</a:t>
+              <a:t>2021/4/29</a:t>
             </a:fld>
             <a:endParaRPr kumimoji="1" lang="zh-TW" altLang="en-US"/>
           </a:p>
@@ -1607,7 +1608,7 @@
           <a:p>
             <a:fld id="{CFD73A00-8293-3E44-B8FC-1344C5A2E5D4}" type="datetimeFigureOut">
               <a:rPr kumimoji="1" lang="zh-TW" altLang="en-US" smtClean="0"/>
-              <a:t>2021/4/28</a:t>
+              <a:t>2021/4/29</a:t>
             </a:fld>
             <a:endParaRPr kumimoji="1" lang="zh-TW" altLang="en-US"/>
           </a:p>
@@ -1725,7 +1726,7 @@
           <a:p>
             <a:fld id="{CFD73A00-8293-3E44-B8FC-1344C5A2E5D4}" type="datetimeFigureOut">
               <a:rPr kumimoji="1" lang="zh-TW" altLang="en-US" smtClean="0"/>
-              <a:t>2021/4/28</a:t>
+              <a:t>2021/4/29</a:t>
             </a:fld>
             <a:endParaRPr kumimoji="1" lang="zh-TW" altLang="en-US"/>
           </a:p>
@@ -1820,7 +1821,7 @@
           <a:p>
             <a:fld id="{CFD73A00-8293-3E44-B8FC-1344C5A2E5D4}" type="datetimeFigureOut">
               <a:rPr kumimoji="1" lang="zh-TW" altLang="en-US" smtClean="0"/>
-              <a:t>2021/4/28</a:t>
+              <a:t>2021/4/29</a:t>
             </a:fld>
             <a:endParaRPr kumimoji="1" lang="zh-TW" altLang="en-US"/>
           </a:p>
@@ -2097,7 +2098,7 @@
           <a:p>
             <a:fld id="{CFD73A00-8293-3E44-B8FC-1344C5A2E5D4}" type="datetimeFigureOut">
               <a:rPr kumimoji="1" lang="zh-TW" altLang="en-US" smtClean="0"/>
-              <a:t>2021/4/28</a:t>
+              <a:t>2021/4/29</a:t>
             </a:fld>
             <a:endParaRPr kumimoji="1" lang="zh-TW" altLang="en-US"/>
           </a:p>
@@ -2354,7 +2355,7 @@
           <a:p>
             <a:fld id="{CFD73A00-8293-3E44-B8FC-1344C5A2E5D4}" type="datetimeFigureOut">
               <a:rPr kumimoji="1" lang="zh-TW" altLang="en-US" smtClean="0"/>
-              <a:t>2021/4/28</a:t>
+              <a:t>2021/4/29</a:t>
             </a:fld>
             <a:endParaRPr kumimoji="1" lang="zh-TW" altLang="en-US"/>
           </a:p>
@@ -2567,7 +2568,7 @@
           <a:p>
             <a:fld id="{CFD73A00-8293-3E44-B8FC-1344C5A2E5D4}" type="datetimeFigureOut">
               <a:rPr kumimoji="1" lang="zh-TW" altLang="en-US" smtClean="0"/>
-              <a:t>2021/4/28</a:t>
+              <a:t>2021/4/29</a:t>
             </a:fld>
             <a:endParaRPr kumimoji="1" lang="zh-TW" altLang="en-US"/>
           </a:p>
@@ -8027,20 +8028,12 @@
                 <a:buChar char="•"/>
               </a:pPr>
               <a:r>
-                <a:rPr kumimoji="1" lang="en-US" altLang="zh-TW" sz="1000" dirty="0" err="1">
-                  <a:solidFill>
-                    <a:schemeClr val="tx1"/>
-                  </a:solidFill>
-                </a:rPr>
-                <a:t>triggerEvent</a:t>
-              </a:r>
-              <a:r>
                 <a:rPr kumimoji="1" lang="en-US" altLang="zh-TW" sz="1000" dirty="0">
                   <a:solidFill>
                     <a:schemeClr val="tx1"/>
                   </a:solidFill>
                 </a:rPr>
-                <a:t>(Object*) = 0: bool</a:t>
+                <a:t>triggerEvent(Object*) = 0: bool</a:t>
               </a:r>
             </a:p>
             <a:p>
@@ -8356,20 +8349,12 @@
                 <a:buChar char="•"/>
               </a:pPr>
               <a:r>
-                <a:rPr kumimoji="1" lang="en-US" altLang="zh-TW" sz="1000" dirty="0" err="1">
-                  <a:solidFill>
-                    <a:schemeClr val="tx1"/>
-                  </a:solidFill>
-                </a:rPr>
-                <a:t>triggerEvent</a:t>
-              </a:r>
-              <a:r>
                 <a:rPr kumimoji="1" lang="en-US" altLang="zh-TW" sz="1000" dirty="0">
                   <a:solidFill>
                     <a:schemeClr val="tx1"/>
                   </a:solidFill>
                 </a:rPr>
-                <a:t>(Object*): bool</a:t>
+                <a:t>triggerEvent(Object*): bool</a:t>
               </a:r>
             </a:p>
             <a:p>
@@ -8937,20 +8922,12 @@
                 <a:buChar char="•"/>
               </a:pPr>
               <a:r>
-                <a:rPr kumimoji="1" lang="en-US" altLang="zh-TW" sz="1000" dirty="0" err="1">
-                  <a:solidFill>
-                    <a:schemeClr val="tx1"/>
-                  </a:solidFill>
-                </a:rPr>
-                <a:t>triggerEvent</a:t>
-              </a:r>
-              <a:r>
                 <a:rPr kumimoji="1" lang="en-US" altLang="zh-TW" sz="1000" dirty="0">
                   <a:solidFill>
                     <a:schemeClr val="tx1"/>
                   </a:solidFill>
                 </a:rPr>
-                <a:t>(Object*): bool</a:t>
+                <a:t>triggerEvent(Object*): bool</a:t>
               </a:r>
             </a:p>
             <a:p>
@@ -9512,20 +9489,12 @@
                 <a:buChar char="•"/>
               </a:pPr>
               <a:r>
-                <a:rPr kumimoji="1" lang="en-US" altLang="zh-TW" sz="1000" dirty="0" err="1">
-                  <a:solidFill>
-                    <a:schemeClr val="tx1"/>
-                  </a:solidFill>
-                </a:rPr>
-                <a:t>triggerEvent</a:t>
-              </a:r>
-              <a:r>
                 <a:rPr kumimoji="1" lang="en-US" altLang="zh-TW" sz="1000" dirty="0">
                   <a:solidFill>
                     <a:schemeClr val="tx1"/>
                   </a:solidFill>
                 </a:rPr>
-                <a:t>(Object*): bool</a:t>
+                <a:t>triggerEvent(Object*): bool</a:t>
               </a:r>
             </a:p>
             <a:p>
@@ -9835,20 +9804,12 @@
                 <a:buChar char="•"/>
               </a:pPr>
               <a:r>
-                <a:rPr kumimoji="1" lang="en-US" altLang="zh-TW" sz="1000" dirty="0" err="1">
-                  <a:solidFill>
-                    <a:schemeClr val="tx1"/>
-                  </a:solidFill>
-                </a:rPr>
-                <a:t>triggerEvent</a:t>
-              </a:r>
-              <a:r>
                 <a:rPr kumimoji="1" lang="en-US" altLang="zh-TW" sz="1000" dirty="0">
                   <a:solidFill>
                     <a:schemeClr val="tx1"/>
                   </a:solidFill>
                 </a:rPr>
-                <a:t>(Object*): bool</a:t>
+                <a:t>triggerEvent(Object*): bool</a:t>
               </a:r>
             </a:p>
             <a:p>
@@ -10367,12 +10328,12 @@
             <a:p>
               <a:pPr algn="ctr"/>
               <a:r>
-                <a:rPr kumimoji="1" lang="en-US" altLang="zh-TW" sz="1000" b="1" dirty="0" err="1">
-                  <a:solidFill>
-                    <a:schemeClr val="tx1"/>
-                  </a:solidFill>
-                </a:rPr>
-                <a:t>Dungoen</a:t>
+                <a:rPr kumimoji="1" lang="en-US" altLang="zh-TW" sz="1000" b="1" dirty="0">
+                  <a:solidFill>
+                    <a:schemeClr val="tx1"/>
+                  </a:solidFill>
+                </a:rPr>
+                <a:t>Dungeon</a:t>
               </a:r>
               <a:endParaRPr kumimoji="1" lang="zh-TW" altLang="en-US" sz="1000" b="1" dirty="0">
                 <a:solidFill>
@@ -10707,20 +10668,12 @@
                 <a:buChar char="•"/>
               </a:pPr>
               <a:r>
-                <a:rPr kumimoji="1" lang="en-US" altLang="zh-TW" sz="1000" dirty="0" err="1">
-                  <a:solidFill>
-                    <a:schemeClr val="tx1"/>
-                  </a:solidFill>
-                </a:rPr>
-                <a:t>getRandomRoomNumber</a:t>
-              </a:r>
-              <a:r>
                 <a:rPr kumimoji="1" lang="en-US" altLang="zh-TW" sz="1000" dirty="0">
                   <a:solidFill>
                     <a:schemeClr val="tx1"/>
                   </a:solidFill>
                 </a:rPr>
-                <a:t>(): int</a:t>
+                <a:t>getRandomRoomNumber(): int</a:t>
               </a:r>
             </a:p>
             <a:p>
@@ -10729,20 +10682,12 @@
                 <a:buChar char="•"/>
               </a:pPr>
               <a:r>
-                <a:rPr kumimoji="1" lang="en-US" altLang="zh-TW" sz="1000" dirty="0" err="1">
-                  <a:solidFill>
-                    <a:schemeClr val="tx1"/>
-                  </a:solidFill>
-                </a:rPr>
-                <a:t>createPlayer</a:t>
-              </a:r>
-              <a:r>
                 <a:rPr kumimoji="1" lang="en-US" altLang="zh-TW" sz="1000" dirty="0">
                   <a:solidFill>
                     <a:schemeClr val="tx1"/>
                   </a:solidFill>
                 </a:rPr>
-                <a:t>(): void</a:t>
+                <a:t>createPlayer(): void</a:t>
               </a:r>
             </a:p>
             <a:p>
@@ -10751,20 +10696,12 @@
                 <a:buChar char="•"/>
               </a:pPr>
               <a:r>
-                <a:rPr kumimoji="1" lang="en-US" altLang="zh-TW" sz="1000" dirty="0" err="1">
-                  <a:solidFill>
-                    <a:schemeClr val="tx1"/>
-                  </a:solidFill>
-                </a:rPr>
-                <a:t>createMap</a:t>
-              </a:r>
-              <a:r>
                 <a:rPr kumimoji="1" lang="en-US" altLang="zh-TW" sz="1000" dirty="0">
                   <a:solidFill>
                     <a:schemeClr val="tx1"/>
                   </a:solidFill>
                 </a:rPr>
-                <a:t>(): void</a:t>
+                <a:t>createMap(): void</a:t>
               </a:r>
             </a:p>
             <a:p>
@@ -10773,20 +10710,12 @@
                 <a:buChar char="•"/>
               </a:pPr>
               <a:r>
-                <a:rPr kumimoji="1" lang="en-US" altLang="zh-TW" sz="1000" dirty="0" err="1">
-                  <a:solidFill>
-                    <a:schemeClr val="tx1"/>
-                  </a:solidFill>
-                </a:rPr>
-                <a:t>createNPC</a:t>
-              </a:r>
-              <a:r>
                 <a:rPr kumimoji="1" lang="en-US" altLang="zh-TW" sz="1000" dirty="0">
                   <a:solidFill>
                     <a:schemeClr val="tx1"/>
                   </a:solidFill>
                 </a:rPr>
-                <a:t>(): void</a:t>
+                <a:t>createNPC(): void</a:t>
               </a:r>
             </a:p>
             <a:p>
@@ -10795,20 +10724,12 @@
                 <a:buChar char="•"/>
               </a:pPr>
               <a:r>
-                <a:rPr kumimoji="1" lang="en-US" altLang="zh-TW" sz="1000" dirty="0" err="1">
-                  <a:solidFill>
-                    <a:schemeClr val="tx1"/>
-                  </a:solidFill>
-                </a:rPr>
-                <a:t>createMonster</a:t>
-              </a:r>
-              <a:r>
                 <a:rPr kumimoji="1" lang="en-US" altLang="zh-TW" sz="1000" dirty="0">
                   <a:solidFill>
                     <a:schemeClr val="tx1"/>
                   </a:solidFill>
                 </a:rPr>
-                <a:t>(): void</a:t>
+                <a:t>createMonster(): void</a:t>
               </a:r>
             </a:p>
             <a:p>
@@ -10817,20 +10738,12 @@
                 <a:buChar char="•"/>
               </a:pPr>
               <a:r>
-                <a:rPr kumimoji="1" lang="en-US" altLang="zh-TW" sz="1000" dirty="0" err="1">
-                  <a:solidFill>
-                    <a:schemeClr val="tx1"/>
-                  </a:solidFill>
-                </a:rPr>
-                <a:t>createChest</a:t>
-              </a:r>
-              <a:r>
                 <a:rPr kumimoji="1" lang="en-US" altLang="zh-TW" sz="1000" dirty="0">
                   <a:solidFill>
                     <a:schemeClr val="tx1"/>
                   </a:solidFill>
                 </a:rPr>
-                <a:t>(int): void</a:t>
+                <a:t>createChest(int): void</a:t>
               </a:r>
             </a:p>
             <a:p>
@@ -10839,20 +10752,12 @@
                 <a:buChar char="•"/>
               </a:pPr>
               <a:r>
-                <a:rPr kumimoji="1" lang="en-US" altLang="zh-TW" sz="1000" dirty="0" err="1">
-                  <a:solidFill>
-                    <a:schemeClr val="tx1"/>
-                  </a:solidFill>
-                </a:rPr>
-                <a:t>handleMovement</a:t>
-              </a:r>
-              <a:r>
                 <a:rPr kumimoji="1" lang="en-US" altLang="zh-TW" sz="1000" dirty="0">
                   <a:solidFill>
                     <a:schemeClr val="tx1"/>
                   </a:solidFill>
                 </a:rPr>
-                <a:t>(): void</a:t>
+                <a:t>handleMovement(): void</a:t>
               </a:r>
             </a:p>
             <a:p>
@@ -10861,20 +10766,12 @@
                 <a:buChar char="•"/>
               </a:pPr>
               <a:r>
-                <a:rPr kumimoji="1" lang="en-US" altLang="zh-TW" sz="1000" dirty="0" err="1">
-                  <a:solidFill>
-                    <a:schemeClr val="tx1"/>
-                  </a:solidFill>
-                </a:rPr>
-                <a:t>showMap</a:t>
-              </a:r>
-              <a:r>
                 <a:rPr kumimoji="1" lang="en-US" altLang="zh-TW" sz="1000" dirty="0">
                   <a:solidFill>
                     <a:schemeClr val="tx1"/>
                   </a:solidFill>
                 </a:rPr>
-                <a:t>(): void</a:t>
+                <a:t>showMap(): void</a:t>
               </a:r>
             </a:p>
             <a:p>
@@ -10883,20 +10780,12 @@
                 <a:buChar char="•"/>
               </a:pPr>
               <a:r>
-                <a:rPr kumimoji="1" lang="en-US" altLang="zh-TW" sz="1000" dirty="0" err="1">
-                  <a:solidFill>
-                    <a:schemeClr val="tx1"/>
-                  </a:solidFill>
-                </a:rPr>
-                <a:t>startGame</a:t>
-              </a:r>
-              <a:r>
                 <a:rPr kumimoji="1" lang="en-US" altLang="zh-TW" sz="1000" dirty="0">
                   <a:solidFill>
                     <a:schemeClr val="tx1"/>
                   </a:solidFill>
                 </a:rPr>
-                <a:t>(): void</a:t>
+                <a:t>startGame(): void</a:t>
               </a:r>
             </a:p>
             <a:p>
@@ -10905,20 +10794,12 @@
                 <a:buChar char="•"/>
               </a:pPr>
               <a:r>
-                <a:rPr kumimoji="1" lang="en-US" altLang="zh-TW" sz="1000" dirty="0" err="1">
-                  <a:solidFill>
-                    <a:schemeClr val="tx1"/>
-                  </a:solidFill>
-                </a:rPr>
-                <a:t>chooseAction</a:t>
-              </a:r>
-              <a:r>
                 <a:rPr kumimoji="1" lang="en-US" altLang="zh-TW" sz="1000" dirty="0">
                   <a:solidFill>
                     <a:schemeClr val="tx1"/>
                   </a:solidFill>
                 </a:rPr>
-                <a:t>(): void</a:t>
+                <a:t>chooseAction(): void</a:t>
               </a:r>
             </a:p>
             <a:p>
@@ -10927,20 +10808,12 @@
                 <a:buChar char="•"/>
               </a:pPr>
               <a:r>
-                <a:rPr kumimoji="1" lang="en-US" altLang="zh-TW" sz="1000" dirty="0" err="1">
-                  <a:solidFill>
-                    <a:schemeClr val="tx1"/>
-                  </a:solidFill>
-                </a:rPr>
-                <a:t>checkGameLogic</a:t>
-              </a:r>
-              <a:r>
                 <a:rPr kumimoji="1" lang="en-US" altLang="zh-TW" sz="1000" dirty="0">
                   <a:solidFill>
                     <a:schemeClr val="tx1"/>
                   </a:solidFill>
                 </a:rPr>
-                <a:t>(): bool</a:t>
+                <a:t>checkGameLogic(): bool</a:t>
               </a:r>
             </a:p>
             <a:p>
@@ -10949,20 +10822,12 @@
                 <a:buChar char="•"/>
               </a:pPr>
               <a:r>
-                <a:rPr kumimoji="1" lang="en-US" altLang="zh-TW" sz="1000" dirty="0" err="1">
-                  <a:solidFill>
-                    <a:schemeClr val="tx1"/>
-                  </a:solidFill>
-                </a:rPr>
-                <a:t>runDungeon</a:t>
-              </a:r>
-              <a:r>
                 <a:rPr kumimoji="1" lang="en-US" altLang="zh-TW" sz="1000" dirty="0">
                   <a:solidFill>
                     <a:schemeClr val="tx1"/>
                   </a:solidFill>
                 </a:rPr>
-                <a:t>(): void</a:t>
+                <a:t>runDungeon(): void</a:t>
               </a:r>
               <a:endParaRPr kumimoji="1" lang="zh-TW" altLang="en-US" sz="1000" dirty="0">
                 <a:solidFill>
@@ -13893,6 +13758,1953 @@
     <p:extLst>
       <p:ext uri="{BB962C8B-B14F-4D97-AF65-F5344CB8AC3E}">
         <p14:creationId xmlns:p14="http://schemas.microsoft.com/office/powerpoint/2010/main" val="248744765"/>
+      </p:ext>
+    </p:extLst>
+  </p:cSld>
+  <p:clrMapOvr>
+    <a:masterClrMapping/>
+  </p:clrMapOvr>
+</p:sld>
+</file>
+
+<file path=ppt/slides/slide3.xml><?xml version="1.0" encoding="utf-8"?>
+<p:sld xmlns:a="http://schemas.openxmlformats.org/drawingml/2006/main" xmlns:r="http://schemas.openxmlformats.org/officeDocument/2006/relationships" xmlns:p="http://schemas.openxmlformats.org/presentationml/2006/main">
+  <p:cSld>
+    <p:spTree>
+      <p:nvGrpSpPr>
+        <p:cNvPr id="1" name=""/>
+        <p:cNvGrpSpPr/>
+        <p:nvPr/>
+      </p:nvGrpSpPr>
+      <p:grpSpPr>
+        <a:xfrm>
+          <a:off x="0" y="0"/>
+          <a:ext cx="0" cy="0"/>
+          <a:chOff x="0" y="0"/>
+          <a:chExt cx="0" cy="0"/>
+        </a:xfrm>
+      </p:grpSpPr>
+      <p:sp>
+        <p:nvSpPr>
+          <p:cNvPr id="28" name="文字方塊 27">
+            <a:extLst>
+              <a:ext uri="{FF2B5EF4-FFF2-40B4-BE49-F238E27FC236}">
+                <a16:creationId xmlns:a16="http://schemas.microsoft.com/office/drawing/2014/main" id="{31689A1F-625C-7843-912F-43D643E03BA5}"/>
+              </a:ext>
+            </a:extLst>
+          </p:cNvPr>
+          <p:cNvSpPr txBox="1"/>
+          <p:nvPr/>
+        </p:nvSpPr>
+        <p:spPr>
+          <a:xfrm>
+            <a:off x="100161" y="95985"/>
+            <a:ext cx="867329" cy="246221"/>
+          </a:xfrm>
+          <a:prstGeom prst="rect">
+            <a:avLst/>
+          </a:prstGeom>
+          <a:noFill/>
+          <a:ln>
+            <a:noFill/>
+          </a:ln>
+        </p:spPr>
+        <p:txBody>
+          <a:bodyPr wrap="square" rtlCol="0">
+            <a:spAutoFit/>
+          </a:bodyPr>
+          <a:lstStyle/>
+          <a:p>
+            <a:r>
+              <a:rPr kumimoji="1" lang="en-US" altLang="zh-TW" sz="1000" dirty="0">
+                <a:solidFill>
+                  <a:srgbClr val="0432FF"/>
+                </a:solidFill>
+              </a:rPr>
+              <a:t>runDungeon()</a:t>
+            </a:r>
+            <a:endParaRPr kumimoji="1" lang="zh-TW" altLang="en-US" sz="1000" dirty="0">
+              <a:solidFill>
+                <a:srgbClr val="0432FF"/>
+              </a:solidFill>
+            </a:endParaRPr>
+          </a:p>
+        </p:txBody>
+      </p:sp>
+      <p:grpSp>
+        <p:nvGrpSpPr>
+          <p:cNvPr id="65" name="群組 64">
+            <a:extLst>
+              <a:ext uri="{FF2B5EF4-FFF2-40B4-BE49-F238E27FC236}">
+                <a16:creationId xmlns:a16="http://schemas.microsoft.com/office/drawing/2014/main" id="{7AE74283-B752-0A4F-92D1-63AE9FEF74FE}"/>
+              </a:ext>
+            </a:extLst>
+          </p:cNvPr>
+          <p:cNvGrpSpPr/>
+          <p:nvPr/>
+        </p:nvGrpSpPr>
+        <p:grpSpPr>
+          <a:xfrm>
+            <a:off x="215304" y="439417"/>
+            <a:ext cx="1533162" cy="2718170"/>
+            <a:chOff x="89898" y="70750"/>
+            <a:chExt cx="1533162" cy="2718170"/>
+          </a:xfrm>
+        </p:grpSpPr>
+        <p:sp>
+          <p:nvSpPr>
+            <p:cNvPr id="12" name="矩形 11">
+              <a:extLst>
+                <a:ext uri="{FF2B5EF4-FFF2-40B4-BE49-F238E27FC236}">
+                  <a16:creationId xmlns:a16="http://schemas.microsoft.com/office/drawing/2014/main" id="{18D171D8-7D31-3741-AB76-65086C4A0B1C}"/>
+                </a:ext>
+              </a:extLst>
+            </p:cNvPr>
+            <p:cNvSpPr/>
+            <p:nvPr/>
+          </p:nvSpPr>
+          <p:spPr>
+            <a:xfrm>
+              <a:off x="89898" y="70750"/>
+              <a:ext cx="1533162" cy="2718170"/>
+            </a:xfrm>
+            <a:prstGeom prst="rect">
+              <a:avLst/>
+            </a:prstGeom>
+            <a:noFill/>
+            <a:ln w="9525">
+              <a:solidFill>
+                <a:srgbClr val="0432FF"/>
+              </a:solidFill>
+            </a:ln>
+          </p:spPr>
+          <p:style>
+            <a:lnRef idx="2">
+              <a:schemeClr val="accent1">
+                <a:shade val="50000"/>
+              </a:schemeClr>
+            </a:lnRef>
+            <a:fillRef idx="1">
+              <a:schemeClr val="accent1"/>
+            </a:fillRef>
+            <a:effectRef idx="0">
+              <a:schemeClr val="accent1"/>
+            </a:effectRef>
+            <a:fontRef idx="minor">
+              <a:schemeClr val="lt1"/>
+            </a:fontRef>
+          </p:style>
+          <p:txBody>
+            <a:bodyPr rtlCol="0" anchor="ctr"/>
+            <a:lstStyle/>
+            <a:p>
+              <a:pPr algn="ctr"/>
+              <a:endParaRPr kumimoji="1" lang="zh-TW" altLang="en-US" sz="1000"/>
+            </a:p>
+          </p:txBody>
+        </p:sp>
+        <p:sp>
+          <p:nvSpPr>
+            <p:cNvPr id="14" name="文字方塊 13">
+              <a:extLst>
+                <a:ext uri="{FF2B5EF4-FFF2-40B4-BE49-F238E27FC236}">
+                  <a16:creationId xmlns:a16="http://schemas.microsoft.com/office/drawing/2014/main" id="{80FE28ED-AA7A-A64D-8D4C-71FA8C1DA559}"/>
+                </a:ext>
+              </a:extLst>
+            </p:cNvPr>
+            <p:cNvSpPr txBox="1"/>
+            <p:nvPr/>
+          </p:nvSpPr>
+          <p:spPr>
+            <a:xfrm>
+              <a:off x="182632" y="2451796"/>
+              <a:ext cx="1326128" cy="246221"/>
+            </a:xfrm>
+            <a:prstGeom prst="rect">
+              <a:avLst/>
+            </a:prstGeom>
+            <a:noFill/>
+            <a:ln>
+              <a:solidFill>
+                <a:schemeClr val="tx1"/>
+              </a:solidFill>
+            </a:ln>
+          </p:spPr>
+          <p:txBody>
+            <a:bodyPr wrap="square" lIns="90000" rtlCol="0" anchor="ctr" anchorCtr="0">
+              <a:spAutoFit/>
+            </a:bodyPr>
+            <a:lstStyle/>
+            <a:p>
+              <a:r>
+                <a:rPr kumimoji="1" lang="en-US" altLang="zh-TW" sz="1000" dirty="0"/>
+                <a:t>b. Load game, c. Quit</a:t>
+              </a:r>
+              <a:endParaRPr kumimoji="1" lang="zh-TW" altLang="en-US" sz="1000" dirty="0"/>
+            </a:p>
+          </p:txBody>
+        </p:sp>
+        <p:sp>
+          <p:nvSpPr>
+            <p:cNvPr id="21" name="文字方塊 20">
+              <a:extLst>
+                <a:ext uri="{FF2B5EF4-FFF2-40B4-BE49-F238E27FC236}">
+                  <a16:creationId xmlns:a16="http://schemas.microsoft.com/office/drawing/2014/main" id="{0173F3C4-5E23-7041-A39B-8F343711F41D}"/>
+                </a:ext>
+              </a:extLst>
+            </p:cNvPr>
+            <p:cNvSpPr txBox="1"/>
+            <p:nvPr/>
+          </p:nvSpPr>
+          <p:spPr>
+            <a:xfrm>
+              <a:off x="89899" y="70750"/>
+              <a:ext cx="811441" cy="246221"/>
+            </a:xfrm>
+            <a:prstGeom prst="rect">
+              <a:avLst/>
+            </a:prstGeom>
+            <a:noFill/>
+          </p:spPr>
+          <p:txBody>
+            <a:bodyPr wrap="none" rtlCol="0">
+              <a:spAutoFit/>
+            </a:bodyPr>
+            <a:lstStyle/>
+            <a:p>
+              <a:r>
+                <a:rPr kumimoji="1" lang="en-US" altLang="zh-TW" sz="1000" dirty="0">
+                  <a:solidFill>
+                    <a:srgbClr val="0432FF"/>
+                  </a:solidFill>
+                </a:rPr>
+                <a:t>startGame()</a:t>
+              </a:r>
+              <a:endParaRPr kumimoji="1" lang="zh-TW" altLang="en-US" sz="1000" dirty="0"/>
+            </a:p>
+          </p:txBody>
+        </p:sp>
+        <p:sp>
+          <p:nvSpPr>
+            <p:cNvPr id="22" name="文字方塊 21">
+              <a:extLst>
+                <a:ext uri="{FF2B5EF4-FFF2-40B4-BE49-F238E27FC236}">
+                  <a16:creationId xmlns:a16="http://schemas.microsoft.com/office/drawing/2014/main" id="{96143AC4-F376-FB41-8EAE-97AD93A5854F}"/>
+                </a:ext>
+              </a:extLst>
+            </p:cNvPr>
+            <p:cNvSpPr txBox="1"/>
+            <p:nvPr/>
+          </p:nvSpPr>
+          <p:spPr>
+            <a:xfrm>
+              <a:off x="263466" y="559860"/>
+              <a:ext cx="830677" cy="246221"/>
+            </a:xfrm>
+            <a:prstGeom prst="rect">
+              <a:avLst/>
+            </a:prstGeom>
+            <a:noFill/>
+          </p:spPr>
+          <p:txBody>
+            <a:bodyPr wrap="none" rtlCol="0">
+              <a:spAutoFit/>
+            </a:bodyPr>
+            <a:lstStyle/>
+            <a:p>
+              <a:r>
+                <a:rPr kumimoji="1" lang="en-US" altLang="zh-TW" sz="1000" dirty="0">
+                  <a:solidFill>
+                    <a:srgbClr val="0432FF"/>
+                  </a:solidFill>
+                </a:rPr>
+                <a:t>createMap()</a:t>
+              </a:r>
+              <a:endParaRPr kumimoji="1" lang="zh-TW" altLang="en-US" sz="1000" dirty="0"/>
+            </a:p>
+          </p:txBody>
+        </p:sp>
+        <p:sp>
+          <p:nvSpPr>
+            <p:cNvPr id="23" name="文字方塊 22">
+              <a:extLst>
+                <a:ext uri="{FF2B5EF4-FFF2-40B4-BE49-F238E27FC236}">
+                  <a16:creationId xmlns:a16="http://schemas.microsoft.com/office/drawing/2014/main" id="{288E7253-5D30-CA46-89FD-39CFBB1860A9}"/>
+                </a:ext>
+              </a:extLst>
+            </p:cNvPr>
+            <p:cNvSpPr txBox="1"/>
+            <p:nvPr/>
+          </p:nvSpPr>
+          <p:spPr>
+            <a:xfrm>
+              <a:off x="263466" y="1972686"/>
+              <a:ext cx="1140988" cy="246221"/>
+            </a:xfrm>
+            <a:prstGeom prst="rect">
+              <a:avLst/>
+            </a:prstGeom>
+            <a:noFill/>
+            <a:ln>
+              <a:solidFill>
+                <a:srgbClr val="0432FF"/>
+              </a:solidFill>
+            </a:ln>
+          </p:spPr>
+          <p:txBody>
+            <a:bodyPr wrap="square" rtlCol="0">
+              <a:spAutoFit/>
+            </a:bodyPr>
+            <a:lstStyle/>
+            <a:p>
+              <a:r>
+                <a:rPr kumimoji="1" lang="en-US" altLang="zh-TW" sz="1000" dirty="0">
+                  <a:solidFill>
+                    <a:srgbClr val="0432FF"/>
+                  </a:solidFill>
+                </a:rPr>
+                <a:t>createPlayer()</a:t>
+              </a:r>
+              <a:endParaRPr kumimoji="1" lang="zh-TW" altLang="en-US" sz="1000" dirty="0"/>
+            </a:p>
+          </p:txBody>
+        </p:sp>
+        <p:sp>
+          <p:nvSpPr>
+            <p:cNvPr id="25" name="文字方塊 24">
+              <a:extLst>
+                <a:ext uri="{FF2B5EF4-FFF2-40B4-BE49-F238E27FC236}">
+                  <a16:creationId xmlns:a16="http://schemas.microsoft.com/office/drawing/2014/main" id="{357B0DC5-E090-DE4F-8404-B80115944364}"/>
+                </a:ext>
+              </a:extLst>
+            </p:cNvPr>
+            <p:cNvSpPr txBox="1"/>
+            <p:nvPr/>
+          </p:nvSpPr>
+          <p:spPr>
+            <a:xfrm>
+              <a:off x="182632" y="303044"/>
+              <a:ext cx="896399" cy="246221"/>
+            </a:xfrm>
+            <a:prstGeom prst="rect">
+              <a:avLst/>
+            </a:prstGeom>
+            <a:noFill/>
+          </p:spPr>
+          <p:txBody>
+            <a:bodyPr wrap="none" rtlCol="0">
+              <a:spAutoFit/>
+            </a:bodyPr>
+            <a:lstStyle/>
+            <a:p>
+              <a:r>
+                <a:rPr kumimoji="1" lang="en-US" altLang="zh-TW" sz="1000" dirty="0"/>
+                <a:t>a. New game:</a:t>
+              </a:r>
+              <a:endParaRPr kumimoji="1" lang="zh-TW" altLang="en-US" sz="1000" dirty="0"/>
+            </a:p>
+          </p:txBody>
+        </p:sp>
+        <p:sp>
+          <p:nvSpPr>
+            <p:cNvPr id="26" name="矩形 25">
+              <a:extLst>
+                <a:ext uri="{FF2B5EF4-FFF2-40B4-BE49-F238E27FC236}">
+                  <a16:creationId xmlns:a16="http://schemas.microsoft.com/office/drawing/2014/main" id="{2071C1BA-8C71-9E47-8108-D7737BDF0AEF}"/>
+                </a:ext>
+              </a:extLst>
+            </p:cNvPr>
+            <p:cNvSpPr/>
+            <p:nvPr/>
+          </p:nvSpPr>
+          <p:spPr>
+            <a:xfrm>
+              <a:off x="182632" y="316970"/>
+              <a:ext cx="1326128" cy="2070171"/>
+            </a:xfrm>
+            <a:prstGeom prst="rect">
+              <a:avLst/>
+            </a:prstGeom>
+            <a:noFill/>
+            <a:ln w="9525">
+              <a:solidFill>
+                <a:schemeClr val="tx1"/>
+              </a:solidFill>
+            </a:ln>
+          </p:spPr>
+          <p:style>
+            <a:lnRef idx="2">
+              <a:schemeClr val="accent1">
+                <a:shade val="50000"/>
+              </a:schemeClr>
+            </a:lnRef>
+            <a:fillRef idx="1">
+              <a:schemeClr val="accent1"/>
+            </a:fillRef>
+            <a:effectRef idx="0">
+              <a:schemeClr val="accent1"/>
+            </a:effectRef>
+            <a:fontRef idx="minor">
+              <a:schemeClr val="lt1"/>
+            </a:fontRef>
+          </p:style>
+          <p:txBody>
+            <a:bodyPr rtlCol="0" anchor="ctr"/>
+            <a:lstStyle/>
+            <a:p>
+              <a:pPr algn="ctr"/>
+              <a:endParaRPr kumimoji="1" lang="zh-TW" altLang="en-US" sz="1000" dirty="0">
+                <a:highlight>
+                  <a:srgbClr val="000000"/>
+                </a:highlight>
+              </a:endParaRPr>
+            </a:p>
+          </p:txBody>
+        </p:sp>
+        <p:sp>
+          <p:nvSpPr>
+            <p:cNvPr id="27" name="矩形 26">
+              <a:extLst>
+                <a:ext uri="{FF2B5EF4-FFF2-40B4-BE49-F238E27FC236}">
+                  <a16:creationId xmlns:a16="http://schemas.microsoft.com/office/drawing/2014/main" id="{163AE8F2-34C4-FE4A-B325-947EAF08CD33}"/>
+                </a:ext>
+              </a:extLst>
+            </p:cNvPr>
+            <p:cNvSpPr/>
+            <p:nvPr/>
+          </p:nvSpPr>
+          <p:spPr>
+            <a:xfrm>
+              <a:off x="263468" y="559860"/>
+              <a:ext cx="1140988" cy="1149262"/>
+            </a:xfrm>
+            <a:prstGeom prst="rect">
+              <a:avLst/>
+            </a:prstGeom>
+            <a:noFill/>
+            <a:ln w="9525">
+              <a:solidFill>
+                <a:srgbClr val="0432FF"/>
+              </a:solidFill>
+            </a:ln>
+          </p:spPr>
+          <p:style>
+            <a:lnRef idx="2">
+              <a:schemeClr val="accent1">
+                <a:shade val="50000"/>
+              </a:schemeClr>
+            </a:lnRef>
+            <a:fillRef idx="1">
+              <a:schemeClr val="accent1"/>
+            </a:fillRef>
+            <a:effectRef idx="0">
+              <a:schemeClr val="accent1"/>
+            </a:effectRef>
+            <a:fontRef idx="minor">
+              <a:schemeClr val="lt1"/>
+            </a:fontRef>
+          </p:style>
+          <p:txBody>
+            <a:bodyPr rtlCol="0" anchor="ctr"/>
+            <a:lstStyle/>
+            <a:p>
+              <a:pPr algn="ctr"/>
+              <a:endParaRPr kumimoji="1" lang="zh-TW" altLang="en-US" sz="1000" dirty="0">
+                <a:highlight>
+                  <a:srgbClr val="000000"/>
+                </a:highlight>
+              </a:endParaRPr>
+            </a:p>
+          </p:txBody>
+        </p:sp>
+        <p:sp>
+          <p:nvSpPr>
+            <p:cNvPr id="29" name="文字方塊 28">
+              <a:extLst>
+                <a:ext uri="{FF2B5EF4-FFF2-40B4-BE49-F238E27FC236}">
+                  <a16:creationId xmlns:a16="http://schemas.microsoft.com/office/drawing/2014/main" id="{CB81A161-8B97-D547-B662-006A36A75F28}"/>
+                </a:ext>
+              </a:extLst>
+            </p:cNvPr>
+            <p:cNvSpPr txBox="1"/>
+            <p:nvPr/>
+          </p:nvSpPr>
+          <p:spPr>
+            <a:xfrm>
+              <a:off x="311973" y="811069"/>
+              <a:ext cx="1021110" cy="246221"/>
+            </a:xfrm>
+            <a:prstGeom prst="rect">
+              <a:avLst/>
+            </a:prstGeom>
+            <a:noFill/>
+            <a:ln>
+              <a:solidFill>
+                <a:srgbClr val="0432FF"/>
+              </a:solidFill>
+            </a:ln>
+          </p:spPr>
+          <p:txBody>
+            <a:bodyPr wrap="square" rtlCol="0">
+              <a:spAutoFit/>
+            </a:bodyPr>
+            <a:lstStyle/>
+            <a:p>
+              <a:r>
+                <a:rPr kumimoji="1" lang="en-US" altLang="zh-TW" sz="1000" dirty="0">
+                  <a:solidFill>
+                    <a:srgbClr val="0432FF"/>
+                  </a:solidFill>
+                </a:rPr>
+                <a:t>createNPC()</a:t>
+              </a:r>
+              <a:endParaRPr kumimoji="1" lang="zh-TW" altLang="en-US" sz="1000" dirty="0">
+                <a:solidFill>
+                  <a:srgbClr val="0432FF"/>
+                </a:solidFill>
+              </a:endParaRPr>
+            </a:p>
+          </p:txBody>
+        </p:sp>
+        <p:sp>
+          <p:nvSpPr>
+            <p:cNvPr id="30" name="文字方塊 29">
+              <a:extLst>
+                <a:ext uri="{FF2B5EF4-FFF2-40B4-BE49-F238E27FC236}">
+                  <a16:creationId xmlns:a16="http://schemas.microsoft.com/office/drawing/2014/main" id="{2CDB449F-CB13-3D45-82BE-0C742B4E14B0}"/>
+                </a:ext>
+              </a:extLst>
+            </p:cNvPr>
+            <p:cNvSpPr txBox="1"/>
+            <p:nvPr/>
+          </p:nvSpPr>
+          <p:spPr>
+            <a:xfrm>
+              <a:off x="311973" y="1108028"/>
+              <a:ext cx="1021110" cy="246221"/>
+            </a:xfrm>
+            <a:prstGeom prst="rect">
+              <a:avLst/>
+            </a:prstGeom>
+            <a:noFill/>
+            <a:ln>
+              <a:solidFill>
+                <a:srgbClr val="0432FF"/>
+              </a:solidFill>
+            </a:ln>
+          </p:spPr>
+          <p:txBody>
+            <a:bodyPr wrap="square" rtlCol="0">
+              <a:spAutoFit/>
+            </a:bodyPr>
+            <a:lstStyle/>
+            <a:p>
+              <a:r>
+                <a:rPr kumimoji="1" lang="en-US" altLang="zh-TW" sz="1000" dirty="0">
+                  <a:solidFill>
+                    <a:srgbClr val="0432FF"/>
+                  </a:solidFill>
+                </a:rPr>
+                <a:t>createMonster()</a:t>
+              </a:r>
+              <a:endParaRPr kumimoji="1" lang="zh-TW" altLang="en-US" sz="1000" dirty="0">
+                <a:solidFill>
+                  <a:srgbClr val="0432FF"/>
+                </a:solidFill>
+              </a:endParaRPr>
+            </a:p>
+          </p:txBody>
+        </p:sp>
+        <p:sp>
+          <p:nvSpPr>
+            <p:cNvPr id="31" name="文字方塊 30">
+              <a:extLst>
+                <a:ext uri="{FF2B5EF4-FFF2-40B4-BE49-F238E27FC236}">
+                  <a16:creationId xmlns:a16="http://schemas.microsoft.com/office/drawing/2014/main" id="{0DDCE1FE-1FA4-9F4C-AEE6-BE489FAE4CBC}"/>
+                </a:ext>
+              </a:extLst>
+            </p:cNvPr>
+            <p:cNvSpPr txBox="1"/>
+            <p:nvPr/>
+          </p:nvSpPr>
+          <p:spPr>
+            <a:xfrm>
+              <a:off x="311973" y="1404988"/>
+              <a:ext cx="1021110" cy="246221"/>
+            </a:xfrm>
+            <a:prstGeom prst="rect">
+              <a:avLst/>
+            </a:prstGeom>
+            <a:noFill/>
+            <a:ln>
+              <a:solidFill>
+                <a:srgbClr val="0432FF"/>
+              </a:solidFill>
+            </a:ln>
+          </p:spPr>
+          <p:txBody>
+            <a:bodyPr wrap="square" rtlCol="0">
+              <a:spAutoFit/>
+            </a:bodyPr>
+            <a:lstStyle/>
+            <a:p>
+              <a:r>
+                <a:rPr kumimoji="1" lang="en-US" altLang="zh-TW" sz="1000" dirty="0">
+                  <a:solidFill>
+                    <a:srgbClr val="0432FF"/>
+                  </a:solidFill>
+                </a:rPr>
+                <a:t>createChest()</a:t>
+              </a:r>
+              <a:endParaRPr kumimoji="1" lang="zh-TW" altLang="en-US" sz="1000" dirty="0">
+                <a:solidFill>
+                  <a:srgbClr val="0432FF"/>
+                </a:solidFill>
+              </a:endParaRPr>
+            </a:p>
+          </p:txBody>
+        </p:sp>
+        <p:cxnSp>
+          <p:nvCxnSpPr>
+            <p:cNvPr id="35" name="直線箭頭接點 34">
+              <a:extLst>
+                <a:ext uri="{FF2B5EF4-FFF2-40B4-BE49-F238E27FC236}">
+                  <a16:creationId xmlns:a16="http://schemas.microsoft.com/office/drawing/2014/main" id="{1C2D7C66-870F-1343-9100-7FFBCCCD6363}"/>
+                </a:ext>
+              </a:extLst>
+            </p:cNvPr>
+            <p:cNvCxnSpPr>
+              <a:cxnSpLocks/>
+            </p:cNvCxnSpPr>
+            <p:nvPr/>
+          </p:nvCxnSpPr>
+          <p:spPr>
+            <a:xfrm rot="5400000">
+              <a:off x="699176" y="1840904"/>
+              <a:ext cx="263564" cy="0"/>
+            </a:xfrm>
+            <a:prstGeom prst="straightConnector1">
+              <a:avLst/>
+            </a:prstGeom>
+            <a:ln w="12700">
+              <a:solidFill>
+                <a:schemeClr val="tx1"/>
+              </a:solidFill>
+              <a:tailEnd type="triangle"/>
+            </a:ln>
+          </p:spPr>
+          <p:style>
+            <a:lnRef idx="1">
+              <a:schemeClr val="accent1"/>
+            </a:lnRef>
+            <a:fillRef idx="0">
+              <a:schemeClr val="accent1"/>
+            </a:fillRef>
+            <a:effectRef idx="0">
+              <a:schemeClr val="accent1"/>
+            </a:effectRef>
+            <a:fontRef idx="minor">
+              <a:schemeClr val="tx1"/>
+            </a:fontRef>
+          </p:style>
+        </p:cxnSp>
+      </p:grpSp>
+      <p:grpSp>
+        <p:nvGrpSpPr>
+          <p:cNvPr id="63" name="群組 62">
+            <a:extLst>
+              <a:ext uri="{FF2B5EF4-FFF2-40B4-BE49-F238E27FC236}">
+                <a16:creationId xmlns:a16="http://schemas.microsoft.com/office/drawing/2014/main" id="{72259946-0FB2-304C-94DE-27C9F8C41106}"/>
+              </a:ext>
+            </a:extLst>
+          </p:cNvPr>
+          <p:cNvGrpSpPr/>
+          <p:nvPr/>
+        </p:nvGrpSpPr>
+        <p:grpSpPr>
+          <a:xfrm>
+            <a:off x="2231732" y="204490"/>
+            <a:ext cx="2103663" cy="2953097"/>
+            <a:chOff x="2079717" y="56823"/>
+            <a:chExt cx="2103663" cy="2953097"/>
+          </a:xfrm>
+        </p:grpSpPr>
+        <p:sp>
+          <p:nvSpPr>
+            <p:cNvPr id="8" name="文字方塊 7">
+              <a:extLst>
+                <a:ext uri="{FF2B5EF4-FFF2-40B4-BE49-F238E27FC236}">
+                  <a16:creationId xmlns:a16="http://schemas.microsoft.com/office/drawing/2014/main" id="{AD79C527-ECFB-864F-889E-7C464F99DF8B}"/>
+                </a:ext>
+              </a:extLst>
+            </p:cNvPr>
+            <p:cNvSpPr txBox="1"/>
+            <p:nvPr/>
+          </p:nvSpPr>
+          <p:spPr>
+            <a:xfrm>
+              <a:off x="2079717" y="56823"/>
+              <a:ext cx="966931" cy="246221"/>
+            </a:xfrm>
+            <a:prstGeom prst="rect">
+              <a:avLst/>
+            </a:prstGeom>
+            <a:noFill/>
+          </p:spPr>
+          <p:txBody>
+            <a:bodyPr wrap="none" rtlCol="0">
+              <a:spAutoFit/>
+            </a:bodyPr>
+            <a:lstStyle/>
+            <a:p>
+              <a:r>
+                <a:rPr kumimoji="1" lang="en-US" altLang="zh-TW" sz="1000" dirty="0">
+                  <a:solidFill>
+                    <a:srgbClr val="0432FF"/>
+                  </a:solidFill>
+                </a:rPr>
+                <a:t>chooseAction()</a:t>
+              </a:r>
+              <a:endParaRPr kumimoji="1" lang="zh-TW" altLang="en-US" sz="1000" dirty="0">
+                <a:solidFill>
+                  <a:srgbClr val="0432FF"/>
+                </a:solidFill>
+              </a:endParaRPr>
+            </a:p>
+          </p:txBody>
+        </p:sp>
+        <p:sp>
+          <p:nvSpPr>
+            <p:cNvPr id="40" name="矩形 39">
+              <a:extLst>
+                <a:ext uri="{FF2B5EF4-FFF2-40B4-BE49-F238E27FC236}">
+                  <a16:creationId xmlns:a16="http://schemas.microsoft.com/office/drawing/2014/main" id="{25A2E530-7EF7-5143-BE9C-020BD8864E8B}"/>
+                </a:ext>
+              </a:extLst>
+            </p:cNvPr>
+            <p:cNvSpPr/>
+            <p:nvPr/>
+          </p:nvSpPr>
+          <p:spPr>
+            <a:xfrm>
+              <a:off x="2079717" y="70749"/>
+              <a:ext cx="2103663" cy="2939171"/>
+            </a:xfrm>
+            <a:prstGeom prst="rect">
+              <a:avLst/>
+            </a:prstGeom>
+            <a:noFill/>
+            <a:ln w="9525">
+              <a:solidFill>
+                <a:srgbClr val="0432FF"/>
+              </a:solidFill>
+            </a:ln>
+          </p:spPr>
+          <p:style>
+            <a:lnRef idx="2">
+              <a:schemeClr val="accent1">
+                <a:shade val="50000"/>
+              </a:schemeClr>
+            </a:lnRef>
+            <a:fillRef idx="1">
+              <a:schemeClr val="accent1"/>
+            </a:fillRef>
+            <a:effectRef idx="0">
+              <a:schemeClr val="accent1"/>
+            </a:effectRef>
+            <a:fontRef idx="minor">
+              <a:schemeClr val="lt1"/>
+            </a:fontRef>
+          </p:style>
+          <p:txBody>
+            <a:bodyPr rtlCol="0" anchor="ctr"/>
+            <a:lstStyle/>
+            <a:p>
+              <a:pPr algn="ctr"/>
+              <a:endParaRPr kumimoji="1" lang="zh-TW" altLang="en-US" sz="1000"/>
+            </a:p>
+          </p:txBody>
+        </p:sp>
+        <p:sp>
+          <p:nvSpPr>
+            <p:cNvPr id="41" name="文字方塊 40">
+              <a:extLst>
+                <a:ext uri="{FF2B5EF4-FFF2-40B4-BE49-F238E27FC236}">
+                  <a16:creationId xmlns:a16="http://schemas.microsoft.com/office/drawing/2014/main" id="{2294C28B-D7D9-2F4E-B079-592B932D1331}"/>
+                </a:ext>
+              </a:extLst>
+            </p:cNvPr>
+            <p:cNvSpPr txBox="1"/>
+            <p:nvPr/>
+          </p:nvSpPr>
+          <p:spPr>
+            <a:xfrm>
+              <a:off x="2205984" y="364938"/>
+              <a:ext cx="1880643" cy="246221"/>
+            </a:xfrm>
+            <a:prstGeom prst="rect">
+              <a:avLst/>
+            </a:prstGeom>
+            <a:noFill/>
+          </p:spPr>
+          <p:txBody>
+            <a:bodyPr wrap="none" rtlCol="0">
+              <a:spAutoFit/>
+            </a:bodyPr>
+            <a:lstStyle/>
+            <a:p>
+              <a:r>
+                <a:rPr kumimoji="1" lang="en-US" altLang="zh-TW" sz="1000" dirty="0"/>
+                <a:t>a. Room has object: triggerEvent</a:t>
+              </a:r>
+              <a:endParaRPr kumimoji="1" lang="zh-TW" altLang="en-US" sz="1000" dirty="0"/>
+            </a:p>
+          </p:txBody>
+        </p:sp>
+        <p:sp>
+          <p:nvSpPr>
+            <p:cNvPr id="42" name="矩形 41">
+              <a:extLst>
+                <a:ext uri="{FF2B5EF4-FFF2-40B4-BE49-F238E27FC236}">
+                  <a16:creationId xmlns:a16="http://schemas.microsoft.com/office/drawing/2014/main" id="{D6DD0994-F015-D243-8A56-AF138DCCF147}"/>
+                </a:ext>
+              </a:extLst>
+            </p:cNvPr>
+            <p:cNvSpPr/>
+            <p:nvPr/>
+          </p:nvSpPr>
+          <p:spPr>
+            <a:xfrm>
+              <a:off x="2145751" y="316971"/>
+              <a:ext cx="1940876" cy="1118531"/>
+            </a:xfrm>
+            <a:prstGeom prst="rect">
+              <a:avLst/>
+            </a:prstGeom>
+            <a:noFill/>
+            <a:ln w="9525">
+              <a:solidFill>
+                <a:schemeClr val="tx1"/>
+              </a:solidFill>
+              <a:prstDash val="dash"/>
+            </a:ln>
+          </p:spPr>
+          <p:style>
+            <a:lnRef idx="2">
+              <a:schemeClr val="accent1">
+                <a:shade val="50000"/>
+              </a:schemeClr>
+            </a:lnRef>
+            <a:fillRef idx="1">
+              <a:schemeClr val="accent1"/>
+            </a:fillRef>
+            <a:effectRef idx="0">
+              <a:schemeClr val="accent1"/>
+            </a:effectRef>
+            <a:fontRef idx="minor">
+              <a:schemeClr val="lt1"/>
+            </a:fontRef>
+          </p:style>
+          <p:txBody>
+            <a:bodyPr rtlCol="0" anchor="ctr"/>
+            <a:lstStyle/>
+            <a:p>
+              <a:pPr algn="ctr"/>
+              <a:endParaRPr kumimoji="1" lang="zh-TW" altLang="en-US" sz="1000" dirty="0">
+                <a:highlight>
+                  <a:srgbClr val="000000"/>
+                </a:highlight>
+              </a:endParaRPr>
+            </a:p>
+          </p:txBody>
+        </p:sp>
+        <p:sp>
+          <p:nvSpPr>
+            <p:cNvPr id="43" name="矩形 42">
+              <a:extLst>
+                <a:ext uri="{FF2B5EF4-FFF2-40B4-BE49-F238E27FC236}">
+                  <a16:creationId xmlns:a16="http://schemas.microsoft.com/office/drawing/2014/main" id="{E949E04B-C15C-B148-84FE-CC27D5B4EDF9}"/>
+                </a:ext>
+              </a:extLst>
+            </p:cNvPr>
+            <p:cNvSpPr/>
+            <p:nvPr/>
+          </p:nvSpPr>
+          <p:spPr>
+            <a:xfrm>
+              <a:off x="2234034" y="398268"/>
+              <a:ext cx="1798071" cy="791013"/>
+            </a:xfrm>
+            <a:prstGeom prst="rect">
+              <a:avLst/>
+            </a:prstGeom>
+            <a:noFill/>
+            <a:ln w="9525">
+              <a:solidFill>
+                <a:schemeClr val="tx1"/>
+              </a:solidFill>
+            </a:ln>
+          </p:spPr>
+          <p:style>
+            <a:lnRef idx="2">
+              <a:schemeClr val="accent1">
+                <a:shade val="50000"/>
+              </a:schemeClr>
+            </a:lnRef>
+            <a:fillRef idx="1">
+              <a:schemeClr val="accent1"/>
+            </a:fillRef>
+            <a:effectRef idx="0">
+              <a:schemeClr val="accent1"/>
+            </a:effectRef>
+            <a:fontRef idx="minor">
+              <a:schemeClr val="lt1"/>
+            </a:fontRef>
+          </p:style>
+          <p:txBody>
+            <a:bodyPr rtlCol="0" anchor="ctr"/>
+            <a:lstStyle/>
+            <a:p>
+              <a:pPr algn="ctr"/>
+              <a:endParaRPr kumimoji="1" lang="zh-TW" altLang="en-US" sz="1000" dirty="0">
+                <a:highlight>
+                  <a:srgbClr val="000000"/>
+                </a:highlight>
+              </a:endParaRPr>
+            </a:p>
+          </p:txBody>
+        </p:sp>
+        <p:sp>
+          <p:nvSpPr>
+            <p:cNvPr id="44" name="文字方塊 43">
+              <a:extLst>
+                <a:ext uri="{FF2B5EF4-FFF2-40B4-BE49-F238E27FC236}">
+                  <a16:creationId xmlns:a16="http://schemas.microsoft.com/office/drawing/2014/main" id="{C0710C9A-D131-2C4A-BABD-A430BF1EBFBA}"/>
+                </a:ext>
+              </a:extLst>
+            </p:cNvPr>
+            <p:cNvSpPr txBox="1"/>
+            <p:nvPr/>
+          </p:nvSpPr>
+          <p:spPr>
+            <a:xfrm>
+              <a:off x="2205984" y="1189281"/>
+              <a:ext cx="1673856" cy="246221"/>
+            </a:xfrm>
+            <a:prstGeom prst="rect">
+              <a:avLst/>
+            </a:prstGeom>
+            <a:noFill/>
+          </p:spPr>
+          <p:txBody>
+            <a:bodyPr wrap="none" rtlCol="0">
+              <a:spAutoFit/>
+            </a:bodyPr>
+            <a:lstStyle/>
+            <a:p>
+              <a:r>
+                <a:rPr kumimoji="1" lang="en-US" altLang="zh-TW" sz="1000" dirty="0"/>
+                <a:t>b. Room doesn’t have object</a:t>
+              </a:r>
+              <a:endParaRPr kumimoji="1" lang="zh-TW" altLang="en-US" sz="1000" dirty="0"/>
+            </a:p>
+          </p:txBody>
+        </p:sp>
+        <p:sp>
+          <p:nvSpPr>
+            <p:cNvPr id="45" name="文字方塊 44">
+              <a:extLst>
+                <a:ext uri="{FF2B5EF4-FFF2-40B4-BE49-F238E27FC236}">
+                  <a16:creationId xmlns:a16="http://schemas.microsoft.com/office/drawing/2014/main" id="{A2A6236F-5D20-0C41-A04F-CA8D71C36B03}"/>
+                </a:ext>
+              </a:extLst>
+            </p:cNvPr>
+            <p:cNvSpPr txBox="1"/>
+            <p:nvPr/>
+          </p:nvSpPr>
+          <p:spPr>
+            <a:xfrm>
+              <a:off x="2296495" y="889082"/>
+              <a:ext cx="1039067" cy="246221"/>
+            </a:xfrm>
+            <a:prstGeom prst="rect">
+              <a:avLst/>
+            </a:prstGeom>
+            <a:noFill/>
+            <a:ln>
+              <a:solidFill>
+                <a:srgbClr val="0432FF"/>
+              </a:solidFill>
+            </a:ln>
+          </p:spPr>
+          <p:txBody>
+            <a:bodyPr wrap="none" rtlCol="0">
+              <a:spAutoFit/>
+            </a:bodyPr>
+            <a:lstStyle/>
+            <a:p>
+              <a:r>
+                <a:rPr kumimoji="1" lang="en-US" altLang="zh-TW" sz="1000" dirty="0">
+                  <a:solidFill>
+                    <a:srgbClr val="0432FF"/>
+                  </a:solidFill>
+                </a:rPr>
+                <a:t>createMonster()</a:t>
+              </a:r>
+              <a:endParaRPr kumimoji="1" lang="zh-TW" altLang="en-US" sz="1000" dirty="0">
+                <a:solidFill>
+                  <a:srgbClr val="0432FF"/>
+                </a:solidFill>
+              </a:endParaRPr>
+            </a:p>
+          </p:txBody>
+        </p:sp>
+        <p:sp>
+          <p:nvSpPr>
+            <p:cNvPr id="46" name="文字方塊 45">
+              <a:extLst>
+                <a:ext uri="{FF2B5EF4-FFF2-40B4-BE49-F238E27FC236}">
+                  <a16:creationId xmlns:a16="http://schemas.microsoft.com/office/drawing/2014/main" id="{ABB09BDD-B9C8-F44F-865C-2C3E09E0758C}"/>
+                </a:ext>
+              </a:extLst>
+            </p:cNvPr>
+            <p:cNvSpPr txBox="1"/>
+            <p:nvPr/>
+          </p:nvSpPr>
+          <p:spPr>
+            <a:xfrm>
+              <a:off x="2296495" y="580045"/>
+              <a:ext cx="1039067" cy="246221"/>
+            </a:xfrm>
+            <a:prstGeom prst="rect">
+              <a:avLst/>
+            </a:prstGeom>
+            <a:noFill/>
+            <a:ln>
+              <a:solidFill>
+                <a:srgbClr val="0432FF"/>
+              </a:solidFill>
+            </a:ln>
+          </p:spPr>
+          <p:txBody>
+            <a:bodyPr wrap="square" rtlCol="0">
+              <a:spAutoFit/>
+            </a:bodyPr>
+            <a:lstStyle/>
+            <a:p>
+              <a:r>
+                <a:rPr kumimoji="1" lang="en-US" altLang="zh-TW" sz="1000" dirty="0">
+                  <a:solidFill>
+                    <a:srgbClr val="0432FF"/>
+                  </a:solidFill>
+                </a:rPr>
+                <a:t>createChest()</a:t>
+              </a:r>
+              <a:endParaRPr kumimoji="1" lang="zh-TW" altLang="en-US" sz="1000" dirty="0">
+                <a:solidFill>
+                  <a:srgbClr val="0432FF"/>
+                </a:solidFill>
+              </a:endParaRPr>
+            </a:p>
+          </p:txBody>
+        </p:sp>
+        <p:sp>
+          <p:nvSpPr>
+            <p:cNvPr id="48" name="文字方塊 47">
+              <a:extLst>
+                <a:ext uri="{FF2B5EF4-FFF2-40B4-BE49-F238E27FC236}">
+                  <a16:creationId xmlns:a16="http://schemas.microsoft.com/office/drawing/2014/main" id="{5373D2D4-1BC5-8749-AA0A-5416223F6E26}"/>
+                </a:ext>
+              </a:extLst>
+            </p:cNvPr>
+            <p:cNvSpPr txBox="1"/>
+            <p:nvPr/>
+          </p:nvSpPr>
+          <p:spPr>
+            <a:xfrm>
+              <a:off x="2145751" y="1663444"/>
+              <a:ext cx="1940876" cy="246221"/>
+            </a:xfrm>
+            <a:prstGeom prst="rect">
+              <a:avLst/>
+            </a:prstGeom>
+            <a:noFill/>
+            <a:ln>
+              <a:solidFill>
+                <a:srgbClr val="0432FF"/>
+              </a:solidFill>
+            </a:ln>
+          </p:spPr>
+          <p:txBody>
+            <a:bodyPr wrap="square" rtlCol="0">
+              <a:spAutoFit/>
+            </a:bodyPr>
+            <a:lstStyle/>
+            <a:p>
+              <a:pPr algn="ctr"/>
+              <a:r>
+                <a:rPr kumimoji="1" lang="en-US" altLang="zh-TW" sz="1000" dirty="0">
+                  <a:solidFill>
+                    <a:srgbClr val="0432FF"/>
+                  </a:solidFill>
+                </a:rPr>
+                <a:t>showMap()</a:t>
+              </a:r>
+              <a:endParaRPr kumimoji="1" lang="zh-TW" altLang="en-US" sz="1000" dirty="0">
+                <a:solidFill>
+                  <a:srgbClr val="0432FF"/>
+                </a:solidFill>
+              </a:endParaRPr>
+            </a:p>
+          </p:txBody>
+        </p:sp>
+        <p:sp>
+          <p:nvSpPr>
+            <p:cNvPr id="49" name="矩形 48">
+              <a:extLst>
+                <a:ext uri="{FF2B5EF4-FFF2-40B4-BE49-F238E27FC236}">
+                  <a16:creationId xmlns:a16="http://schemas.microsoft.com/office/drawing/2014/main" id="{FB5BD1C1-A11E-874A-9B2B-A385C65EE0E9}"/>
+                </a:ext>
+              </a:extLst>
+            </p:cNvPr>
+            <p:cNvSpPr/>
+            <p:nvPr/>
+          </p:nvSpPr>
+          <p:spPr>
+            <a:xfrm>
+              <a:off x="2145751" y="2151534"/>
+              <a:ext cx="1940876" cy="814018"/>
+            </a:xfrm>
+            <a:prstGeom prst="rect">
+              <a:avLst/>
+            </a:prstGeom>
+            <a:noFill/>
+            <a:ln w="9525">
+              <a:solidFill>
+                <a:schemeClr val="tx1"/>
+              </a:solidFill>
+              <a:prstDash val="dash"/>
+            </a:ln>
+          </p:spPr>
+          <p:style>
+            <a:lnRef idx="2">
+              <a:schemeClr val="accent1">
+                <a:shade val="50000"/>
+              </a:schemeClr>
+            </a:lnRef>
+            <a:fillRef idx="1">
+              <a:schemeClr val="accent1"/>
+            </a:fillRef>
+            <a:effectRef idx="0">
+              <a:schemeClr val="accent1"/>
+            </a:effectRef>
+            <a:fontRef idx="minor">
+              <a:schemeClr val="lt1"/>
+            </a:fontRef>
+          </p:style>
+          <p:txBody>
+            <a:bodyPr rtlCol="0" anchor="ctr"/>
+            <a:lstStyle/>
+            <a:p>
+              <a:pPr algn="ctr"/>
+              <a:endParaRPr kumimoji="1" lang="zh-TW" altLang="en-US" sz="1000" dirty="0">
+                <a:highlight>
+                  <a:srgbClr val="000000"/>
+                </a:highlight>
+              </a:endParaRPr>
+            </a:p>
+          </p:txBody>
+        </p:sp>
+        <p:sp>
+          <p:nvSpPr>
+            <p:cNvPr id="51" name="矩形 50">
+              <a:extLst>
+                <a:ext uri="{FF2B5EF4-FFF2-40B4-BE49-F238E27FC236}">
+                  <a16:creationId xmlns:a16="http://schemas.microsoft.com/office/drawing/2014/main" id="{7932A07F-B49A-9E48-B85D-D6319D088DCD}"/>
+                </a:ext>
+              </a:extLst>
+            </p:cNvPr>
+            <p:cNvSpPr/>
+            <p:nvPr/>
+          </p:nvSpPr>
+          <p:spPr>
+            <a:xfrm>
+              <a:off x="2203554" y="2196047"/>
+              <a:ext cx="1798071" cy="307527"/>
+            </a:xfrm>
+            <a:prstGeom prst="rect">
+              <a:avLst/>
+            </a:prstGeom>
+            <a:noFill/>
+            <a:ln w="9525">
+              <a:solidFill>
+                <a:schemeClr val="tx1"/>
+              </a:solidFill>
+            </a:ln>
+          </p:spPr>
+          <p:style>
+            <a:lnRef idx="2">
+              <a:schemeClr val="accent1">
+                <a:shade val="50000"/>
+              </a:schemeClr>
+            </a:lnRef>
+            <a:fillRef idx="1">
+              <a:schemeClr val="accent1"/>
+            </a:fillRef>
+            <a:effectRef idx="0">
+              <a:schemeClr val="accent1"/>
+            </a:effectRef>
+            <a:fontRef idx="minor">
+              <a:schemeClr val="lt1"/>
+            </a:fontRef>
+          </p:style>
+          <p:txBody>
+            <a:bodyPr rtlCol="0" anchor="ctr"/>
+            <a:lstStyle/>
+            <a:p>
+              <a:pPr algn="ctr"/>
+              <a:endParaRPr kumimoji="1" lang="zh-TW" altLang="en-US" sz="1000" dirty="0">
+                <a:highlight>
+                  <a:srgbClr val="000000"/>
+                </a:highlight>
+              </a:endParaRPr>
+            </a:p>
+          </p:txBody>
+        </p:sp>
+        <p:cxnSp>
+          <p:nvCxnSpPr>
+            <p:cNvPr id="53" name="直線箭頭接點 52">
+              <a:extLst>
+                <a:ext uri="{FF2B5EF4-FFF2-40B4-BE49-F238E27FC236}">
+                  <a16:creationId xmlns:a16="http://schemas.microsoft.com/office/drawing/2014/main" id="{2625763F-3E0D-7C40-985A-E520C94D77CA}"/>
+                </a:ext>
+              </a:extLst>
+            </p:cNvPr>
+            <p:cNvCxnSpPr>
+              <a:cxnSpLocks/>
+              <a:endCxn id="48" idx="0"/>
+            </p:cNvCxnSpPr>
+            <p:nvPr/>
+          </p:nvCxnSpPr>
+          <p:spPr>
+            <a:xfrm>
+              <a:off x="3116189" y="1445558"/>
+              <a:ext cx="0" cy="217886"/>
+            </a:xfrm>
+            <a:prstGeom prst="straightConnector1">
+              <a:avLst/>
+            </a:prstGeom>
+            <a:ln w="12700">
+              <a:solidFill>
+                <a:schemeClr val="tx1"/>
+              </a:solidFill>
+              <a:tailEnd type="triangle"/>
+            </a:ln>
+          </p:spPr>
+          <p:style>
+            <a:lnRef idx="1">
+              <a:schemeClr val="accent1"/>
+            </a:lnRef>
+            <a:fillRef idx="0">
+              <a:schemeClr val="accent1"/>
+            </a:fillRef>
+            <a:effectRef idx="0">
+              <a:schemeClr val="accent1"/>
+            </a:effectRef>
+            <a:fontRef idx="minor">
+              <a:schemeClr val="tx1"/>
+            </a:fontRef>
+          </p:style>
+        </p:cxnSp>
+        <p:cxnSp>
+          <p:nvCxnSpPr>
+            <p:cNvPr id="55" name="直線箭頭接點 54">
+              <a:extLst>
+                <a:ext uri="{FF2B5EF4-FFF2-40B4-BE49-F238E27FC236}">
+                  <a16:creationId xmlns:a16="http://schemas.microsoft.com/office/drawing/2014/main" id="{2027D583-C346-CC4D-9AB7-524E5F03628D}"/>
+                </a:ext>
+              </a:extLst>
+            </p:cNvPr>
+            <p:cNvCxnSpPr>
+              <a:cxnSpLocks/>
+              <a:endCxn id="49" idx="0"/>
+            </p:cNvCxnSpPr>
+            <p:nvPr/>
+          </p:nvCxnSpPr>
+          <p:spPr>
+            <a:xfrm>
+              <a:off x="3116189" y="1909665"/>
+              <a:ext cx="0" cy="241869"/>
+            </a:xfrm>
+            <a:prstGeom prst="straightConnector1">
+              <a:avLst/>
+            </a:prstGeom>
+            <a:ln w="12700">
+              <a:solidFill>
+                <a:schemeClr val="tx1"/>
+              </a:solidFill>
+              <a:tailEnd type="triangle"/>
+            </a:ln>
+          </p:spPr>
+          <p:style>
+            <a:lnRef idx="1">
+              <a:schemeClr val="accent1"/>
+            </a:lnRef>
+            <a:fillRef idx="0">
+              <a:schemeClr val="accent1"/>
+            </a:fillRef>
+            <a:effectRef idx="0">
+              <a:schemeClr val="accent1"/>
+            </a:effectRef>
+            <a:fontRef idx="minor">
+              <a:schemeClr val="tx1"/>
+            </a:fontRef>
+          </p:style>
+        </p:cxnSp>
+        <p:sp>
+          <p:nvSpPr>
+            <p:cNvPr id="50" name="文字方塊 49">
+              <a:extLst>
+                <a:ext uri="{FF2B5EF4-FFF2-40B4-BE49-F238E27FC236}">
+                  <a16:creationId xmlns:a16="http://schemas.microsoft.com/office/drawing/2014/main" id="{8FCE9FB1-DA55-D44E-A49A-6D92559B858B}"/>
+                </a:ext>
+              </a:extLst>
+            </p:cNvPr>
+            <p:cNvSpPr txBox="1"/>
+            <p:nvPr/>
+          </p:nvSpPr>
+          <p:spPr>
+            <a:xfrm>
+              <a:off x="2175504" y="2226700"/>
+              <a:ext cx="667170" cy="246221"/>
+            </a:xfrm>
+            <a:prstGeom prst="rect">
+              <a:avLst/>
+            </a:prstGeom>
+            <a:noFill/>
+          </p:spPr>
+          <p:txBody>
+            <a:bodyPr wrap="none" rtlCol="0">
+              <a:spAutoFit/>
+            </a:bodyPr>
+            <a:lstStyle/>
+            <a:p>
+              <a:r>
+                <a:rPr kumimoji="1" lang="en-US" altLang="zh-TW" sz="1000" dirty="0"/>
+                <a:t>a. Move: </a:t>
+              </a:r>
+              <a:endParaRPr kumimoji="1" lang="zh-TW" altLang="en-US" sz="1000" dirty="0"/>
+            </a:p>
+          </p:txBody>
+        </p:sp>
+        <p:sp>
+          <p:nvSpPr>
+            <p:cNvPr id="56" name="文字方塊 55">
+              <a:extLst>
+                <a:ext uri="{FF2B5EF4-FFF2-40B4-BE49-F238E27FC236}">
+                  <a16:creationId xmlns:a16="http://schemas.microsoft.com/office/drawing/2014/main" id="{B9E8D6E6-9933-F944-BBA7-B6B3E5DD1CB1}"/>
+                </a:ext>
+              </a:extLst>
+            </p:cNvPr>
+            <p:cNvSpPr txBox="1"/>
+            <p:nvPr/>
+          </p:nvSpPr>
+          <p:spPr>
+            <a:xfrm>
+              <a:off x="2770957" y="2226700"/>
+              <a:ext cx="1183411" cy="246221"/>
+            </a:xfrm>
+            <a:prstGeom prst="rect">
+              <a:avLst/>
+            </a:prstGeom>
+            <a:noFill/>
+            <a:ln>
+              <a:solidFill>
+                <a:srgbClr val="0432FF"/>
+              </a:solidFill>
+            </a:ln>
+          </p:spPr>
+          <p:txBody>
+            <a:bodyPr wrap="none" rtlCol="0">
+              <a:spAutoFit/>
+            </a:bodyPr>
+            <a:lstStyle/>
+            <a:p>
+              <a:r>
+                <a:rPr kumimoji="1" lang="en-US" altLang="zh-TW" sz="1000" dirty="0">
+                  <a:solidFill>
+                    <a:srgbClr val="0432FF"/>
+                  </a:solidFill>
+                </a:rPr>
+                <a:t>handleMovement()</a:t>
+              </a:r>
+              <a:endParaRPr kumimoji="1" lang="zh-TW" altLang="en-US" sz="1000" dirty="0">
+                <a:solidFill>
+                  <a:srgbClr val="0432FF"/>
+                </a:solidFill>
+              </a:endParaRPr>
+            </a:p>
+          </p:txBody>
+        </p:sp>
+        <p:sp>
+          <p:nvSpPr>
+            <p:cNvPr id="58" name="文字方塊 57">
+              <a:extLst>
+                <a:ext uri="{FF2B5EF4-FFF2-40B4-BE49-F238E27FC236}">
+                  <a16:creationId xmlns:a16="http://schemas.microsoft.com/office/drawing/2014/main" id="{8763BCEB-1680-C644-BEDA-F198F50A7BAE}"/>
+                </a:ext>
+              </a:extLst>
+            </p:cNvPr>
+            <p:cNvSpPr txBox="1"/>
+            <p:nvPr/>
+          </p:nvSpPr>
+          <p:spPr>
+            <a:xfrm>
+              <a:off x="2175504" y="2534962"/>
+              <a:ext cx="1927131" cy="400110"/>
+            </a:xfrm>
+            <a:prstGeom prst="rect">
+              <a:avLst/>
+            </a:prstGeom>
+            <a:noFill/>
+          </p:spPr>
+          <p:txBody>
+            <a:bodyPr wrap="none" rtlCol="0">
+              <a:spAutoFit/>
+            </a:bodyPr>
+            <a:lstStyle/>
+            <a:p>
+              <a:r>
+                <a:rPr kumimoji="1" lang="en-US" altLang="zh-TW" sz="1000" dirty="0"/>
+                <a:t>b. Check status, c. Use backpack,</a:t>
+              </a:r>
+              <a:br>
+                <a:rPr kumimoji="1" lang="en-US" altLang="zh-TW" sz="1000" dirty="0"/>
+              </a:br>
+              <a:r>
+                <a:rPr kumimoji="1" lang="en-US" altLang="zh-TW" sz="1000" dirty="0"/>
+                <a:t>d. Game options: Save, Load, Quit</a:t>
+              </a:r>
+              <a:endParaRPr kumimoji="1" lang="zh-TW" altLang="en-US" sz="1000" dirty="0"/>
+            </a:p>
+          </p:txBody>
+        </p:sp>
+      </p:grpSp>
+      <p:grpSp>
+        <p:nvGrpSpPr>
+          <p:cNvPr id="64" name="群組 63">
+            <a:extLst>
+              <a:ext uri="{FF2B5EF4-FFF2-40B4-BE49-F238E27FC236}">
+                <a16:creationId xmlns:a16="http://schemas.microsoft.com/office/drawing/2014/main" id="{1EEF7AC4-3F19-5448-83A8-58B00D80EB8B}"/>
+              </a:ext>
+            </a:extLst>
+          </p:cNvPr>
+          <p:cNvGrpSpPr/>
+          <p:nvPr/>
+        </p:nvGrpSpPr>
+        <p:grpSpPr>
+          <a:xfrm>
+            <a:off x="5221039" y="641392"/>
+            <a:ext cx="1421656" cy="2079292"/>
+            <a:chOff x="5346445" y="70750"/>
+            <a:chExt cx="1421656" cy="2079292"/>
+          </a:xfrm>
+        </p:grpSpPr>
+        <p:sp>
+          <p:nvSpPr>
+            <p:cNvPr id="60" name="文字方塊 59">
+              <a:extLst>
+                <a:ext uri="{FF2B5EF4-FFF2-40B4-BE49-F238E27FC236}">
+                  <a16:creationId xmlns:a16="http://schemas.microsoft.com/office/drawing/2014/main" id="{3213025F-FCC6-604B-BA2F-989079EEAF02}"/>
+                </a:ext>
+              </a:extLst>
+            </p:cNvPr>
+            <p:cNvSpPr txBox="1"/>
+            <p:nvPr/>
+          </p:nvSpPr>
+          <p:spPr>
+            <a:xfrm>
+              <a:off x="5346446" y="76613"/>
+              <a:ext cx="1133644" cy="246221"/>
+            </a:xfrm>
+            <a:prstGeom prst="rect">
+              <a:avLst/>
+            </a:prstGeom>
+            <a:noFill/>
+          </p:spPr>
+          <p:txBody>
+            <a:bodyPr wrap="none" rtlCol="0">
+              <a:spAutoFit/>
+            </a:bodyPr>
+            <a:lstStyle/>
+            <a:p>
+              <a:r>
+                <a:rPr kumimoji="1" lang="en-US" altLang="zh-TW" sz="1000" dirty="0">
+                  <a:solidFill>
+                    <a:srgbClr val="0432FF"/>
+                  </a:solidFill>
+                </a:rPr>
+                <a:t>checkGameLogic()</a:t>
+              </a:r>
+              <a:endParaRPr kumimoji="1" lang="zh-TW" altLang="en-US" sz="1000" dirty="0">
+                <a:solidFill>
+                  <a:srgbClr val="0432FF"/>
+                </a:solidFill>
+              </a:endParaRPr>
+            </a:p>
+          </p:txBody>
+        </p:sp>
+        <p:sp>
+          <p:nvSpPr>
+            <p:cNvPr id="61" name="矩形 60">
+              <a:extLst>
+                <a:ext uri="{FF2B5EF4-FFF2-40B4-BE49-F238E27FC236}">
+                  <a16:creationId xmlns:a16="http://schemas.microsoft.com/office/drawing/2014/main" id="{15AEDB9F-AEC2-354C-85E1-E8F5B52C92FB}"/>
+                </a:ext>
+              </a:extLst>
+            </p:cNvPr>
+            <p:cNvSpPr/>
+            <p:nvPr/>
+          </p:nvSpPr>
+          <p:spPr>
+            <a:xfrm>
+              <a:off x="5346445" y="70750"/>
+              <a:ext cx="1417376" cy="2079292"/>
+            </a:xfrm>
+            <a:prstGeom prst="rect">
+              <a:avLst/>
+            </a:prstGeom>
+            <a:noFill/>
+            <a:ln w="9525">
+              <a:solidFill>
+                <a:srgbClr val="0432FF"/>
+              </a:solidFill>
+            </a:ln>
+          </p:spPr>
+          <p:style>
+            <a:lnRef idx="2">
+              <a:schemeClr val="accent1">
+                <a:shade val="50000"/>
+              </a:schemeClr>
+            </a:lnRef>
+            <a:fillRef idx="1">
+              <a:schemeClr val="accent1"/>
+            </a:fillRef>
+            <a:effectRef idx="0">
+              <a:schemeClr val="accent1"/>
+            </a:effectRef>
+            <a:fontRef idx="minor">
+              <a:schemeClr val="lt1"/>
+            </a:fontRef>
+          </p:style>
+          <p:txBody>
+            <a:bodyPr rtlCol="0" anchor="ctr"/>
+            <a:lstStyle/>
+            <a:p>
+              <a:pPr algn="ctr"/>
+              <a:endParaRPr kumimoji="1" lang="zh-TW" altLang="en-US" sz="1000"/>
+            </a:p>
+          </p:txBody>
+        </p:sp>
+        <p:sp>
+          <p:nvSpPr>
+            <p:cNvPr id="62" name="文字方塊 61">
+              <a:extLst>
+                <a:ext uri="{FF2B5EF4-FFF2-40B4-BE49-F238E27FC236}">
+                  <a16:creationId xmlns:a16="http://schemas.microsoft.com/office/drawing/2014/main" id="{F17137DB-11AB-5B46-8FBA-D41266AE5A92}"/>
+                </a:ext>
+              </a:extLst>
+            </p:cNvPr>
+            <p:cNvSpPr txBox="1"/>
+            <p:nvPr/>
+          </p:nvSpPr>
+          <p:spPr>
+            <a:xfrm>
+              <a:off x="5365153" y="364937"/>
+              <a:ext cx="1402948" cy="1785104"/>
+            </a:xfrm>
+            <a:prstGeom prst="rect">
+              <a:avLst/>
+            </a:prstGeom>
+            <a:noFill/>
+          </p:spPr>
+          <p:txBody>
+            <a:bodyPr wrap="none" rtlCol="0">
+              <a:spAutoFit/>
+            </a:bodyPr>
+            <a:lstStyle/>
+            <a:p>
+              <a:r>
+                <a:rPr kumimoji="1" lang="en-US" altLang="zh-TW" sz="1000" dirty="0"/>
+                <a:t>1. Is Player dead?</a:t>
+              </a:r>
+            </a:p>
+            <a:p>
+              <a:r>
+                <a:rPr kumimoji="1" lang="en-US" altLang="zh-TW" sz="1000" dirty="0"/>
+                <a:t>Yes: → Game End (loss)</a:t>
+              </a:r>
+            </a:p>
+            <a:p>
+              <a:r>
+                <a:rPr kumimoji="1" lang="en-US" altLang="zh-TW" sz="1000" dirty="0"/>
+                <a:t>No:  → 2.</a:t>
+              </a:r>
+            </a:p>
+            <a:p>
+              <a:endParaRPr kumimoji="1" lang="en-US" altLang="zh-TW" sz="1000" dirty="0"/>
+            </a:p>
+            <a:p>
+              <a:r>
+                <a:rPr kumimoji="1" lang="en-US" altLang="zh-TW" sz="1000" dirty="0"/>
+                <a:t>2. Is Player at goal?</a:t>
+              </a:r>
+            </a:p>
+            <a:p>
+              <a:r>
+                <a:rPr kumimoji="1" lang="en-US" altLang="zh-TW" sz="1000" dirty="0"/>
+                <a:t>Yes: → 3.</a:t>
+              </a:r>
+            </a:p>
+            <a:p>
+              <a:r>
+                <a:rPr kumimoji="1" lang="en-US" altLang="zh-TW" sz="1000" dirty="0"/>
+                <a:t>No:  → </a:t>
+              </a:r>
+              <a:r>
+                <a:rPr kumimoji="1" lang="en-US" altLang="zh-TW" sz="1000" dirty="0">
+                  <a:solidFill>
+                    <a:srgbClr val="0432FF"/>
+                  </a:solidFill>
+                </a:rPr>
+                <a:t>chooseAction()</a:t>
+              </a:r>
+            </a:p>
+            <a:p>
+              <a:endParaRPr kumimoji="1" lang="en-US" altLang="zh-TW" sz="1000" dirty="0">
+                <a:solidFill>
+                  <a:srgbClr val="0432FF"/>
+                </a:solidFill>
+              </a:endParaRPr>
+            </a:p>
+            <a:p>
+              <a:r>
+                <a:rPr kumimoji="1" lang="en-US" altLang="zh-TW" sz="1000" dirty="0"/>
+                <a:t>3. Is Boss dead?</a:t>
+              </a:r>
+            </a:p>
+            <a:p>
+              <a:r>
+                <a:rPr kumimoji="1" lang="en-US" altLang="zh-TW" sz="1000" dirty="0"/>
+                <a:t>Yes: → Game End (win)</a:t>
+              </a:r>
+            </a:p>
+            <a:p>
+              <a:r>
+                <a:rPr kumimoji="1" lang="en-US" altLang="zh-TW" sz="1000" dirty="0"/>
+                <a:t>No: → </a:t>
+              </a:r>
+              <a:r>
+                <a:rPr kumimoji="1" lang="en-US" altLang="zh-TW" sz="1000" dirty="0">
+                  <a:solidFill>
+                    <a:srgbClr val="0432FF"/>
+                  </a:solidFill>
+                </a:rPr>
+                <a:t>chooseAction()</a:t>
+              </a:r>
+              <a:endParaRPr kumimoji="1" lang="zh-TW" altLang="en-US" sz="1000" dirty="0"/>
+            </a:p>
+          </p:txBody>
+        </p:sp>
+      </p:grpSp>
+      <p:cxnSp>
+        <p:nvCxnSpPr>
+          <p:cNvPr id="66" name="直線箭頭接點 65">
+            <a:extLst>
+              <a:ext uri="{FF2B5EF4-FFF2-40B4-BE49-F238E27FC236}">
+                <a16:creationId xmlns:a16="http://schemas.microsoft.com/office/drawing/2014/main" id="{347EED6F-6529-1243-BF7F-2076B7D045D2}"/>
+              </a:ext>
+            </a:extLst>
+          </p:cNvPr>
+          <p:cNvCxnSpPr>
+            <a:cxnSpLocks/>
+          </p:cNvCxnSpPr>
+          <p:nvPr/>
+        </p:nvCxnSpPr>
+        <p:spPr>
+          <a:xfrm>
+            <a:off x="1748466" y="1798502"/>
+            <a:ext cx="483266" cy="0"/>
+          </a:xfrm>
+          <a:prstGeom prst="straightConnector1">
+            <a:avLst/>
+          </a:prstGeom>
+          <a:ln w="12700">
+            <a:solidFill>
+              <a:schemeClr val="tx1"/>
+            </a:solidFill>
+            <a:tailEnd type="triangle"/>
+          </a:ln>
+        </p:spPr>
+        <p:style>
+          <a:lnRef idx="1">
+            <a:schemeClr val="accent1"/>
+          </a:lnRef>
+          <a:fillRef idx="0">
+            <a:schemeClr val="accent1"/>
+          </a:fillRef>
+          <a:effectRef idx="0">
+            <a:schemeClr val="accent1"/>
+          </a:effectRef>
+          <a:fontRef idx="minor">
+            <a:schemeClr val="tx1"/>
+          </a:fontRef>
+        </p:style>
+      </p:cxnSp>
+      <p:sp>
+        <p:nvSpPr>
+          <p:cNvPr id="68" name="弧線 67">
+            <a:extLst>
+              <a:ext uri="{FF2B5EF4-FFF2-40B4-BE49-F238E27FC236}">
+                <a16:creationId xmlns:a16="http://schemas.microsoft.com/office/drawing/2014/main" id="{67820931-212C-184C-A8DB-196E47FC1869}"/>
+              </a:ext>
+            </a:extLst>
+          </p:cNvPr>
+          <p:cNvSpPr/>
+          <p:nvPr/>
+        </p:nvSpPr>
+        <p:spPr>
+          <a:xfrm>
+            <a:off x="4363304" y="1359962"/>
+            <a:ext cx="853456" cy="566486"/>
+          </a:xfrm>
+          <a:prstGeom prst="arc">
+            <a:avLst>
+              <a:gd name="adj1" fmla="val 11535862"/>
+              <a:gd name="adj2" fmla="val 21065584"/>
+            </a:avLst>
+          </a:prstGeom>
+          <a:ln w="12700">
+            <a:solidFill>
+              <a:schemeClr val="tx1"/>
+            </a:solidFill>
+            <a:headEnd type="none" w="med" len="med"/>
+            <a:tailEnd type="triangle" w="med" len="med"/>
+          </a:ln>
+        </p:spPr>
+        <p:style>
+          <a:lnRef idx="1">
+            <a:schemeClr val="accent1"/>
+          </a:lnRef>
+          <a:fillRef idx="0">
+            <a:schemeClr val="accent1"/>
+          </a:fillRef>
+          <a:effectRef idx="0">
+            <a:schemeClr val="accent1"/>
+          </a:effectRef>
+          <a:fontRef idx="minor">
+            <a:schemeClr val="tx1"/>
+          </a:fontRef>
+        </p:style>
+        <p:txBody>
+          <a:bodyPr rtlCol="0" anchor="ctr"/>
+          <a:lstStyle/>
+          <a:p>
+            <a:pPr algn="ctr"/>
+            <a:endParaRPr kumimoji="1" lang="zh-TW" altLang="en-US"/>
+          </a:p>
+        </p:txBody>
+      </p:sp>
+      <p:sp>
+        <p:nvSpPr>
+          <p:cNvPr id="69" name="弧線 68">
+            <a:extLst>
+              <a:ext uri="{FF2B5EF4-FFF2-40B4-BE49-F238E27FC236}">
+                <a16:creationId xmlns:a16="http://schemas.microsoft.com/office/drawing/2014/main" id="{6195797C-6D1A-9245-B7EF-0CBA4028117B}"/>
+              </a:ext>
+            </a:extLst>
+          </p:cNvPr>
+          <p:cNvSpPr/>
+          <p:nvPr/>
+        </p:nvSpPr>
+        <p:spPr>
+          <a:xfrm flipH="1" flipV="1">
+            <a:off x="4358306" y="1554332"/>
+            <a:ext cx="858451" cy="569802"/>
+          </a:xfrm>
+          <a:prstGeom prst="arc">
+            <a:avLst>
+              <a:gd name="adj1" fmla="val 11535862"/>
+              <a:gd name="adj2" fmla="val 21065584"/>
+            </a:avLst>
+          </a:prstGeom>
+          <a:ln w="12700">
+            <a:solidFill>
+              <a:schemeClr val="tx1"/>
+            </a:solidFill>
+            <a:headEnd type="none" w="med" len="med"/>
+            <a:tailEnd type="triangle" w="med" len="med"/>
+          </a:ln>
+        </p:spPr>
+        <p:style>
+          <a:lnRef idx="1">
+            <a:schemeClr val="accent1"/>
+          </a:lnRef>
+          <a:fillRef idx="0">
+            <a:schemeClr val="accent1"/>
+          </a:fillRef>
+          <a:effectRef idx="0">
+            <a:schemeClr val="accent1"/>
+          </a:effectRef>
+          <a:fontRef idx="minor">
+            <a:schemeClr val="tx1"/>
+          </a:fontRef>
+        </p:style>
+        <p:txBody>
+          <a:bodyPr rtlCol="0" anchor="ctr"/>
+          <a:lstStyle/>
+          <a:p>
+            <a:pPr algn="ctr"/>
+            <a:endParaRPr kumimoji="1" lang="zh-TW" altLang="en-US"/>
+          </a:p>
+        </p:txBody>
+      </p:sp>
+      <p:sp>
+        <p:nvSpPr>
+          <p:cNvPr id="84" name="矩形 83">
+            <a:extLst>
+              <a:ext uri="{FF2B5EF4-FFF2-40B4-BE49-F238E27FC236}">
+                <a16:creationId xmlns:a16="http://schemas.microsoft.com/office/drawing/2014/main" id="{A52B6F94-3F09-B94B-8BC7-438F8565DBFF}"/>
+              </a:ext>
+            </a:extLst>
+          </p:cNvPr>
+          <p:cNvSpPr/>
+          <p:nvPr/>
+        </p:nvSpPr>
+        <p:spPr>
+          <a:xfrm>
+            <a:off x="100161" y="100973"/>
+            <a:ext cx="6652768" cy="3176100"/>
+          </a:xfrm>
+          <a:prstGeom prst="rect">
+            <a:avLst/>
+          </a:prstGeom>
+          <a:noFill/>
+          <a:ln w="9525">
+            <a:solidFill>
+              <a:srgbClr val="0432FF"/>
+            </a:solidFill>
+          </a:ln>
+        </p:spPr>
+        <p:style>
+          <a:lnRef idx="2">
+            <a:schemeClr val="accent1">
+              <a:shade val="50000"/>
+            </a:schemeClr>
+          </a:lnRef>
+          <a:fillRef idx="1">
+            <a:schemeClr val="accent1"/>
+          </a:fillRef>
+          <a:effectRef idx="0">
+            <a:schemeClr val="accent1"/>
+          </a:effectRef>
+          <a:fontRef idx="minor">
+            <a:schemeClr val="lt1"/>
+          </a:fontRef>
+        </p:style>
+        <p:txBody>
+          <a:bodyPr rtlCol="0" anchor="ctr"/>
+          <a:lstStyle/>
+          <a:p>
+            <a:pPr algn="ctr"/>
+            <a:endParaRPr kumimoji="1" lang="zh-TW" altLang="en-US" sz="1000"/>
+          </a:p>
+        </p:txBody>
+      </p:sp>
+      <p:cxnSp>
+        <p:nvCxnSpPr>
+          <p:cNvPr id="85" name="直線箭頭接點 84">
+            <a:extLst>
+              <a:ext uri="{FF2B5EF4-FFF2-40B4-BE49-F238E27FC236}">
+                <a16:creationId xmlns:a16="http://schemas.microsoft.com/office/drawing/2014/main" id="{3E0D8E55-BF51-CB49-B985-5562F8FFAEFE}"/>
+              </a:ext>
+            </a:extLst>
+          </p:cNvPr>
+          <p:cNvCxnSpPr>
+            <a:cxnSpLocks/>
+          </p:cNvCxnSpPr>
+          <p:nvPr/>
+        </p:nvCxnSpPr>
+        <p:spPr>
+          <a:xfrm>
+            <a:off x="4184120" y="794821"/>
+            <a:ext cx="1032638" cy="0"/>
+          </a:xfrm>
+          <a:prstGeom prst="straightConnector1">
+            <a:avLst/>
+          </a:prstGeom>
+          <a:ln w="12700">
+            <a:solidFill>
+              <a:schemeClr val="tx1"/>
+            </a:solidFill>
+            <a:tailEnd type="triangle"/>
+          </a:ln>
+        </p:spPr>
+        <p:style>
+          <a:lnRef idx="1">
+            <a:schemeClr val="accent1"/>
+          </a:lnRef>
+          <a:fillRef idx="0">
+            <a:schemeClr val="accent1"/>
+          </a:fillRef>
+          <a:effectRef idx="0">
+            <a:schemeClr val="accent1"/>
+          </a:effectRef>
+          <a:fontRef idx="minor">
+            <a:schemeClr val="tx1"/>
+          </a:fontRef>
+        </p:style>
+      </p:cxnSp>
+      <p:sp>
+        <p:nvSpPr>
+          <p:cNvPr id="89" name="文字方塊 88">
+            <a:extLst>
+              <a:ext uri="{FF2B5EF4-FFF2-40B4-BE49-F238E27FC236}">
+                <a16:creationId xmlns:a16="http://schemas.microsoft.com/office/drawing/2014/main" id="{CE36E621-21C7-9B4C-B426-9FEA8E9C49D3}"/>
+              </a:ext>
+            </a:extLst>
+          </p:cNvPr>
+          <p:cNvSpPr txBox="1"/>
+          <p:nvPr/>
+        </p:nvSpPr>
+        <p:spPr>
+          <a:xfrm>
+            <a:off x="4298746" y="571320"/>
+            <a:ext cx="902811" cy="246221"/>
+          </a:xfrm>
+          <a:prstGeom prst="rect">
+            <a:avLst/>
+          </a:prstGeom>
+          <a:noFill/>
+        </p:spPr>
+        <p:txBody>
+          <a:bodyPr wrap="none" rtlCol="0">
+            <a:spAutoFit/>
+          </a:bodyPr>
+          <a:lstStyle/>
+          <a:p>
+            <a:r>
+              <a:rPr kumimoji="1" lang="en-US" altLang="zh-TW" sz="1000" dirty="0"/>
+              <a:t>Player is dead</a:t>
+            </a:r>
+            <a:endParaRPr kumimoji="1" lang="zh-TW" altLang="en-US" sz="1000" dirty="0"/>
+          </a:p>
+        </p:txBody>
+      </p:sp>
+    </p:spTree>
+    <p:extLst>
+      <p:ext uri="{BB962C8B-B14F-4D97-AF65-F5344CB8AC3E}">
+        <p14:creationId xmlns:p14="http://schemas.microsoft.com/office/powerpoint/2010/main" val="2754849165"/>
       </p:ext>
     </p:extLst>
   </p:cSld>

--- a/C++_and_OOP/NCTU/project1/HW1_609001002/pics.pptx
+++ b/C++_and_OOP/NCTU/project1/HW1_609001002/pics.pptx
@@ -10,6 +10,7 @@
     <p:sldId id="258" r:id="rId4"/>
     <p:sldId id="260" r:id="rId5"/>
     <p:sldId id="259" r:id="rId6"/>
+    <p:sldId id="261" r:id="rId7"/>
   </p:sldIdLst>
   <p:sldSz cx="6858000" cy="9906000" type="A4"/>
   <p:notesSz cx="6858000" cy="9144000"/>
@@ -247,7 +248,7 @@
           <a:p>
             <a:fld id="{CFD73A00-8293-3E44-B8FC-1344C5A2E5D4}" type="datetimeFigureOut">
               <a:rPr kumimoji="1" lang="zh-TW" altLang="en-US" smtClean="0"/>
-              <a:t>2021/4/30</a:t>
+              <a:t>2021/5/1</a:t>
             </a:fld>
             <a:endParaRPr kumimoji="1" lang="zh-TW" altLang="en-US"/>
           </a:p>
@@ -417,7 +418,7 @@
           <a:p>
             <a:fld id="{CFD73A00-8293-3E44-B8FC-1344C5A2E5D4}" type="datetimeFigureOut">
               <a:rPr kumimoji="1" lang="zh-TW" altLang="en-US" smtClean="0"/>
-              <a:t>2021/4/30</a:t>
+              <a:t>2021/5/1</a:t>
             </a:fld>
             <a:endParaRPr kumimoji="1" lang="zh-TW" altLang="en-US"/>
           </a:p>
@@ -597,7 +598,7 @@
           <a:p>
             <a:fld id="{CFD73A00-8293-3E44-B8FC-1344C5A2E5D4}" type="datetimeFigureOut">
               <a:rPr kumimoji="1" lang="zh-TW" altLang="en-US" smtClean="0"/>
-              <a:t>2021/4/30</a:t>
+              <a:t>2021/5/1</a:t>
             </a:fld>
             <a:endParaRPr kumimoji="1" lang="zh-TW" altLang="en-US"/>
           </a:p>
@@ -767,7 +768,7 @@
           <a:p>
             <a:fld id="{CFD73A00-8293-3E44-B8FC-1344C5A2E5D4}" type="datetimeFigureOut">
               <a:rPr kumimoji="1" lang="zh-TW" altLang="en-US" smtClean="0"/>
-              <a:t>2021/4/30</a:t>
+              <a:t>2021/5/1</a:t>
             </a:fld>
             <a:endParaRPr kumimoji="1" lang="zh-TW" altLang="en-US"/>
           </a:p>
@@ -1011,7 +1012,7 @@
           <a:p>
             <a:fld id="{CFD73A00-8293-3E44-B8FC-1344C5A2E5D4}" type="datetimeFigureOut">
               <a:rPr kumimoji="1" lang="zh-TW" altLang="en-US" smtClean="0"/>
-              <a:t>2021/4/30</a:t>
+              <a:t>2021/5/1</a:t>
             </a:fld>
             <a:endParaRPr kumimoji="1" lang="zh-TW" altLang="en-US"/>
           </a:p>
@@ -1243,7 +1244,7 @@
           <a:p>
             <a:fld id="{CFD73A00-8293-3E44-B8FC-1344C5A2E5D4}" type="datetimeFigureOut">
               <a:rPr kumimoji="1" lang="zh-TW" altLang="en-US" smtClean="0"/>
-              <a:t>2021/4/30</a:t>
+              <a:t>2021/5/1</a:t>
             </a:fld>
             <a:endParaRPr kumimoji="1" lang="zh-TW" altLang="en-US"/>
           </a:p>
@@ -1610,7 +1611,7 @@
           <a:p>
             <a:fld id="{CFD73A00-8293-3E44-B8FC-1344C5A2E5D4}" type="datetimeFigureOut">
               <a:rPr kumimoji="1" lang="zh-TW" altLang="en-US" smtClean="0"/>
-              <a:t>2021/4/30</a:t>
+              <a:t>2021/5/1</a:t>
             </a:fld>
             <a:endParaRPr kumimoji="1" lang="zh-TW" altLang="en-US"/>
           </a:p>
@@ -1728,7 +1729,7 @@
           <a:p>
             <a:fld id="{CFD73A00-8293-3E44-B8FC-1344C5A2E5D4}" type="datetimeFigureOut">
               <a:rPr kumimoji="1" lang="zh-TW" altLang="en-US" smtClean="0"/>
-              <a:t>2021/4/30</a:t>
+              <a:t>2021/5/1</a:t>
             </a:fld>
             <a:endParaRPr kumimoji="1" lang="zh-TW" altLang="en-US"/>
           </a:p>
@@ -1823,7 +1824,7 @@
           <a:p>
             <a:fld id="{CFD73A00-8293-3E44-B8FC-1344C5A2E5D4}" type="datetimeFigureOut">
               <a:rPr kumimoji="1" lang="zh-TW" altLang="en-US" smtClean="0"/>
-              <a:t>2021/4/30</a:t>
+              <a:t>2021/5/1</a:t>
             </a:fld>
             <a:endParaRPr kumimoji="1" lang="zh-TW" altLang="en-US"/>
           </a:p>
@@ -2100,7 +2101,7 @@
           <a:p>
             <a:fld id="{CFD73A00-8293-3E44-B8FC-1344C5A2E5D4}" type="datetimeFigureOut">
               <a:rPr kumimoji="1" lang="zh-TW" altLang="en-US" smtClean="0"/>
-              <a:t>2021/4/30</a:t>
+              <a:t>2021/5/1</a:t>
             </a:fld>
             <a:endParaRPr kumimoji="1" lang="zh-TW" altLang="en-US"/>
           </a:p>
@@ -2357,7 +2358,7 @@
           <a:p>
             <a:fld id="{CFD73A00-8293-3E44-B8FC-1344C5A2E5D4}" type="datetimeFigureOut">
               <a:rPr kumimoji="1" lang="zh-TW" altLang="en-US" smtClean="0"/>
-              <a:t>2021/4/30</a:t>
+              <a:t>2021/5/1</a:t>
             </a:fld>
             <a:endParaRPr kumimoji="1" lang="zh-TW" altLang="en-US"/>
           </a:p>
@@ -2570,7 +2571,7 @@
           <a:p>
             <a:fld id="{CFD73A00-8293-3E44-B8FC-1344C5A2E5D4}" type="datetimeFigureOut">
               <a:rPr kumimoji="1" lang="zh-TW" altLang="en-US" smtClean="0"/>
-              <a:t>2021/4/30</a:t>
+              <a:t>2021/5/1</a:t>
             </a:fld>
             <a:endParaRPr kumimoji="1" lang="zh-TW" altLang="en-US"/>
           </a:p>
@@ -20668,7 +20669,7 @@
         <p:spPr>
           <a:xfrm>
             <a:off x="79065" y="195111"/>
-            <a:ext cx="3004368" cy="3510615"/>
+            <a:ext cx="3004368" cy="3832283"/>
           </a:xfrm>
           <a:prstGeom prst="rect">
             <a:avLst/>
@@ -21167,8 +21168,8 @@
         </p:nvSpPr>
         <p:spPr>
           <a:xfrm>
-            <a:off x="194618" y="2254663"/>
-            <a:ext cx="2607970" cy="1174144"/>
+            <a:off x="194618" y="2254662"/>
+            <a:ext cx="2607970" cy="1461657"/>
           </a:xfrm>
           <a:prstGeom prst="rect">
             <a:avLst/>
@@ -21361,7 +21362,7 @@
         </p:nvSpPr>
         <p:spPr>
           <a:xfrm>
-            <a:off x="274447" y="3092232"/>
+            <a:off x="328902" y="3092232"/>
             <a:ext cx="2145619" cy="246221"/>
           </a:xfrm>
           <a:prstGeom prst="rect">
@@ -21369,9 +21370,7 @@
           </a:prstGeom>
           <a:noFill/>
           <a:ln>
-            <a:solidFill>
-              <a:srgbClr val="0432FF"/>
-            </a:solidFill>
+            <a:noFill/>
           </a:ln>
         </p:spPr>
         <p:txBody>
@@ -21541,7 +21540,7 @@
         <p:spPr>
           <a:xfrm>
             <a:off x="3251532" y="195111"/>
-            <a:ext cx="3527403" cy="3510615"/>
+            <a:ext cx="3527403" cy="3832283"/>
           </a:xfrm>
           <a:prstGeom prst="rect">
             <a:avLst/>
@@ -22059,8 +22058,8 @@
         </p:nvSpPr>
         <p:spPr>
           <a:xfrm>
-            <a:off x="3367084" y="2254663"/>
-            <a:ext cx="3329344" cy="1174144"/>
+            <a:off x="3367084" y="2254662"/>
+            <a:ext cx="3329344" cy="1461657"/>
           </a:xfrm>
           <a:prstGeom prst="rect">
             <a:avLst/>
@@ -22189,63 +22188,6 @@
                 </a:solidFill>
               </a:rPr>
               <a:t>Monster*</a:t>
-            </a:r>
-            <a:endParaRPr kumimoji="1" lang="zh-TW" altLang="en-US" sz="1000" dirty="0">
-              <a:solidFill>
-                <a:srgbClr val="00B050"/>
-              </a:solidFill>
-            </a:endParaRPr>
-          </a:p>
-        </p:txBody>
-      </p:sp>
-      <p:sp>
-        <p:nvSpPr>
-          <p:cNvPr id="50" name="文字方塊 49">
-            <a:extLst>
-              <a:ext uri="{FF2B5EF4-FFF2-40B4-BE49-F238E27FC236}">
-                <a16:creationId xmlns:a16="http://schemas.microsoft.com/office/drawing/2014/main" id="{E3207583-EF54-D041-8A7C-8437100DDF2F}"/>
-              </a:ext>
-            </a:extLst>
-          </p:cNvPr>
-          <p:cNvSpPr txBox="1"/>
-          <p:nvPr/>
-        </p:nvSpPr>
-        <p:spPr>
-          <a:xfrm>
-            <a:off x="3446914" y="3092232"/>
-            <a:ext cx="2853852" cy="246221"/>
-          </a:xfrm>
-          <a:prstGeom prst="rect">
-            <a:avLst/>
-          </a:prstGeom>
-          <a:noFill/>
-          <a:ln>
-            <a:solidFill>
-              <a:srgbClr val="0432FF"/>
-            </a:solidFill>
-          </a:ln>
-        </p:spPr>
-        <p:txBody>
-          <a:bodyPr wrap="square" rtlCol="0">
-            <a:spAutoFit/>
-          </a:bodyPr>
-          <a:lstStyle/>
-          <a:p>
-            <a:r>
-              <a:rPr kumimoji="1" lang="en-US" altLang="zh-TW" sz="1000" dirty="0">
-                <a:solidFill>
-                  <a:srgbClr val="0432FF"/>
-                </a:solidFill>
-              </a:rPr>
-              <a:t>loadNPC(stringstream&amp;, ifstream&amp;): </a:t>
-            </a:r>
-            <a:r>
-              <a:rPr kumimoji="1" lang="en-US" altLang="zh-TW" sz="1000" dirty="0">
-                <a:solidFill>
-                  <a:srgbClr val="00B050"/>
-                </a:solidFill>
-              </a:rPr>
-              <a:t>NPC*</a:t>
             </a:r>
             <a:endParaRPr kumimoji="1" lang="zh-TW" altLang="en-US" sz="1000" dirty="0">
               <a:solidFill>
@@ -22465,7 +22407,7 @@
         </p:nvCxnSpPr>
         <p:spPr>
           <a:xfrm>
-            <a:off x="4819285" y="3428807"/>
+            <a:off x="4819285" y="3716759"/>
             <a:ext cx="0" cy="153016"/>
           </a:xfrm>
           <a:prstGeom prst="straightConnector1">
@@ -22510,7 +22452,7 @@
         </p:nvCxnSpPr>
         <p:spPr>
           <a:xfrm rot="16200000">
-            <a:off x="4923369" y="3477740"/>
+            <a:off x="4923369" y="3765692"/>
             <a:ext cx="0" cy="208167"/>
           </a:xfrm>
           <a:prstGeom prst="straightConnector1">
@@ -22552,7 +22494,7 @@
         </p:nvSpPr>
         <p:spPr>
           <a:xfrm>
-            <a:off x="5027453" y="3505315"/>
+            <a:off x="5027453" y="3793267"/>
             <a:ext cx="759043" cy="151068"/>
           </a:xfrm>
           <a:prstGeom prst="rect">
@@ -22582,6 +22524,279 @@
             <a:endParaRPr kumimoji="1" lang="zh-TW" altLang="en-US" sz="1000" dirty="0">
               <a:solidFill>
                 <a:srgbClr val="FF0000"/>
+              </a:solidFill>
+            </a:endParaRPr>
+          </a:p>
+        </p:txBody>
+      </p:sp>
+      <p:sp>
+        <p:nvSpPr>
+          <p:cNvPr id="48" name="矩形 47">
+            <a:extLst>
+              <a:ext uri="{FF2B5EF4-FFF2-40B4-BE49-F238E27FC236}">
+                <a16:creationId xmlns:a16="http://schemas.microsoft.com/office/drawing/2014/main" id="{EE56801C-62B0-EF4E-8590-592153FA6735}"/>
+              </a:ext>
+            </a:extLst>
+          </p:cNvPr>
+          <p:cNvSpPr/>
+          <p:nvPr/>
+        </p:nvSpPr>
+        <p:spPr>
+          <a:xfrm>
+            <a:off x="277264" y="3096001"/>
+            <a:ext cx="2277677" cy="538046"/>
+          </a:xfrm>
+          <a:prstGeom prst="rect">
+            <a:avLst/>
+          </a:prstGeom>
+          <a:noFill/>
+          <a:ln w="9525">
+            <a:solidFill>
+              <a:srgbClr val="0432FF"/>
+            </a:solidFill>
+          </a:ln>
+        </p:spPr>
+        <p:style>
+          <a:lnRef idx="2">
+            <a:schemeClr val="accent1">
+              <a:shade val="50000"/>
+            </a:schemeClr>
+          </a:lnRef>
+          <a:fillRef idx="1">
+            <a:schemeClr val="accent1"/>
+          </a:fillRef>
+          <a:effectRef idx="0">
+            <a:schemeClr val="accent1"/>
+          </a:effectRef>
+          <a:fontRef idx="minor">
+            <a:schemeClr val="lt1"/>
+          </a:fontRef>
+        </p:style>
+        <p:txBody>
+          <a:bodyPr rtlCol="0" anchor="ctr"/>
+          <a:lstStyle/>
+          <a:p>
+            <a:pPr algn="ctr"/>
+            <a:endParaRPr kumimoji="1" lang="zh-TW" altLang="en-US" sz="1000" dirty="0">
+              <a:highlight>
+                <a:srgbClr val="000000"/>
+              </a:highlight>
+            </a:endParaRPr>
+          </a:p>
+        </p:txBody>
+      </p:sp>
+      <p:sp>
+        <p:nvSpPr>
+          <p:cNvPr id="55" name="文字方塊 54">
+            <a:extLst>
+              <a:ext uri="{FF2B5EF4-FFF2-40B4-BE49-F238E27FC236}">
+                <a16:creationId xmlns:a16="http://schemas.microsoft.com/office/drawing/2014/main" id="{9F1D2DB9-09AA-4241-92FE-9BD1FE9CAF30}"/>
+              </a:ext>
+            </a:extLst>
+          </p:cNvPr>
+          <p:cNvSpPr txBox="1"/>
+          <p:nvPr/>
+        </p:nvSpPr>
+        <p:spPr>
+          <a:xfrm>
+            <a:off x="328902" y="3328624"/>
+            <a:ext cx="2145619" cy="246221"/>
+          </a:xfrm>
+          <a:prstGeom prst="rect">
+            <a:avLst/>
+          </a:prstGeom>
+          <a:noFill/>
+          <a:ln>
+            <a:solidFill>
+              <a:srgbClr val="0432FF"/>
+            </a:solidFill>
+          </a:ln>
+        </p:spPr>
+        <p:txBody>
+          <a:bodyPr wrap="square" rtlCol="0">
+            <a:spAutoFit/>
+          </a:bodyPr>
+          <a:lstStyle/>
+          <a:p>
+            <a:r>
+              <a:rPr kumimoji="1" lang="en-US" altLang="zh-TW" sz="1000" dirty="0">
+                <a:solidFill>
+                  <a:srgbClr val="0432FF"/>
+                </a:solidFill>
+              </a:rPr>
+              <a:t>saveItem(Item*, ofstream&amp;): void</a:t>
+            </a:r>
+            <a:endParaRPr kumimoji="1" lang="zh-TW" altLang="en-US" sz="1000" dirty="0">
+              <a:solidFill>
+                <a:srgbClr val="0432FF"/>
+              </a:solidFill>
+            </a:endParaRPr>
+          </a:p>
+        </p:txBody>
+      </p:sp>
+      <p:sp>
+        <p:nvSpPr>
+          <p:cNvPr id="56" name="文字方塊 55">
+            <a:extLst>
+              <a:ext uri="{FF2B5EF4-FFF2-40B4-BE49-F238E27FC236}">
+                <a16:creationId xmlns:a16="http://schemas.microsoft.com/office/drawing/2014/main" id="{870945E2-0BD0-CD44-9B81-92396579717E}"/>
+              </a:ext>
+            </a:extLst>
+          </p:cNvPr>
+          <p:cNvSpPr txBox="1"/>
+          <p:nvPr/>
+        </p:nvSpPr>
+        <p:spPr>
+          <a:xfrm>
+            <a:off x="3498551" y="3092232"/>
+            <a:ext cx="2394138" cy="246221"/>
+          </a:xfrm>
+          <a:prstGeom prst="rect">
+            <a:avLst/>
+          </a:prstGeom>
+          <a:noFill/>
+          <a:ln>
+            <a:noFill/>
+          </a:ln>
+        </p:spPr>
+        <p:txBody>
+          <a:bodyPr wrap="square" rtlCol="0">
+            <a:spAutoFit/>
+          </a:bodyPr>
+          <a:lstStyle/>
+          <a:p>
+            <a:r>
+              <a:rPr kumimoji="1" lang="en-US" altLang="zh-TW" sz="1000" dirty="0">
+                <a:solidFill>
+                  <a:srgbClr val="0432FF"/>
+                </a:solidFill>
+              </a:rPr>
+              <a:t>loadNPC(stringstream&amp;, ifstream&amp;): </a:t>
+            </a:r>
+            <a:r>
+              <a:rPr kumimoji="1" lang="en-US" altLang="zh-TW" sz="1000" dirty="0">
+                <a:solidFill>
+                  <a:srgbClr val="00B050"/>
+                </a:solidFill>
+              </a:rPr>
+              <a:t>NPC*</a:t>
+            </a:r>
+            <a:endParaRPr kumimoji="1" lang="zh-TW" altLang="en-US" sz="1000" dirty="0">
+              <a:solidFill>
+                <a:srgbClr val="00B050"/>
+              </a:solidFill>
+            </a:endParaRPr>
+          </a:p>
+        </p:txBody>
+      </p:sp>
+      <p:sp>
+        <p:nvSpPr>
+          <p:cNvPr id="58" name="矩形 57">
+            <a:extLst>
+              <a:ext uri="{FF2B5EF4-FFF2-40B4-BE49-F238E27FC236}">
+                <a16:creationId xmlns:a16="http://schemas.microsoft.com/office/drawing/2014/main" id="{A1749D7B-9909-2643-9A88-46112A07E559}"/>
+              </a:ext>
+            </a:extLst>
+          </p:cNvPr>
+          <p:cNvSpPr/>
+          <p:nvPr/>
+        </p:nvSpPr>
+        <p:spPr>
+          <a:xfrm>
+            <a:off x="3446912" y="3096001"/>
+            <a:ext cx="2983095" cy="538046"/>
+          </a:xfrm>
+          <a:prstGeom prst="rect">
+            <a:avLst/>
+          </a:prstGeom>
+          <a:noFill/>
+          <a:ln w="9525">
+            <a:solidFill>
+              <a:srgbClr val="0432FF"/>
+            </a:solidFill>
+          </a:ln>
+        </p:spPr>
+        <p:style>
+          <a:lnRef idx="2">
+            <a:schemeClr val="accent1">
+              <a:shade val="50000"/>
+            </a:schemeClr>
+          </a:lnRef>
+          <a:fillRef idx="1">
+            <a:schemeClr val="accent1"/>
+          </a:fillRef>
+          <a:effectRef idx="0">
+            <a:schemeClr val="accent1"/>
+          </a:effectRef>
+          <a:fontRef idx="minor">
+            <a:schemeClr val="lt1"/>
+          </a:fontRef>
+        </p:style>
+        <p:txBody>
+          <a:bodyPr rtlCol="0" anchor="ctr"/>
+          <a:lstStyle/>
+          <a:p>
+            <a:pPr algn="ctr"/>
+            <a:endParaRPr kumimoji="1" lang="zh-TW" altLang="en-US" sz="1000" dirty="0">
+              <a:highlight>
+                <a:srgbClr val="000000"/>
+              </a:highlight>
+            </a:endParaRPr>
+          </a:p>
+        </p:txBody>
+      </p:sp>
+      <p:sp>
+        <p:nvSpPr>
+          <p:cNvPr id="62" name="文字方塊 61">
+            <a:extLst>
+              <a:ext uri="{FF2B5EF4-FFF2-40B4-BE49-F238E27FC236}">
+                <a16:creationId xmlns:a16="http://schemas.microsoft.com/office/drawing/2014/main" id="{A25DED34-1796-274B-9A33-987FDFA5E27A}"/>
+              </a:ext>
+            </a:extLst>
+          </p:cNvPr>
+          <p:cNvSpPr txBox="1"/>
+          <p:nvPr/>
+        </p:nvSpPr>
+        <p:spPr>
+          <a:xfrm>
+            <a:off x="3498551" y="3327762"/>
+            <a:ext cx="2853854" cy="246221"/>
+          </a:xfrm>
+          <a:prstGeom prst="rect">
+            <a:avLst/>
+          </a:prstGeom>
+          <a:noFill/>
+          <a:ln>
+            <a:solidFill>
+              <a:srgbClr val="0432FF"/>
+            </a:solidFill>
+          </a:ln>
+        </p:spPr>
+        <p:txBody>
+          <a:bodyPr wrap="square" rtlCol="0">
+            <a:spAutoFit/>
+          </a:bodyPr>
+          <a:lstStyle/>
+          <a:p>
+            <a:r>
+              <a:rPr kumimoji="1" lang="en-US" altLang="zh-TW" sz="1000" dirty="0">
+                <a:solidFill>
+                  <a:srgbClr val="0432FF"/>
+                </a:solidFill>
+              </a:rPr>
+              <a:t>loadItem(stringstream&amp;, ifstream&amp;): </a:t>
+            </a:r>
+            <a:r>
+              <a:rPr kumimoji="1" lang="en-US" altLang="zh-TW" sz="1000" dirty="0">
+                <a:solidFill>
+                  <a:srgbClr val="00B050"/>
+                </a:solidFill>
+              </a:rPr>
+              <a:t>Item*</a:t>
+            </a:r>
+            <a:endParaRPr kumimoji="1" lang="zh-TW" altLang="en-US" sz="1000" dirty="0">
+              <a:solidFill>
+                <a:srgbClr val="00B050"/>
               </a:solidFill>
             </a:endParaRPr>
           </a:p>
@@ -26207,6 +26422,218 @@
 </p:sld>
 </file>
 
+<file path=ppt/slides/slide6.xml><?xml version="1.0" encoding="utf-8"?>
+<p:sld xmlns:a="http://schemas.openxmlformats.org/drawingml/2006/main" xmlns:r="http://schemas.openxmlformats.org/officeDocument/2006/relationships" xmlns:p="http://schemas.openxmlformats.org/presentationml/2006/main">
+  <p:cSld>
+    <p:spTree>
+      <p:nvGrpSpPr>
+        <p:cNvPr id="1" name=""/>
+        <p:cNvGrpSpPr/>
+        <p:nvPr/>
+      </p:nvGrpSpPr>
+      <p:grpSpPr>
+        <a:xfrm>
+          <a:off x="0" y="0"/>
+          <a:ext cx="0" cy="0"/>
+          <a:chOff x="0" y="0"/>
+          <a:chExt cx="0" cy="0"/>
+        </a:xfrm>
+      </p:grpSpPr>
+      <p:pic>
+        <p:nvPicPr>
+          <p:cNvPr id="2" name="圖片 1">
+            <a:extLst>
+              <a:ext uri="{FF2B5EF4-FFF2-40B4-BE49-F238E27FC236}">
+                <a16:creationId xmlns:a16="http://schemas.microsoft.com/office/drawing/2014/main" id="{7236D494-2A6C-6D4E-96E0-6BA64CFB0440}"/>
+              </a:ext>
+            </a:extLst>
+          </p:cNvPr>
+          <p:cNvPicPr>
+            <a:picLocks noChangeAspect="1"/>
+          </p:cNvPicPr>
+          <p:nvPr/>
+        </p:nvPicPr>
+        <p:blipFill rotWithShape="1">
+          <a:blip r:embed="rId2"/>
+          <a:srcRect b="86014"/>
+          <a:stretch/>
+        </p:blipFill>
+        <p:spPr>
+          <a:xfrm>
+            <a:off x="905933" y="368839"/>
+            <a:ext cx="5046133" cy="943493"/>
+          </a:xfrm>
+          <a:prstGeom prst="rect">
+            <a:avLst/>
+          </a:prstGeom>
+        </p:spPr>
+      </p:pic>
+      <p:pic>
+        <p:nvPicPr>
+          <p:cNvPr id="6" name="圖片 5">
+            <a:extLst>
+              <a:ext uri="{FF2B5EF4-FFF2-40B4-BE49-F238E27FC236}">
+                <a16:creationId xmlns:a16="http://schemas.microsoft.com/office/drawing/2014/main" id="{42F040D3-C05F-5342-8724-4FDA720C5DC0}"/>
+              </a:ext>
+            </a:extLst>
+          </p:cNvPr>
+          <p:cNvPicPr>
+            <a:picLocks noChangeAspect="1"/>
+          </p:cNvPicPr>
+          <p:nvPr/>
+        </p:nvPicPr>
+        <p:blipFill rotWithShape="1">
+          <a:blip r:embed="rId2"/>
+          <a:srcRect t="61176" b="13598"/>
+          <a:stretch/>
+        </p:blipFill>
+        <p:spPr>
+          <a:xfrm>
+            <a:off x="905933" y="1625600"/>
+            <a:ext cx="5046133" cy="1701800"/>
+          </a:xfrm>
+          <a:prstGeom prst="rect">
+            <a:avLst/>
+          </a:prstGeom>
+        </p:spPr>
+      </p:pic>
+      <p:sp>
+        <p:nvSpPr>
+          <p:cNvPr id="7" name="矩形 6">
+            <a:extLst>
+              <a:ext uri="{FF2B5EF4-FFF2-40B4-BE49-F238E27FC236}">
+                <a16:creationId xmlns:a16="http://schemas.microsoft.com/office/drawing/2014/main" id="{F65714D7-632B-7140-8F77-B64B2E68C320}"/>
+              </a:ext>
+            </a:extLst>
+          </p:cNvPr>
+          <p:cNvSpPr/>
+          <p:nvPr/>
+        </p:nvSpPr>
+        <p:spPr>
+          <a:xfrm rot="5400000">
+            <a:off x="3245144" y="1383651"/>
+            <a:ext cx="264816" cy="170630"/>
+          </a:xfrm>
+          <a:prstGeom prst="rect">
+            <a:avLst/>
+          </a:prstGeom>
+          <a:noFill/>
+          <a:ln>
+            <a:noFill/>
+          </a:ln>
+        </p:spPr>
+        <p:style>
+          <a:lnRef idx="2">
+            <a:schemeClr val="accent1">
+              <a:shade val="50000"/>
+            </a:schemeClr>
+          </a:lnRef>
+          <a:fillRef idx="1">
+            <a:schemeClr val="accent1"/>
+          </a:fillRef>
+          <a:effectRef idx="0">
+            <a:schemeClr val="accent1"/>
+          </a:effectRef>
+          <a:fontRef idx="minor">
+            <a:schemeClr val="lt1"/>
+          </a:fontRef>
+        </p:style>
+        <p:txBody>
+          <a:bodyPr wrap="none" lIns="90000" rtlCol="0" anchor="b" anchorCtr="0">
+            <a:noAutofit/>
+          </a:bodyPr>
+          <a:lstStyle/>
+          <a:p>
+            <a:pPr algn="ctr"/>
+            <a:r>
+              <a:rPr kumimoji="1" lang="en-US" altLang="zh-TW" sz="1600" dirty="0">
+                <a:solidFill>
+                  <a:sysClr val="windowText" lastClr="000000"/>
+                </a:solidFill>
+              </a:rPr>
+              <a:t>…</a:t>
+            </a:r>
+            <a:endParaRPr kumimoji="1" lang="zh-TW" altLang="en-US" sz="1600" dirty="0">
+              <a:solidFill>
+                <a:sysClr val="windowText" lastClr="000000"/>
+              </a:solidFill>
+            </a:endParaRPr>
+          </a:p>
+        </p:txBody>
+      </p:sp>
+      <p:pic>
+        <p:nvPicPr>
+          <p:cNvPr id="8" name="圖片 7">
+            <a:extLst>
+              <a:ext uri="{FF2B5EF4-FFF2-40B4-BE49-F238E27FC236}">
+                <a16:creationId xmlns:a16="http://schemas.microsoft.com/office/drawing/2014/main" id="{8887A207-ECCF-B343-8B4E-7173D06E55CF}"/>
+              </a:ext>
+            </a:extLst>
+          </p:cNvPr>
+          <p:cNvPicPr>
+            <a:picLocks noChangeAspect="1"/>
+          </p:cNvPicPr>
+          <p:nvPr/>
+        </p:nvPicPr>
+        <p:blipFill>
+          <a:blip r:embed="rId3"/>
+          <a:stretch>
+            <a:fillRect/>
+          </a:stretch>
+        </p:blipFill>
+        <p:spPr>
+          <a:xfrm>
+            <a:off x="743436" y="3640668"/>
+            <a:ext cx="2313846" cy="2002367"/>
+          </a:xfrm>
+          <a:prstGeom prst="rect">
+            <a:avLst/>
+          </a:prstGeom>
+        </p:spPr>
+      </p:pic>
+      <p:pic>
+        <p:nvPicPr>
+          <p:cNvPr id="9" name="圖片 8">
+            <a:extLst>
+              <a:ext uri="{FF2B5EF4-FFF2-40B4-BE49-F238E27FC236}">
+                <a16:creationId xmlns:a16="http://schemas.microsoft.com/office/drawing/2014/main" id="{ACD1562B-9CD6-4546-99E9-C9C40D110331}"/>
+              </a:ext>
+            </a:extLst>
+          </p:cNvPr>
+          <p:cNvPicPr>
+            <a:picLocks noChangeAspect="1"/>
+          </p:cNvPicPr>
+          <p:nvPr/>
+        </p:nvPicPr>
+        <p:blipFill>
+          <a:blip r:embed="rId4"/>
+          <a:stretch>
+            <a:fillRect/>
+          </a:stretch>
+        </p:blipFill>
+        <p:spPr>
+          <a:xfrm>
+            <a:off x="3800718" y="3640668"/>
+            <a:ext cx="2313846" cy="2002367"/>
+          </a:xfrm>
+          <a:prstGeom prst="rect">
+            <a:avLst/>
+          </a:prstGeom>
+        </p:spPr>
+      </p:pic>
+    </p:spTree>
+    <p:extLst>
+      <p:ext uri="{BB962C8B-B14F-4D97-AF65-F5344CB8AC3E}">
+        <p14:creationId xmlns:p14="http://schemas.microsoft.com/office/powerpoint/2010/main" val="2954264689"/>
+      </p:ext>
+    </p:extLst>
+  </p:cSld>
+  <p:clrMapOvr>
+    <a:masterClrMapping/>
+  </p:clrMapOvr>
+</p:sld>
+</file>
+
 <file path=ppt/theme/theme1.xml><?xml version="1.0" encoding="utf-8"?>
 <a:theme xmlns:a="http://schemas.openxmlformats.org/drawingml/2006/main" name="Office 佈景主題">
   <a:themeElements>
